--- a/colab.pptx
+++ b/colab.pptx
@@ -7,39 +7,32 @@
   <p:sldIdLst>
     <p:sldId id="256" r:id="rId2"/>
     <p:sldId id="257" r:id="rId3"/>
-    <p:sldId id="258" r:id="rId4"/>
-    <p:sldId id="259" r:id="rId5"/>
-    <p:sldId id="260" r:id="rId6"/>
-    <p:sldId id="261" r:id="rId7"/>
-    <p:sldId id="262" r:id="rId8"/>
-    <p:sldId id="263" r:id="rId9"/>
-    <p:sldId id="264" r:id="rId10"/>
-    <p:sldId id="265" r:id="rId11"/>
-    <p:sldId id="266" r:id="rId12"/>
-    <p:sldId id="267" r:id="rId13"/>
-    <p:sldId id="268" r:id="rId14"/>
-    <p:sldId id="269" r:id="rId15"/>
-    <p:sldId id="270" r:id="rId16"/>
-    <p:sldId id="271" r:id="rId17"/>
-    <p:sldId id="272" r:id="rId18"/>
-    <p:sldId id="273" r:id="rId19"/>
-    <p:sldId id="283" r:id="rId20"/>
-    <p:sldId id="284" r:id="rId21"/>
-    <p:sldId id="274" r:id="rId22"/>
-    <p:sldId id="275" r:id="rId23"/>
-    <p:sldId id="276" r:id="rId24"/>
-    <p:sldId id="277" r:id="rId25"/>
-    <p:sldId id="278" r:id="rId26"/>
-    <p:sldId id="285" r:id="rId27"/>
-    <p:sldId id="296" r:id="rId38"/>
-    <p:sldId id="297" r:id="rId39"/>
-    <p:sldId id="298" r:id="rId40"/>
-    <p:sldId id="288" r:id="rId28"/>
-    <p:sldId id="289" r:id="rId29"/>
-    <p:sldId id="295" r:id="rId30"/>
-    <p:sldId id="290" r:id="rId31"/>
-    <p:sldId id="291" r:id="rId32"/>
-    <p:sldId id="292" r:id="rId33"/>
+    <p:sldId id="299" r:id="rId33"/>
+    <p:sldId id="259" r:id="rId4"/>
+    <p:sldId id="260" r:id="rId5"/>
+    <p:sldId id="261" r:id="rId6"/>
+    <p:sldId id="262" r:id="rId7"/>
+    <p:sldId id="263" r:id="rId8"/>
+    <p:sldId id="264" r:id="rId9"/>
+    <p:sldId id="265" r:id="rId10"/>
+    <p:sldId id="266" r:id="rId11"/>
+    <p:sldId id="267" r:id="rId12"/>
+    <p:sldId id="268" r:id="rId13"/>
+    <p:sldId id="269" r:id="rId14"/>
+    <p:sldId id="270" r:id="rId15"/>
+    <p:sldId id="271" r:id="rId16"/>
+    <p:sldId id="272" r:id="rId17"/>
+    <p:sldId id="273" r:id="rId18"/>
+    <p:sldId id="283" r:id="rId19"/>
+    <p:sldId id="285" r:id="rId20"/>
+    <p:sldId id="296" r:id="rId21"/>
+    <p:sldId id="297" r:id="rId22"/>
+    <p:sldId id="298" r:id="rId23"/>
+    <p:sldId id="288" r:id="rId24"/>
+    <p:sldId id="295" r:id="rId25"/>
+    <p:sldId id="290" r:id="rId26"/>
+    <p:sldId id="291" r:id="rId27"/>
+    <p:sldId id="292" r:id="rId28"/>
   </p:sldIdLst>
   <p:sldSz cx="14630400" cy="8229600"/>
   <p:notesSz cx="6858000" cy="9144000"/>
@@ -336,7 +329,7 @@
           <a:p>
             <a:fld id="{5BCAD085-E8A6-8845-BD4E-CB4CCA059FC4}" type="datetimeFigureOut">
               <a:rPr lang="en-US" smtClean="0"/>
-              <a:t>1/31/2026</a:t>
+              <a:t>2/1/2026</a:t>
             </a:fld>
             <a:endParaRPr lang="en-US"/>
           </a:p>
@@ -504,7 +497,7 @@
           <a:p>
             <a:fld id="{5BCAD085-E8A6-8845-BD4E-CB4CCA059FC4}" type="datetimeFigureOut">
               <a:rPr lang="en-US" smtClean="0"/>
-              <a:t>1/31/2026</a:t>
+              <a:t>2/1/2026</a:t>
             </a:fld>
             <a:endParaRPr lang="en-US"/>
           </a:p>
@@ -682,7 +675,7 @@
           <a:p>
             <a:fld id="{5BCAD085-E8A6-8845-BD4E-CB4CCA059FC4}" type="datetimeFigureOut">
               <a:rPr lang="en-US" smtClean="0"/>
-              <a:t>1/31/2026</a:t>
+              <a:t>2/1/2026</a:t>
             </a:fld>
             <a:endParaRPr lang="en-US"/>
           </a:p>
@@ -850,7 +843,7 @@
           <a:p>
             <a:fld id="{5BCAD085-E8A6-8845-BD4E-CB4CCA059FC4}" type="datetimeFigureOut">
               <a:rPr lang="en-US" smtClean="0"/>
-              <a:t>1/31/2026</a:t>
+              <a:t>2/1/2026</a:t>
             </a:fld>
             <a:endParaRPr lang="en-US"/>
           </a:p>
@@ -1095,7 +1088,7 @@
           <a:p>
             <a:fld id="{5BCAD085-E8A6-8845-BD4E-CB4CCA059FC4}" type="datetimeFigureOut">
               <a:rPr lang="en-US" smtClean="0"/>
-              <a:t>1/31/2026</a:t>
+              <a:t>2/1/2026</a:t>
             </a:fld>
             <a:endParaRPr lang="en-US"/>
           </a:p>
@@ -1380,7 +1373,7 @@
           <a:p>
             <a:fld id="{5BCAD085-E8A6-8845-BD4E-CB4CCA059FC4}" type="datetimeFigureOut">
               <a:rPr lang="en-US" smtClean="0"/>
-              <a:t>1/31/2026</a:t>
+              <a:t>2/1/2026</a:t>
             </a:fld>
             <a:endParaRPr lang="en-US"/>
           </a:p>
@@ -1799,7 +1792,7 @@
           <a:p>
             <a:fld id="{5BCAD085-E8A6-8845-BD4E-CB4CCA059FC4}" type="datetimeFigureOut">
               <a:rPr lang="en-US" smtClean="0"/>
-              <a:t>1/31/2026</a:t>
+              <a:t>2/1/2026</a:t>
             </a:fld>
             <a:endParaRPr lang="en-US"/>
           </a:p>
@@ -1916,7 +1909,7 @@
           <a:p>
             <a:fld id="{5BCAD085-E8A6-8845-BD4E-CB4CCA059FC4}" type="datetimeFigureOut">
               <a:rPr lang="en-US" smtClean="0"/>
-              <a:t>1/31/2026</a:t>
+              <a:t>2/1/2026</a:t>
             </a:fld>
             <a:endParaRPr lang="en-US"/>
           </a:p>
@@ -2011,7 +2004,7 @@
           <a:p>
             <a:fld id="{5BCAD085-E8A6-8845-BD4E-CB4CCA059FC4}" type="datetimeFigureOut">
               <a:rPr lang="en-US" smtClean="0"/>
-              <a:t>1/31/2026</a:t>
+              <a:t>2/1/2026</a:t>
             </a:fld>
             <a:endParaRPr lang="en-US"/>
           </a:p>
@@ -2286,7 +2279,7 @@
           <a:p>
             <a:fld id="{5BCAD085-E8A6-8845-BD4E-CB4CCA059FC4}" type="datetimeFigureOut">
               <a:rPr lang="en-US" smtClean="0"/>
-              <a:t>1/31/2026</a:t>
+              <a:t>2/1/2026</a:t>
             </a:fld>
             <a:endParaRPr lang="en-US"/>
           </a:p>
@@ -2538,7 +2531,7 @@
           <a:p>
             <a:fld id="{5BCAD085-E8A6-8845-BD4E-CB4CCA059FC4}" type="datetimeFigureOut">
               <a:rPr lang="en-US" smtClean="0"/>
-              <a:t>1/31/2026</a:t>
+              <a:t>2/1/2026</a:t>
             </a:fld>
             <a:endParaRPr lang="en-US"/>
           </a:p>
@@ -2749,7 +2742,7 @@
           <a:p>
             <a:fld id="{5BCAD085-E8A6-8845-BD4E-CB4CCA059FC4}" type="datetimeFigureOut">
               <a:rPr lang="en-US" smtClean="0"/>
-              <a:t>1/31/2026</a:t>
+              <a:t>2/1/2026</a:t>
             </a:fld>
             <a:endParaRPr lang="en-US"/>
           </a:p>
@@ -3132,7 +3125,7 @@
         </p:nvSpPr>
         <p:spPr>
           <a:xfrm>
-            <a:off x="0" y="0"/>
+            <a:off x="6220" y="0"/>
             <a:ext cx="14630400" cy="8229600"/>
           </a:xfrm>
           <a:prstGeom prst="rect">
@@ -3497,7 +3490,7 @@
               </a:defRPr>
             </a:pPr>
             <a:r>
-              <a:t>Interface Overview</a:t>
+              <a:t>What is a Cell?</a:t>
             </a:r>
           </a:p>
         </p:txBody>
@@ -3510,7 +3503,7 @@
         </p:nvSpPr>
         <p:spPr>
           <a:xfrm>
-            <a:off x="914400" y="2011680"/>
+            <a:off x="1339596" y="2235615"/>
             <a:ext cx="12801600" cy="5486400"/>
           </a:xfrm>
           <a:prstGeom prst="rect">
@@ -3536,71 +3529,104 @@
               </a:defRPr>
             </a:pPr>
             <a:r>
-              <a:t>• + Code: Add a new code cell</a:t>
-            </a:r>
-          </a:p>
-          <a:p>
-            <a:pPr>
-              <a:spcBef>
-                <a:spcPts val="800"/>
-              </a:spcBef>
-              <a:defRPr sz="2400">
-                <a:solidFill>
-                  <a:srgbClr val="FFFFFF"/>
-                </a:solidFill>
-                <a:latin typeface="Arial"/>
-              </a:defRPr>
-            </a:pPr>
-            <a:r>
-              <a:t>• + Text: Add a text/markdown cell</a:t>
-            </a:r>
-          </a:p>
-          <a:p>
-            <a:pPr>
-              <a:spcBef>
-                <a:spcPts val="800"/>
-              </a:spcBef>
-              <a:defRPr sz="2400">
-                <a:solidFill>
-                  <a:srgbClr val="FFFFFF"/>
-                </a:solidFill>
-                <a:latin typeface="Arial"/>
-              </a:defRPr>
-            </a:pPr>
-            <a:r>
-              <a:t>• Connect: Connect to Google's servers</a:t>
-            </a:r>
-          </a:p>
-          <a:p>
-            <a:pPr>
-              <a:spcBef>
-                <a:spcPts val="800"/>
-              </a:spcBef>
-              <a:defRPr sz="2400">
-                <a:solidFill>
-                  <a:srgbClr val="FFFFFF"/>
-                </a:solidFill>
-                <a:latin typeface="Arial"/>
-              </a:defRPr>
-            </a:pPr>
-            <a:r>
-              <a:t>• + Gemini: Open AI assistant</a:t>
-            </a:r>
-          </a:p>
-          <a:p>
-            <a:pPr>
-              <a:spcBef>
-                <a:spcPts val="800"/>
-              </a:spcBef>
-              <a:defRPr sz="2400">
-                <a:solidFill>
-                  <a:srgbClr val="FFFFFF"/>
-                </a:solidFill>
-                <a:latin typeface="Arial"/>
-              </a:defRPr>
-            </a:pPr>
-            <a:r>
-              <a:t>• Files (folder icon): View and upload files</a:t>
+              <a:rPr dirty="0"/>
+              <a:t>A cell is a box where you write code or text.</a:t>
+            </a:r>
+          </a:p>
+          <a:p>
+            <a:pPr>
+              <a:spcBef>
+                <a:spcPts val="800"/>
+              </a:spcBef>
+              <a:defRPr sz="2400">
+                <a:solidFill>
+                  <a:srgbClr val="FFFFFF"/>
+                </a:solidFill>
+                <a:latin typeface="Arial"/>
+              </a:defRPr>
+            </a:pPr>
+            <a:endParaRPr dirty="0"/>
+          </a:p>
+          <a:p>
+            <a:pPr>
+              <a:spcBef>
+                <a:spcPts val="800"/>
+              </a:spcBef>
+              <a:defRPr sz="2400">
+                <a:solidFill>
+                  <a:srgbClr val="FFFFFF"/>
+                </a:solidFill>
+                <a:latin typeface="Arial"/>
+              </a:defRPr>
+            </a:pPr>
+            <a:r>
+              <a:rPr dirty="0"/>
+              <a:t>Two types:</a:t>
+            </a:r>
+          </a:p>
+          <a:p>
+            <a:pPr>
+              <a:spcBef>
+                <a:spcPts val="800"/>
+              </a:spcBef>
+              <a:defRPr sz="2400">
+                <a:solidFill>
+                  <a:srgbClr val="FFFFFF"/>
+                </a:solidFill>
+                <a:latin typeface="Arial"/>
+              </a:defRPr>
+            </a:pPr>
+            <a:r>
+              <a:rPr dirty="0"/>
+              <a:t>• Code cells: Run Python code</a:t>
+            </a:r>
+          </a:p>
+          <a:p>
+            <a:pPr>
+              <a:spcBef>
+                <a:spcPts val="800"/>
+              </a:spcBef>
+              <a:defRPr sz="2400">
+                <a:solidFill>
+                  <a:srgbClr val="FFFFFF"/>
+                </a:solidFill>
+                <a:latin typeface="Arial"/>
+              </a:defRPr>
+            </a:pPr>
+            <a:r>
+              <a:rPr dirty="0"/>
+              <a:t>• Text cells: Write notes and explanations</a:t>
+            </a:r>
+          </a:p>
+          <a:p>
+            <a:pPr>
+              <a:spcBef>
+                <a:spcPts val="800"/>
+              </a:spcBef>
+              <a:defRPr sz="2400">
+                <a:solidFill>
+                  <a:srgbClr val="FFFFFF"/>
+                </a:solidFill>
+                <a:latin typeface="Arial"/>
+              </a:defRPr>
+            </a:pPr>
+            <a:endParaRPr dirty="0"/>
+          </a:p>
+          <a:p>
+            <a:pPr>
+              <a:spcBef>
+                <a:spcPts val="800"/>
+              </a:spcBef>
+              <a:defRPr sz="2400">
+                <a:solidFill>
+                  <a:srgbClr val="FFFFFF"/>
+                </a:solidFill>
+                <a:latin typeface="Arial"/>
+              </a:defRPr>
+            </a:pPr>
+            <a:r>
+              <a:rPr dirty="0"/>
+              <a:t>You can have as many cells as you need.</a:t>
             </a:r>
           </a:p>
         </p:txBody>
@@ -3613,8 +3639,8 @@
         </p:nvSpPr>
         <p:spPr>
           <a:xfrm>
-            <a:off x="777240" y="2011680"/>
-            <a:ext cx="73152" cy="5486400"/>
+            <a:off x="777240" y="2235615"/>
+            <a:ext cx="73152" cy="3219684"/>
           </a:xfrm>
           <a:prstGeom prst="rect">
             <a:avLst/>
@@ -3749,21 +3775,45 @@
               </a:defRPr>
             </a:pPr>
             <a:r>
-              <a:t>What is a Cell?</a:t>
-            </a:r>
-          </a:p>
-        </p:txBody>
-      </p:sp>
-      <p:sp>
-        <p:nvSpPr>
-          <p:cNvPr id="4" name="TextBox 3"/>
+              <a:t>Your First Code: Simple Math</a:t>
+            </a:r>
+          </a:p>
+        </p:txBody>
+      </p:sp>
+      <p:pic>
+        <p:nvPicPr>
+          <p:cNvPr id="4" name="Picture 3" descr="code-execution.png"/>
+          <p:cNvPicPr>
+            <a:picLocks noChangeAspect="1"/>
+          </p:cNvPicPr>
+          <p:nvPr/>
+        </p:nvPicPr>
+        <p:blipFill>
+          <a:blip r:embed="rId2"/>
+          <a:stretch>
+            <a:fillRect/>
+          </a:stretch>
+        </p:blipFill>
+        <p:spPr>
+          <a:xfrm>
+            <a:off x="1828800" y="2522998"/>
+            <a:ext cx="10972800" cy="1966695"/>
+          </a:xfrm>
+          <a:prstGeom prst="rect">
+            <a:avLst/>
+          </a:prstGeom>
+        </p:spPr>
+      </p:pic>
+      <p:sp>
+        <p:nvSpPr>
+          <p:cNvPr id="5" name="TextBox 4"/>
           <p:cNvSpPr txBox="1"/>
           <p:nvPr/>
         </p:nvSpPr>
         <p:spPr>
           <a:xfrm>
-            <a:off x="914400" y="2011680"/>
-            <a:ext cx="12801600" cy="5486400"/>
+            <a:off x="914400" y="6858000"/>
+            <a:ext cx="12801600" cy="914400"/>
           </a:xfrm>
           <a:prstGeom prst="rect">
             <a:avLst/>
@@ -3771,161 +3821,22 @@
           <a:noFill/>
         </p:spPr>
         <p:txBody>
-          <a:bodyPr wrap="square">
+          <a:bodyPr wrap="none">
             <a:spAutoFit/>
           </a:bodyPr>
           <a:lstStyle/>
           <a:p>
-            <a:pPr>
-              <a:spcBef>
-                <a:spcPts val="800"/>
-              </a:spcBef>
-              <a:defRPr sz="2400">
-                <a:solidFill>
-                  <a:srgbClr val="FFFFFF"/>
-                </a:solidFill>
-                <a:latin typeface="Arial"/>
-              </a:defRPr>
-            </a:pPr>
-            <a:r>
-              <a:t>A cell is a box where you write code or text.</a:t>
-            </a:r>
-          </a:p>
-          <a:p>
-            <a:pPr>
-              <a:spcBef>
-                <a:spcPts val="800"/>
-              </a:spcBef>
-              <a:defRPr sz="2400">
-                <a:solidFill>
-                  <a:srgbClr val="FFFFFF"/>
-                </a:solidFill>
-                <a:latin typeface="Arial"/>
-              </a:defRPr>
-            </a:pPr>
-            <a:endParaRPr/>
-          </a:p>
-          <a:p>
-            <a:pPr>
-              <a:spcBef>
-                <a:spcPts val="800"/>
-              </a:spcBef>
-              <a:defRPr sz="2400">
-                <a:solidFill>
-                  <a:srgbClr val="FFFFFF"/>
-                </a:solidFill>
-                <a:latin typeface="Arial"/>
-              </a:defRPr>
-            </a:pPr>
-            <a:r>
-              <a:t>Two types:</a:t>
-            </a:r>
-          </a:p>
-          <a:p>
-            <a:pPr>
-              <a:spcBef>
-                <a:spcPts val="800"/>
-              </a:spcBef>
-              <a:defRPr sz="2400">
-                <a:solidFill>
-                  <a:srgbClr val="FFFFFF"/>
-                </a:solidFill>
-                <a:latin typeface="Arial"/>
-              </a:defRPr>
-            </a:pPr>
-            <a:r>
-              <a:t>• Code cells: Run Python code</a:t>
-            </a:r>
-          </a:p>
-          <a:p>
-            <a:pPr>
-              <a:spcBef>
-                <a:spcPts val="800"/>
-              </a:spcBef>
-              <a:defRPr sz="2400">
-                <a:solidFill>
-                  <a:srgbClr val="FFFFFF"/>
-                </a:solidFill>
-                <a:latin typeface="Arial"/>
-              </a:defRPr>
-            </a:pPr>
-            <a:r>
-              <a:t>• Text cells: Write notes and explanations</a:t>
-            </a:r>
-          </a:p>
-          <a:p>
-            <a:pPr>
-              <a:spcBef>
-                <a:spcPts val="800"/>
-              </a:spcBef>
-              <a:defRPr sz="2400">
-                <a:solidFill>
-                  <a:srgbClr val="FFFFFF"/>
-                </a:solidFill>
-                <a:latin typeface="Arial"/>
-              </a:defRPr>
-            </a:pPr>
-            <a:endParaRPr/>
-          </a:p>
-          <a:p>
-            <a:pPr>
-              <a:spcBef>
-                <a:spcPts val="800"/>
-              </a:spcBef>
-              <a:defRPr sz="2400">
-                <a:solidFill>
-                  <a:srgbClr val="FFFFFF"/>
-                </a:solidFill>
-                <a:latin typeface="Arial"/>
-              </a:defRPr>
-            </a:pPr>
-            <a:r>
-              <a:t>You can have as many cells as you need.</a:t>
-            </a:r>
-          </a:p>
-        </p:txBody>
-      </p:sp>
-      <p:sp>
-        <p:nvSpPr>
-          <p:cNvPr id="5" name="Rectangle 4"/>
-          <p:cNvSpPr/>
-          <p:nvPr/>
-        </p:nvSpPr>
-        <p:spPr>
-          <a:xfrm>
-            <a:off x="777240" y="2011680"/>
-            <a:ext cx="73152" cy="5486400"/>
-          </a:xfrm>
-          <a:prstGeom prst="rect">
-            <a:avLst/>
-          </a:prstGeom>
-          <a:solidFill>
-            <a:srgbClr val="D2691E"/>
-          </a:solidFill>
-          <a:ln>
-            <a:noFill/>
-          </a:ln>
-        </p:spPr>
-        <p:style>
-          <a:lnRef idx="1">
-            <a:schemeClr val="accent1"/>
-          </a:lnRef>
-          <a:fillRef idx="3">
-            <a:schemeClr val="accent1"/>
-          </a:fillRef>
-          <a:effectRef idx="2">
-            <a:schemeClr val="accent1"/>
-          </a:effectRef>
-          <a:fontRef idx="minor">
-            <a:schemeClr val="lt1"/>
-          </a:fontRef>
-        </p:style>
-        <p:txBody>
-          <a:bodyPr rtlCol="0" anchor="ctr"/>
-          <a:lstStyle/>
-          <a:p>
-            <a:pPr algn="ctr"/>
-            <a:endParaRPr/>
+            <a:pPr algn="ctr">
+              <a:defRPr sz="2000">
+                <a:solidFill>
+                  <a:srgbClr val="B4B4B4"/>
+                </a:solidFill>
+                <a:latin typeface="Arial"/>
+              </a:defRPr>
+            </a:pPr>
+            <a:r>
+              <a:t>Type 5*3 and press Shift + Enter → Result: 15</a:t>
+            </a:r>
           </a:p>
         </p:txBody>
       </p:sp>
@@ -4029,14 +3940,14 @@
               </a:defRPr>
             </a:pPr>
             <a:r>
-              <a:t>Your First Code: Simple Math</a:t>
+              <a:t>Your First Code: Hello World</a:t>
             </a:r>
           </a:p>
         </p:txBody>
       </p:sp>
       <p:pic>
         <p:nvPicPr>
-          <p:cNvPr id="4" name="Picture 3" descr="code-execution.png"/>
+          <p:cNvPr id="4" name="Picture 3" descr="code-execution2.png"/>
           <p:cNvPicPr>
             <a:picLocks noChangeAspect="1"/>
           </p:cNvPicPr>
@@ -4050,8 +3961,8 @@
         </p:blipFill>
         <p:spPr>
           <a:xfrm>
-            <a:off x="1828800" y="2522998"/>
-            <a:ext cx="10972800" cy="1966695"/>
+            <a:off x="1828800" y="2799184"/>
+            <a:ext cx="10972800" cy="1404270"/>
           </a:xfrm>
           <a:prstGeom prst="rect">
             <a:avLst/>
@@ -4089,7 +4000,7 @@
               </a:defRPr>
             </a:pPr>
             <a:r>
-              <a:t>Type 5*3 and press Shift + Enter → Result: 15</a:t>
+              <a:t>Type print('hello world') and press Shift + Enter</a:t>
             </a:r>
           </a:p>
         </p:txBody>
@@ -4194,45 +4105,21 @@
               </a:defRPr>
             </a:pPr>
             <a:r>
-              <a:t>Your First Code: Hello World</a:t>
-            </a:r>
-          </a:p>
-        </p:txBody>
-      </p:sp>
-      <p:pic>
-        <p:nvPicPr>
-          <p:cNvPr id="4" name="Picture 3" descr="code-execution2.png"/>
-          <p:cNvPicPr>
-            <a:picLocks noChangeAspect="1"/>
-          </p:cNvPicPr>
-          <p:nvPr/>
-        </p:nvPicPr>
-        <p:blipFill>
-          <a:blip r:embed="rId2"/>
-          <a:stretch>
-            <a:fillRect/>
-          </a:stretch>
-        </p:blipFill>
-        <p:spPr>
-          <a:xfrm>
-            <a:off x="1828800" y="2799184"/>
-            <a:ext cx="10972800" cy="1404270"/>
-          </a:xfrm>
-          <a:prstGeom prst="rect">
-            <a:avLst/>
-          </a:prstGeom>
-        </p:spPr>
-      </p:pic>
-      <p:sp>
-        <p:nvSpPr>
-          <p:cNvPr id="5" name="TextBox 4"/>
+              <a:t>Running Code: Three Ways</a:t>
+            </a:r>
+          </a:p>
+        </p:txBody>
+      </p:sp>
+      <p:sp>
+        <p:nvSpPr>
+          <p:cNvPr id="4" name="TextBox 3"/>
           <p:cNvSpPr txBox="1"/>
           <p:nvPr/>
         </p:nvSpPr>
         <p:spPr>
           <a:xfrm>
-            <a:off x="914400" y="6858000"/>
-            <a:ext cx="12801600" cy="914400"/>
+            <a:off x="914400" y="2465770"/>
+            <a:ext cx="12801600" cy="5486400"/>
           </a:xfrm>
           <a:prstGeom prst="rect">
             <a:avLst/>
@@ -4240,21 +4127,118 @@
           <a:noFill/>
         </p:spPr>
         <p:txBody>
-          <a:bodyPr wrap="none">
+          <a:bodyPr wrap="square">
             <a:spAutoFit/>
           </a:bodyPr>
           <a:lstStyle/>
           <a:p>
-            <a:pPr algn="ctr">
-              <a:defRPr sz="2000">
-                <a:solidFill>
-                  <a:srgbClr val="B4B4B4"/>
-                </a:solidFill>
-                <a:latin typeface="Arial"/>
-              </a:defRPr>
-            </a:pPr>
-            <a:r>
-              <a:t>Type print('hello world') and press Shift + Enter</a:t>
+            <a:pPr>
+              <a:spcBef>
+                <a:spcPts val="800"/>
+              </a:spcBef>
+              <a:defRPr sz="2400">
+                <a:solidFill>
+                  <a:srgbClr val="FFFFFF"/>
+                </a:solidFill>
+                <a:latin typeface="Arial"/>
+              </a:defRPr>
+            </a:pPr>
+            <a:r>
+              <a:rPr dirty="0"/>
+              <a:t>1. Click the play button (▶) on the left of the cell</a:t>
+            </a:r>
+          </a:p>
+          <a:p>
+            <a:pPr>
+              <a:spcBef>
+                <a:spcPts val="800"/>
+              </a:spcBef>
+              <a:defRPr sz="2400">
+                <a:solidFill>
+                  <a:srgbClr val="FFFFFF"/>
+                </a:solidFill>
+                <a:latin typeface="Arial"/>
+              </a:defRPr>
+            </a:pPr>
+            <a:endParaRPr dirty="0"/>
+          </a:p>
+          <a:p>
+            <a:pPr>
+              <a:spcBef>
+                <a:spcPts val="800"/>
+              </a:spcBef>
+              <a:defRPr sz="2400">
+                <a:solidFill>
+                  <a:srgbClr val="FFFFFF"/>
+                </a:solidFill>
+                <a:latin typeface="Arial"/>
+              </a:defRPr>
+            </a:pPr>
+            <a:r>
+              <a:rPr dirty="0"/>
+              <a:t>2. Press Shift + Enter (runs and moves to next cell)</a:t>
+            </a:r>
+          </a:p>
+          <a:p>
+            <a:pPr>
+              <a:spcBef>
+                <a:spcPts val="800"/>
+              </a:spcBef>
+              <a:defRPr sz="2400">
+                <a:solidFill>
+                  <a:srgbClr val="FFFFFF"/>
+                </a:solidFill>
+                <a:latin typeface="Arial"/>
+              </a:defRPr>
+            </a:pPr>
+            <a:endParaRPr dirty="0"/>
+          </a:p>
+          <a:p>
+            <a:pPr>
+              <a:spcBef>
+                <a:spcPts val="800"/>
+              </a:spcBef>
+              <a:defRPr sz="2400">
+                <a:solidFill>
+                  <a:srgbClr val="FFFFFF"/>
+                </a:solidFill>
+                <a:latin typeface="Arial"/>
+              </a:defRPr>
+            </a:pPr>
+            <a:r>
+              <a:rPr dirty="0"/>
+              <a:t>3. Press Ctrl + Enter (runs and stays in cell)</a:t>
+            </a:r>
+          </a:p>
+          <a:p>
+            <a:pPr>
+              <a:spcBef>
+                <a:spcPts val="800"/>
+              </a:spcBef>
+              <a:defRPr sz="2400">
+                <a:solidFill>
+                  <a:srgbClr val="FFFFFF"/>
+                </a:solidFill>
+                <a:latin typeface="Arial"/>
+              </a:defRPr>
+            </a:pPr>
+            <a:endParaRPr dirty="0"/>
+          </a:p>
+          <a:p>
+            <a:pPr>
+              <a:spcBef>
+                <a:spcPts val="800"/>
+              </a:spcBef>
+              <a:defRPr sz="2400">
+                <a:solidFill>
+                  <a:srgbClr val="FFFFFF"/>
+                </a:solidFill>
+                <a:latin typeface="Arial"/>
+              </a:defRPr>
+            </a:pPr>
+            <a:r>
+              <a:rPr dirty="0"/>
+              <a:t>Tip: Shift + Enter is the most common method</a:t>
             </a:r>
           </a:p>
         </p:txBody>
@@ -4292,7 +4276,7 @@
         </p:nvSpPr>
         <p:spPr>
           <a:xfrm>
-            <a:off x="0" y="0"/>
+            <a:off x="-155510" y="0"/>
             <a:ext cx="14630400" cy="8229600"/>
           </a:xfrm>
           <a:prstGeom prst="rect">
@@ -4359,7 +4343,7 @@
               </a:defRPr>
             </a:pPr>
             <a:r>
-              <a:t>Running Code: Three Ways</a:t>
+              <a:t>Understanding the Play Button</a:t>
             </a:r>
           </a:p>
         </p:txBody>
@@ -4372,7 +4356,7 @@
         </p:nvSpPr>
         <p:spPr>
           <a:xfrm>
-            <a:off x="914400" y="2011680"/>
+            <a:off x="1156996" y="2086325"/>
             <a:ext cx="12801600" cy="5486400"/>
           </a:xfrm>
           <a:prstGeom prst="rect">
@@ -4398,98 +4382,166 @@
               </a:defRPr>
             </a:pPr>
             <a:r>
-              <a:t>1. Click the play button (▶) on the left of the cell</a:t>
-            </a:r>
-          </a:p>
-          <a:p>
-            <a:pPr>
-              <a:spcBef>
-                <a:spcPts val="800"/>
-              </a:spcBef>
-              <a:defRPr sz="2400">
-                <a:solidFill>
-                  <a:srgbClr val="FFFFFF"/>
-                </a:solidFill>
-                <a:latin typeface="Arial"/>
-              </a:defRPr>
-            </a:pPr>
+              <a:rPr dirty="0"/>
+              <a:t>Before running:</a:t>
+            </a:r>
+          </a:p>
+          <a:p>
+            <a:pPr>
+              <a:spcBef>
+                <a:spcPts val="800"/>
+              </a:spcBef>
+              <a:defRPr sz="2400">
+                <a:solidFill>
+                  <a:srgbClr val="FFFFFF"/>
+                </a:solidFill>
+                <a:latin typeface="Arial"/>
+              </a:defRPr>
+            </a:pPr>
+            <a:r>
+              <a:rPr dirty="0"/>
+              <a:t>• Circle with play icon (▶) - Cell is ready</a:t>
+            </a:r>
+          </a:p>
+          <a:p>
+            <a:pPr>
+              <a:spcBef>
+                <a:spcPts val="800"/>
+              </a:spcBef>
+              <a:defRPr sz="2400">
+                <a:solidFill>
+                  <a:srgbClr val="FFFFFF"/>
+                </a:solidFill>
+                <a:latin typeface="Arial"/>
+              </a:defRPr>
+            </a:pPr>
+            <a:endParaRPr dirty="0"/>
+          </a:p>
+          <a:p>
+            <a:pPr>
+              <a:spcBef>
+                <a:spcPts val="800"/>
+              </a:spcBef>
+              <a:defRPr sz="2400">
+                <a:solidFill>
+                  <a:srgbClr val="FFFFFF"/>
+                </a:solidFill>
+                <a:latin typeface="Arial"/>
+              </a:defRPr>
+            </a:pPr>
+            <a:r>
+              <a:rPr dirty="0"/>
+              <a:t>While running:</a:t>
+            </a:r>
+          </a:p>
+          <a:p>
+            <a:pPr>
+              <a:spcBef>
+                <a:spcPts val="800"/>
+              </a:spcBef>
+              <a:defRPr sz="2400">
+                <a:solidFill>
+                  <a:srgbClr val="FFFFFF"/>
+                </a:solidFill>
+                <a:latin typeface="Arial"/>
+              </a:defRPr>
+            </a:pPr>
+            <a:r>
+              <a:rPr dirty="0"/>
+              <a:t>• Spinning circle - Code is executing</a:t>
+            </a:r>
+          </a:p>
+          <a:p>
+            <a:pPr>
+              <a:spcBef>
+                <a:spcPts val="800"/>
+              </a:spcBef>
+              <a:defRPr sz="2400">
+                <a:solidFill>
+                  <a:srgbClr val="FFFFFF"/>
+                </a:solidFill>
+                <a:latin typeface="Arial"/>
+              </a:defRPr>
+            </a:pPr>
+            <a:endParaRPr dirty="0"/>
+          </a:p>
+          <a:p>
+            <a:pPr>
+              <a:spcBef>
+                <a:spcPts val="800"/>
+              </a:spcBef>
+              <a:defRPr sz="2400">
+                <a:solidFill>
+                  <a:srgbClr val="FFFFFF"/>
+                </a:solidFill>
+                <a:latin typeface="Arial"/>
+              </a:defRPr>
+            </a:pPr>
+            <a:r>
+              <a:rPr dirty="0"/>
+              <a:t>After running:</a:t>
+            </a:r>
+          </a:p>
+          <a:p>
+            <a:pPr>
+              <a:spcBef>
+                <a:spcPts val="800"/>
+              </a:spcBef>
+              <a:defRPr sz="2400">
+                <a:solidFill>
+                  <a:srgbClr val="FFFFFF"/>
+                </a:solidFill>
+                <a:latin typeface="Arial"/>
+              </a:defRPr>
+            </a:pPr>
+            <a:r>
+              <a:rPr dirty="0"/>
+              <a:t>• Checkmark (✓) - Output appears below</a:t>
+            </a:r>
+          </a:p>
+        </p:txBody>
+      </p:sp>
+      <p:sp>
+        <p:nvSpPr>
+          <p:cNvPr id="5" name="Rectangle 4"/>
+          <p:cNvSpPr/>
+          <p:nvPr/>
+        </p:nvSpPr>
+        <p:spPr>
+          <a:xfrm>
+            <a:off x="777240" y="2146040"/>
+            <a:ext cx="73152" cy="3601617"/>
+          </a:xfrm>
+          <a:prstGeom prst="rect">
+            <a:avLst/>
+          </a:prstGeom>
+          <a:solidFill>
+            <a:srgbClr val="D2691E"/>
+          </a:solidFill>
+          <a:ln>
+            <a:noFill/>
+          </a:ln>
+        </p:spPr>
+        <p:style>
+          <a:lnRef idx="1">
+            <a:schemeClr val="accent1"/>
+          </a:lnRef>
+          <a:fillRef idx="3">
+            <a:schemeClr val="accent1"/>
+          </a:fillRef>
+          <a:effectRef idx="2">
+            <a:schemeClr val="accent1"/>
+          </a:effectRef>
+          <a:fontRef idx="minor">
+            <a:schemeClr val="lt1"/>
+          </a:fontRef>
+        </p:style>
+        <p:txBody>
+          <a:bodyPr rtlCol="0" anchor="ctr"/>
+          <a:lstStyle/>
+          <a:p>
+            <a:pPr algn="ctr"/>
             <a:endParaRPr/>
-          </a:p>
-          <a:p>
-            <a:pPr>
-              <a:spcBef>
-                <a:spcPts val="800"/>
-              </a:spcBef>
-              <a:defRPr sz="2400">
-                <a:solidFill>
-                  <a:srgbClr val="FFFFFF"/>
-                </a:solidFill>
-                <a:latin typeface="Arial"/>
-              </a:defRPr>
-            </a:pPr>
-            <a:r>
-              <a:t>2. Press Shift + Enter (runs and moves to next cell)</a:t>
-            </a:r>
-          </a:p>
-          <a:p>
-            <a:pPr>
-              <a:spcBef>
-                <a:spcPts val="800"/>
-              </a:spcBef>
-              <a:defRPr sz="2400">
-                <a:solidFill>
-                  <a:srgbClr val="FFFFFF"/>
-                </a:solidFill>
-                <a:latin typeface="Arial"/>
-              </a:defRPr>
-            </a:pPr>
-            <a:endParaRPr/>
-          </a:p>
-          <a:p>
-            <a:pPr>
-              <a:spcBef>
-                <a:spcPts val="800"/>
-              </a:spcBef>
-              <a:defRPr sz="2400">
-                <a:solidFill>
-                  <a:srgbClr val="FFFFFF"/>
-                </a:solidFill>
-                <a:latin typeface="Arial"/>
-              </a:defRPr>
-            </a:pPr>
-            <a:r>
-              <a:t>3. Press Ctrl + Enter (runs and stays in cell)</a:t>
-            </a:r>
-          </a:p>
-          <a:p>
-            <a:pPr>
-              <a:spcBef>
-                <a:spcPts val="800"/>
-              </a:spcBef>
-              <a:defRPr sz="2400">
-                <a:solidFill>
-                  <a:srgbClr val="FFFFFF"/>
-                </a:solidFill>
-                <a:latin typeface="Arial"/>
-              </a:defRPr>
-            </a:pPr>
-            <a:endParaRPr/>
-          </a:p>
-          <a:p>
-            <a:pPr>
-              <a:spcBef>
-                <a:spcPts val="800"/>
-              </a:spcBef>
-              <a:defRPr sz="2400">
-                <a:solidFill>
-                  <a:srgbClr val="FFFFFF"/>
-                </a:solidFill>
-                <a:latin typeface="Arial"/>
-              </a:defRPr>
-            </a:pPr>
-            <a:r>
-              <a:t>Tip: Shift + Enter is the most common method</a:t>
-            </a:r>
           </a:p>
         </p:txBody>
       </p:sp>
@@ -4526,7 +4578,7 @@
         </p:nvSpPr>
         <p:spPr>
           <a:xfrm>
-            <a:off x="-155510" y="0"/>
+            <a:off x="-367004" y="0"/>
             <a:ext cx="14630400" cy="8229600"/>
           </a:xfrm>
           <a:prstGeom prst="rect">
@@ -4593,7 +4645,7 @@
               </a:defRPr>
             </a:pPr>
             <a:r>
-              <a:t>Understanding the Play Button</a:t>
+              <a:t>Cell Numbers</a:t>
             </a:r>
           </a:p>
         </p:txBody>
@@ -4606,8 +4658,8 @@
         </p:nvSpPr>
         <p:spPr>
           <a:xfrm>
-            <a:off x="1156996" y="2086325"/>
-            <a:ext cx="12801600" cy="5486400"/>
+            <a:off x="1156094" y="2032829"/>
+            <a:ext cx="12801600" cy="3293209"/>
           </a:xfrm>
           <a:prstGeom prst="rect">
             <a:avLst/>
@@ -4633,8 +4685,22 @@
             </a:pPr>
             <a:r>
               <a:rPr dirty="0"/>
-              <a:t>Before running:</a:t>
-            </a:r>
+              <a:t>Notice the [1] or [2] next to cells?</a:t>
+            </a:r>
+          </a:p>
+          <a:p>
+            <a:pPr>
+              <a:spcBef>
+                <a:spcPts val="800"/>
+              </a:spcBef>
+              <a:defRPr sz="2400">
+                <a:solidFill>
+                  <a:srgbClr val="FFFFFF"/>
+                </a:solidFill>
+                <a:latin typeface="Arial"/>
+              </a:defRPr>
+            </a:pPr>
+            <a:endParaRPr dirty="0"/>
           </a:p>
           <a:p>
             <a:pPr>
@@ -4650,7 +4716,41 @@
             </a:pPr>
             <a:r>
               <a:rPr dirty="0"/>
-              <a:t>• Circle with play icon (▶) - Cell is ready</a:t>
+              <a:t>• Shows the order cells were run</a:t>
+            </a:r>
+          </a:p>
+          <a:p>
+            <a:pPr>
+              <a:spcBef>
+                <a:spcPts val="800"/>
+              </a:spcBef>
+              <a:defRPr sz="2400">
+                <a:solidFill>
+                  <a:srgbClr val="FFFFFF"/>
+                </a:solidFill>
+                <a:latin typeface="Arial"/>
+              </a:defRPr>
+            </a:pPr>
+            <a:r>
+              <a:rPr dirty="0"/>
+              <a:t>• Empty [ ] means not yet run</a:t>
+            </a:r>
+          </a:p>
+          <a:p>
+            <a:pPr>
+              <a:spcBef>
+                <a:spcPts val="800"/>
+              </a:spcBef>
+              <a:defRPr sz="2400">
+                <a:solidFill>
+                  <a:srgbClr val="FFFFFF"/>
+                </a:solidFill>
+                <a:latin typeface="Arial"/>
+              </a:defRPr>
+            </a:pPr>
+            <a:r>
+              <a:rPr dirty="0"/>
+              <a:t>• [*] means currently running</a:t>
             </a:r>
           </a:p>
           <a:p>
@@ -4681,73 +4781,13 @@
             </a:pPr>
             <a:r>
               <a:rPr dirty="0"/>
-              <a:t>While running:</a:t>
-            </a:r>
-          </a:p>
-          <a:p>
-            <a:pPr>
-              <a:spcBef>
-                <a:spcPts val="800"/>
-              </a:spcBef>
-              <a:defRPr sz="2400">
-                <a:solidFill>
-                  <a:srgbClr val="FFFFFF"/>
-                </a:solidFill>
-                <a:latin typeface="Arial"/>
-              </a:defRPr>
-            </a:pPr>
-            <a:r>
-              <a:rPr dirty="0"/>
-              <a:t>• Spinning circle - Code is executing</a:t>
-            </a:r>
-          </a:p>
-          <a:p>
-            <a:pPr>
-              <a:spcBef>
-                <a:spcPts val="800"/>
-              </a:spcBef>
-              <a:defRPr sz="2400">
-                <a:solidFill>
-                  <a:srgbClr val="FFFFFF"/>
-                </a:solidFill>
-                <a:latin typeface="Arial"/>
-              </a:defRPr>
-            </a:pPr>
+              <a:t>Important: </a:t>
+            </a:r>
+            <a:r>
+              <a:rPr lang="en-US" dirty="0"/>
+              <a:t>Can run cells in any order but top to bottom avoids confusion.</a:t>
+            </a:r>
             <a:endParaRPr dirty="0"/>
-          </a:p>
-          <a:p>
-            <a:pPr>
-              <a:spcBef>
-                <a:spcPts val="800"/>
-              </a:spcBef>
-              <a:defRPr sz="2400">
-                <a:solidFill>
-                  <a:srgbClr val="FFFFFF"/>
-                </a:solidFill>
-                <a:latin typeface="Arial"/>
-              </a:defRPr>
-            </a:pPr>
-            <a:r>
-              <a:rPr dirty="0"/>
-              <a:t>After running:</a:t>
-            </a:r>
-          </a:p>
-          <a:p>
-            <a:pPr>
-              <a:spcBef>
-                <a:spcPts val="800"/>
-              </a:spcBef>
-              <a:defRPr sz="2400">
-                <a:solidFill>
-                  <a:srgbClr val="FFFFFF"/>
-                </a:solidFill>
-                <a:latin typeface="Arial"/>
-              </a:defRPr>
-            </a:pPr>
-            <a:r>
-              <a:rPr dirty="0"/>
-              <a:t>• Checkmark (✓) - Output appears below</a:t>
-            </a:r>
           </a:p>
         </p:txBody>
       </p:sp>
@@ -4759,8 +4799,8 @@
         </p:nvSpPr>
         <p:spPr>
           <a:xfrm>
-            <a:off x="777240" y="2146040"/>
-            <a:ext cx="73152" cy="3601617"/>
+            <a:off x="777240" y="2121158"/>
+            <a:ext cx="73152" cy="3110205"/>
           </a:xfrm>
           <a:prstGeom prst="rect">
             <a:avLst/>
@@ -4828,7 +4868,7 @@
         </p:nvSpPr>
         <p:spPr>
           <a:xfrm>
-            <a:off x="-367004" y="0"/>
+            <a:off x="-192833" y="0"/>
             <a:ext cx="14630400" cy="8229600"/>
           </a:xfrm>
           <a:prstGeom prst="rect">
@@ -4895,7 +4935,7 @@
               </a:defRPr>
             </a:pPr>
             <a:r>
-              <a:t>Cell Numbers</a:t>
+              <a:t>Adding New Cells</a:t>
             </a:r>
           </a:p>
         </p:txBody>
@@ -4908,7 +4948,7 @@
         </p:nvSpPr>
         <p:spPr>
           <a:xfrm>
-            <a:off x="1156094" y="2032829"/>
+            <a:off x="1169437" y="2216953"/>
             <a:ext cx="12801600" cy="5486400"/>
           </a:xfrm>
           <a:prstGeom prst="rect">
@@ -4935,7 +4975,41 @@
             </a:pPr>
             <a:r>
               <a:rPr dirty="0"/>
-              <a:t>Notice the [1] or [2] next to cells?</a:t>
+              <a:t>From the toolbar:</a:t>
+            </a:r>
+          </a:p>
+          <a:p>
+            <a:pPr>
+              <a:spcBef>
+                <a:spcPts val="800"/>
+              </a:spcBef>
+              <a:defRPr sz="2400">
+                <a:solidFill>
+                  <a:srgbClr val="FFFFFF"/>
+                </a:solidFill>
+                <a:latin typeface="Arial"/>
+              </a:defRPr>
+            </a:pPr>
+            <a:r>
+              <a:rPr dirty="0"/>
+              <a:t>• Click + Code for a code cell</a:t>
+            </a:r>
+          </a:p>
+          <a:p>
+            <a:pPr>
+              <a:spcBef>
+                <a:spcPts val="800"/>
+              </a:spcBef>
+              <a:defRPr sz="2400">
+                <a:solidFill>
+                  <a:srgbClr val="FFFFFF"/>
+                </a:solidFill>
+                <a:latin typeface="Arial"/>
+              </a:defRPr>
+            </a:pPr>
+            <a:r>
+              <a:rPr dirty="0"/>
+              <a:t>• Click + Text for a text cell</a:t>
             </a:r>
           </a:p>
           <a:p>
@@ -4966,7 +5040,7 @@
             </a:pPr>
             <a:r>
               <a:rPr dirty="0"/>
-              <a:t>• Shows the order cells were run</a:t>
+              <a:t>Using keyboard:</a:t>
             </a:r>
           </a:p>
           <a:p>
@@ -4983,7 +5057,7 @@
             </a:pPr>
             <a:r>
               <a:rPr dirty="0"/>
-              <a:t>• Empty [ ] means not yet run</a:t>
+              <a:t>• Ctrl + M, B → Add cell below</a:t>
             </a:r>
           </a:p>
           <a:p>
@@ -5000,38 +5074,7 @@
             </a:pPr>
             <a:r>
               <a:rPr dirty="0"/>
-              <a:t>• [*] means currently running</a:t>
-            </a:r>
-          </a:p>
-          <a:p>
-            <a:pPr>
-              <a:spcBef>
-                <a:spcPts val="800"/>
-              </a:spcBef>
-              <a:defRPr sz="2400">
-                <a:solidFill>
-                  <a:srgbClr val="FFFFFF"/>
-                </a:solidFill>
-                <a:latin typeface="Arial"/>
-              </a:defRPr>
-            </a:pPr>
-            <a:endParaRPr dirty="0"/>
-          </a:p>
-          <a:p>
-            <a:pPr>
-              <a:spcBef>
-                <a:spcPts val="800"/>
-              </a:spcBef>
-              <a:defRPr sz="2400">
-                <a:solidFill>
-                  <a:srgbClr val="FFFFFF"/>
-                </a:solidFill>
-                <a:latin typeface="Arial"/>
-              </a:defRPr>
-            </a:pPr>
-            <a:r>
-              <a:rPr dirty="0"/>
-              <a:t>Important: Run cells in order from top to bottom!</a:t>
+              <a:t>• Ctrl + M, A → Add cell above</a:t>
             </a:r>
           </a:p>
         </p:txBody>
@@ -5044,8 +5087,58 @@
         </p:nvSpPr>
         <p:spPr>
           <a:xfrm>
-            <a:off x="777240" y="2121158"/>
-            <a:ext cx="73152" cy="3110205"/>
+            <a:off x="777240" y="2345093"/>
+            <a:ext cx="73152" cy="1225421"/>
+          </a:xfrm>
+          <a:prstGeom prst="rect">
+            <a:avLst/>
+          </a:prstGeom>
+          <a:solidFill>
+            <a:srgbClr val="D2691E"/>
+          </a:solidFill>
+          <a:ln>
+            <a:noFill/>
+          </a:ln>
+        </p:spPr>
+        <p:style>
+          <a:lnRef idx="1">
+            <a:schemeClr val="accent1"/>
+          </a:lnRef>
+          <a:fillRef idx="3">
+            <a:schemeClr val="accent1"/>
+          </a:fillRef>
+          <a:effectRef idx="2">
+            <a:schemeClr val="accent1"/>
+          </a:effectRef>
+          <a:fontRef idx="minor">
+            <a:schemeClr val="lt1"/>
+          </a:fontRef>
+        </p:style>
+        <p:txBody>
+          <a:bodyPr rtlCol="0" anchor="ctr"/>
+          <a:lstStyle/>
+          <a:p>
+            <a:pPr algn="ctr"/>
+            <a:endParaRPr/>
+          </a:p>
+        </p:txBody>
+      </p:sp>
+      <p:sp>
+        <p:nvSpPr>
+          <p:cNvPr id="6" name="Rectangle 5">
+            <a:extLst>
+              <a:ext uri="{FF2B5EF4-FFF2-40B4-BE49-F238E27FC236}">
+                <a16:creationId xmlns:a16="http://schemas.microsoft.com/office/drawing/2014/main" id="{114706FB-4816-5A60-9BB6-7E2033C4F0EE}"/>
+              </a:ext>
+            </a:extLst>
+          </p:cNvPr>
+          <p:cNvSpPr/>
+          <p:nvPr/>
+        </p:nvSpPr>
+        <p:spPr>
+          <a:xfrm>
+            <a:off x="813816" y="4189444"/>
+            <a:ext cx="73152" cy="1225421"/>
           </a:xfrm>
           <a:prstGeom prst="rect">
             <a:avLst/>
@@ -5113,7 +5206,7 @@
         </p:nvSpPr>
         <p:spPr>
           <a:xfrm>
-            <a:off x="-192833" y="0"/>
+            <a:off x="-199053" y="0"/>
             <a:ext cx="14630400" cy="8229600"/>
           </a:xfrm>
           <a:prstGeom prst="rect">
@@ -5180,7 +5273,7 @@
               </a:defRPr>
             </a:pPr>
             <a:r>
-              <a:t>Adding New Cells</a:t>
+              <a:t>Deleting and Moving Cells</a:t>
             </a:r>
           </a:p>
         </p:txBody>
@@ -5193,7 +5286,7 @@
         </p:nvSpPr>
         <p:spPr>
           <a:xfrm>
-            <a:off x="1169437" y="2216953"/>
+            <a:off x="1240069" y="2154750"/>
             <a:ext cx="12801600" cy="5486400"/>
           </a:xfrm>
           <a:prstGeom prst="rect">
@@ -5220,7 +5313,7 @@
             </a:pPr>
             <a:r>
               <a:rPr dirty="0"/>
-              <a:t>From the toolbar:</a:t>
+              <a:t>To delete a cell:</a:t>
             </a:r>
           </a:p>
           <a:p>
@@ -5237,7 +5330,7 @@
             </a:pPr>
             <a:r>
               <a:rPr dirty="0"/>
-              <a:t>• Click + Code for a code cell</a:t>
+              <a:t>• Click the trash icon in the cell toolbar</a:t>
             </a:r>
           </a:p>
           <a:p>
@@ -5254,7 +5347,7 @@
             </a:pPr>
             <a:r>
               <a:rPr dirty="0"/>
-              <a:t>• Click + Text for a text cell</a:t>
+              <a:t>• Or: Ctrl + M, D</a:t>
             </a:r>
           </a:p>
           <a:p>
@@ -5285,7 +5378,7 @@
             </a:pPr>
             <a:r>
               <a:rPr dirty="0"/>
-              <a:t>Using keyboard:</a:t>
+              <a:t>To move a cell:</a:t>
             </a:r>
           </a:p>
           <a:p>
@@ -5302,7 +5395,7 @@
             </a:pPr>
             <a:r>
               <a:rPr dirty="0"/>
-              <a:t>• Ctrl + M, B → Add cell below</a:t>
+              <a:t>• Click the up/down arrows in the cell toolbar</a:t>
             </a:r>
           </a:p>
           <a:p>
@@ -5319,7 +5412,7 @@
             </a:pPr>
             <a:r>
               <a:rPr dirty="0"/>
-              <a:t>• Ctrl + M, A → Add cell above</a:t>
+              <a:t>• Or drag and drop the cell</a:t>
             </a:r>
           </a:p>
         </p:txBody>
@@ -5332,8 +5425,58 @@
         </p:nvSpPr>
         <p:spPr>
           <a:xfrm>
-            <a:off x="777240" y="2345093"/>
-            <a:ext cx="73152" cy="3054221"/>
+            <a:off x="804672" y="2251789"/>
+            <a:ext cx="45719" cy="1219200"/>
+          </a:xfrm>
+          <a:prstGeom prst="rect">
+            <a:avLst/>
+          </a:prstGeom>
+          <a:solidFill>
+            <a:srgbClr val="D2691E"/>
+          </a:solidFill>
+          <a:ln>
+            <a:noFill/>
+          </a:ln>
+        </p:spPr>
+        <p:style>
+          <a:lnRef idx="1">
+            <a:schemeClr val="accent1"/>
+          </a:lnRef>
+          <a:fillRef idx="3">
+            <a:schemeClr val="accent1"/>
+          </a:fillRef>
+          <a:effectRef idx="2">
+            <a:schemeClr val="accent1"/>
+          </a:effectRef>
+          <a:fontRef idx="minor">
+            <a:schemeClr val="lt1"/>
+          </a:fontRef>
+        </p:style>
+        <p:txBody>
+          <a:bodyPr rtlCol="0" anchor="ctr"/>
+          <a:lstStyle/>
+          <a:p>
+            <a:pPr algn="ctr"/>
+            <a:endParaRPr/>
+          </a:p>
+        </p:txBody>
+      </p:sp>
+      <p:sp>
+        <p:nvSpPr>
+          <p:cNvPr id="6" name="Rectangle 5">
+            <a:extLst>
+              <a:ext uri="{FF2B5EF4-FFF2-40B4-BE49-F238E27FC236}">
+                <a16:creationId xmlns:a16="http://schemas.microsoft.com/office/drawing/2014/main" id="{B5400A27-0971-80AB-3832-0BA2AF792BF4}"/>
+              </a:ext>
+            </a:extLst>
+          </p:cNvPr>
+          <p:cNvSpPr/>
+          <p:nvPr/>
+        </p:nvSpPr>
+        <p:spPr>
+          <a:xfrm>
+            <a:off x="804672" y="4149012"/>
+            <a:ext cx="45719" cy="1219200"/>
           </a:xfrm>
           <a:prstGeom prst="rect">
             <a:avLst/>
@@ -5401,7 +5544,7 @@
         </p:nvSpPr>
         <p:spPr>
           <a:xfrm>
-            <a:off x="-199053" y="0"/>
+            <a:off x="0" y="0"/>
             <a:ext cx="14630400" cy="8229600"/>
           </a:xfrm>
           <a:prstGeom prst="rect">
@@ -5468,21 +5611,45 @@
               </a:defRPr>
             </a:pPr>
             <a:r>
-              <a:t>Deleting and Moving Cells</a:t>
-            </a:r>
-          </a:p>
-        </p:txBody>
-      </p:sp>
-      <p:sp>
-        <p:nvSpPr>
-          <p:cNvPr id="4" name="TextBox 3"/>
+              <a:t>Meet Gemini: Your AI Assistant</a:t>
+            </a:r>
+          </a:p>
+        </p:txBody>
+      </p:sp>
+      <p:pic>
+        <p:nvPicPr>
+          <p:cNvPr id="4" name="Picture 3" descr="colab-gemini.png"/>
+          <p:cNvPicPr>
+            <a:picLocks noChangeAspect="1"/>
+          </p:cNvPicPr>
+          <p:nvPr/>
+        </p:nvPicPr>
+        <p:blipFill>
+          <a:blip r:embed="rId2"/>
+          <a:stretch>
+            <a:fillRect/>
+          </a:stretch>
+        </p:blipFill>
+        <p:spPr>
+          <a:xfrm>
+            <a:off x="1828800" y="1828800"/>
+            <a:ext cx="10972800" cy="5518459"/>
+          </a:xfrm>
+          <a:prstGeom prst="rect">
+            <a:avLst/>
+          </a:prstGeom>
+        </p:spPr>
+      </p:pic>
+      <p:sp>
+        <p:nvSpPr>
+          <p:cNvPr id="5" name="TextBox 4"/>
           <p:cNvSpPr txBox="1"/>
           <p:nvPr/>
         </p:nvSpPr>
         <p:spPr>
           <a:xfrm>
-            <a:off x="1240069" y="2154750"/>
-            <a:ext cx="12801600" cy="5486400"/>
+            <a:off x="914400" y="6858000"/>
+            <a:ext cx="12801600" cy="914400"/>
           </a:xfrm>
           <a:prstGeom prst="rect">
             <a:avLst/>
@@ -5490,169 +5657,22 @@
           <a:noFill/>
         </p:spPr>
         <p:txBody>
-          <a:bodyPr wrap="square">
+          <a:bodyPr wrap="none">
             <a:spAutoFit/>
           </a:bodyPr>
           <a:lstStyle/>
           <a:p>
-            <a:pPr>
-              <a:spcBef>
-                <a:spcPts val="800"/>
-              </a:spcBef>
-              <a:defRPr sz="2400">
-                <a:solidFill>
-                  <a:srgbClr val="FFFFFF"/>
-                </a:solidFill>
-                <a:latin typeface="Arial"/>
-              </a:defRPr>
-            </a:pPr>
-            <a:r>
-              <a:rPr dirty="0"/>
-              <a:t>To delete a cell:</a:t>
-            </a:r>
-          </a:p>
-          <a:p>
-            <a:pPr>
-              <a:spcBef>
-                <a:spcPts val="800"/>
-              </a:spcBef>
-              <a:defRPr sz="2400">
-                <a:solidFill>
-                  <a:srgbClr val="FFFFFF"/>
-                </a:solidFill>
-                <a:latin typeface="Arial"/>
-              </a:defRPr>
-            </a:pPr>
-            <a:r>
-              <a:rPr dirty="0"/>
-              <a:t>• Click the trash icon in the cell toolbar</a:t>
-            </a:r>
-          </a:p>
-          <a:p>
-            <a:pPr>
-              <a:spcBef>
-                <a:spcPts val="800"/>
-              </a:spcBef>
-              <a:defRPr sz="2400">
-                <a:solidFill>
-                  <a:srgbClr val="FFFFFF"/>
-                </a:solidFill>
-                <a:latin typeface="Arial"/>
-              </a:defRPr>
-            </a:pPr>
-            <a:r>
-              <a:rPr dirty="0"/>
-              <a:t>• Or: Ctrl + M, D</a:t>
-            </a:r>
-          </a:p>
-          <a:p>
-            <a:pPr>
-              <a:spcBef>
-                <a:spcPts val="800"/>
-              </a:spcBef>
-              <a:defRPr sz="2400">
-                <a:solidFill>
-                  <a:srgbClr val="FFFFFF"/>
-                </a:solidFill>
-                <a:latin typeface="Arial"/>
-              </a:defRPr>
-            </a:pPr>
-            <a:endParaRPr dirty="0"/>
-          </a:p>
-          <a:p>
-            <a:pPr>
-              <a:spcBef>
-                <a:spcPts val="800"/>
-              </a:spcBef>
-              <a:defRPr sz="2400">
-                <a:solidFill>
-                  <a:srgbClr val="FFFFFF"/>
-                </a:solidFill>
-                <a:latin typeface="Arial"/>
-              </a:defRPr>
-            </a:pPr>
-            <a:r>
-              <a:rPr dirty="0"/>
-              <a:t>To move a cell:</a:t>
-            </a:r>
-          </a:p>
-          <a:p>
-            <a:pPr>
-              <a:spcBef>
-                <a:spcPts val="800"/>
-              </a:spcBef>
-              <a:defRPr sz="2400">
-                <a:solidFill>
-                  <a:srgbClr val="FFFFFF"/>
-                </a:solidFill>
-                <a:latin typeface="Arial"/>
-              </a:defRPr>
-            </a:pPr>
-            <a:r>
-              <a:rPr dirty="0"/>
-              <a:t>• Click the up/down arrows in the cell toolbar</a:t>
-            </a:r>
-          </a:p>
-          <a:p>
-            <a:pPr>
-              <a:spcBef>
-                <a:spcPts val="800"/>
-              </a:spcBef>
-              <a:defRPr sz="2400">
-                <a:solidFill>
-                  <a:srgbClr val="FFFFFF"/>
-                </a:solidFill>
-                <a:latin typeface="Arial"/>
-              </a:defRPr>
-            </a:pPr>
-            <a:r>
-              <a:rPr dirty="0"/>
-              <a:t>• Or drag and drop the cell</a:t>
-            </a:r>
-          </a:p>
-        </p:txBody>
-      </p:sp>
-      <p:sp>
-        <p:nvSpPr>
-          <p:cNvPr id="5" name="Rectangle 4"/>
-          <p:cNvSpPr/>
-          <p:nvPr/>
-        </p:nvSpPr>
-        <p:spPr>
-          <a:xfrm>
-            <a:off x="804672" y="2251788"/>
-            <a:ext cx="45719" cy="3153747"/>
-          </a:xfrm>
-          <a:prstGeom prst="rect">
-            <a:avLst/>
-          </a:prstGeom>
-          <a:solidFill>
-            <a:srgbClr val="D2691E"/>
-          </a:solidFill>
-          <a:ln>
-            <a:noFill/>
-          </a:ln>
-        </p:spPr>
-        <p:style>
-          <a:lnRef idx="1">
-            <a:schemeClr val="accent1"/>
-          </a:lnRef>
-          <a:fillRef idx="3">
-            <a:schemeClr val="accent1"/>
-          </a:fillRef>
-          <a:effectRef idx="2">
-            <a:schemeClr val="accent1"/>
-          </a:effectRef>
-          <a:fontRef idx="minor">
-            <a:schemeClr val="lt1"/>
-          </a:fontRef>
-        </p:style>
-        <p:txBody>
-          <a:bodyPr rtlCol="0" anchor="ctr"/>
-          <a:lstStyle/>
-          <a:p>
-            <a:pPr algn="ctr"/>
-            <a:endParaRPr/>
+            <a:pPr algn="ctr">
+              <a:defRPr sz="2000">
+                <a:solidFill>
+                  <a:srgbClr val="B4B4B4"/>
+                </a:solidFill>
+                <a:latin typeface="Arial"/>
+              </a:defRPr>
+            </a:pPr>
+            <a:r>
+              <a:t>Gemini is built into Colab to help you write code</a:t>
+            </a:r>
           </a:p>
         </p:txBody>
       </p:sp>
@@ -5689,7 +5709,7 @@
         </p:nvSpPr>
         <p:spPr>
           <a:xfrm>
-            <a:off x="0" y="0"/>
+            <a:off x="-74645" y="0"/>
             <a:ext cx="14630400" cy="8229600"/>
           </a:xfrm>
           <a:prstGeom prst="rect">
@@ -5756,45 +5776,21 @@
               </a:defRPr>
             </a:pPr>
             <a:r>
-              <a:t>Meet Gemini: Your AI Assistant</a:t>
-            </a:r>
-          </a:p>
-        </p:txBody>
-      </p:sp>
-      <p:pic>
-        <p:nvPicPr>
-          <p:cNvPr id="4" name="Picture 3" descr="colab-gemini.png"/>
-          <p:cNvPicPr>
-            <a:picLocks noChangeAspect="1"/>
-          </p:cNvPicPr>
-          <p:nvPr/>
-        </p:nvPicPr>
-        <p:blipFill>
-          <a:blip r:embed="rId2"/>
-          <a:stretch>
-            <a:fillRect/>
-          </a:stretch>
-        </p:blipFill>
-        <p:spPr>
-          <a:xfrm>
-            <a:off x="1828800" y="1828800"/>
-            <a:ext cx="10972800" cy="5518459"/>
-          </a:xfrm>
-          <a:prstGeom prst="rect">
-            <a:avLst/>
-          </a:prstGeom>
-        </p:spPr>
-      </p:pic>
-      <p:sp>
-        <p:nvSpPr>
-          <p:cNvPr id="5" name="TextBox 4"/>
+              <a:t>What Gemini Can Do</a:t>
+            </a:r>
+          </a:p>
+        </p:txBody>
+      </p:sp>
+      <p:sp>
+        <p:nvSpPr>
+          <p:cNvPr id="4" name="TextBox 3"/>
           <p:cNvSpPr txBox="1"/>
           <p:nvPr/>
         </p:nvSpPr>
         <p:spPr>
           <a:xfrm>
-            <a:off x="914400" y="6858000"/>
-            <a:ext cx="12801600" cy="914400"/>
+            <a:off x="1188098" y="2391125"/>
+            <a:ext cx="12801600" cy="5486400"/>
           </a:xfrm>
           <a:prstGeom prst="rect">
             <a:avLst/>
@@ -5802,22 +5798,138 @@
           <a:noFill/>
         </p:spPr>
         <p:txBody>
-          <a:bodyPr wrap="none">
+          <a:bodyPr wrap="square">
             <a:spAutoFit/>
           </a:bodyPr>
           <a:lstStyle/>
           <a:p>
-            <a:pPr algn="ctr">
-              <a:defRPr sz="2000">
-                <a:solidFill>
-                  <a:srgbClr val="B4B4B4"/>
-                </a:solidFill>
-                <a:latin typeface="Arial"/>
-              </a:defRPr>
-            </a:pPr>
-            <a:r>
-              <a:t>Gemini is built into Colab to help you write code</a:t>
-            </a:r>
+            <a:pPr>
+              <a:spcBef>
+                <a:spcPts val="800"/>
+              </a:spcBef>
+              <a:defRPr sz="2400">
+                <a:solidFill>
+                  <a:srgbClr val="FFFFFF"/>
+                </a:solidFill>
+                <a:latin typeface="Arial"/>
+              </a:defRPr>
+            </a:pPr>
+            <a:r>
+              <a:rPr dirty="0"/>
+              <a:t>• Generate code from plain English descriptions</a:t>
+            </a:r>
+          </a:p>
+          <a:p>
+            <a:pPr>
+              <a:spcBef>
+                <a:spcPts val="800"/>
+              </a:spcBef>
+              <a:defRPr sz="2400">
+                <a:solidFill>
+                  <a:srgbClr val="FFFFFF"/>
+                </a:solidFill>
+                <a:latin typeface="Arial"/>
+              </a:defRPr>
+            </a:pPr>
+            <a:r>
+              <a:rPr dirty="0"/>
+              <a:t>• Explain what existing code does</a:t>
+            </a:r>
+          </a:p>
+          <a:p>
+            <a:pPr>
+              <a:spcBef>
+                <a:spcPts val="800"/>
+              </a:spcBef>
+              <a:defRPr sz="2400">
+                <a:solidFill>
+                  <a:srgbClr val="FFFFFF"/>
+                </a:solidFill>
+                <a:latin typeface="Arial"/>
+              </a:defRPr>
+            </a:pPr>
+            <a:r>
+              <a:rPr dirty="0"/>
+              <a:t>• Fix errors in your code</a:t>
+            </a:r>
+          </a:p>
+          <a:p>
+            <a:pPr>
+              <a:spcBef>
+                <a:spcPts val="800"/>
+              </a:spcBef>
+              <a:defRPr sz="2400">
+                <a:solidFill>
+                  <a:srgbClr val="FFFFFF"/>
+                </a:solidFill>
+                <a:latin typeface="Arial"/>
+              </a:defRPr>
+            </a:pPr>
+            <a:r>
+              <a:rPr dirty="0"/>
+              <a:t>• Suggest improvements</a:t>
+            </a:r>
+          </a:p>
+          <a:p>
+            <a:pPr>
+              <a:spcBef>
+                <a:spcPts val="800"/>
+              </a:spcBef>
+              <a:defRPr sz="2400">
+                <a:solidFill>
+                  <a:srgbClr val="FFFFFF"/>
+                </a:solidFill>
+                <a:latin typeface="Arial"/>
+              </a:defRPr>
+            </a:pPr>
+            <a:r>
+              <a:rPr dirty="0"/>
+              <a:t>• Answer Python questions</a:t>
+            </a:r>
+          </a:p>
+        </p:txBody>
+      </p:sp>
+      <p:sp>
+        <p:nvSpPr>
+          <p:cNvPr id="5" name="Rectangle 4"/>
+          <p:cNvSpPr/>
+          <p:nvPr/>
+        </p:nvSpPr>
+        <p:spPr>
+          <a:xfrm>
+            <a:off x="777240" y="2537927"/>
+            <a:ext cx="73152" cy="2096278"/>
+          </a:xfrm>
+          <a:prstGeom prst="rect">
+            <a:avLst/>
+          </a:prstGeom>
+          <a:solidFill>
+            <a:srgbClr val="D2691E"/>
+          </a:solidFill>
+          <a:ln>
+            <a:noFill/>
+          </a:ln>
+        </p:spPr>
+        <p:style>
+          <a:lnRef idx="1">
+            <a:schemeClr val="accent1"/>
+          </a:lnRef>
+          <a:fillRef idx="3">
+            <a:schemeClr val="accent1"/>
+          </a:fillRef>
+          <a:effectRef idx="2">
+            <a:schemeClr val="accent1"/>
+          </a:effectRef>
+          <a:fontRef idx="minor">
+            <a:schemeClr val="lt1"/>
+          </a:fontRef>
+        </p:style>
+        <p:txBody>
+          <a:bodyPr rtlCol="0" anchor="ctr"/>
+          <a:lstStyle/>
+          <a:p>
+            <a:pPr algn="ctr"/>
+            <a:endParaRPr/>
           </a:p>
         </p:txBody>
       </p:sp>
@@ -6175,219 +6287,30 @@
           </a:p>
         </p:txBody>
       </p:sp>
-      <p:sp>
-        <p:nvSpPr>
-          <p:cNvPr id="3" name="TextBox 2"/>
-          <p:cNvSpPr txBox="1"/>
-          <p:nvPr/>
-        </p:nvSpPr>
-        <p:spPr>
-          <a:xfrm>
-            <a:off x="914400" y="731520"/>
-            <a:ext cx="12801600" cy="1097280"/>
-          </a:xfrm>
-          <a:prstGeom prst="rect">
-            <a:avLst/>
-          </a:prstGeom>
-          <a:noFill/>
-        </p:spPr>
-        <p:txBody>
-          <a:bodyPr wrap="none">
-            <a:spAutoFit/>
-          </a:bodyPr>
-          <a:lstStyle/>
-          <a:p>
-            <a:pPr>
-              <a:defRPr sz="4400" b="1">
-                <a:solidFill>
-                  <a:srgbClr val="FFFFFF"/>
-                </a:solidFill>
-                <a:latin typeface="Arial"/>
-              </a:defRPr>
-            </a:pPr>
-            <a:r>
-              <a:t>Using Gemini</a:t>
-            </a:r>
-          </a:p>
-        </p:txBody>
-      </p:sp>
-      <p:sp>
-        <p:nvSpPr>
-          <p:cNvPr id="4" name="TextBox 3"/>
-          <p:cNvSpPr txBox="1"/>
-          <p:nvPr/>
-        </p:nvSpPr>
-        <p:spPr>
-          <a:xfrm>
-            <a:off x="914400" y="2011680"/>
-            <a:ext cx="12801600" cy="5486400"/>
-          </a:xfrm>
-          <a:prstGeom prst="rect">
-            <a:avLst/>
-          </a:prstGeom>
-          <a:noFill/>
-        </p:spPr>
-        <p:txBody>
-          <a:bodyPr wrap="square">
-            <a:spAutoFit/>
-          </a:bodyPr>
-          <a:lstStyle/>
-          <a:p>
-            <a:pPr>
-              <a:spcBef>
-                <a:spcPts val="800"/>
-              </a:spcBef>
-              <a:defRPr sz="2400">
-                <a:solidFill>
-                  <a:srgbClr val="FFFFFF"/>
-                </a:solidFill>
-                <a:latin typeface="Arial"/>
-              </a:defRPr>
-            </a:pPr>
-            <a:r>
-              <a:t>Suggested prompts appear automatically:</a:t>
-            </a:r>
-          </a:p>
-          <a:p>
-            <a:pPr>
-              <a:spcBef>
-                <a:spcPts val="800"/>
-              </a:spcBef>
-              <a:defRPr sz="2400">
-                <a:solidFill>
-                  <a:srgbClr val="FFFFFF"/>
-                </a:solidFill>
-                <a:latin typeface="Arial"/>
-              </a:defRPr>
-            </a:pPr>
-            <a:r>
-              <a:t>• 'How can I install Python libraries?'</a:t>
-            </a:r>
-          </a:p>
-          <a:p>
-            <a:pPr>
-              <a:spcBef>
-                <a:spcPts val="800"/>
-              </a:spcBef>
-              <a:defRPr sz="2400">
-                <a:solidFill>
-                  <a:srgbClr val="FFFFFF"/>
-                </a:solidFill>
-                <a:latin typeface="Arial"/>
-              </a:defRPr>
-            </a:pPr>
-            <a:r>
-              <a:t>• 'Load data from Google Drive'</a:t>
-            </a:r>
-          </a:p>
-          <a:p>
-            <a:pPr>
-              <a:spcBef>
-                <a:spcPts val="800"/>
-              </a:spcBef>
-              <a:defRPr sz="2400">
-                <a:solidFill>
-                  <a:srgbClr val="FFFFFF"/>
-                </a:solidFill>
-                <a:latin typeface="Arial"/>
-              </a:defRPr>
-            </a:pPr>
-            <a:r>
-              <a:t>• 'Show an example of training a model'</a:t>
-            </a:r>
-          </a:p>
-          <a:p>
-            <a:pPr>
-              <a:spcBef>
-                <a:spcPts val="800"/>
-              </a:spcBef>
-              <a:defRPr sz="2400">
-                <a:solidFill>
-                  <a:srgbClr val="FFFFFF"/>
-                </a:solidFill>
-                <a:latin typeface="Arial"/>
-              </a:defRPr>
-            </a:pPr>
-            <a:endParaRPr/>
-          </a:p>
-          <a:p>
-            <a:pPr>
-              <a:spcBef>
-                <a:spcPts val="800"/>
-              </a:spcBef>
-              <a:defRPr sz="2400">
-                <a:solidFill>
-                  <a:srgbClr val="FFFFFF"/>
-                </a:solidFill>
-                <a:latin typeface="Arial"/>
-              </a:defRPr>
-            </a:pPr>
-            <a:r>
-              <a:t>Or type your own question:</a:t>
-            </a:r>
-          </a:p>
-          <a:p>
-            <a:pPr>
-              <a:spcBef>
-                <a:spcPts val="800"/>
-              </a:spcBef>
-              <a:defRPr sz="2400">
-                <a:solidFill>
-                  <a:srgbClr val="FFFFFF"/>
-                </a:solidFill>
-                <a:latin typeface="Arial"/>
-              </a:defRPr>
-            </a:pPr>
-            <a:r>
-              <a:t>'Create a bar chart of sales by month'</a:t>
-            </a:r>
-          </a:p>
-        </p:txBody>
-      </p:sp>
-      <p:sp>
-        <p:nvSpPr>
-          <p:cNvPr id="5" name="Rectangle 4"/>
-          <p:cNvSpPr/>
-          <p:nvPr/>
-        </p:nvSpPr>
-        <p:spPr>
-          <a:xfrm>
-            <a:off x="777240" y="2011680"/>
-            <a:ext cx="73152" cy="5486400"/>
-          </a:xfrm>
-          <a:prstGeom prst="rect">
-            <a:avLst/>
-          </a:prstGeom>
-          <a:solidFill>
-            <a:srgbClr val="D2691E"/>
-          </a:solidFill>
-          <a:ln>
-            <a:noFill/>
-          </a:ln>
-        </p:spPr>
-        <p:style>
-          <a:lnRef idx="1">
-            <a:schemeClr val="accent1"/>
-          </a:lnRef>
-          <a:fillRef idx="3">
-            <a:schemeClr val="accent1"/>
-          </a:fillRef>
-          <a:effectRef idx="2">
-            <a:schemeClr val="accent1"/>
-          </a:effectRef>
-          <a:fontRef idx="minor">
-            <a:schemeClr val="lt1"/>
-          </a:fontRef>
-        </p:style>
-        <p:txBody>
-          <a:bodyPr rtlCol="0" anchor="ctr"/>
-          <a:lstStyle/>
-          <a:p>
-            <a:pPr algn="ctr"/>
-            <a:endParaRPr/>
-          </a:p>
-        </p:txBody>
-      </p:sp>
+      <p:pic>
+        <p:nvPicPr>
+          <p:cNvPr id="3" name="Picture 2" descr="Screenshot (14).png"/>
+          <p:cNvPicPr>
+            <a:picLocks noChangeAspect="1"/>
+          </p:cNvPicPr>
+          <p:nvPr/>
+        </p:nvPicPr>
+        <p:blipFill>
+          <a:blip r:embed="rId2"/>
+          <a:stretch>
+            <a:fillRect/>
+          </a:stretch>
+        </p:blipFill>
+        <p:spPr>
+          <a:xfrm>
+            <a:off x="914400" y="457200"/>
+            <a:ext cx="12801600" cy="8534400"/>
+          </a:xfrm>
+          <a:prstGeom prst="rect">
+            <a:avLst/>
+          </a:prstGeom>
+        </p:spPr>
+      </p:pic>
     </p:spTree>
   </p:cSld>
   <p:clrMapOvr>
@@ -6457,208 +6380,30 @@
           </a:p>
         </p:txBody>
       </p:sp>
-      <p:sp>
-        <p:nvSpPr>
-          <p:cNvPr id="3" name="TextBox 2"/>
-          <p:cNvSpPr txBox="1"/>
-          <p:nvPr/>
-        </p:nvSpPr>
-        <p:spPr>
-          <a:xfrm>
-            <a:off x="914400" y="731520"/>
-            <a:ext cx="12801600" cy="1097280"/>
-          </a:xfrm>
-          <a:prstGeom prst="rect">
-            <a:avLst/>
-          </a:prstGeom>
-          <a:noFill/>
-        </p:spPr>
-        <p:txBody>
-          <a:bodyPr wrap="none">
-            <a:spAutoFit/>
-          </a:bodyPr>
-          <a:lstStyle/>
-          <a:p>
-            <a:pPr>
-              <a:defRPr sz="4400" b="1">
-                <a:solidFill>
-                  <a:srgbClr val="FFFFFF"/>
-                </a:solidFill>
-                <a:latin typeface="Arial"/>
-              </a:defRPr>
-            </a:pPr>
-            <a:r>
-              <a:t>The Files Panel</a:t>
-            </a:r>
-          </a:p>
-        </p:txBody>
-      </p:sp>
-      <p:sp>
-        <p:nvSpPr>
-          <p:cNvPr id="4" name="TextBox 3"/>
-          <p:cNvSpPr txBox="1"/>
-          <p:nvPr/>
-        </p:nvSpPr>
-        <p:spPr>
-          <a:xfrm>
-            <a:off x="1237862" y="2282268"/>
-            <a:ext cx="12801600" cy="5486400"/>
-          </a:xfrm>
-          <a:prstGeom prst="rect">
-            <a:avLst/>
-          </a:prstGeom>
-          <a:noFill/>
-        </p:spPr>
-        <p:txBody>
-          <a:bodyPr wrap="square">
-            <a:spAutoFit/>
-          </a:bodyPr>
-          <a:lstStyle/>
-          <a:p>
-            <a:pPr>
-              <a:spcBef>
-                <a:spcPts val="800"/>
-              </a:spcBef>
-              <a:defRPr sz="2400">
-                <a:solidFill>
-                  <a:srgbClr val="FFFFFF"/>
-                </a:solidFill>
-                <a:latin typeface="Arial"/>
-              </a:defRPr>
-            </a:pPr>
-            <a:r>
-              <a:rPr dirty="0"/>
-              <a:t>Click the folder icon on the left sidebar to:</a:t>
-            </a:r>
-          </a:p>
-          <a:p>
-            <a:pPr>
-              <a:spcBef>
-                <a:spcPts val="800"/>
-              </a:spcBef>
-              <a:defRPr sz="2400">
-                <a:solidFill>
-                  <a:srgbClr val="FFFFFF"/>
-                </a:solidFill>
-                <a:latin typeface="Arial"/>
-              </a:defRPr>
-            </a:pPr>
-            <a:endParaRPr dirty="0"/>
-          </a:p>
-          <a:p>
-            <a:pPr>
-              <a:spcBef>
-                <a:spcPts val="800"/>
-              </a:spcBef>
-              <a:defRPr sz="2400">
-                <a:solidFill>
-                  <a:srgbClr val="FFFFFF"/>
-                </a:solidFill>
-                <a:latin typeface="Arial"/>
-              </a:defRPr>
-            </a:pPr>
-            <a:r>
-              <a:rPr dirty="0"/>
-              <a:t>• See files in your notebook's environment</a:t>
-            </a:r>
-          </a:p>
-          <a:p>
-            <a:pPr>
-              <a:spcBef>
-                <a:spcPts val="800"/>
-              </a:spcBef>
-              <a:defRPr sz="2400">
-                <a:solidFill>
-                  <a:srgbClr val="FFFFFF"/>
-                </a:solidFill>
-                <a:latin typeface="Arial"/>
-              </a:defRPr>
-            </a:pPr>
-            <a:r>
-              <a:rPr dirty="0"/>
-              <a:t>• Upload files from your computer</a:t>
-            </a:r>
-          </a:p>
-          <a:p>
-            <a:pPr>
-              <a:spcBef>
-                <a:spcPts val="800"/>
-              </a:spcBef>
-              <a:defRPr sz="2400">
-                <a:solidFill>
-                  <a:srgbClr val="FFFFFF"/>
-                </a:solidFill>
-                <a:latin typeface="Arial"/>
-              </a:defRPr>
-            </a:pPr>
-            <a:r>
-              <a:rPr dirty="0"/>
-              <a:t>• Download files you've created</a:t>
-            </a:r>
-          </a:p>
-          <a:p>
-            <a:pPr>
-              <a:spcBef>
-                <a:spcPts val="800"/>
-              </a:spcBef>
-              <a:defRPr sz="2400">
-                <a:solidFill>
-                  <a:srgbClr val="FFFFFF"/>
-                </a:solidFill>
-                <a:latin typeface="Arial"/>
-              </a:defRPr>
-            </a:pPr>
-            <a:r>
-              <a:rPr dirty="0"/>
-              <a:t>• Mount Google Drive</a:t>
-            </a:r>
-          </a:p>
-        </p:txBody>
-      </p:sp>
-      <p:sp>
-        <p:nvSpPr>
-          <p:cNvPr id="5" name="Rectangle 4"/>
-          <p:cNvSpPr/>
-          <p:nvPr/>
-        </p:nvSpPr>
-        <p:spPr>
-          <a:xfrm>
-            <a:off x="777240" y="2357535"/>
-            <a:ext cx="73152" cy="2693436"/>
-          </a:xfrm>
-          <a:prstGeom prst="rect">
-            <a:avLst/>
-          </a:prstGeom>
-          <a:solidFill>
-            <a:srgbClr val="D2691E"/>
-          </a:solidFill>
-          <a:ln>
-            <a:noFill/>
-          </a:ln>
-        </p:spPr>
-        <p:style>
-          <a:lnRef idx="1">
-            <a:schemeClr val="accent1"/>
-          </a:lnRef>
-          <a:fillRef idx="3">
-            <a:schemeClr val="accent1"/>
-          </a:fillRef>
-          <a:effectRef idx="2">
-            <a:schemeClr val="accent1"/>
-          </a:effectRef>
-          <a:fontRef idx="minor">
-            <a:schemeClr val="lt1"/>
-          </a:fontRef>
-        </p:style>
-        <p:txBody>
-          <a:bodyPr rtlCol="0" anchor="ctr"/>
-          <a:lstStyle/>
-          <a:p>
-            <a:pPr algn="ctr"/>
-            <a:endParaRPr/>
-          </a:p>
-        </p:txBody>
-      </p:sp>
+      <p:pic>
+        <p:nvPicPr>
+          <p:cNvPr id="3" name="Picture 2" descr="Screenshot (15).png"/>
+          <p:cNvPicPr>
+            <a:picLocks noChangeAspect="1"/>
+          </p:cNvPicPr>
+          <p:nvPr/>
+        </p:nvPicPr>
+        <p:blipFill>
+          <a:blip r:embed="rId2"/>
+          <a:stretch>
+            <a:fillRect/>
+          </a:stretch>
+        </p:blipFill>
+        <p:spPr>
+          <a:xfrm>
+            <a:off x="914400" y="457200"/>
+            <a:ext cx="12801600" cy="8534400"/>
+          </a:xfrm>
+          <a:prstGeom prst="rect">
+            <a:avLst/>
+          </a:prstGeom>
+        </p:spPr>
+      </p:pic>
     </p:spTree>
   </p:cSld>
   <p:clrMapOvr>
@@ -6728,45 +6473,9 @@
           </a:p>
         </p:txBody>
       </p:sp>
-      <p:sp>
-        <p:nvSpPr>
-          <p:cNvPr id="3" name="TextBox 2"/>
-          <p:cNvSpPr txBox="1"/>
-          <p:nvPr/>
-        </p:nvSpPr>
-        <p:spPr>
-          <a:xfrm>
-            <a:off x="914400" y="731520"/>
-            <a:ext cx="12801600" cy="1097280"/>
-          </a:xfrm>
-          <a:prstGeom prst="rect">
-            <a:avLst/>
-          </a:prstGeom>
-          <a:noFill/>
-        </p:spPr>
-        <p:txBody>
-          <a:bodyPr wrap="none">
-            <a:spAutoFit/>
-          </a:bodyPr>
-          <a:lstStyle/>
-          <a:p>
-            <a:pPr>
-              <a:defRPr sz="4400" b="1">
-                <a:solidFill>
-                  <a:srgbClr val="FFFFFF"/>
-                </a:solidFill>
-                <a:latin typeface="Arial"/>
-              </a:defRPr>
-            </a:pPr>
-            <a:r>
-              <a:t>Uploading Files</a:t>
-            </a:r>
-          </a:p>
-        </p:txBody>
-      </p:sp>
       <p:pic>
         <p:nvPicPr>
-          <p:cNvPr id="4" name="Picture 3" descr="colab-upload.jpg"/>
+          <p:cNvPr id="3" name="Picture 2" descr="Screenshot (16).png"/>
           <p:cNvPicPr>
             <a:picLocks noChangeAspect="1"/>
           </p:cNvPicPr>
@@ -6780,50 +6489,14 @@
         </p:blipFill>
         <p:spPr>
           <a:xfrm>
-            <a:off x="1828800" y="1828800"/>
-            <a:ext cx="10972800" cy="4389120"/>
+            <a:off x="914400" y="457200"/>
+            <a:ext cx="12801600" cy="8534400"/>
           </a:xfrm>
           <a:prstGeom prst="rect">
             <a:avLst/>
           </a:prstGeom>
         </p:spPr>
       </p:pic>
-      <p:sp>
-        <p:nvSpPr>
-          <p:cNvPr id="5" name="TextBox 4"/>
-          <p:cNvSpPr txBox="1"/>
-          <p:nvPr/>
-        </p:nvSpPr>
-        <p:spPr>
-          <a:xfrm>
-            <a:off x="914400" y="6858000"/>
-            <a:ext cx="12801600" cy="914400"/>
-          </a:xfrm>
-          <a:prstGeom prst="rect">
-            <a:avLst/>
-          </a:prstGeom>
-          <a:noFill/>
-        </p:spPr>
-        <p:txBody>
-          <a:bodyPr wrap="none">
-            <a:spAutoFit/>
-          </a:bodyPr>
-          <a:lstStyle/>
-          <a:p>
-            <a:pPr algn="ctr">
-              <a:defRPr sz="2000">
-                <a:solidFill>
-                  <a:srgbClr val="B4B4B4"/>
-                </a:solidFill>
-                <a:latin typeface="Arial"/>
-              </a:defRPr>
-            </a:pPr>
-            <a:r>
-              <a:t>Click the upload icon and select your file</a:t>
-            </a:r>
-          </a:p>
-        </p:txBody>
-      </p:sp>
     </p:spTree>
   </p:cSld>
   <p:clrMapOvr>
@@ -6924,7 +6597,7 @@
               </a:defRPr>
             </a:pPr>
             <a:r>
-              <a:t>Important: Temporary Storage</a:t>
+              <a:t>Runtime: What Powers Your Code</a:t>
             </a:r>
           </a:p>
         </p:txBody>
@@ -6937,7 +6610,7 @@
         </p:nvSpPr>
         <p:spPr>
           <a:xfrm>
-            <a:off x="914400" y="2490651"/>
+            <a:off x="1163217" y="2286000"/>
             <a:ext cx="12801600" cy="5486400"/>
           </a:xfrm>
           <a:prstGeom prst="rect">
@@ -6964,7 +6637,7 @@
             </a:pPr>
             <a:r>
               <a:rPr dirty="0"/>
-              <a:t>⚠️ Warning: Files uploaded directly to </a:t>
+              <a:t>When you click Connect, </a:t>
             </a:r>
             <a:r>
               <a:rPr dirty="0" err="1"/>
@@ -6972,7 +6645,7 @@
             </a:r>
             <a:r>
               <a:rPr dirty="0"/>
-              <a:t> are temporary</a:t>
+              <a:t> gives you a virtual computer:</a:t>
             </a:r>
           </a:p>
           <a:p>
@@ -7003,7 +6676,41 @@
             </a:pPr>
             <a:r>
               <a:rPr dirty="0"/>
-              <a:t>They disappear when your session ends (~12 hours idle)</a:t>
+              <a:t>• CPU (standard processing)</a:t>
+            </a:r>
+          </a:p>
+          <a:p>
+            <a:pPr>
+              <a:spcBef>
+                <a:spcPts val="800"/>
+              </a:spcBef>
+              <a:defRPr sz="2400">
+                <a:solidFill>
+                  <a:srgbClr val="FFFFFF"/>
+                </a:solidFill>
+                <a:latin typeface="Arial"/>
+              </a:defRPr>
+            </a:pPr>
+            <a:r>
+              <a:rPr dirty="0"/>
+              <a:t>• RAM (memory)</a:t>
+            </a:r>
+          </a:p>
+          <a:p>
+            <a:pPr>
+              <a:spcBef>
+                <a:spcPts val="800"/>
+              </a:spcBef>
+              <a:defRPr sz="2400">
+                <a:solidFill>
+                  <a:srgbClr val="FFFFFF"/>
+                </a:solidFill>
+                <a:latin typeface="Arial"/>
+              </a:defRPr>
+            </a:pPr>
+            <a:r>
+              <a:rPr dirty="0"/>
+              <a:t>• Disk space</a:t>
             </a:r>
           </a:p>
           <a:p>
@@ -7034,8 +6741,52 @@
             </a:pPr>
             <a:r>
               <a:rPr dirty="0"/>
-              <a:t>Solution: Use Google Drive for permanent storage</a:t>
-            </a:r>
+              <a:t>And optionally: GPU or TPU for machine learning</a:t>
+            </a:r>
+          </a:p>
+        </p:txBody>
+      </p:sp>
+      <p:sp>
+        <p:nvSpPr>
+          <p:cNvPr id="5" name="Rectangle 4"/>
+          <p:cNvSpPr/>
+          <p:nvPr/>
+        </p:nvSpPr>
+        <p:spPr>
+          <a:xfrm flipH="1">
+            <a:off x="850390" y="2286000"/>
+            <a:ext cx="64009" cy="3206620"/>
+          </a:xfrm>
+          <a:prstGeom prst="rect">
+            <a:avLst/>
+          </a:prstGeom>
+          <a:solidFill>
+            <a:srgbClr val="D2691E"/>
+          </a:solidFill>
+          <a:ln>
+            <a:noFill/>
+          </a:ln>
+        </p:spPr>
+        <p:style>
+          <a:lnRef idx="1">
+            <a:schemeClr val="accent1"/>
+          </a:lnRef>
+          <a:fillRef idx="3">
+            <a:schemeClr val="accent1"/>
+          </a:fillRef>
+          <a:effectRef idx="2">
+            <a:schemeClr val="accent1"/>
+          </a:effectRef>
+          <a:fontRef idx="minor">
+            <a:schemeClr val="lt1"/>
+          </a:fontRef>
+        </p:style>
+        <p:txBody>
+          <a:bodyPr rtlCol="0" anchor="ctr"/>
+          <a:lstStyle/>
+          <a:p>
+            <a:pPr algn="ctr"/>
+            <a:endParaRPr/>
           </a:p>
         </p:txBody>
       </p:sp>
@@ -7104,7 +6855,53 @@
           <a:lstStyle/>
           <a:p>
             <a:pPr algn="ctr"/>
-            <a:endParaRPr/>
+            <a:br>
+              <a:rPr lang="en-US" dirty="0"/>
+            </a:br>
+            <a:r>
+              <a:rPr lang="en-US" dirty="0"/>
+              <a:t>\</a:t>
+            </a:r>
+          </a:p>
+          <a:p>
+            <a:pPr algn="ctr"/>
+            <a:endParaRPr lang="en-US" dirty="0"/>
+          </a:p>
+          <a:p>
+            <a:pPr algn="ctr"/>
+            <a:endParaRPr lang="en-US" dirty="0"/>
+          </a:p>
+          <a:p>
+            <a:pPr algn="ctr"/>
+            <a:endParaRPr lang="en-US" dirty="0"/>
+          </a:p>
+          <a:p>
+            <a:pPr algn="ctr"/>
+            <a:endParaRPr lang="en-US" dirty="0"/>
+          </a:p>
+          <a:p>
+            <a:pPr algn="ctr"/>
+            <a:endParaRPr lang="en-US" dirty="0"/>
+          </a:p>
+          <a:p>
+            <a:pPr algn="ctr"/>
+            <a:endParaRPr lang="en-US" dirty="0"/>
+          </a:p>
+          <a:p>
+            <a:pPr algn="ctr"/>
+            <a:endParaRPr lang="en-US" dirty="0"/>
+          </a:p>
+          <a:p>
+            <a:pPr algn="ctr"/>
+            <a:endParaRPr lang="en-US" dirty="0"/>
+          </a:p>
+          <a:p>
+            <a:pPr algn="ctr"/>
+            <a:r>
+              <a:rPr lang="en-US" dirty="0"/>
+              <a:t>\</a:t>
+            </a:r>
+            <a:endParaRPr dirty="0"/>
           </a:p>
         </p:txBody>
       </p:sp>
@@ -7139,7 +6936,7 @@
               </a:defRPr>
             </a:pPr>
             <a:r>
-              <a:t>Connecting to Google Drive</a:t>
+              <a:t>Restarting the Runtime</a:t>
             </a:r>
           </a:p>
         </p:txBody>
@@ -7152,8 +6949,8 @@
         </p:nvSpPr>
         <p:spPr>
           <a:xfrm>
-            <a:off x="914400" y="2434667"/>
-            <a:ext cx="12801600" cy="3765133"/>
+            <a:off x="1486677" y="2223174"/>
+            <a:ext cx="12801600" cy="5486400"/>
           </a:xfrm>
           <a:prstGeom prst="rect">
             <a:avLst/>
@@ -7179,7 +6976,7 @@
             </a:pPr>
             <a:r>
               <a:rPr dirty="0"/>
-              <a:t>Add this code to your notebook:</a:t>
+              <a:t>If your code isn't working as expected:</a:t>
             </a:r>
           </a:p>
           <a:p>
@@ -7210,113 +7007,120 @@
             </a:pPr>
             <a:r>
               <a:rPr dirty="0"/>
-              <a:t>from </a:t>
-            </a:r>
-            <a:r>
-              <a:rPr dirty="0" err="1"/>
-              <a:t>google.colab</a:t>
-            </a:r>
+              <a:t>Runtime → Restart runtime</a:t>
+            </a:r>
+          </a:p>
+          <a:p>
+            <a:pPr>
+              <a:spcBef>
+                <a:spcPts val="800"/>
+              </a:spcBef>
+              <a:defRPr sz="2400">
+                <a:solidFill>
+                  <a:srgbClr val="FFFFFF"/>
+                </a:solidFill>
+                <a:latin typeface="Arial"/>
+              </a:defRPr>
+            </a:pPr>
+            <a:endParaRPr dirty="0"/>
+          </a:p>
+          <a:p>
+            <a:pPr>
+              <a:spcBef>
+                <a:spcPts val="800"/>
+              </a:spcBef>
+              <a:defRPr sz="2400">
+                <a:solidFill>
+                  <a:srgbClr val="FFFFFF"/>
+                </a:solidFill>
+                <a:latin typeface="Arial"/>
+              </a:defRPr>
+            </a:pPr>
             <a:r>
               <a:rPr dirty="0"/>
-              <a:t> import drive</a:t>
-            </a:r>
-          </a:p>
-          <a:p>
-            <a:pPr>
-              <a:spcBef>
-                <a:spcPts val="800"/>
-              </a:spcBef>
-              <a:defRPr sz="2400">
-                <a:solidFill>
-                  <a:srgbClr val="FFFFFF"/>
-                </a:solidFill>
-                <a:latin typeface="Arial"/>
-              </a:defRPr>
-            </a:pPr>
-            <a:r>
-              <a:rPr dirty="0" err="1"/>
-              <a:t>drive.mount</a:t>
-            </a:r>
+              <a:t>This clears all variables and starts fresh.</a:t>
+            </a:r>
+          </a:p>
+          <a:p>
+            <a:pPr>
+              <a:spcBef>
+                <a:spcPts val="800"/>
+              </a:spcBef>
+              <a:defRPr sz="2400">
+                <a:solidFill>
+                  <a:srgbClr val="FFFFFF"/>
+                </a:solidFill>
+                <a:latin typeface="Arial"/>
+              </a:defRPr>
+            </a:pPr>
+            <a:endParaRPr dirty="0"/>
+          </a:p>
+          <a:p>
+            <a:pPr>
+              <a:spcBef>
+                <a:spcPts val="800"/>
+              </a:spcBef>
+              <a:defRPr sz="2400">
+                <a:solidFill>
+                  <a:srgbClr val="FFFFFF"/>
+                </a:solidFill>
+                <a:latin typeface="Arial"/>
+              </a:defRPr>
+            </a:pPr>
             <a:r>
               <a:rPr dirty="0"/>
-              <a:t>('/content/drive')</a:t>
-            </a:r>
-          </a:p>
-          <a:p>
-            <a:pPr>
-              <a:spcBef>
-                <a:spcPts val="800"/>
-              </a:spcBef>
-              <a:defRPr sz="2400">
-                <a:solidFill>
-                  <a:srgbClr val="FFFFFF"/>
-                </a:solidFill>
-                <a:latin typeface="Arial"/>
-              </a:defRPr>
-            </a:pPr>
-            <a:endParaRPr dirty="0"/>
-          </a:p>
-          <a:p>
-            <a:pPr>
-              <a:spcBef>
-                <a:spcPts val="800"/>
-              </a:spcBef>
-              <a:defRPr sz="2400">
-                <a:solidFill>
-                  <a:srgbClr val="FFFFFF"/>
-                </a:solidFill>
-                <a:latin typeface="Arial"/>
-              </a:defRPr>
-            </a:pPr>
-            <a:r>
-              <a:rPr dirty="0"/>
-              <a:t>Run the cell and follow the prompts to authorize</a:t>
-            </a:r>
-            <a:endParaRPr lang="en-US" dirty="0"/>
-          </a:p>
-          <a:p>
-            <a:pPr>
-              <a:spcBef>
-                <a:spcPts val="800"/>
-              </a:spcBef>
-              <a:defRPr sz="2400">
-                <a:solidFill>
-                  <a:srgbClr val="FFFFFF"/>
-                </a:solidFill>
-                <a:latin typeface="Arial"/>
-              </a:defRPr>
-            </a:pPr>
-            <a:endParaRPr lang="en-US" dirty="0"/>
-          </a:p>
-          <a:p>
-            <a:pPr>
-              <a:spcBef>
-                <a:spcPts val="800"/>
-              </a:spcBef>
-              <a:defRPr sz="2400">
-                <a:solidFill>
-                  <a:srgbClr val="FFFFFF"/>
-                </a:solidFill>
-                <a:latin typeface="Arial"/>
-              </a:defRPr>
-            </a:pPr>
-            <a:r>
-              <a:rPr lang="en-US" dirty="0">
-                <a:solidFill>
-                  <a:schemeClr val="accent6">
-                    <a:lumMod val="75000"/>
-                  </a:schemeClr>
-                </a:solidFill>
-              </a:rPr>
-              <a:t>Or ask Gemini how to mount your Google drive.</a:t>
-            </a:r>
-            <a:endParaRPr dirty="0">
-              <a:solidFill>
-                <a:schemeClr val="accent6">
-                  <a:lumMod val="75000"/>
-                </a:schemeClr>
-              </a:solidFill>
-            </a:endParaRPr>
+              <a:t>Note: You'll need to re-run your cells after restarting</a:t>
+            </a:r>
+          </a:p>
+        </p:txBody>
+      </p:sp>
+      <p:sp>
+        <p:nvSpPr>
+          <p:cNvPr id="5" name="Rectangle 4">
+            <a:extLst>
+              <a:ext uri="{FF2B5EF4-FFF2-40B4-BE49-F238E27FC236}">
+                <a16:creationId xmlns:a16="http://schemas.microsoft.com/office/drawing/2014/main" id="{F7F9F656-9705-04F7-60B3-8DD177DD0449}"/>
+              </a:ext>
+            </a:extLst>
+          </p:cNvPr>
+          <p:cNvSpPr/>
+          <p:nvPr/>
+        </p:nvSpPr>
+        <p:spPr>
+          <a:xfrm>
+            <a:off x="1071402" y="2185851"/>
+            <a:ext cx="73152" cy="3247053"/>
+          </a:xfrm>
+          <a:prstGeom prst="rect">
+            <a:avLst/>
+          </a:prstGeom>
+          <a:solidFill>
+            <a:srgbClr val="D2691E"/>
+          </a:solidFill>
+          <a:ln>
+            <a:noFill/>
+          </a:ln>
+        </p:spPr>
+        <p:style>
+          <a:lnRef idx="1">
+            <a:schemeClr val="accent1"/>
+          </a:lnRef>
+          <a:fillRef idx="3">
+            <a:schemeClr val="accent1"/>
+          </a:fillRef>
+          <a:effectRef idx="2">
+            <a:schemeClr val="accent1"/>
+          </a:effectRef>
+          <a:fontRef idx="minor">
+            <a:schemeClr val="lt1"/>
+          </a:fontRef>
+        </p:style>
+        <p:txBody>
+          <a:bodyPr rtlCol="0" anchor="ctr"/>
+          <a:lstStyle/>
+          <a:p>
+            <a:pPr algn="ctr"/>
+            <a:endParaRPr/>
           </a:p>
         </p:txBody>
       </p:sp>
@@ -7420,7 +7224,7 @@
               </a:defRPr>
             </a:pPr>
             <a:r>
-              <a:t>Accessing Drive Files</a:t>
+              <a:t>Session Limits</a:t>
             </a:r>
           </a:p>
         </p:txBody>
@@ -7433,8 +7237,8 @@
         </p:nvSpPr>
         <p:spPr>
           <a:xfrm>
-            <a:off x="914400" y="2353802"/>
-            <a:ext cx="12801600" cy="3293209"/>
+            <a:off x="1542660" y="2220686"/>
+            <a:ext cx="12801600" cy="5486400"/>
           </a:xfrm>
           <a:prstGeom prst="rect">
             <a:avLst/>
@@ -7460,32 +7264,80 @@
             </a:pPr>
             <a:r>
               <a:rPr dirty="0"/>
-              <a:t>After mounting, your files are at:</a:t>
-            </a:r>
-          </a:p>
-          <a:p>
-            <a:pPr>
-              <a:spcBef>
-                <a:spcPts val="800"/>
-              </a:spcBef>
-              <a:defRPr sz="2400">
-                <a:solidFill>
-                  <a:srgbClr val="FFFFFF"/>
-                </a:solidFill>
-                <a:latin typeface="Arial"/>
-              </a:defRPr>
-            </a:pPr>
+              <a:t>Free </a:t>
+            </a:r>
+            <a:r>
+              <a:rPr dirty="0" err="1"/>
+              <a:t>Colab</a:t>
+            </a:r>
             <a:r>
               <a:rPr dirty="0"/>
-              <a:t>'/content/drive/</a:t>
-            </a:r>
-            <a:r>
-              <a:rPr dirty="0" err="1"/>
-              <a:t>MyDrive</a:t>
-            </a:r>
+              <a:t> limitations:</a:t>
+            </a:r>
+          </a:p>
+          <a:p>
+            <a:pPr>
+              <a:spcBef>
+                <a:spcPts val="800"/>
+              </a:spcBef>
+              <a:defRPr sz="2400">
+                <a:solidFill>
+                  <a:srgbClr val="FFFFFF"/>
+                </a:solidFill>
+                <a:latin typeface="Arial"/>
+              </a:defRPr>
+            </a:pPr>
+            <a:endParaRPr dirty="0"/>
+          </a:p>
+          <a:p>
+            <a:pPr>
+              <a:spcBef>
+                <a:spcPts val="800"/>
+              </a:spcBef>
+              <a:defRPr sz="2400">
+                <a:solidFill>
+                  <a:srgbClr val="FFFFFF"/>
+                </a:solidFill>
+                <a:latin typeface="Arial"/>
+              </a:defRPr>
+            </a:pPr>
             <a:r>
               <a:rPr dirty="0"/>
-              <a:t>/'</a:t>
+              <a:t>• Sessions disconnect after ~90 minutes idle</a:t>
+            </a:r>
+          </a:p>
+          <a:p>
+            <a:pPr>
+              <a:spcBef>
+                <a:spcPts val="800"/>
+              </a:spcBef>
+              <a:defRPr sz="2400">
+                <a:solidFill>
+                  <a:srgbClr val="FFFFFF"/>
+                </a:solidFill>
+                <a:latin typeface="Arial"/>
+              </a:defRPr>
+            </a:pPr>
+            <a:r>
+              <a:rPr dirty="0"/>
+              <a:t>• Maximum ~12 hours continuous use</a:t>
+            </a:r>
+          </a:p>
+          <a:p>
+            <a:pPr>
+              <a:spcBef>
+                <a:spcPts val="800"/>
+              </a:spcBef>
+              <a:defRPr sz="2400">
+                <a:solidFill>
+                  <a:srgbClr val="FFFFFF"/>
+                </a:solidFill>
+                <a:latin typeface="Arial"/>
+              </a:defRPr>
+            </a:pPr>
+            <a:r>
+              <a:rPr dirty="0"/>
+              <a:t>• Limited GPU/TPU hours per week</a:t>
             </a:r>
           </a:p>
           <a:p>
@@ -7516,77 +7368,52 @@
             </a:pPr>
             <a:r>
               <a:rPr dirty="0"/>
-              <a:t>Example - read a CSV file:</a:t>
-            </a:r>
-            <a:endParaRPr lang="en-US" dirty="0"/>
-          </a:p>
-          <a:p>
-            <a:pPr>
-              <a:spcBef>
-                <a:spcPts val="800"/>
-              </a:spcBef>
-              <a:defRPr sz="2400">
-                <a:solidFill>
-                  <a:srgbClr val="FFFFFF"/>
-                </a:solidFill>
-                <a:latin typeface="Arial"/>
-              </a:defRPr>
-            </a:pPr>
-            <a:endParaRPr dirty="0"/>
-          </a:p>
-          <a:p>
-            <a:pPr>
-              <a:spcBef>
-                <a:spcPts val="800"/>
-              </a:spcBef>
-              <a:defRPr sz="2400">
-                <a:solidFill>
-                  <a:srgbClr val="FFFFFF"/>
-                </a:solidFill>
-                <a:latin typeface="Arial"/>
-              </a:defRPr>
-            </a:pPr>
-            <a:r>
-              <a:rPr dirty="0"/>
-              <a:t>import pandas as pd</a:t>
-            </a:r>
-          </a:p>
-          <a:p>
-            <a:pPr>
-              <a:spcBef>
-                <a:spcPts val="800"/>
-              </a:spcBef>
-              <a:defRPr sz="2400">
-                <a:solidFill>
-                  <a:srgbClr val="FFFFFF"/>
-                </a:solidFill>
-                <a:latin typeface="Arial"/>
-              </a:defRPr>
-            </a:pPr>
-            <a:r>
-              <a:rPr dirty="0" err="1"/>
-              <a:t>df</a:t>
-            </a:r>
-            <a:r>
-              <a:rPr dirty="0"/>
-              <a:t> = </a:t>
-            </a:r>
-            <a:r>
-              <a:rPr dirty="0" err="1"/>
-              <a:t>pd.read_csv</a:t>
-            </a:r>
-            <a:r>
-              <a:rPr dirty="0"/>
-              <a:t>('/content/drive/</a:t>
-            </a:r>
-            <a:r>
-              <a:rPr dirty="0" err="1"/>
-              <a:t>MyDrive</a:t>
-            </a:r>
-            <a:r>
-              <a:rPr dirty="0"/>
-              <a:t>/data/myfile.csv')</a:t>
-            </a:r>
+              <a:t>Tip: Save your work frequently!</a:t>
+            </a:r>
+          </a:p>
+        </p:txBody>
+      </p:sp>
+      <p:sp>
+        <p:nvSpPr>
+          <p:cNvPr id="5" name="Rectangle 4"/>
+          <p:cNvSpPr/>
+          <p:nvPr/>
+        </p:nvSpPr>
+        <p:spPr>
+          <a:xfrm>
+            <a:off x="1070656" y="2220686"/>
+            <a:ext cx="73152" cy="3247053"/>
+          </a:xfrm>
+          <a:prstGeom prst="rect">
+            <a:avLst/>
+          </a:prstGeom>
+          <a:solidFill>
+            <a:srgbClr val="D2691E"/>
+          </a:solidFill>
+          <a:ln>
+            <a:noFill/>
+          </a:ln>
+        </p:spPr>
+        <p:style>
+          <a:lnRef idx="1">
+            <a:schemeClr val="accent1"/>
+          </a:lnRef>
+          <a:fillRef idx="3">
+            <a:schemeClr val="accent1"/>
+          </a:fillRef>
+          <a:effectRef idx="2">
+            <a:schemeClr val="accent1"/>
+          </a:effectRef>
+          <a:fontRef idx="minor">
+            <a:schemeClr val="lt1"/>
+          </a:fontRef>
+        </p:style>
+        <p:txBody>
+          <a:bodyPr rtlCol="0" anchor="ctr"/>
+          <a:lstStyle/>
+          <a:p>
+            <a:pPr algn="ctr"/>
+            <a:endParaRPr/>
           </a:p>
         </p:txBody>
       </p:sp>
@@ -7690,7 +7517,7 @@
               </a:defRPr>
             </a:pPr>
             <a:r>
-              <a:t>What Gemini Can Do</a:t>
+              <a:t>Saving Your Work</a:t>
             </a:r>
           </a:p>
         </p:txBody>
@@ -7703,7 +7530,7 @@
         </p:nvSpPr>
         <p:spPr>
           <a:xfrm>
-            <a:off x="914400" y="2011680"/>
+            <a:off x="1212979" y="2198292"/>
             <a:ext cx="12801600" cy="5486400"/>
           </a:xfrm>
           <a:prstGeom prst="rect">
@@ -7729,71 +7556,136 @@
               </a:defRPr>
             </a:pPr>
             <a:r>
-              <a:t>• Generate code from plain English descriptions</a:t>
-            </a:r>
-          </a:p>
-          <a:p>
-            <a:pPr>
-              <a:spcBef>
-                <a:spcPts val="800"/>
-              </a:spcBef>
-              <a:defRPr sz="2400">
-                <a:solidFill>
-                  <a:srgbClr val="FFFFFF"/>
-                </a:solidFill>
-                <a:latin typeface="Arial"/>
-              </a:defRPr>
-            </a:pPr>
-            <a:r>
-              <a:t>• Explain what existing code does</a:t>
-            </a:r>
-          </a:p>
-          <a:p>
-            <a:pPr>
-              <a:spcBef>
-                <a:spcPts val="800"/>
-              </a:spcBef>
-              <a:defRPr sz="2400">
-                <a:solidFill>
-                  <a:srgbClr val="FFFFFF"/>
-                </a:solidFill>
-                <a:latin typeface="Arial"/>
-              </a:defRPr>
-            </a:pPr>
-            <a:r>
-              <a:t>• Fix errors in your code</a:t>
-            </a:r>
-          </a:p>
-          <a:p>
-            <a:pPr>
-              <a:spcBef>
-                <a:spcPts val="800"/>
-              </a:spcBef>
-              <a:defRPr sz="2400">
-                <a:solidFill>
-                  <a:srgbClr val="FFFFFF"/>
-                </a:solidFill>
-                <a:latin typeface="Arial"/>
-              </a:defRPr>
-            </a:pPr>
-            <a:r>
-              <a:t>• Suggest improvements</a:t>
-            </a:r>
-          </a:p>
-          <a:p>
-            <a:pPr>
-              <a:spcBef>
-                <a:spcPts val="800"/>
-              </a:spcBef>
-              <a:defRPr sz="2400">
-                <a:solidFill>
-                  <a:srgbClr val="FFFFFF"/>
-                </a:solidFill>
-                <a:latin typeface="Arial"/>
-              </a:defRPr>
-            </a:pPr>
-            <a:r>
-              <a:t>• Answer Python questions</a:t>
+              <a:rPr dirty="0"/>
+              <a:t>Automatic: </a:t>
+            </a:r>
+            <a:r>
+              <a:rPr dirty="0" err="1"/>
+              <a:t>Colab</a:t>
+            </a:r>
+            <a:r>
+              <a:rPr dirty="0"/>
+              <a:t> saves to Google Drive automatically</a:t>
+            </a:r>
+          </a:p>
+          <a:p>
+            <a:pPr>
+              <a:spcBef>
+                <a:spcPts val="800"/>
+              </a:spcBef>
+              <a:defRPr sz="2400">
+                <a:solidFill>
+                  <a:srgbClr val="FFFFFF"/>
+                </a:solidFill>
+                <a:latin typeface="Arial"/>
+              </a:defRPr>
+            </a:pPr>
+            <a:endParaRPr dirty="0"/>
+          </a:p>
+          <a:p>
+            <a:pPr>
+              <a:spcBef>
+                <a:spcPts val="800"/>
+              </a:spcBef>
+              <a:defRPr sz="2400">
+                <a:solidFill>
+                  <a:srgbClr val="FFFFFF"/>
+                </a:solidFill>
+                <a:latin typeface="Arial"/>
+              </a:defRPr>
+            </a:pPr>
+            <a:r>
+              <a:rPr dirty="0"/>
+              <a:t>Manual save: Ctrl + S or File → Save</a:t>
+            </a:r>
+          </a:p>
+          <a:p>
+            <a:pPr>
+              <a:spcBef>
+                <a:spcPts val="800"/>
+              </a:spcBef>
+              <a:defRPr sz="2400">
+                <a:solidFill>
+                  <a:srgbClr val="FFFFFF"/>
+                </a:solidFill>
+                <a:latin typeface="Arial"/>
+              </a:defRPr>
+            </a:pPr>
+            <a:endParaRPr dirty="0"/>
+          </a:p>
+          <a:p>
+            <a:pPr>
+              <a:spcBef>
+                <a:spcPts val="800"/>
+              </a:spcBef>
+              <a:defRPr sz="2400">
+                <a:solidFill>
+                  <a:srgbClr val="FFFFFF"/>
+                </a:solidFill>
+                <a:latin typeface="Arial"/>
+              </a:defRPr>
+            </a:pPr>
+            <a:r>
+              <a:rPr dirty="0"/>
+              <a:t>Download options (File menu):</a:t>
+            </a:r>
+          </a:p>
+          <a:p>
+            <a:pPr>
+              <a:spcBef>
+                <a:spcPts val="800"/>
+              </a:spcBef>
+              <a:defRPr sz="2400">
+                <a:solidFill>
+                  <a:srgbClr val="FFFFFF"/>
+                </a:solidFill>
+                <a:latin typeface="Arial"/>
+              </a:defRPr>
+            </a:pPr>
+            <a:r>
+              <a:rPr dirty="0"/>
+              <a:t>• Download as .</a:t>
+            </a:r>
+            <a:r>
+              <a:rPr dirty="0" err="1"/>
+              <a:t>ipynb</a:t>
+            </a:r>
+            <a:r>
+              <a:rPr dirty="0"/>
+              <a:t> (</a:t>
+            </a:r>
+            <a:r>
+              <a:rPr dirty="0" err="1"/>
+              <a:t>Jupyter</a:t>
+            </a:r>
+            <a:r>
+              <a:rPr dirty="0"/>
+              <a:t> notebook)</a:t>
+            </a:r>
+          </a:p>
+          <a:p>
+            <a:pPr>
+              <a:spcBef>
+                <a:spcPts val="800"/>
+              </a:spcBef>
+              <a:defRPr sz="2400">
+                <a:solidFill>
+                  <a:srgbClr val="FFFFFF"/>
+                </a:solidFill>
+                <a:latin typeface="Arial"/>
+              </a:defRPr>
+            </a:pPr>
+            <a:r>
+              <a:rPr dirty="0"/>
+              <a:t>• Download as .</a:t>
+            </a:r>
+            <a:r>
+              <a:rPr dirty="0" err="1"/>
+              <a:t>py</a:t>
+            </a:r>
+            <a:r>
+              <a:rPr dirty="0"/>
+              <a:t> (Python script)</a:t>
             </a:r>
           </a:p>
         </p:txBody>
@@ -7806,8 +7698,8 @@
         </p:nvSpPr>
         <p:spPr>
           <a:xfrm>
-            <a:off x="777240" y="2011680"/>
-            <a:ext cx="73152" cy="5486400"/>
+            <a:off x="777240" y="2289110"/>
+            <a:ext cx="73152" cy="3054221"/>
           </a:xfrm>
           <a:prstGeom prst="rect">
             <a:avLst/>
@@ -7851,9 +7743,22 @@
 </file>
 
 <file path=ppt/slides/slide27.xml><?xml version="1.0" encoding="utf-8"?>
-<p:sld xmlns:a="http://schemas.openxmlformats.org/drawingml/2006/main" xmlns:p="http://schemas.openxmlformats.org/presentationml/2006/main" xmlns:r="http://schemas.openxmlformats.org/officeDocument/2006/relationships">
+<p:sld xmlns:a="http://schemas.openxmlformats.org/drawingml/2006/main" xmlns:r="http://schemas.openxmlformats.org/officeDocument/2006/relationships" xmlns:p="http://schemas.openxmlformats.org/presentationml/2006/main">
   <p:cSld>
     <p:spTree>
+      <p:nvGrpSpPr>
+        <p:cNvPr id="1" name=""/>
+        <p:cNvGrpSpPr/>
+        <p:nvPr/>
+      </p:nvGrpSpPr>
+      <p:grpSpPr>
+        <a:xfrm>
+          <a:off x="0" y="0"/>
+          <a:ext cx="0" cy="0"/>
+          <a:chOff x="0" y="0"/>
+          <a:chExt cx="0" cy="0"/>
+        </a:xfrm>
+      </p:grpSpPr>
       <p:sp>
         <p:nvSpPr>
           <p:cNvPr id="2" name="Rectangle 1"/>
@@ -7894,39 +7799,237 @@
           <a:lstStyle/>
           <a:p>
             <a:pPr algn="ctr"/>
-          </a:p>
-        </p:txBody>
-      </p:sp>
-      <p:nvGrpSpPr>
-        <p:cNvPr id="1" name=""/>
-        <p:cNvGrpSpPr/>
-        <p:nvPr/>
-      </p:nvGrpSpPr>
-      <p:grpSpPr/>
-      <p:pic>
-        <p:nvPicPr>
-          <p:cNvPr id="3" name="Picture 2" descr="Screenshot (14).png"/>
-          <p:cNvPicPr>
-            <a:picLocks noChangeAspect="1"/>
-          </p:cNvPicPr>
-          <p:nvPr/>
-        </p:nvPicPr>
-        <p:blipFill>
-          <a:blip r:embed="rId2"/>
-          <a:stretch>
-            <a:fillRect/>
-          </a:stretch>
-        </p:blipFill>
-        <p:spPr>
-          <a:xfrm>
-            <a:off x="914400" y="457200"/>
-            <a:ext cx="12801600" cy="8534400"/>
-          </a:xfrm>
-          <a:prstGeom prst="rect">
-            <a:avLst/>
-          </a:prstGeom>
-        </p:spPr>
-      </p:pic>
+            <a:endParaRPr/>
+          </a:p>
+        </p:txBody>
+      </p:sp>
+      <p:sp>
+        <p:nvSpPr>
+          <p:cNvPr id="3" name="TextBox 2"/>
+          <p:cNvSpPr txBox="1"/>
+          <p:nvPr/>
+        </p:nvSpPr>
+        <p:spPr>
+          <a:xfrm>
+            <a:off x="914400" y="731520"/>
+            <a:ext cx="12801600" cy="1097280"/>
+          </a:xfrm>
+          <a:prstGeom prst="rect">
+            <a:avLst/>
+          </a:prstGeom>
+          <a:noFill/>
+        </p:spPr>
+        <p:txBody>
+          <a:bodyPr wrap="none">
+            <a:spAutoFit/>
+          </a:bodyPr>
+          <a:lstStyle/>
+          <a:p>
+            <a:pPr>
+              <a:defRPr sz="4400" b="1">
+                <a:solidFill>
+                  <a:srgbClr val="FFFFFF"/>
+                </a:solidFill>
+                <a:latin typeface="Arial"/>
+              </a:defRPr>
+            </a:pPr>
+            <a:r>
+              <a:t>Where Are My Notebooks?</a:t>
+            </a:r>
+          </a:p>
+        </p:txBody>
+      </p:sp>
+      <p:sp>
+        <p:nvSpPr>
+          <p:cNvPr id="4" name="TextBox 3"/>
+          <p:cNvSpPr txBox="1"/>
+          <p:nvPr/>
+        </p:nvSpPr>
+        <p:spPr>
+          <a:xfrm>
+            <a:off x="1262743" y="2294709"/>
+            <a:ext cx="12801600" cy="5486400"/>
+          </a:xfrm>
+          <a:prstGeom prst="rect">
+            <a:avLst/>
+          </a:prstGeom>
+          <a:noFill/>
+        </p:spPr>
+        <p:txBody>
+          <a:bodyPr wrap="square">
+            <a:spAutoFit/>
+          </a:bodyPr>
+          <a:lstStyle/>
+          <a:p>
+            <a:pPr>
+              <a:spcBef>
+                <a:spcPts val="800"/>
+              </a:spcBef>
+              <a:defRPr sz="2400">
+                <a:solidFill>
+                  <a:srgbClr val="FFFFFF"/>
+                </a:solidFill>
+                <a:latin typeface="Arial"/>
+              </a:defRPr>
+            </a:pPr>
+            <a:r>
+              <a:rPr dirty="0"/>
+              <a:t>Your notebooks are saved in Google Drive:</a:t>
+            </a:r>
+          </a:p>
+          <a:p>
+            <a:pPr>
+              <a:spcBef>
+                <a:spcPts val="800"/>
+              </a:spcBef>
+              <a:defRPr sz="2400">
+                <a:solidFill>
+                  <a:srgbClr val="FFFFFF"/>
+                </a:solidFill>
+                <a:latin typeface="Arial"/>
+              </a:defRPr>
+            </a:pPr>
+            <a:r>
+              <a:rPr dirty="0"/>
+              <a:t>My Drive/</a:t>
+            </a:r>
+            <a:r>
+              <a:rPr dirty="0" err="1"/>
+              <a:t>Colab</a:t>
+            </a:r>
+            <a:r>
+              <a:rPr dirty="0"/>
+              <a:t> Notebooks/</a:t>
+            </a:r>
+          </a:p>
+          <a:p>
+            <a:pPr>
+              <a:spcBef>
+                <a:spcPts val="800"/>
+              </a:spcBef>
+              <a:defRPr sz="2400">
+                <a:solidFill>
+                  <a:srgbClr val="FFFFFF"/>
+                </a:solidFill>
+                <a:latin typeface="Arial"/>
+              </a:defRPr>
+            </a:pPr>
+            <a:endParaRPr dirty="0"/>
+          </a:p>
+          <a:p>
+            <a:pPr>
+              <a:spcBef>
+                <a:spcPts val="800"/>
+              </a:spcBef>
+              <a:defRPr sz="2400">
+                <a:solidFill>
+                  <a:srgbClr val="FFFFFF"/>
+                </a:solidFill>
+                <a:latin typeface="Arial"/>
+              </a:defRPr>
+            </a:pPr>
+            <a:r>
+              <a:rPr dirty="0"/>
+              <a:t>You can also:</a:t>
+            </a:r>
+          </a:p>
+          <a:p>
+            <a:pPr>
+              <a:spcBef>
+                <a:spcPts val="800"/>
+              </a:spcBef>
+              <a:defRPr sz="2400">
+                <a:solidFill>
+                  <a:srgbClr val="FFFFFF"/>
+                </a:solidFill>
+                <a:latin typeface="Arial"/>
+              </a:defRPr>
+            </a:pPr>
+            <a:r>
+              <a:rPr dirty="0"/>
+              <a:t>• Save a copy to GitHub</a:t>
+            </a:r>
+          </a:p>
+          <a:p>
+            <a:pPr>
+              <a:spcBef>
+                <a:spcPts val="800"/>
+              </a:spcBef>
+              <a:defRPr sz="2400">
+                <a:solidFill>
+                  <a:srgbClr val="FFFFFF"/>
+                </a:solidFill>
+                <a:latin typeface="Arial"/>
+              </a:defRPr>
+            </a:pPr>
+            <a:r>
+              <a:rPr dirty="0"/>
+              <a:t>• Save a copy in Drive with a new name</a:t>
+            </a:r>
+          </a:p>
+          <a:p>
+            <a:pPr>
+              <a:spcBef>
+                <a:spcPts val="800"/>
+              </a:spcBef>
+              <a:defRPr sz="2400">
+                <a:solidFill>
+                  <a:srgbClr val="FFFFFF"/>
+                </a:solidFill>
+                <a:latin typeface="Arial"/>
+              </a:defRPr>
+            </a:pPr>
+            <a:r>
+              <a:rPr dirty="0"/>
+              <a:t>• Download to your computer</a:t>
+            </a:r>
+          </a:p>
+        </p:txBody>
+      </p:sp>
+      <p:sp>
+        <p:nvSpPr>
+          <p:cNvPr id="5" name="Rectangle 4"/>
+          <p:cNvSpPr/>
+          <p:nvPr/>
+        </p:nvSpPr>
+        <p:spPr>
+          <a:xfrm>
+            <a:off x="777240" y="2388637"/>
+            <a:ext cx="73152" cy="3103984"/>
+          </a:xfrm>
+          <a:prstGeom prst="rect">
+            <a:avLst/>
+          </a:prstGeom>
+          <a:solidFill>
+            <a:srgbClr val="D2691E"/>
+          </a:solidFill>
+          <a:ln>
+            <a:noFill/>
+          </a:ln>
+        </p:spPr>
+        <p:style>
+          <a:lnRef idx="1">
+            <a:schemeClr val="accent1"/>
+          </a:lnRef>
+          <a:fillRef idx="3">
+            <a:schemeClr val="accent1"/>
+          </a:fillRef>
+          <a:effectRef idx="2">
+            <a:schemeClr val="accent1"/>
+          </a:effectRef>
+          <a:fontRef idx="minor">
+            <a:schemeClr val="lt1"/>
+          </a:fontRef>
+        </p:style>
+        <p:txBody>
+          <a:bodyPr rtlCol="0" anchor="ctr"/>
+          <a:lstStyle/>
+          <a:p>
+            <a:pPr algn="ctr"/>
+            <a:endParaRPr/>
+          </a:p>
+        </p:txBody>
+      </p:sp>
     </p:spTree>
   </p:cSld>
   <p:clrMapOvr>
@@ -7939,58 +8042,50 @@
 <p:sld xmlns:a="http://schemas.openxmlformats.org/drawingml/2006/main" xmlns:p="http://schemas.openxmlformats.org/presentationml/2006/main" xmlns:r="http://schemas.openxmlformats.org/officeDocument/2006/relationships">
   <p:cSld>
     <p:spTree>
-      <p:sp>
-        <p:nvSpPr>
-          <p:cNvPr id="2" name="Rectangle 1"/>
-          <p:cNvSpPr/>
-          <p:nvPr/>
-        </p:nvSpPr>
-        <p:spPr>
-          <a:xfrm>
-            <a:off x="0" y="0"/>
-            <a:ext cx="14630400" cy="8229600"/>
-          </a:xfrm>
-          <a:prstGeom prst="rect">
-            <a:avLst/>
-          </a:prstGeom>
-          <a:solidFill>
-            <a:srgbClr val="121212"/>
-          </a:solidFill>
-          <a:ln>
-            <a:noFill/>
-          </a:ln>
-        </p:spPr>
-        <p:style>
-          <a:lnRef idx="1">
-            <a:schemeClr val="accent1"/>
-          </a:lnRef>
-          <a:fillRef idx="3">
-            <a:schemeClr val="accent1"/>
-          </a:fillRef>
-          <a:effectRef idx="2">
-            <a:schemeClr val="accent1"/>
-          </a:effectRef>
-          <a:fontRef idx="minor">
-            <a:schemeClr val="lt1"/>
-          </a:fontRef>
-        </p:style>
-        <p:txBody>
-          <a:bodyPr rtlCol="0" anchor="ctr"/>
-          <a:lstStyle/>
-          <a:p>
-            <a:pPr algn="ctr"/>
-          </a:p>
-        </p:txBody>
-      </p:sp>
       <p:nvGrpSpPr>
         <p:cNvPr id="1" name=""/>
         <p:cNvGrpSpPr/>
         <p:nvPr/>
       </p:nvGrpSpPr>
       <p:grpSpPr/>
+      <p:sp>
+        <p:nvSpPr>
+          <p:cNvPr id="2" name="TextBox 1"/>
+          <p:cNvSpPr txBox="1"/>
+          <p:nvPr/>
+        </p:nvSpPr>
+        <p:spPr>
+          <a:xfrm>
+            <a:off x="793790" y="894278"/>
+            <a:ext cx="13042821" cy="1417558"/>
+          </a:xfrm>
+          <a:prstGeom prst="rect">
+            <a:avLst/>
+          </a:prstGeom>
+          <a:noFill/>
+        </p:spPr>
+        <p:txBody>
+          <a:bodyPr wrap="square">
+            <a:spAutoFit/>
+          </a:bodyPr>
+          <a:lstStyle/>
+          <a:p>
+            <a:pPr algn="l"/>
+            <a:r>
+              <a:rPr sz="4450" b="1">
+                <a:solidFill>
+                  <a:srgbClr val="000000"/>
+                </a:solidFill>
+                <a:latin typeface="Inter Bold"/>
+              </a:rPr>
+              <a:t>How Notebooks Work: The Runtime Connection</a:t>
+            </a:r>
+          </a:p>
+        </p:txBody>
+      </p:sp>
       <p:pic>
         <p:nvPicPr>
-          <p:cNvPr id="3" name="Picture 2" descr="Screenshot (15).png"/>
+          <p:cNvPr id="3" name="Picture 2" descr="image.png"/>
           <p:cNvPicPr>
             <a:picLocks noChangeAspect="1"/>
           </p:cNvPicPr>
@@ -8004,99 +8099,391 @@
         </p:blipFill>
         <p:spPr>
           <a:xfrm>
-            <a:off x="914400" y="457200"/>
-            <a:ext cx="12801600" cy="8534400"/>
+            <a:off x="793790" y="2907149"/>
+            <a:ext cx="5564862" cy="2546866"/>
           </a:xfrm>
           <a:prstGeom prst="rect">
             <a:avLst/>
           </a:prstGeom>
         </p:spPr>
       </p:pic>
-    </p:spTree>
-  </p:cSld>
-  <p:clrMapOvr>
-    <a:masterClrMapping/>
-  </p:clrMapOvr>
-</p:sld>
-</file>
-
-<file path=ppt/slides/slide29.xml><?xml version="1.0" encoding="utf-8"?>
-<p:sld xmlns:a="http://schemas.openxmlformats.org/drawingml/2006/main" xmlns:p="http://schemas.openxmlformats.org/presentationml/2006/main" xmlns:r="http://schemas.openxmlformats.org/officeDocument/2006/relationships">
-  <p:cSld>
-    <p:spTree>
-      <p:sp>
-        <p:nvSpPr>
-          <p:cNvPr id="2" name="Rectangle 1"/>
-          <p:cNvSpPr/>
-          <p:nvPr/>
-        </p:nvSpPr>
-        <p:spPr>
-          <a:xfrm>
-            <a:off x="0" y="0"/>
-            <a:ext cx="14630400" cy="8229600"/>
-          </a:xfrm>
-          <a:prstGeom prst="rect">
-            <a:avLst/>
-          </a:prstGeom>
-          <a:solidFill>
-            <a:srgbClr val="121212"/>
-          </a:solidFill>
-          <a:ln>
-            <a:noFill/>
-          </a:ln>
-        </p:spPr>
-        <p:style>
-          <a:lnRef idx="1">
-            <a:schemeClr val="accent1"/>
-          </a:lnRef>
-          <a:fillRef idx="3">
-            <a:schemeClr val="accent1"/>
-          </a:fillRef>
-          <a:effectRef idx="2">
-            <a:schemeClr val="accent1"/>
-          </a:effectRef>
-          <a:fontRef idx="minor">
-            <a:schemeClr val="lt1"/>
-          </a:fontRef>
-        </p:style>
-        <p:txBody>
-          <a:bodyPr rtlCol="0" anchor="ctr"/>
-          <a:lstStyle/>
-          <a:p>
-            <a:pPr algn="ctr"/>
-          </a:p>
-        </p:txBody>
-      </p:sp>
-      <p:nvGrpSpPr>
-        <p:cNvPr id="1" name=""/>
-        <p:cNvGrpSpPr/>
-        <p:nvPr/>
-      </p:nvGrpSpPr>
-      <p:grpSpPr/>
       <p:pic>
         <p:nvPicPr>
-          <p:cNvPr id="3" name="Picture 2" descr="Screenshot (16).png"/>
+          <p:cNvPr id="4" name="Picture 3" descr="image.png"/>
           <p:cNvPicPr>
             <a:picLocks noChangeAspect="1"/>
           </p:cNvPicPr>
           <p:nvPr/>
         </p:nvPicPr>
         <p:blipFill>
-          <a:blip r:embed="rId2"/>
+          <a:blip r:embed="rId3"/>
           <a:stretch>
             <a:fillRect/>
           </a:stretch>
         </p:blipFill>
         <p:spPr>
           <a:xfrm>
-            <a:off x="914400" y="457200"/>
-            <a:ext cx="12801600" cy="8534400"/>
+            <a:off x="5373611" y="3543033"/>
+            <a:ext cx="357797" cy="357797"/>
           </a:xfrm>
           <a:prstGeom prst="rect">
             <a:avLst/>
           </a:prstGeom>
         </p:spPr>
       </p:pic>
+      <p:sp>
+        <p:nvSpPr>
+          <p:cNvPr id="5" name="TextBox 4"/>
+          <p:cNvSpPr txBox="1"/>
+          <p:nvPr/>
+        </p:nvSpPr>
+        <p:spPr>
+          <a:xfrm>
+            <a:off x="5054837" y="4748584"/>
+            <a:ext cx="1044766" cy="402521"/>
+          </a:xfrm>
+          <a:prstGeom prst="rect">
+            <a:avLst/>
+          </a:prstGeom>
+          <a:noFill/>
+        </p:spPr>
+        <p:txBody>
+          <a:bodyPr wrap="square">
+            <a:spAutoFit/>
+          </a:bodyPr>
+          <a:lstStyle/>
+          <a:p>
+            <a:pPr algn="ctr"/>
+            <a:r>
+              <a:rPr sz="1350" b="1">
+                <a:solidFill>
+                  <a:srgbClr val="272525"/>
+                </a:solidFill>
+                <a:latin typeface="Inter Bold"/>
+              </a:rPr>
+              <a:t>Display Results</a:t>
+            </a:r>
+          </a:p>
+        </p:txBody>
+      </p:sp>
+      <p:pic>
+        <p:nvPicPr>
+          <p:cNvPr id="6" name="Picture 5" descr="image.png"/>
+          <p:cNvPicPr>
+            <a:picLocks noChangeAspect="1"/>
+          </p:cNvPicPr>
+          <p:nvPr/>
+        </p:nvPicPr>
+        <p:blipFill>
+          <a:blip r:embed="rId3"/>
+          <a:stretch>
+            <a:fillRect/>
+          </a:stretch>
+        </p:blipFill>
+        <p:spPr>
+          <a:xfrm>
+            <a:off x="4063740" y="3543704"/>
+            <a:ext cx="357797" cy="357796"/>
+          </a:xfrm>
+          <a:prstGeom prst="rect">
+            <a:avLst/>
+          </a:prstGeom>
+        </p:spPr>
+      </p:pic>
+      <p:sp>
+        <p:nvSpPr>
+          <p:cNvPr id="7" name="TextBox 6"/>
+          <p:cNvSpPr txBox="1"/>
+          <p:nvPr/>
+        </p:nvSpPr>
+        <p:spPr>
+          <a:xfrm>
+            <a:off x="3738145" y="4748584"/>
+            <a:ext cx="1044766" cy="402521"/>
+          </a:xfrm>
+          <a:prstGeom prst="rect">
+            <a:avLst/>
+          </a:prstGeom>
+          <a:noFill/>
+        </p:spPr>
+        <p:txBody>
+          <a:bodyPr wrap="square">
+            <a:spAutoFit/>
+          </a:bodyPr>
+          <a:lstStyle/>
+          <a:p>
+            <a:pPr algn="ctr"/>
+            <a:r>
+              <a:rPr sz="1350" b="1">
+                <a:solidFill>
+                  <a:srgbClr val="272525"/>
+                </a:solidFill>
+                <a:latin typeface="Inter Bold"/>
+              </a:rPr>
+              <a:t>Return Output</a:t>
+            </a:r>
+          </a:p>
+        </p:txBody>
+      </p:sp>
+      <p:pic>
+        <p:nvPicPr>
+          <p:cNvPr id="8" name="Picture 7" descr="image.png"/>
+          <p:cNvPicPr>
+            <a:picLocks noChangeAspect="1"/>
+          </p:cNvPicPr>
+          <p:nvPr/>
+        </p:nvPicPr>
+        <p:blipFill>
+          <a:blip r:embed="rId3"/>
+          <a:stretch>
+            <a:fillRect/>
+          </a:stretch>
+        </p:blipFill>
+        <p:spPr>
+          <a:xfrm>
+            <a:off x="2754205" y="3543704"/>
+            <a:ext cx="357797" cy="357796"/>
+          </a:xfrm>
+          <a:prstGeom prst="rect">
+            <a:avLst/>
+          </a:prstGeom>
+        </p:spPr>
+      </p:pic>
+      <p:sp>
+        <p:nvSpPr>
+          <p:cNvPr id="9" name="TextBox 8"/>
+          <p:cNvSpPr txBox="1"/>
+          <p:nvPr/>
+        </p:nvSpPr>
+        <p:spPr>
+          <a:xfrm>
+            <a:off x="2428610" y="4849214"/>
+            <a:ext cx="1044766" cy="201261"/>
+          </a:xfrm>
+          <a:prstGeom prst="rect">
+            <a:avLst/>
+          </a:prstGeom>
+          <a:noFill/>
+        </p:spPr>
+        <p:txBody>
+          <a:bodyPr wrap="none">
+            <a:spAutoFit/>
+          </a:bodyPr>
+          <a:lstStyle/>
+          <a:p>
+            <a:pPr algn="ctr"/>
+            <a:r>
+              <a:rPr sz="1350" b="1">
+                <a:solidFill>
+                  <a:srgbClr val="272525"/>
+                </a:solidFill>
+                <a:latin typeface="Inter Bold"/>
+              </a:rPr>
+              <a:t>Execute</a:t>
+            </a:r>
+          </a:p>
+        </p:txBody>
+      </p:sp>
+      <p:pic>
+        <p:nvPicPr>
+          <p:cNvPr id="10" name="Picture 9" descr="image.png"/>
+          <p:cNvPicPr>
+            <a:picLocks noChangeAspect="1"/>
+          </p:cNvPicPr>
+          <p:nvPr/>
+        </p:nvPicPr>
+        <p:blipFill>
+          <a:blip r:embed="rId3"/>
+          <a:stretch>
+            <a:fillRect/>
+          </a:stretch>
+        </p:blipFill>
+        <p:spPr>
+          <a:xfrm>
+            <a:off x="1437513" y="3543704"/>
+            <a:ext cx="357797" cy="357796"/>
+          </a:xfrm>
+          <a:prstGeom prst="rect">
+            <a:avLst/>
+          </a:prstGeom>
+        </p:spPr>
+      </p:pic>
+      <p:sp>
+        <p:nvSpPr>
+          <p:cNvPr id="11" name="TextBox 10"/>
+          <p:cNvSpPr txBox="1"/>
+          <p:nvPr/>
+        </p:nvSpPr>
+        <p:spPr>
+          <a:xfrm>
+            <a:off x="1090451" y="4849214"/>
+            <a:ext cx="1044766" cy="201261"/>
+          </a:xfrm>
+          <a:prstGeom prst="rect">
+            <a:avLst/>
+          </a:prstGeom>
+          <a:noFill/>
+        </p:spPr>
+        <p:txBody>
+          <a:bodyPr wrap="none">
+            <a:spAutoFit/>
+          </a:bodyPr>
+          <a:lstStyle/>
+          <a:p>
+            <a:pPr algn="ctr"/>
+            <a:r>
+              <a:rPr sz="1350" b="1">
+                <a:solidFill>
+                  <a:srgbClr val="272525"/>
+                </a:solidFill>
+                <a:latin typeface="Inter Bold"/>
+              </a:rPr>
+              <a:t>Send Code</a:t>
+            </a:r>
+          </a:p>
+        </p:txBody>
+      </p:sp>
+      <p:sp>
+        <p:nvSpPr>
+          <p:cNvPr id="12" name="TextBox 11"/>
+          <p:cNvSpPr txBox="1"/>
+          <p:nvPr/>
+        </p:nvSpPr>
+        <p:spPr>
+          <a:xfrm>
+            <a:off x="6919674" y="2856071"/>
+            <a:ext cx="6924437" cy="725805"/>
+          </a:xfrm>
+          <a:prstGeom prst="rect">
+            <a:avLst/>
+          </a:prstGeom>
+          <a:noFill/>
+        </p:spPr>
+        <p:txBody>
+          <a:bodyPr wrap="square">
+            <a:spAutoFit/>
+          </a:bodyPr>
+          <a:lstStyle/>
+          <a:p>
+            <a:pPr algn="l"/>
+            <a:r>
+              <a:rPr sz="1750">
+                <a:solidFill>
+                  <a:srgbClr val="272525"/>
+                </a:solidFill>
+                <a:latin typeface="Inter"/>
+              </a:rPr>
+              <a:t>Think of a Jupyter notebook as a conversation between you and a computer. Here's the workflow:</a:t>
+            </a:r>
+          </a:p>
+        </p:txBody>
+      </p:sp>
+      <p:sp>
+        <p:nvSpPr>
+          <p:cNvPr id="13" name="TextBox 12"/>
+          <p:cNvSpPr txBox="1"/>
+          <p:nvPr/>
+        </p:nvSpPr>
+        <p:spPr>
+          <a:xfrm>
+            <a:off x="6919674" y="3785949"/>
+            <a:ext cx="6924437" cy="2177548"/>
+          </a:xfrm>
+          <a:prstGeom prst="rect">
+            <a:avLst/>
+          </a:prstGeom>
+          <a:noFill/>
+        </p:spPr>
+        <p:txBody>
+          <a:bodyPr wrap="square">
+            <a:spAutoFit/>
+          </a:bodyPr>
+          <a:lstStyle/>
+          <a:p>
+            <a:pPr algn="l"/>
+            <a:r>
+              <a:rPr sz="1750">
+                <a:solidFill>
+                  <a:srgbClr val="272525"/>
+                </a:solidFill>
+                <a:latin typeface="Inter"/>
+              </a:rPr>
+              <a:t>Your notebook transmits code to a runtime environment (called a kernel)</a:t>
+            </a:r>
+          </a:p>
+          <a:p>
+            <a:pPr algn="l"/>
+            <a:r>
+              <a:rPr sz="1750">
+                <a:solidFill>
+                  <a:srgbClr val="272525"/>
+                </a:solidFill>
+                <a:latin typeface="Inter"/>
+              </a:rPr>
+              <a:t>The runtime processes and executes your code</a:t>
+            </a:r>
+          </a:p>
+          <a:p>
+            <a:pPr algn="l"/>
+            <a:r>
+              <a:rPr sz="1750">
+                <a:solidFill>
+                  <a:srgbClr val="272525"/>
+                </a:solidFill>
+                <a:latin typeface="Inter"/>
+              </a:rPr>
+              <a:t>Results flow back to the notebook interface</a:t>
+            </a:r>
+          </a:p>
+          <a:p>
+            <a:pPr algn="l"/>
+            <a:r>
+              <a:rPr sz="1750">
+                <a:solidFill>
+                  <a:srgbClr val="272525"/>
+                </a:solidFill>
+                <a:latin typeface="Inter"/>
+              </a:rPr>
+              <a:t>The notebook renders outputs, visualizations, and any error messages</a:t>
+            </a:r>
+          </a:p>
+        </p:txBody>
+      </p:sp>
+      <p:sp>
+        <p:nvSpPr>
+          <p:cNvPr id="14" name="TextBox 13"/>
+          <p:cNvSpPr txBox="1"/>
+          <p:nvPr/>
+        </p:nvSpPr>
+        <p:spPr>
+          <a:xfrm>
+            <a:off x="6919674" y="6167570"/>
+            <a:ext cx="6924437" cy="725805"/>
+          </a:xfrm>
+          <a:prstGeom prst="rect">
+            <a:avLst/>
+          </a:prstGeom>
+          <a:noFill/>
+        </p:spPr>
+        <p:txBody>
+          <a:bodyPr wrap="square">
+            <a:spAutoFit/>
+          </a:bodyPr>
+          <a:lstStyle/>
+          <a:p>
+            <a:pPr algn="l"/>
+            <a:r>
+              <a:rPr sz="1750">
+                <a:solidFill>
+                  <a:srgbClr val="272525"/>
+                </a:solidFill>
+                <a:latin typeface="Inter"/>
+              </a:rPr>
+              <a:t>This interactive loop enables rapid experimentation and immediate feedback—essential for learning and development.</a:t>
+            </a:r>
+          </a:p>
+        </p:txBody>
+      </p:sp>
     </p:spTree>
   </p:cSld>
   <p:clrMapOvr>
@@ -8197,7 +8584,7 @@
               </a:defRPr>
             </a:pPr>
             <a:r>
-              <a:t>Why Use Colab?</a:t>
+              <a:t>What You Need</a:t>
             </a:r>
           </a:p>
         </p:txBody>
@@ -8236,1819 +8623,84 @@
               </a:defRPr>
             </a:pPr>
             <a:r>
-              <a:t>• Free: No cost to use (with optional paid upgrades)</a:t>
-            </a:r>
-          </a:p>
-          <a:p>
-            <a:pPr>
-              <a:spcBef>
-                <a:spcPts val="800"/>
-              </a:spcBef>
-              <a:defRPr sz="2400">
-                <a:solidFill>
-                  <a:srgbClr val="FFFFFF"/>
-                </a:solidFill>
-                <a:latin typeface="Arial"/>
-              </a:defRPr>
-            </a:pPr>
-            <a:r>
-              <a:t>• No Setup: Start coding immediately</a:t>
-            </a:r>
-          </a:p>
-          <a:p>
-            <a:pPr>
-              <a:spcBef>
-                <a:spcPts val="800"/>
-              </a:spcBef>
-              <a:defRPr sz="2400">
-                <a:solidFill>
-                  <a:srgbClr val="FFFFFF"/>
-                </a:solidFill>
-                <a:latin typeface="Arial"/>
-              </a:defRPr>
-            </a:pPr>
-            <a:r>
-              <a:t>• Cloud-Based: Access from anywhere</a:t>
-            </a:r>
-          </a:p>
-          <a:p>
-            <a:pPr>
-              <a:spcBef>
-                <a:spcPts val="800"/>
-              </a:spcBef>
-              <a:defRPr sz="2400">
-                <a:solidFill>
-                  <a:srgbClr val="FFFFFF"/>
-                </a:solidFill>
-                <a:latin typeface="Arial"/>
-              </a:defRPr>
-            </a:pPr>
-            <a:r>
-              <a:t>• Powerful: Free access to GPUs for machine learning</a:t>
-            </a:r>
-          </a:p>
-          <a:p>
-            <a:pPr>
-              <a:spcBef>
-                <a:spcPts val="800"/>
-              </a:spcBef>
-              <a:defRPr sz="2400">
-                <a:solidFill>
-                  <a:srgbClr val="FFFFFF"/>
-                </a:solidFill>
-                <a:latin typeface="Arial"/>
-              </a:defRPr>
-            </a:pPr>
-            <a:r>
-              <a:t>• Collaborative: Share notebooks like Google Docs</a:t>
-            </a:r>
-          </a:p>
-        </p:txBody>
-      </p:sp>
-      <p:sp>
-        <p:nvSpPr>
-          <p:cNvPr id="5" name="Rectangle 4"/>
-          <p:cNvSpPr/>
-          <p:nvPr/>
-        </p:nvSpPr>
-        <p:spPr>
-          <a:xfrm>
-            <a:off x="777240" y="2011680"/>
-            <a:ext cx="73152" cy="5486400"/>
-          </a:xfrm>
-          <a:prstGeom prst="rect">
-            <a:avLst/>
-          </a:prstGeom>
-          <a:solidFill>
-            <a:srgbClr val="D2691E"/>
-          </a:solidFill>
-          <a:ln>
-            <a:noFill/>
-          </a:ln>
-        </p:spPr>
-        <p:style>
-          <a:lnRef idx="1">
-            <a:schemeClr val="accent1"/>
-          </a:lnRef>
-          <a:fillRef idx="3">
-            <a:schemeClr val="accent1"/>
-          </a:fillRef>
-          <a:effectRef idx="2">
-            <a:schemeClr val="accent1"/>
-          </a:effectRef>
-          <a:fontRef idx="minor">
-            <a:schemeClr val="lt1"/>
-          </a:fontRef>
-        </p:style>
-        <p:txBody>
-          <a:bodyPr rtlCol="0" anchor="ctr"/>
-          <a:lstStyle/>
-          <a:p>
-            <a:pPr algn="ctr"/>
+              <a:t>Just two things:</a:t>
+            </a:r>
+          </a:p>
+          <a:p>
+            <a:pPr>
+              <a:spcBef>
+                <a:spcPts val="800"/>
+              </a:spcBef>
+              <a:defRPr sz="2400">
+                <a:solidFill>
+                  <a:srgbClr val="FFFFFF"/>
+                </a:solidFill>
+                <a:latin typeface="Arial"/>
+              </a:defRPr>
+            </a:pPr>
             <a:endParaRPr/>
           </a:p>
-        </p:txBody>
-      </p:sp>
-    </p:spTree>
-  </p:cSld>
-  <p:clrMapOvr>
-    <a:masterClrMapping/>
-  </p:clrMapOvr>
-</p:sld>
-</file>
-
-<file path=ppt/slides/slide30.xml><?xml version="1.0" encoding="utf-8"?>
-<p:sld xmlns:a="http://schemas.openxmlformats.org/drawingml/2006/main" xmlns:r="http://schemas.openxmlformats.org/officeDocument/2006/relationships" xmlns:p="http://schemas.openxmlformats.org/presentationml/2006/main">
-  <p:cSld>
-    <p:spTree>
-      <p:nvGrpSpPr>
-        <p:cNvPr id="1" name=""/>
-        <p:cNvGrpSpPr/>
-        <p:nvPr/>
-      </p:nvGrpSpPr>
-      <p:grpSpPr>
-        <a:xfrm>
-          <a:off x="0" y="0"/>
-          <a:ext cx="0" cy="0"/>
-          <a:chOff x="0" y="0"/>
-          <a:chExt cx="0" cy="0"/>
-        </a:xfrm>
-      </p:grpSpPr>
-      <p:sp>
-        <p:nvSpPr>
-          <p:cNvPr id="2" name="Rectangle 1"/>
-          <p:cNvSpPr/>
-          <p:nvPr/>
-        </p:nvSpPr>
-        <p:spPr>
-          <a:xfrm>
-            <a:off x="0" y="0"/>
-            <a:ext cx="14630400" cy="8229600"/>
-          </a:xfrm>
-          <a:prstGeom prst="rect">
-            <a:avLst/>
-          </a:prstGeom>
-          <a:solidFill>
-            <a:srgbClr val="121212"/>
-          </a:solidFill>
-          <a:ln>
-            <a:noFill/>
-          </a:ln>
-        </p:spPr>
-        <p:style>
-          <a:lnRef idx="1">
-            <a:schemeClr val="accent1"/>
-          </a:lnRef>
-          <a:fillRef idx="3">
-            <a:schemeClr val="accent1"/>
-          </a:fillRef>
-          <a:effectRef idx="2">
-            <a:schemeClr val="accent1"/>
-          </a:effectRef>
-          <a:fontRef idx="minor">
-            <a:schemeClr val="lt1"/>
-          </a:fontRef>
-        </p:style>
-        <p:txBody>
-          <a:bodyPr rtlCol="0" anchor="ctr"/>
-          <a:lstStyle/>
-          <a:p>
-            <a:pPr algn="ctr"/>
+          <a:p>
+            <a:pPr>
+              <a:spcBef>
+                <a:spcPts val="800"/>
+              </a:spcBef>
+              <a:defRPr sz="2400">
+                <a:solidFill>
+                  <a:srgbClr val="FFFFFF"/>
+                </a:solidFill>
+                <a:latin typeface="Arial"/>
+              </a:defRPr>
+            </a:pPr>
+            <a:r>
+              <a:t>1. A Google account (Gmail works)</a:t>
+            </a:r>
+          </a:p>
+          <a:p>
+            <a:pPr>
+              <a:spcBef>
+                <a:spcPts val="800"/>
+              </a:spcBef>
+              <a:defRPr sz="2400">
+                <a:solidFill>
+                  <a:srgbClr val="FFFFFF"/>
+                </a:solidFill>
+                <a:latin typeface="Arial"/>
+              </a:defRPr>
+            </a:pPr>
+            <a:r>
+              <a:t>2. A web browser (Chrome recommended)</a:t>
+            </a:r>
+          </a:p>
+          <a:p>
+            <a:pPr>
+              <a:spcBef>
+                <a:spcPts val="800"/>
+              </a:spcBef>
+              <a:defRPr sz="2400">
+                <a:solidFill>
+                  <a:srgbClr val="FFFFFF"/>
+                </a:solidFill>
+                <a:latin typeface="Arial"/>
+              </a:defRPr>
+            </a:pPr>
             <a:endParaRPr/>
           </a:p>
-        </p:txBody>
-      </p:sp>
-      <p:sp>
-        <p:nvSpPr>
-          <p:cNvPr id="3" name="TextBox 2"/>
-          <p:cNvSpPr txBox="1"/>
-          <p:nvPr/>
-        </p:nvSpPr>
-        <p:spPr>
-          <a:xfrm>
-            <a:off x="914400" y="731520"/>
-            <a:ext cx="12801600" cy="1097280"/>
-          </a:xfrm>
-          <a:prstGeom prst="rect">
-            <a:avLst/>
-          </a:prstGeom>
-          <a:noFill/>
-        </p:spPr>
-        <p:txBody>
-          <a:bodyPr wrap="none">
-            <a:spAutoFit/>
-          </a:bodyPr>
-          <a:lstStyle/>
-          <a:p>
-            <a:pPr>
-              <a:defRPr sz="4400" b="1">
-                <a:solidFill>
-                  <a:srgbClr val="FFFFFF"/>
-                </a:solidFill>
-                <a:latin typeface="Arial"/>
-              </a:defRPr>
-            </a:pPr>
-            <a:r>
-              <a:t>Runtime: What Powers Your Code</a:t>
-            </a:r>
-          </a:p>
-        </p:txBody>
-      </p:sp>
-      <p:sp>
-        <p:nvSpPr>
-          <p:cNvPr id="4" name="TextBox 3"/>
-          <p:cNvSpPr txBox="1"/>
-          <p:nvPr/>
-        </p:nvSpPr>
-        <p:spPr>
-          <a:xfrm>
-            <a:off x="914400" y="2011680"/>
-            <a:ext cx="12801600" cy="5486400"/>
-          </a:xfrm>
-          <a:prstGeom prst="rect">
-            <a:avLst/>
-          </a:prstGeom>
-          <a:noFill/>
-        </p:spPr>
-        <p:txBody>
-          <a:bodyPr wrap="square">
-            <a:spAutoFit/>
-          </a:bodyPr>
-          <a:lstStyle/>
-          <a:p>
-            <a:pPr>
-              <a:spcBef>
-                <a:spcPts val="800"/>
-              </a:spcBef>
-              <a:defRPr sz="2400">
-                <a:solidFill>
-                  <a:srgbClr val="FFFFFF"/>
-                </a:solidFill>
-                <a:latin typeface="Arial"/>
-              </a:defRPr>
-            </a:pPr>
-            <a:r>
-              <a:t>When you click Connect, Colab gives you a virtual computer:</a:t>
-            </a:r>
-          </a:p>
-          <a:p>
-            <a:pPr>
-              <a:spcBef>
-                <a:spcPts val="800"/>
-              </a:spcBef>
-              <a:defRPr sz="2400">
-                <a:solidFill>
-                  <a:srgbClr val="FFFFFF"/>
-                </a:solidFill>
-                <a:latin typeface="Arial"/>
-              </a:defRPr>
-            </a:pPr>
-            <a:endParaRPr/>
-          </a:p>
-          <a:p>
-            <a:pPr>
-              <a:spcBef>
-                <a:spcPts val="800"/>
-              </a:spcBef>
-              <a:defRPr sz="2400">
-                <a:solidFill>
-                  <a:srgbClr val="FFFFFF"/>
-                </a:solidFill>
-                <a:latin typeface="Arial"/>
-              </a:defRPr>
-            </a:pPr>
-            <a:r>
-              <a:t>• CPU (standard processing)</a:t>
-            </a:r>
-          </a:p>
-          <a:p>
-            <a:pPr>
-              <a:spcBef>
-                <a:spcPts val="800"/>
-              </a:spcBef>
-              <a:defRPr sz="2400">
-                <a:solidFill>
-                  <a:srgbClr val="FFFFFF"/>
-                </a:solidFill>
-                <a:latin typeface="Arial"/>
-              </a:defRPr>
-            </a:pPr>
-            <a:r>
-              <a:t>• RAM (memory)</a:t>
-            </a:r>
-          </a:p>
-          <a:p>
-            <a:pPr>
-              <a:spcBef>
-                <a:spcPts val="800"/>
-              </a:spcBef>
-              <a:defRPr sz="2400">
-                <a:solidFill>
-                  <a:srgbClr val="FFFFFF"/>
-                </a:solidFill>
-                <a:latin typeface="Arial"/>
-              </a:defRPr>
-            </a:pPr>
-            <a:r>
-              <a:t>• Disk space</a:t>
-            </a:r>
-          </a:p>
-          <a:p>
-            <a:pPr>
-              <a:spcBef>
-                <a:spcPts val="800"/>
-              </a:spcBef>
-              <a:defRPr sz="2400">
-                <a:solidFill>
-                  <a:srgbClr val="FFFFFF"/>
-                </a:solidFill>
-                <a:latin typeface="Arial"/>
-              </a:defRPr>
-            </a:pPr>
-            <a:endParaRPr/>
-          </a:p>
-          <a:p>
-            <a:pPr>
-              <a:spcBef>
-                <a:spcPts val="800"/>
-              </a:spcBef>
-              <a:defRPr sz="2400">
-                <a:solidFill>
-                  <a:srgbClr val="FFFFFF"/>
-                </a:solidFill>
-                <a:latin typeface="Arial"/>
-              </a:defRPr>
-            </a:pPr>
-            <a:r>
-              <a:t>And optionally: GPU or TPU for machine learning</a:t>
-            </a:r>
-          </a:p>
-        </p:txBody>
-      </p:sp>
-      <p:sp>
-        <p:nvSpPr>
-          <p:cNvPr id="5" name="Rectangle 4"/>
-          <p:cNvSpPr/>
-          <p:nvPr/>
-        </p:nvSpPr>
-        <p:spPr>
-          <a:xfrm>
-            <a:off x="777240" y="2011680"/>
-            <a:ext cx="73152" cy="5486400"/>
-          </a:xfrm>
-          <a:prstGeom prst="rect">
-            <a:avLst/>
-          </a:prstGeom>
-          <a:solidFill>
-            <a:srgbClr val="D2691E"/>
-          </a:solidFill>
-          <a:ln>
-            <a:noFill/>
-          </a:ln>
-        </p:spPr>
-        <p:style>
-          <a:lnRef idx="1">
-            <a:schemeClr val="accent1"/>
-          </a:lnRef>
-          <a:fillRef idx="3">
-            <a:schemeClr val="accent1"/>
-          </a:fillRef>
-          <a:effectRef idx="2">
-            <a:schemeClr val="accent1"/>
-          </a:effectRef>
-          <a:fontRef idx="minor">
-            <a:schemeClr val="lt1"/>
-          </a:fontRef>
-        </p:style>
-        <p:txBody>
-          <a:bodyPr rtlCol="0" anchor="ctr"/>
-          <a:lstStyle/>
-          <a:p>
-            <a:pPr algn="ctr"/>
-            <a:endParaRPr/>
-          </a:p>
-        </p:txBody>
-      </p:sp>
-    </p:spTree>
-  </p:cSld>
-  <p:clrMapOvr>
-    <a:masterClrMapping/>
-  </p:clrMapOvr>
-</p:sld>
-</file>
-
-<file path=ppt/slides/slide31.xml><?xml version="1.0" encoding="utf-8"?>
-<p:sld xmlns:a="http://schemas.openxmlformats.org/drawingml/2006/main" xmlns:r="http://schemas.openxmlformats.org/officeDocument/2006/relationships" xmlns:p="http://schemas.openxmlformats.org/presentationml/2006/main">
-  <p:cSld>
-    <p:spTree>
-      <p:nvGrpSpPr>
-        <p:cNvPr id="1" name=""/>
-        <p:cNvGrpSpPr/>
-        <p:nvPr/>
-      </p:nvGrpSpPr>
-      <p:grpSpPr>
-        <a:xfrm>
-          <a:off x="0" y="0"/>
-          <a:ext cx="0" cy="0"/>
-          <a:chOff x="0" y="0"/>
-          <a:chExt cx="0" cy="0"/>
-        </a:xfrm>
-      </p:grpSpPr>
-      <p:sp>
-        <p:nvSpPr>
-          <p:cNvPr id="2" name="Rectangle 1"/>
-          <p:cNvSpPr/>
-          <p:nvPr/>
-        </p:nvSpPr>
-        <p:spPr>
-          <a:xfrm>
-            <a:off x="0" y="0"/>
-            <a:ext cx="14630400" cy="8229600"/>
-          </a:xfrm>
-          <a:prstGeom prst="rect">
-            <a:avLst/>
-          </a:prstGeom>
-          <a:solidFill>
-            <a:srgbClr val="121212"/>
-          </a:solidFill>
-          <a:ln>
-            <a:noFill/>
-          </a:ln>
-        </p:spPr>
-        <p:style>
-          <a:lnRef idx="1">
-            <a:schemeClr val="accent1"/>
-          </a:lnRef>
-          <a:fillRef idx="3">
-            <a:schemeClr val="accent1"/>
-          </a:fillRef>
-          <a:effectRef idx="2">
-            <a:schemeClr val="accent1"/>
-          </a:effectRef>
-          <a:fontRef idx="minor">
-            <a:schemeClr val="lt1"/>
-          </a:fontRef>
-        </p:style>
-        <p:txBody>
-          <a:bodyPr rtlCol="0" anchor="ctr"/>
-          <a:lstStyle/>
-          <a:p>
-            <a:pPr algn="ctr"/>
-            <a:endParaRPr/>
-          </a:p>
-        </p:txBody>
-      </p:sp>
-      <p:sp>
-        <p:nvSpPr>
-          <p:cNvPr id="3" name="TextBox 2"/>
-          <p:cNvSpPr txBox="1"/>
-          <p:nvPr/>
-        </p:nvSpPr>
-        <p:spPr>
-          <a:xfrm>
-            <a:off x="914400" y="731520"/>
-            <a:ext cx="12801600" cy="1097280"/>
-          </a:xfrm>
-          <a:prstGeom prst="rect">
-            <a:avLst/>
-          </a:prstGeom>
-          <a:noFill/>
-        </p:spPr>
-        <p:txBody>
-          <a:bodyPr wrap="none">
-            <a:spAutoFit/>
-          </a:bodyPr>
-          <a:lstStyle/>
-          <a:p>
-            <a:pPr>
-              <a:defRPr sz="4400" b="1">
-                <a:solidFill>
-                  <a:srgbClr val="FFFFFF"/>
-                </a:solidFill>
-                <a:latin typeface="Arial"/>
-              </a:defRPr>
-            </a:pPr>
-            <a:r>
-              <a:t>Changing Runtime Type</a:t>
-            </a:r>
-          </a:p>
-        </p:txBody>
-      </p:sp>
-      <p:sp>
-        <p:nvSpPr>
-          <p:cNvPr id="4" name="TextBox 3"/>
-          <p:cNvSpPr txBox="1"/>
-          <p:nvPr/>
-        </p:nvSpPr>
-        <p:spPr>
-          <a:xfrm>
-            <a:off x="914400" y="2011680"/>
-            <a:ext cx="12801600" cy="5486400"/>
-          </a:xfrm>
-          <a:prstGeom prst="rect">
-            <a:avLst/>
-          </a:prstGeom>
-          <a:noFill/>
-        </p:spPr>
-        <p:txBody>
-          <a:bodyPr wrap="square">
-            <a:spAutoFit/>
-          </a:bodyPr>
-          <a:lstStyle/>
-          <a:p>
-            <a:pPr>
-              <a:spcBef>
-                <a:spcPts val="800"/>
-              </a:spcBef>
-              <a:defRPr sz="2400">
-                <a:solidFill>
-                  <a:srgbClr val="FFFFFF"/>
-                </a:solidFill>
-                <a:latin typeface="Arial"/>
-              </a:defRPr>
-            </a:pPr>
-            <a:r>
-              <a:t>Go to Runtime → Change runtime type</a:t>
-            </a:r>
-          </a:p>
-          <a:p>
-            <a:pPr>
-              <a:spcBef>
-                <a:spcPts val="800"/>
-              </a:spcBef>
-              <a:defRPr sz="2400">
-                <a:solidFill>
-                  <a:srgbClr val="FFFFFF"/>
-                </a:solidFill>
-                <a:latin typeface="Arial"/>
-              </a:defRPr>
-            </a:pPr>
-            <a:endParaRPr/>
-          </a:p>
-          <a:p>
-            <a:pPr>
-              <a:spcBef>
-                <a:spcPts val="800"/>
-              </a:spcBef>
-              <a:defRPr sz="2400">
-                <a:solidFill>
-                  <a:srgbClr val="FFFFFF"/>
-                </a:solidFill>
-                <a:latin typeface="Arial"/>
-              </a:defRPr>
-            </a:pPr>
-            <a:r>
-              <a:t>Options:</a:t>
-            </a:r>
-          </a:p>
-          <a:p>
-            <a:pPr>
-              <a:spcBef>
-                <a:spcPts val="800"/>
-              </a:spcBef>
-              <a:defRPr sz="2400">
-                <a:solidFill>
-                  <a:srgbClr val="FFFFFF"/>
-                </a:solidFill>
-                <a:latin typeface="Arial"/>
-              </a:defRPr>
-            </a:pPr>
-            <a:r>
-              <a:t>• None (CPU only) - Default, good for most tasks</a:t>
-            </a:r>
-          </a:p>
-          <a:p>
-            <a:pPr>
-              <a:spcBef>
-                <a:spcPts val="800"/>
-              </a:spcBef>
-              <a:defRPr sz="2400">
-                <a:solidFill>
-                  <a:srgbClr val="FFFFFF"/>
-                </a:solidFill>
-                <a:latin typeface="Arial"/>
-              </a:defRPr>
-            </a:pPr>
-            <a:r>
-              <a:t>• T4 GPU - For machine learning</a:t>
-            </a:r>
-          </a:p>
-          <a:p>
-            <a:pPr>
-              <a:spcBef>
-                <a:spcPts val="800"/>
-              </a:spcBef>
-              <a:defRPr sz="2400">
-                <a:solidFill>
-                  <a:srgbClr val="FFFFFF"/>
-                </a:solidFill>
-                <a:latin typeface="Arial"/>
-              </a:defRPr>
-            </a:pPr>
-            <a:r>
-              <a:t>• TPU - For large-scale training</a:t>
-            </a:r>
-          </a:p>
-          <a:p>
-            <a:pPr>
-              <a:spcBef>
-                <a:spcPts val="800"/>
-              </a:spcBef>
-              <a:defRPr sz="2400">
-                <a:solidFill>
-                  <a:srgbClr val="FFFFFF"/>
-                </a:solidFill>
-                <a:latin typeface="Arial"/>
-              </a:defRPr>
-            </a:pPr>
-            <a:endParaRPr/>
-          </a:p>
-          <a:p>
-            <a:pPr>
-              <a:spcBef>
-                <a:spcPts val="800"/>
-              </a:spcBef>
-              <a:defRPr sz="2400">
-                <a:solidFill>
-                  <a:srgbClr val="FFFFFF"/>
-                </a:solidFill>
-                <a:latin typeface="Arial"/>
-              </a:defRPr>
-            </a:pPr>
-            <a:r>
-              <a:t>Note: Free tier has usage limits on GPU/TPU</a:t>
-            </a:r>
-          </a:p>
-        </p:txBody>
-      </p:sp>
-      <p:sp>
-        <p:nvSpPr>
-          <p:cNvPr id="5" name="Rectangle 4"/>
-          <p:cNvSpPr/>
-          <p:nvPr/>
-        </p:nvSpPr>
-        <p:spPr>
-          <a:xfrm>
-            <a:off x="777240" y="2011680"/>
-            <a:ext cx="73152" cy="5486400"/>
-          </a:xfrm>
-          <a:prstGeom prst="rect">
-            <a:avLst/>
-          </a:prstGeom>
-          <a:solidFill>
-            <a:srgbClr val="D2691E"/>
-          </a:solidFill>
-          <a:ln>
-            <a:noFill/>
-          </a:ln>
-        </p:spPr>
-        <p:style>
-          <a:lnRef idx="1">
-            <a:schemeClr val="accent1"/>
-          </a:lnRef>
-          <a:fillRef idx="3">
-            <a:schemeClr val="accent1"/>
-          </a:fillRef>
-          <a:effectRef idx="2">
-            <a:schemeClr val="accent1"/>
-          </a:effectRef>
-          <a:fontRef idx="minor">
-            <a:schemeClr val="lt1"/>
-          </a:fontRef>
-        </p:style>
-        <p:txBody>
-          <a:bodyPr rtlCol="0" anchor="ctr"/>
-          <a:lstStyle/>
-          <a:p>
-            <a:pPr algn="ctr"/>
-            <a:endParaRPr/>
-          </a:p>
-        </p:txBody>
-      </p:sp>
-    </p:spTree>
-  </p:cSld>
-  <p:clrMapOvr>
-    <a:masterClrMapping/>
-  </p:clrMapOvr>
-</p:sld>
-</file>
-
-<file path=ppt/slides/slide32.xml><?xml version="1.0" encoding="utf-8"?>
-<p:sld xmlns:a="http://schemas.openxmlformats.org/drawingml/2006/main" xmlns:r="http://schemas.openxmlformats.org/officeDocument/2006/relationships" xmlns:p="http://schemas.openxmlformats.org/presentationml/2006/main">
-  <p:cSld>
-    <p:spTree>
-      <p:nvGrpSpPr>
-        <p:cNvPr id="1" name=""/>
-        <p:cNvGrpSpPr/>
-        <p:nvPr/>
-      </p:nvGrpSpPr>
-      <p:grpSpPr>
-        <a:xfrm>
-          <a:off x="0" y="0"/>
-          <a:ext cx="0" cy="0"/>
-          <a:chOff x="0" y="0"/>
-          <a:chExt cx="0" cy="0"/>
-        </a:xfrm>
-      </p:grpSpPr>
-      <p:sp>
-        <p:nvSpPr>
-          <p:cNvPr id="2" name="Rectangle 1"/>
-          <p:cNvSpPr/>
-          <p:nvPr/>
-        </p:nvSpPr>
-        <p:spPr>
-          <a:xfrm>
-            <a:off x="0" y="0"/>
-            <a:ext cx="14630400" cy="8229600"/>
-          </a:xfrm>
-          <a:prstGeom prst="rect">
-            <a:avLst/>
-          </a:prstGeom>
-          <a:solidFill>
-            <a:srgbClr val="121212"/>
-          </a:solidFill>
-          <a:ln>
-            <a:noFill/>
-          </a:ln>
-        </p:spPr>
-        <p:style>
-          <a:lnRef idx="1">
-            <a:schemeClr val="accent1"/>
-          </a:lnRef>
-          <a:fillRef idx="3">
-            <a:schemeClr val="accent1"/>
-          </a:fillRef>
-          <a:effectRef idx="2">
-            <a:schemeClr val="accent1"/>
-          </a:effectRef>
-          <a:fontRef idx="minor">
-            <a:schemeClr val="lt1"/>
-          </a:fontRef>
-        </p:style>
-        <p:txBody>
-          <a:bodyPr rtlCol="0" anchor="ctr"/>
-          <a:lstStyle/>
-          <a:p>
-            <a:pPr algn="ctr"/>
-            <a:endParaRPr/>
-          </a:p>
-        </p:txBody>
-      </p:sp>
-      <p:sp>
-        <p:nvSpPr>
-          <p:cNvPr id="3" name="TextBox 2"/>
-          <p:cNvSpPr txBox="1"/>
-          <p:nvPr/>
-        </p:nvSpPr>
-        <p:spPr>
-          <a:xfrm>
-            <a:off x="914400" y="731520"/>
-            <a:ext cx="12801600" cy="1097280"/>
-          </a:xfrm>
-          <a:prstGeom prst="rect">
-            <a:avLst/>
-          </a:prstGeom>
-          <a:noFill/>
-        </p:spPr>
-        <p:txBody>
-          <a:bodyPr wrap="none">
-            <a:spAutoFit/>
-          </a:bodyPr>
-          <a:lstStyle/>
-          <a:p>
-            <a:pPr>
-              <a:defRPr sz="4400" b="1">
-                <a:solidFill>
-                  <a:srgbClr val="FFFFFF"/>
-                </a:solidFill>
-                <a:latin typeface="Arial"/>
-              </a:defRPr>
-            </a:pPr>
-            <a:r>
-              <a:t>Restarting the Runtime</a:t>
-            </a:r>
-          </a:p>
-        </p:txBody>
-      </p:sp>
-      <p:sp>
-        <p:nvSpPr>
-          <p:cNvPr id="4" name="TextBox 3"/>
-          <p:cNvSpPr txBox="1"/>
-          <p:nvPr/>
-        </p:nvSpPr>
-        <p:spPr>
-          <a:xfrm>
-            <a:off x="914400" y="2011680"/>
-            <a:ext cx="12801600" cy="5486400"/>
-          </a:xfrm>
-          <a:prstGeom prst="rect">
-            <a:avLst/>
-          </a:prstGeom>
-          <a:noFill/>
-        </p:spPr>
-        <p:txBody>
-          <a:bodyPr wrap="square">
-            <a:spAutoFit/>
-          </a:bodyPr>
-          <a:lstStyle/>
-          <a:p>
-            <a:pPr>
-              <a:spcBef>
-                <a:spcPts val="800"/>
-              </a:spcBef>
-              <a:defRPr sz="2400">
-                <a:solidFill>
-                  <a:srgbClr val="FFFFFF"/>
-                </a:solidFill>
-                <a:latin typeface="Arial"/>
-              </a:defRPr>
-            </a:pPr>
-            <a:r>
-              <a:t>If your code isn't working as expected:</a:t>
-            </a:r>
-          </a:p>
-          <a:p>
-            <a:pPr>
-              <a:spcBef>
-                <a:spcPts val="800"/>
-              </a:spcBef>
-              <a:defRPr sz="2400">
-                <a:solidFill>
-                  <a:srgbClr val="FFFFFF"/>
-                </a:solidFill>
-                <a:latin typeface="Arial"/>
-              </a:defRPr>
-            </a:pPr>
-            <a:endParaRPr/>
-          </a:p>
-          <a:p>
-            <a:pPr>
-              <a:spcBef>
-                <a:spcPts val="800"/>
-              </a:spcBef>
-              <a:defRPr sz="2400">
-                <a:solidFill>
-                  <a:srgbClr val="FFFFFF"/>
-                </a:solidFill>
-                <a:latin typeface="Arial"/>
-              </a:defRPr>
-            </a:pPr>
-            <a:r>
-              <a:t>Runtime → Restart runtime</a:t>
-            </a:r>
-          </a:p>
-          <a:p>
-            <a:pPr>
-              <a:spcBef>
-                <a:spcPts val="800"/>
-              </a:spcBef>
-              <a:defRPr sz="2400">
-                <a:solidFill>
-                  <a:srgbClr val="FFFFFF"/>
-                </a:solidFill>
-                <a:latin typeface="Arial"/>
-              </a:defRPr>
-            </a:pPr>
-            <a:endParaRPr/>
-          </a:p>
-          <a:p>
-            <a:pPr>
-              <a:spcBef>
-                <a:spcPts val="800"/>
-              </a:spcBef>
-              <a:defRPr sz="2400">
-                <a:solidFill>
-                  <a:srgbClr val="FFFFFF"/>
-                </a:solidFill>
-                <a:latin typeface="Arial"/>
-              </a:defRPr>
-            </a:pPr>
-            <a:r>
-              <a:t>This clears all variables and starts fresh.</a:t>
-            </a:r>
-          </a:p>
-          <a:p>
-            <a:pPr>
-              <a:spcBef>
-                <a:spcPts val="800"/>
-              </a:spcBef>
-              <a:defRPr sz="2400">
-                <a:solidFill>
-                  <a:srgbClr val="FFFFFF"/>
-                </a:solidFill>
-                <a:latin typeface="Arial"/>
-              </a:defRPr>
-            </a:pPr>
-            <a:endParaRPr/>
-          </a:p>
-          <a:p>
-            <a:pPr>
-              <a:spcBef>
-                <a:spcPts val="800"/>
-              </a:spcBef>
-              <a:defRPr sz="2400">
-                <a:solidFill>
-                  <a:srgbClr val="FFFFFF"/>
-                </a:solidFill>
-                <a:latin typeface="Arial"/>
-              </a:defRPr>
-            </a:pPr>
-            <a:r>
-              <a:t>Note: You'll need to re-run your cells after restarting</a:t>
-            </a:r>
-          </a:p>
-        </p:txBody>
-      </p:sp>
-    </p:spTree>
-  </p:cSld>
-  <p:clrMapOvr>
-    <a:masterClrMapping/>
-  </p:clrMapOvr>
-</p:sld>
-</file>
-
-<file path=ppt/slides/slide33.xml><?xml version="1.0" encoding="utf-8"?>
-<p:sld xmlns:a="http://schemas.openxmlformats.org/drawingml/2006/main" xmlns:r="http://schemas.openxmlformats.org/officeDocument/2006/relationships" xmlns:p="http://schemas.openxmlformats.org/presentationml/2006/main">
-  <p:cSld>
-    <p:spTree>
-      <p:nvGrpSpPr>
-        <p:cNvPr id="1" name=""/>
-        <p:cNvGrpSpPr/>
-        <p:nvPr/>
-      </p:nvGrpSpPr>
-      <p:grpSpPr>
-        <a:xfrm>
-          <a:off x="0" y="0"/>
-          <a:ext cx="0" cy="0"/>
-          <a:chOff x="0" y="0"/>
-          <a:chExt cx="0" cy="0"/>
-        </a:xfrm>
-      </p:grpSpPr>
-      <p:sp>
-        <p:nvSpPr>
-          <p:cNvPr id="2" name="Rectangle 1"/>
-          <p:cNvSpPr/>
-          <p:nvPr/>
-        </p:nvSpPr>
-        <p:spPr>
-          <a:xfrm>
-            <a:off x="0" y="0"/>
-            <a:ext cx="14630400" cy="8229600"/>
-          </a:xfrm>
-          <a:prstGeom prst="rect">
-            <a:avLst/>
-          </a:prstGeom>
-          <a:solidFill>
-            <a:srgbClr val="121212"/>
-          </a:solidFill>
-          <a:ln>
-            <a:noFill/>
-          </a:ln>
-        </p:spPr>
-        <p:style>
-          <a:lnRef idx="1">
-            <a:schemeClr val="accent1"/>
-          </a:lnRef>
-          <a:fillRef idx="3">
-            <a:schemeClr val="accent1"/>
-          </a:fillRef>
-          <a:effectRef idx="2">
-            <a:schemeClr val="accent1"/>
-          </a:effectRef>
-          <a:fontRef idx="minor">
-            <a:schemeClr val="lt1"/>
-          </a:fontRef>
-        </p:style>
-        <p:txBody>
-          <a:bodyPr rtlCol="0" anchor="ctr"/>
-          <a:lstStyle/>
-          <a:p>
-            <a:pPr algn="ctr"/>
-            <a:endParaRPr/>
-          </a:p>
-        </p:txBody>
-      </p:sp>
-      <p:sp>
-        <p:nvSpPr>
-          <p:cNvPr id="3" name="TextBox 2"/>
-          <p:cNvSpPr txBox="1"/>
-          <p:nvPr/>
-        </p:nvSpPr>
-        <p:spPr>
-          <a:xfrm>
-            <a:off x="914400" y="731520"/>
-            <a:ext cx="12801600" cy="1097280"/>
-          </a:xfrm>
-          <a:prstGeom prst="rect">
-            <a:avLst/>
-          </a:prstGeom>
-          <a:noFill/>
-        </p:spPr>
-        <p:txBody>
-          <a:bodyPr wrap="none">
-            <a:spAutoFit/>
-          </a:bodyPr>
-          <a:lstStyle/>
-          <a:p>
-            <a:pPr>
-              <a:defRPr sz="4400" b="1">
-                <a:solidFill>
-                  <a:srgbClr val="FFFFFF"/>
-                </a:solidFill>
-                <a:latin typeface="Arial"/>
-              </a:defRPr>
-            </a:pPr>
-            <a:r>
-              <a:t>Session Limits</a:t>
-            </a:r>
-          </a:p>
-        </p:txBody>
-      </p:sp>
-      <p:sp>
-        <p:nvSpPr>
-          <p:cNvPr id="4" name="TextBox 3"/>
-          <p:cNvSpPr txBox="1"/>
-          <p:nvPr/>
-        </p:nvSpPr>
-        <p:spPr>
-          <a:xfrm>
-            <a:off x="914400" y="2011680"/>
-            <a:ext cx="12801600" cy="5486400"/>
-          </a:xfrm>
-          <a:prstGeom prst="rect">
-            <a:avLst/>
-          </a:prstGeom>
-          <a:noFill/>
-        </p:spPr>
-        <p:txBody>
-          <a:bodyPr wrap="square">
-            <a:spAutoFit/>
-          </a:bodyPr>
-          <a:lstStyle/>
-          <a:p>
-            <a:pPr>
-              <a:spcBef>
-                <a:spcPts val="800"/>
-              </a:spcBef>
-              <a:defRPr sz="2400">
-                <a:solidFill>
-                  <a:srgbClr val="FFFFFF"/>
-                </a:solidFill>
-                <a:latin typeface="Arial"/>
-              </a:defRPr>
-            </a:pPr>
-            <a:r>
-              <a:t>Free Colab limitations:</a:t>
-            </a:r>
-          </a:p>
-          <a:p>
-            <a:pPr>
-              <a:spcBef>
-                <a:spcPts val="800"/>
-              </a:spcBef>
-              <a:defRPr sz="2400">
-                <a:solidFill>
-                  <a:srgbClr val="FFFFFF"/>
-                </a:solidFill>
-                <a:latin typeface="Arial"/>
-              </a:defRPr>
-            </a:pPr>
-            <a:endParaRPr/>
-          </a:p>
-          <a:p>
-            <a:pPr>
-              <a:spcBef>
-                <a:spcPts val="800"/>
-              </a:spcBef>
-              <a:defRPr sz="2400">
-                <a:solidFill>
-                  <a:srgbClr val="FFFFFF"/>
-                </a:solidFill>
-                <a:latin typeface="Arial"/>
-              </a:defRPr>
-            </a:pPr>
-            <a:r>
-              <a:t>• Sessions disconnect after ~90 minutes idle</a:t>
-            </a:r>
-          </a:p>
-          <a:p>
-            <a:pPr>
-              <a:spcBef>
-                <a:spcPts val="800"/>
-              </a:spcBef>
-              <a:defRPr sz="2400">
-                <a:solidFill>
-                  <a:srgbClr val="FFFFFF"/>
-                </a:solidFill>
-                <a:latin typeface="Arial"/>
-              </a:defRPr>
-            </a:pPr>
-            <a:r>
-              <a:t>• Maximum ~12 hours continuous use</a:t>
-            </a:r>
-          </a:p>
-          <a:p>
-            <a:pPr>
-              <a:spcBef>
-                <a:spcPts val="800"/>
-              </a:spcBef>
-              <a:defRPr sz="2400">
-                <a:solidFill>
-                  <a:srgbClr val="FFFFFF"/>
-                </a:solidFill>
-                <a:latin typeface="Arial"/>
-              </a:defRPr>
-            </a:pPr>
-            <a:r>
-              <a:t>• Limited GPU/TPU hours per week</a:t>
-            </a:r>
-          </a:p>
-          <a:p>
-            <a:pPr>
-              <a:spcBef>
-                <a:spcPts val="800"/>
-              </a:spcBef>
-              <a:defRPr sz="2400">
-                <a:solidFill>
-                  <a:srgbClr val="FFFFFF"/>
-                </a:solidFill>
-                <a:latin typeface="Arial"/>
-              </a:defRPr>
-            </a:pPr>
-            <a:endParaRPr/>
-          </a:p>
-          <a:p>
-            <a:pPr>
-              <a:spcBef>
-                <a:spcPts val="800"/>
-              </a:spcBef>
-              <a:defRPr sz="2400">
-                <a:solidFill>
-                  <a:srgbClr val="FFFFFF"/>
-                </a:solidFill>
-                <a:latin typeface="Arial"/>
-              </a:defRPr>
-            </a:pPr>
-            <a:r>
-              <a:t>Tip: Save your work frequently!</a:t>
-            </a:r>
-          </a:p>
-        </p:txBody>
-      </p:sp>
-      <p:sp>
-        <p:nvSpPr>
-          <p:cNvPr id="5" name="Rectangle 4"/>
-          <p:cNvSpPr/>
-          <p:nvPr/>
-        </p:nvSpPr>
-        <p:spPr>
-          <a:xfrm>
-            <a:off x="777240" y="2011680"/>
-            <a:ext cx="73152" cy="5486400"/>
-          </a:xfrm>
-          <a:prstGeom prst="rect">
-            <a:avLst/>
-          </a:prstGeom>
-          <a:solidFill>
-            <a:srgbClr val="D2691E"/>
-          </a:solidFill>
-          <a:ln>
-            <a:noFill/>
-          </a:ln>
-        </p:spPr>
-        <p:style>
-          <a:lnRef idx="1">
-            <a:schemeClr val="accent1"/>
-          </a:lnRef>
-          <a:fillRef idx="3">
-            <a:schemeClr val="accent1"/>
-          </a:fillRef>
-          <a:effectRef idx="2">
-            <a:schemeClr val="accent1"/>
-          </a:effectRef>
-          <a:fontRef idx="minor">
-            <a:schemeClr val="lt1"/>
-          </a:fontRef>
-        </p:style>
-        <p:txBody>
-          <a:bodyPr rtlCol="0" anchor="ctr"/>
-          <a:lstStyle/>
-          <a:p>
-            <a:pPr algn="ctr"/>
-            <a:endParaRPr/>
-          </a:p>
-        </p:txBody>
-      </p:sp>
-    </p:spTree>
-  </p:cSld>
-  <p:clrMapOvr>
-    <a:masterClrMapping/>
-  </p:clrMapOvr>
-</p:sld>
-</file>
-
-<file path=ppt/slides/slide34.xml><?xml version="1.0" encoding="utf-8"?>
-<p:sld xmlns:a="http://schemas.openxmlformats.org/drawingml/2006/main" xmlns:r="http://schemas.openxmlformats.org/officeDocument/2006/relationships" xmlns:p="http://schemas.openxmlformats.org/presentationml/2006/main">
-  <p:cSld>
-    <p:spTree>
-      <p:nvGrpSpPr>
-        <p:cNvPr id="1" name=""/>
-        <p:cNvGrpSpPr/>
-        <p:nvPr/>
-      </p:nvGrpSpPr>
-      <p:grpSpPr>
-        <a:xfrm>
-          <a:off x="0" y="0"/>
-          <a:ext cx="0" cy="0"/>
-          <a:chOff x="0" y="0"/>
-          <a:chExt cx="0" cy="0"/>
-        </a:xfrm>
-      </p:grpSpPr>
-      <p:sp>
-        <p:nvSpPr>
-          <p:cNvPr id="2" name="Rectangle 1"/>
-          <p:cNvSpPr/>
-          <p:nvPr/>
-        </p:nvSpPr>
-        <p:spPr>
-          <a:xfrm>
-            <a:off x="0" y="0"/>
-            <a:ext cx="14630400" cy="8229600"/>
-          </a:xfrm>
-          <a:prstGeom prst="rect">
-            <a:avLst/>
-          </a:prstGeom>
-          <a:solidFill>
-            <a:srgbClr val="121212"/>
-          </a:solidFill>
-          <a:ln>
-            <a:noFill/>
-          </a:ln>
-        </p:spPr>
-        <p:style>
-          <a:lnRef idx="1">
-            <a:schemeClr val="accent1"/>
-          </a:lnRef>
-          <a:fillRef idx="3">
-            <a:schemeClr val="accent1"/>
-          </a:fillRef>
-          <a:effectRef idx="2">
-            <a:schemeClr val="accent1"/>
-          </a:effectRef>
-          <a:fontRef idx="minor">
-            <a:schemeClr val="lt1"/>
-          </a:fontRef>
-        </p:style>
-        <p:txBody>
-          <a:bodyPr rtlCol="0" anchor="ctr"/>
-          <a:lstStyle/>
-          <a:p>
-            <a:pPr algn="ctr"/>
-            <a:endParaRPr/>
-          </a:p>
-        </p:txBody>
-      </p:sp>
-      <p:sp>
-        <p:nvSpPr>
-          <p:cNvPr id="3" name="TextBox 2"/>
-          <p:cNvSpPr txBox="1"/>
-          <p:nvPr/>
-        </p:nvSpPr>
-        <p:spPr>
-          <a:xfrm>
-            <a:off x="914400" y="731520"/>
-            <a:ext cx="12801600" cy="1097280"/>
-          </a:xfrm>
-          <a:prstGeom prst="rect">
-            <a:avLst/>
-          </a:prstGeom>
-          <a:noFill/>
-        </p:spPr>
-        <p:txBody>
-          <a:bodyPr wrap="none">
-            <a:spAutoFit/>
-          </a:bodyPr>
-          <a:lstStyle/>
-          <a:p>
-            <a:pPr>
-              <a:defRPr sz="4400" b="1">
-                <a:solidFill>
-                  <a:srgbClr val="FFFFFF"/>
-                </a:solidFill>
-                <a:latin typeface="Arial"/>
-              </a:defRPr>
-            </a:pPr>
-            <a:r>
-              <a:t>Saving Your Work</a:t>
-            </a:r>
-          </a:p>
-        </p:txBody>
-      </p:sp>
-      <p:sp>
-        <p:nvSpPr>
-          <p:cNvPr id="4" name="TextBox 3"/>
-          <p:cNvSpPr txBox="1"/>
-          <p:nvPr/>
-        </p:nvSpPr>
-        <p:spPr>
-          <a:xfrm>
-            <a:off x="1212979" y="2198292"/>
-            <a:ext cx="12801600" cy="5486400"/>
-          </a:xfrm>
-          <a:prstGeom prst="rect">
-            <a:avLst/>
-          </a:prstGeom>
-          <a:noFill/>
-        </p:spPr>
-        <p:txBody>
-          <a:bodyPr wrap="square">
-            <a:spAutoFit/>
-          </a:bodyPr>
-          <a:lstStyle/>
-          <a:p>
-            <a:pPr>
-              <a:spcBef>
-                <a:spcPts val="800"/>
-              </a:spcBef>
-              <a:defRPr sz="2400">
-                <a:solidFill>
-                  <a:srgbClr val="FFFFFF"/>
-                </a:solidFill>
-                <a:latin typeface="Arial"/>
-              </a:defRPr>
-            </a:pPr>
-            <a:r>
-              <a:rPr dirty="0"/>
-              <a:t>Automatic: </a:t>
-            </a:r>
-            <a:r>
-              <a:rPr dirty="0" err="1"/>
-              <a:t>Colab</a:t>
-            </a:r>
-            <a:r>
-              <a:rPr dirty="0"/>
-              <a:t> saves to Google Drive automatically</a:t>
-            </a:r>
-          </a:p>
-          <a:p>
-            <a:pPr>
-              <a:spcBef>
-                <a:spcPts val="800"/>
-              </a:spcBef>
-              <a:defRPr sz="2400">
-                <a:solidFill>
-                  <a:srgbClr val="FFFFFF"/>
-                </a:solidFill>
-                <a:latin typeface="Arial"/>
-              </a:defRPr>
-            </a:pPr>
-            <a:endParaRPr dirty="0"/>
-          </a:p>
-          <a:p>
-            <a:pPr>
-              <a:spcBef>
-                <a:spcPts val="800"/>
-              </a:spcBef>
-              <a:defRPr sz="2400">
-                <a:solidFill>
-                  <a:srgbClr val="FFFFFF"/>
-                </a:solidFill>
-                <a:latin typeface="Arial"/>
-              </a:defRPr>
-            </a:pPr>
-            <a:r>
-              <a:rPr dirty="0"/>
-              <a:t>Manual save: Ctrl + S or File → Save</a:t>
-            </a:r>
-          </a:p>
-          <a:p>
-            <a:pPr>
-              <a:spcBef>
-                <a:spcPts val="800"/>
-              </a:spcBef>
-              <a:defRPr sz="2400">
-                <a:solidFill>
-                  <a:srgbClr val="FFFFFF"/>
-                </a:solidFill>
-                <a:latin typeface="Arial"/>
-              </a:defRPr>
-            </a:pPr>
-            <a:endParaRPr dirty="0"/>
-          </a:p>
-          <a:p>
-            <a:pPr>
-              <a:spcBef>
-                <a:spcPts val="800"/>
-              </a:spcBef>
-              <a:defRPr sz="2400">
-                <a:solidFill>
-                  <a:srgbClr val="FFFFFF"/>
-                </a:solidFill>
-                <a:latin typeface="Arial"/>
-              </a:defRPr>
-            </a:pPr>
-            <a:r>
-              <a:rPr dirty="0"/>
-              <a:t>Download options (File menu):</a:t>
-            </a:r>
-          </a:p>
-          <a:p>
-            <a:pPr>
-              <a:spcBef>
-                <a:spcPts val="800"/>
-              </a:spcBef>
-              <a:defRPr sz="2400">
-                <a:solidFill>
-                  <a:srgbClr val="FFFFFF"/>
-                </a:solidFill>
-                <a:latin typeface="Arial"/>
-              </a:defRPr>
-            </a:pPr>
-            <a:r>
-              <a:rPr dirty="0"/>
-              <a:t>• Download as .</a:t>
-            </a:r>
-            <a:r>
-              <a:rPr dirty="0" err="1"/>
-              <a:t>ipynb</a:t>
-            </a:r>
-            <a:r>
-              <a:rPr dirty="0"/>
-              <a:t> (</a:t>
-            </a:r>
-            <a:r>
-              <a:rPr dirty="0" err="1"/>
-              <a:t>Jupyter</a:t>
-            </a:r>
-            <a:r>
-              <a:rPr dirty="0"/>
-              <a:t> notebook)</a:t>
-            </a:r>
-          </a:p>
-          <a:p>
-            <a:pPr>
-              <a:spcBef>
-                <a:spcPts val="800"/>
-              </a:spcBef>
-              <a:defRPr sz="2400">
-                <a:solidFill>
-                  <a:srgbClr val="FFFFFF"/>
-                </a:solidFill>
-                <a:latin typeface="Arial"/>
-              </a:defRPr>
-            </a:pPr>
-            <a:r>
-              <a:rPr dirty="0"/>
-              <a:t>• Download as .</a:t>
-            </a:r>
-            <a:r>
-              <a:rPr dirty="0" err="1"/>
-              <a:t>py</a:t>
-            </a:r>
-            <a:r>
-              <a:rPr dirty="0"/>
-              <a:t> (Python script)</a:t>
-            </a:r>
-          </a:p>
-        </p:txBody>
-      </p:sp>
-      <p:sp>
-        <p:nvSpPr>
-          <p:cNvPr id="5" name="Rectangle 4"/>
-          <p:cNvSpPr/>
-          <p:nvPr/>
-        </p:nvSpPr>
-        <p:spPr>
-          <a:xfrm>
-            <a:off x="777240" y="2289110"/>
-            <a:ext cx="73152" cy="3054221"/>
-          </a:xfrm>
-          <a:prstGeom prst="rect">
-            <a:avLst/>
-          </a:prstGeom>
-          <a:solidFill>
-            <a:srgbClr val="D2691E"/>
-          </a:solidFill>
-          <a:ln>
-            <a:noFill/>
-          </a:ln>
-        </p:spPr>
-        <p:style>
-          <a:lnRef idx="1">
-            <a:schemeClr val="accent1"/>
-          </a:lnRef>
-          <a:fillRef idx="3">
-            <a:schemeClr val="accent1"/>
-          </a:fillRef>
-          <a:effectRef idx="2">
-            <a:schemeClr val="accent1"/>
-          </a:effectRef>
-          <a:fontRef idx="minor">
-            <a:schemeClr val="lt1"/>
-          </a:fontRef>
-        </p:style>
-        <p:txBody>
-          <a:bodyPr rtlCol="0" anchor="ctr"/>
-          <a:lstStyle/>
-          <a:p>
-            <a:pPr algn="ctr"/>
-            <a:endParaRPr/>
-          </a:p>
-        </p:txBody>
-      </p:sp>
-    </p:spTree>
-  </p:cSld>
-  <p:clrMapOvr>
-    <a:masterClrMapping/>
-  </p:clrMapOvr>
-</p:sld>
-</file>
-
-<file path=ppt/slides/slide35.xml><?xml version="1.0" encoding="utf-8"?>
-<p:sld xmlns:a="http://schemas.openxmlformats.org/drawingml/2006/main" xmlns:r="http://schemas.openxmlformats.org/officeDocument/2006/relationships" xmlns:p="http://schemas.openxmlformats.org/presentationml/2006/main">
-  <p:cSld>
-    <p:spTree>
-      <p:nvGrpSpPr>
-        <p:cNvPr id="1" name=""/>
-        <p:cNvGrpSpPr/>
-        <p:nvPr/>
-      </p:nvGrpSpPr>
-      <p:grpSpPr>
-        <a:xfrm>
-          <a:off x="0" y="0"/>
-          <a:ext cx="0" cy="0"/>
-          <a:chOff x="0" y="0"/>
-          <a:chExt cx="0" cy="0"/>
-        </a:xfrm>
-      </p:grpSpPr>
-      <p:sp>
-        <p:nvSpPr>
-          <p:cNvPr id="2" name="Rectangle 1"/>
-          <p:cNvSpPr/>
-          <p:nvPr/>
-        </p:nvSpPr>
-        <p:spPr>
-          <a:xfrm>
-            <a:off x="0" y="0"/>
-            <a:ext cx="14630400" cy="8229600"/>
-          </a:xfrm>
-          <a:prstGeom prst="rect">
-            <a:avLst/>
-          </a:prstGeom>
-          <a:solidFill>
-            <a:srgbClr val="121212"/>
-          </a:solidFill>
-          <a:ln>
-            <a:noFill/>
-          </a:ln>
-        </p:spPr>
-        <p:style>
-          <a:lnRef idx="1">
-            <a:schemeClr val="accent1"/>
-          </a:lnRef>
-          <a:fillRef idx="3">
-            <a:schemeClr val="accent1"/>
-          </a:fillRef>
-          <a:effectRef idx="2">
-            <a:schemeClr val="accent1"/>
-          </a:effectRef>
-          <a:fontRef idx="minor">
-            <a:schemeClr val="lt1"/>
-          </a:fontRef>
-        </p:style>
-        <p:txBody>
-          <a:bodyPr rtlCol="0" anchor="ctr"/>
-          <a:lstStyle/>
-          <a:p>
-            <a:pPr algn="ctr"/>
-            <a:endParaRPr/>
-          </a:p>
-        </p:txBody>
-      </p:sp>
-      <p:sp>
-        <p:nvSpPr>
-          <p:cNvPr id="3" name="TextBox 2"/>
-          <p:cNvSpPr txBox="1"/>
-          <p:nvPr/>
-        </p:nvSpPr>
-        <p:spPr>
-          <a:xfrm>
-            <a:off x="914400" y="731520"/>
-            <a:ext cx="12801600" cy="1097280"/>
-          </a:xfrm>
-          <a:prstGeom prst="rect">
-            <a:avLst/>
-          </a:prstGeom>
-          <a:noFill/>
-        </p:spPr>
-        <p:txBody>
-          <a:bodyPr wrap="none">
-            <a:spAutoFit/>
-          </a:bodyPr>
-          <a:lstStyle/>
-          <a:p>
-            <a:pPr>
-              <a:defRPr sz="4400" b="1">
-                <a:solidFill>
-                  <a:srgbClr val="FFFFFF"/>
-                </a:solidFill>
-                <a:latin typeface="Arial"/>
-              </a:defRPr>
-            </a:pPr>
-            <a:r>
-              <a:t>Where Are My Notebooks?</a:t>
-            </a:r>
-          </a:p>
-        </p:txBody>
-      </p:sp>
-      <p:sp>
-        <p:nvSpPr>
-          <p:cNvPr id="4" name="TextBox 3"/>
-          <p:cNvSpPr txBox="1"/>
-          <p:nvPr/>
-        </p:nvSpPr>
-        <p:spPr>
-          <a:xfrm>
-            <a:off x="1262743" y="2294709"/>
-            <a:ext cx="12801600" cy="5486400"/>
-          </a:xfrm>
-          <a:prstGeom prst="rect">
-            <a:avLst/>
-          </a:prstGeom>
-          <a:noFill/>
-        </p:spPr>
-        <p:txBody>
-          <a:bodyPr wrap="square">
-            <a:spAutoFit/>
-          </a:bodyPr>
-          <a:lstStyle/>
-          <a:p>
-            <a:pPr>
-              <a:spcBef>
-                <a:spcPts val="800"/>
-              </a:spcBef>
-              <a:defRPr sz="2400">
-                <a:solidFill>
-                  <a:srgbClr val="FFFFFF"/>
-                </a:solidFill>
-                <a:latin typeface="Arial"/>
-              </a:defRPr>
-            </a:pPr>
-            <a:r>
-              <a:rPr dirty="0"/>
-              <a:t>Your notebooks are saved in Google Drive:</a:t>
-            </a:r>
-          </a:p>
-          <a:p>
-            <a:pPr>
-              <a:spcBef>
-                <a:spcPts val="800"/>
-              </a:spcBef>
-              <a:defRPr sz="2400">
-                <a:solidFill>
-                  <a:srgbClr val="FFFFFF"/>
-                </a:solidFill>
-                <a:latin typeface="Arial"/>
-              </a:defRPr>
-            </a:pPr>
-            <a:r>
-              <a:rPr dirty="0"/>
-              <a:t>My Drive/</a:t>
-            </a:r>
-            <a:r>
-              <a:rPr dirty="0" err="1"/>
-              <a:t>Colab</a:t>
-            </a:r>
-            <a:r>
-              <a:rPr dirty="0"/>
-              <a:t> Notebooks/</a:t>
-            </a:r>
-          </a:p>
-          <a:p>
-            <a:pPr>
-              <a:spcBef>
-                <a:spcPts val="800"/>
-              </a:spcBef>
-              <a:defRPr sz="2400">
-                <a:solidFill>
-                  <a:srgbClr val="FFFFFF"/>
-                </a:solidFill>
-                <a:latin typeface="Arial"/>
-              </a:defRPr>
-            </a:pPr>
-            <a:endParaRPr dirty="0"/>
-          </a:p>
-          <a:p>
-            <a:pPr>
-              <a:spcBef>
-                <a:spcPts val="800"/>
-              </a:spcBef>
-              <a:defRPr sz="2400">
-                <a:solidFill>
-                  <a:srgbClr val="FFFFFF"/>
-                </a:solidFill>
-                <a:latin typeface="Arial"/>
-              </a:defRPr>
-            </a:pPr>
-            <a:r>
-              <a:rPr dirty="0"/>
-              <a:t>You can also:</a:t>
-            </a:r>
-          </a:p>
-          <a:p>
-            <a:pPr>
-              <a:spcBef>
-                <a:spcPts val="800"/>
-              </a:spcBef>
-              <a:defRPr sz="2400">
-                <a:solidFill>
-                  <a:srgbClr val="FFFFFF"/>
-                </a:solidFill>
-                <a:latin typeface="Arial"/>
-              </a:defRPr>
-            </a:pPr>
-            <a:r>
-              <a:rPr dirty="0"/>
-              <a:t>• Save a copy to GitHub</a:t>
-            </a:r>
-          </a:p>
-          <a:p>
-            <a:pPr>
-              <a:spcBef>
-                <a:spcPts val="800"/>
-              </a:spcBef>
-              <a:defRPr sz="2400">
-                <a:solidFill>
-                  <a:srgbClr val="FFFFFF"/>
-                </a:solidFill>
-                <a:latin typeface="Arial"/>
-              </a:defRPr>
-            </a:pPr>
-            <a:r>
-              <a:rPr dirty="0"/>
-              <a:t>• Save a copy in Drive with a new name</a:t>
-            </a:r>
-          </a:p>
-          <a:p>
-            <a:pPr>
-              <a:spcBef>
-                <a:spcPts val="800"/>
-              </a:spcBef>
-              <a:defRPr sz="2400">
-                <a:solidFill>
-                  <a:srgbClr val="FFFFFF"/>
-                </a:solidFill>
-                <a:latin typeface="Arial"/>
-              </a:defRPr>
-            </a:pPr>
-            <a:r>
-              <a:rPr dirty="0"/>
-              <a:t>• Download to your computer</a:t>
-            </a:r>
-          </a:p>
-        </p:txBody>
-      </p:sp>
-      <p:sp>
-        <p:nvSpPr>
-          <p:cNvPr id="5" name="Rectangle 4"/>
-          <p:cNvSpPr/>
-          <p:nvPr/>
-        </p:nvSpPr>
-        <p:spPr>
-          <a:xfrm>
-            <a:off x="777240" y="2388637"/>
-            <a:ext cx="73152" cy="3103984"/>
-          </a:xfrm>
-          <a:prstGeom prst="rect">
-            <a:avLst/>
-          </a:prstGeom>
-          <a:solidFill>
-            <a:srgbClr val="D2691E"/>
-          </a:solidFill>
-          <a:ln>
-            <a:noFill/>
-          </a:ln>
-        </p:spPr>
-        <p:style>
-          <a:lnRef idx="1">
-            <a:schemeClr val="accent1"/>
-          </a:lnRef>
-          <a:fillRef idx="3">
-            <a:schemeClr val="accent1"/>
-          </a:fillRef>
-          <a:effectRef idx="2">
-            <a:schemeClr val="accent1"/>
-          </a:effectRef>
-          <a:fontRef idx="minor">
-            <a:schemeClr val="lt1"/>
-          </a:fontRef>
-        </p:style>
-        <p:txBody>
-          <a:bodyPr rtlCol="0" anchor="ctr"/>
-          <a:lstStyle/>
-          <a:p>
-            <a:pPr algn="ctr"/>
-            <a:endParaRPr/>
+          <a:p>
+            <a:pPr>
+              <a:spcBef>
+                <a:spcPts val="800"/>
+              </a:spcBef>
+              <a:defRPr sz="2400">
+                <a:solidFill>
+                  <a:srgbClr val="FFFFFF"/>
+                </a:solidFill>
+                <a:latin typeface="Arial"/>
+              </a:defRPr>
+            </a:pPr>
+            <a:r>
+              <a:t>That's it!</a:t>
+            </a:r>
           </a:p>
         </p:txBody>
       </p:sp>
@@ -10152,21 +8804,45 @@
               </a:defRPr>
             </a:pPr>
             <a:r>
-              <a:t>What You Need</a:t>
-            </a:r>
-          </a:p>
-        </p:txBody>
-      </p:sp>
-      <p:sp>
-        <p:nvSpPr>
-          <p:cNvPr id="4" name="TextBox 3"/>
+              <a:t>Accessing Colab: From Google Drive</a:t>
+            </a:r>
+          </a:p>
+        </p:txBody>
+      </p:sp>
+      <p:pic>
+        <p:nvPicPr>
+          <p:cNvPr id="4" name="Picture 3" descr="colab-access.png"/>
+          <p:cNvPicPr>
+            <a:picLocks noChangeAspect="1"/>
+          </p:cNvPicPr>
+          <p:nvPr/>
+        </p:nvPicPr>
+        <p:blipFill>
+          <a:blip r:embed="rId2"/>
+          <a:stretch>
+            <a:fillRect/>
+          </a:stretch>
+        </p:blipFill>
+        <p:spPr>
+          <a:xfrm>
+            <a:off x="1828800" y="1828800"/>
+            <a:ext cx="10972800" cy="4472430"/>
+          </a:xfrm>
+          <a:prstGeom prst="rect">
+            <a:avLst/>
+          </a:prstGeom>
+        </p:spPr>
+      </p:pic>
+      <p:sp>
+        <p:nvSpPr>
+          <p:cNvPr id="5" name="TextBox 4"/>
           <p:cNvSpPr txBox="1"/>
           <p:nvPr/>
         </p:nvSpPr>
         <p:spPr>
           <a:xfrm>
-            <a:off x="914400" y="2011680"/>
-            <a:ext cx="12801600" cy="5486400"/>
+            <a:off x="914400" y="6858000"/>
+            <a:ext cx="12801600" cy="914400"/>
           </a:xfrm>
           <a:prstGeom prst="rect">
             <a:avLst/>
@@ -10174,100 +8850,21 @@
           <a:noFill/>
         </p:spPr>
         <p:txBody>
-          <a:bodyPr wrap="square">
+          <a:bodyPr wrap="none">
             <a:spAutoFit/>
           </a:bodyPr>
           <a:lstStyle/>
           <a:p>
-            <a:pPr>
-              <a:spcBef>
-                <a:spcPts val="800"/>
-              </a:spcBef>
-              <a:defRPr sz="2400">
-                <a:solidFill>
-                  <a:srgbClr val="FFFFFF"/>
-                </a:solidFill>
-                <a:latin typeface="Arial"/>
-              </a:defRPr>
-            </a:pPr>
-            <a:r>
-              <a:t>Just two things:</a:t>
-            </a:r>
-          </a:p>
-          <a:p>
-            <a:pPr>
-              <a:spcBef>
-                <a:spcPts val="800"/>
-              </a:spcBef>
-              <a:defRPr sz="2400">
-                <a:solidFill>
-                  <a:srgbClr val="FFFFFF"/>
-                </a:solidFill>
-                <a:latin typeface="Arial"/>
-              </a:defRPr>
-            </a:pPr>
-            <a:endParaRPr/>
-          </a:p>
-          <a:p>
-            <a:pPr>
-              <a:spcBef>
-                <a:spcPts val="800"/>
-              </a:spcBef>
-              <a:defRPr sz="2400">
-                <a:solidFill>
-                  <a:srgbClr val="FFFFFF"/>
-                </a:solidFill>
-                <a:latin typeface="Arial"/>
-              </a:defRPr>
-            </a:pPr>
-            <a:r>
-              <a:t>1. A Google account (Gmail works)</a:t>
-            </a:r>
-          </a:p>
-          <a:p>
-            <a:pPr>
-              <a:spcBef>
-                <a:spcPts val="800"/>
-              </a:spcBef>
-              <a:defRPr sz="2400">
-                <a:solidFill>
-                  <a:srgbClr val="FFFFFF"/>
-                </a:solidFill>
-                <a:latin typeface="Arial"/>
-              </a:defRPr>
-            </a:pPr>
-            <a:r>
-              <a:t>2. A web browser (Chrome recommended)</a:t>
-            </a:r>
-          </a:p>
-          <a:p>
-            <a:pPr>
-              <a:spcBef>
-                <a:spcPts val="800"/>
-              </a:spcBef>
-              <a:defRPr sz="2400">
-                <a:solidFill>
-                  <a:srgbClr val="FFFFFF"/>
-                </a:solidFill>
-                <a:latin typeface="Arial"/>
-              </a:defRPr>
-            </a:pPr>
-            <a:endParaRPr/>
-          </a:p>
-          <a:p>
-            <a:pPr>
-              <a:spcBef>
-                <a:spcPts val="800"/>
-              </a:spcBef>
-              <a:defRPr sz="2400">
-                <a:solidFill>
-                  <a:srgbClr val="FFFFFF"/>
-                </a:solidFill>
-                <a:latin typeface="Arial"/>
-              </a:defRPr>
-            </a:pPr>
-            <a:r>
-              <a:t>That's it!</a:t>
+            <a:pPr algn="ctr">
+              <a:defRPr sz="2000">
+                <a:solidFill>
+                  <a:srgbClr val="B4B4B4"/>
+                </a:solidFill>
+                <a:latin typeface="Arial"/>
+              </a:defRPr>
+            </a:pPr>
+            <a:r>
+              <a:t>Click New → More → Google Colaboratory</a:t>
             </a:r>
           </a:p>
         </p:txBody>
@@ -10372,45 +8969,21 @@
               </a:defRPr>
             </a:pPr>
             <a:r>
-              <a:t>Accessing Colab: From Google Drive</a:t>
-            </a:r>
-          </a:p>
-        </p:txBody>
-      </p:sp>
-      <p:pic>
-        <p:nvPicPr>
-          <p:cNvPr id="4" name="Picture 3" descr="colab-access.png"/>
-          <p:cNvPicPr>
-            <a:picLocks noChangeAspect="1"/>
-          </p:cNvPicPr>
-          <p:nvPr/>
-        </p:nvPicPr>
-        <p:blipFill>
-          <a:blip r:embed="rId2"/>
-          <a:stretch>
-            <a:fillRect/>
-          </a:stretch>
-        </p:blipFill>
-        <p:spPr>
-          <a:xfrm>
-            <a:off x="1828800" y="1828800"/>
-            <a:ext cx="10972800" cy="4472430"/>
-          </a:xfrm>
-          <a:prstGeom prst="rect">
-            <a:avLst/>
-          </a:prstGeom>
-        </p:spPr>
-      </p:pic>
-      <p:sp>
-        <p:nvSpPr>
-          <p:cNvPr id="5" name="TextBox 4"/>
+              <a:t>Accessing Colab: Direct</a:t>
+            </a:r>
+          </a:p>
+        </p:txBody>
+      </p:sp>
+      <p:sp>
+        <p:nvSpPr>
+          <p:cNvPr id="4" name="TextBox 3"/>
           <p:cNvSpPr txBox="1"/>
           <p:nvPr/>
         </p:nvSpPr>
         <p:spPr>
           <a:xfrm>
-            <a:off x="914400" y="6858000"/>
-            <a:ext cx="12801600" cy="914400"/>
+            <a:off x="914400" y="2011680"/>
+            <a:ext cx="12801600" cy="5486400"/>
           </a:xfrm>
           <a:prstGeom prst="rect">
             <a:avLst/>
@@ -10418,21 +8991,58 @@
           <a:noFill/>
         </p:spPr>
         <p:txBody>
-          <a:bodyPr wrap="none">
+          <a:bodyPr wrap="square">
             <a:spAutoFit/>
           </a:bodyPr>
           <a:lstStyle/>
           <a:p>
-            <a:pPr algn="ctr">
-              <a:defRPr sz="2000">
-                <a:solidFill>
-                  <a:srgbClr val="B4B4B4"/>
-                </a:solidFill>
-                <a:latin typeface="Arial"/>
-              </a:defRPr>
-            </a:pPr>
-            <a:r>
-              <a:t>Click New → More → Google Colaboratory</a:t>
+            <a:pPr>
+              <a:spcBef>
+                <a:spcPts val="800"/>
+              </a:spcBef>
+              <a:defRPr sz="2400">
+                <a:solidFill>
+                  <a:srgbClr val="FFFFFF"/>
+                </a:solidFill>
+                <a:latin typeface="Arial"/>
+              </a:defRPr>
+            </a:pPr>
+            <a:r>
+              <a:rPr dirty="0"/>
+              <a:t>Go directly to:</a:t>
+            </a:r>
+          </a:p>
+          <a:p>
+            <a:pPr>
+              <a:spcBef>
+                <a:spcPts val="800"/>
+              </a:spcBef>
+              <a:defRPr sz="2400">
+                <a:solidFill>
+                  <a:srgbClr val="FFFFFF"/>
+                </a:solidFill>
+                <a:latin typeface="Arial"/>
+              </a:defRPr>
+            </a:pPr>
+            <a:endParaRPr dirty="0"/>
+          </a:p>
+          <a:p>
+            <a:pPr>
+              <a:spcBef>
+                <a:spcPts val="800"/>
+              </a:spcBef>
+              <a:defRPr sz="2400">
+                <a:solidFill>
+                  <a:srgbClr val="FFFFFF"/>
+                </a:solidFill>
+                <a:latin typeface="Arial"/>
+              </a:defRPr>
+            </a:pPr>
+            <a:r>
+              <a:rPr dirty="0">
+                <a:hlinkClick r:id="rId2"/>
+              </a:rPr>
+              <a:t>colab.research.google.com</a:t>
             </a:r>
           </a:p>
         </p:txBody>
@@ -10537,84 +9147,35 @@
               </a:defRPr>
             </a:pPr>
             <a:r>
-              <a:t>Accessing Colab: Direct</a:t>
-            </a:r>
-          </a:p>
-        </p:txBody>
-      </p:sp>
-      <p:sp>
-        <p:nvSpPr>
-          <p:cNvPr id="4" name="TextBox 3"/>
-          <p:cNvSpPr txBox="1"/>
-          <p:nvPr/>
-        </p:nvSpPr>
-        <p:spPr>
-          <a:xfrm>
-            <a:off x="914400" y="2011680"/>
-            <a:ext cx="12801600" cy="5486400"/>
-          </a:xfrm>
-          <a:prstGeom prst="rect">
-            <a:avLst/>
-          </a:prstGeom>
-          <a:noFill/>
-        </p:spPr>
-        <p:txBody>
-          <a:bodyPr wrap="square">
-            <a:spAutoFit/>
-          </a:bodyPr>
-          <a:lstStyle/>
-          <a:p>
-            <a:pPr>
-              <a:spcBef>
-                <a:spcPts val="800"/>
-              </a:spcBef>
-              <a:defRPr sz="2400">
-                <a:solidFill>
-                  <a:srgbClr val="FFFFFF"/>
-                </a:solidFill>
-                <a:latin typeface="Arial"/>
-              </a:defRPr>
-            </a:pPr>
-            <a:r>
-              <a:rPr dirty="0"/>
-              <a:t>Go directly to:</a:t>
-            </a:r>
-          </a:p>
-          <a:p>
-            <a:pPr>
-              <a:spcBef>
-                <a:spcPts val="800"/>
-              </a:spcBef>
-              <a:defRPr sz="2400">
-                <a:solidFill>
-                  <a:srgbClr val="FFFFFF"/>
-                </a:solidFill>
-                <a:latin typeface="Arial"/>
-              </a:defRPr>
-            </a:pPr>
-            <a:endParaRPr dirty="0"/>
-          </a:p>
-          <a:p>
-            <a:pPr>
-              <a:spcBef>
-                <a:spcPts val="800"/>
-              </a:spcBef>
-              <a:defRPr sz="2400">
-                <a:solidFill>
-                  <a:srgbClr val="FFFFFF"/>
-                </a:solidFill>
-                <a:latin typeface="Arial"/>
-              </a:defRPr>
-            </a:pPr>
-            <a:r>
-              <a:rPr dirty="0">
-                <a:hlinkClick r:id="rId2"/>
-              </a:rPr>
-              <a:t>colab.research.google.com</a:t>
-            </a:r>
-          </a:p>
-        </p:txBody>
-      </p:sp>
+              <a:t>The Open Notebook Dialog</a:t>
+            </a:r>
+          </a:p>
+        </p:txBody>
+      </p:sp>
+      <p:pic>
+        <p:nvPicPr>
+          <p:cNvPr id="4" name="Picture 3" descr="colab1.png"/>
+          <p:cNvPicPr>
+            <a:picLocks noChangeAspect="1"/>
+          </p:cNvPicPr>
+          <p:nvPr/>
+        </p:nvPicPr>
+        <p:blipFill>
+          <a:blip r:embed="rId2"/>
+          <a:stretch>
+            <a:fillRect/>
+          </a:stretch>
+        </p:blipFill>
+        <p:spPr>
+          <a:xfrm>
+            <a:off x="1828800" y="1828800"/>
+            <a:ext cx="10972800" cy="6685287"/>
+          </a:xfrm>
+          <a:prstGeom prst="rect">
+            <a:avLst/>
+          </a:prstGeom>
+        </p:spPr>
+      </p:pic>
     </p:spTree>
   </p:cSld>
   <p:clrMapOvr>
@@ -10715,35 +9276,260 @@
               </a:defRPr>
             </a:pPr>
             <a:r>
-              <a:t>The Open Notebook Dialog</a:t>
-            </a:r>
-          </a:p>
-        </p:txBody>
-      </p:sp>
-      <p:pic>
-        <p:nvPicPr>
-          <p:cNvPr id="4" name="Picture 3" descr="colab1.png"/>
-          <p:cNvPicPr>
-            <a:picLocks noChangeAspect="1"/>
-          </p:cNvPicPr>
-          <p:nvPr/>
-        </p:nvPicPr>
-        <p:blipFill>
-          <a:blip r:embed="rId2"/>
-          <a:stretch>
-            <a:fillRect/>
-          </a:stretch>
-        </p:blipFill>
-        <p:spPr>
-          <a:xfrm>
-            <a:off x="1828800" y="1828800"/>
-            <a:ext cx="10972800" cy="6685287"/>
-          </a:xfrm>
-          <a:prstGeom prst="rect">
-            <a:avLst/>
-          </a:prstGeom>
-        </p:spPr>
-      </p:pic>
+              <a:t>Opening Notebooks</a:t>
+            </a:r>
+          </a:p>
+        </p:txBody>
+      </p:sp>
+      <p:sp>
+        <p:nvSpPr>
+          <p:cNvPr id="4" name="TextBox 3"/>
+          <p:cNvSpPr txBox="1"/>
+          <p:nvPr/>
+        </p:nvSpPr>
+        <p:spPr>
+          <a:xfrm>
+            <a:off x="914400" y="2011680"/>
+            <a:ext cx="12801600" cy="2821285"/>
+          </a:xfrm>
+          <a:prstGeom prst="rect">
+            <a:avLst/>
+          </a:prstGeom>
+          <a:noFill/>
+        </p:spPr>
+        <p:txBody>
+          <a:bodyPr wrap="square">
+            <a:spAutoFit/>
+          </a:bodyPr>
+          <a:lstStyle/>
+          <a:p>
+            <a:pPr>
+              <a:spcBef>
+                <a:spcPts val="800"/>
+              </a:spcBef>
+              <a:defRPr sz="2400">
+                <a:solidFill>
+                  <a:srgbClr val="FFFFFF"/>
+                </a:solidFill>
+                <a:latin typeface="Arial"/>
+              </a:defRPr>
+            </a:pPr>
+            <a:r>
+              <a:rPr dirty="0"/>
+              <a:t>• Examples: Google's tutorial notebooks</a:t>
+            </a:r>
+          </a:p>
+          <a:p>
+            <a:pPr>
+              <a:spcBef>
+                <a:spcPts val="800"/>
+              </a:spcBef>
+              <a:defRPr sz="2400">
+                <a:solidFill>
+                  <a:srgbClr val="FFFFFF"/>
+                </a:solidFill>
+                <a:latin typeface="Arial"/>
+              </a:defRPr>
+            </a:pPr>
+            <a:r>
+              <a:rPr dirty="0"/>
+              <a:t>• Recent: Your recently opened notebooks</a:t>
+            </a:r>
+          </a:p>
+          <a:p>
+            <a:pPr>
+              <a:spcBef>
+                <a:spcPts val="800"/>
+              </a:spcBef>
+              <a:defRPr sz="2400">
+                <a:solidFill>
+                  <a:srgbClr val="FFFFFF"/>
+                </a:solidFill>
+                <a:latin typeface="Arial"/>
+              </a:defRPr>
+            </a:pPr>
+            <a:r>
+              <a:rPr dirty="0"/>
+              <a:t>• Google Drive: Notebooks saved in your Drive</a:t>
+            </a:r>
+          </a:p>
+          <a:p>
+            <a:pPr>
+              <a:spcBef>
+                <a:spcPts val="800"/>
+              </a:spcBef>
+              <a:defRPr sz="2400">
+                <a:solidFill>
+                  <a:srgbClr val="FFFFFF"/>
+                </a:solidFill>
+                <a:latin typeface="Arial"/>
+              </a:defRPr>
+            </a:pPr>
+            <a:r>
+              <a:rPr dirty="0"/>
+              <a:t>• GitHub: Open notebooks from GitHub repos</a:t>
+            </a:r>
+          </a:p>
+          <a:p>
+            <a:pPr>
+              <a:spcBef>
+                <a:spcPts val="800"/>
+              </a:spcBef>
+              <a:defRPr sz="2400">
+                <a:solidFill>
+                  <a:srgbClr val="FFFFFF"/>
+                </a:solidFill>
+                <a:latin typeface="Arial"/>
+              </a:defRPr>
+            </a:pPr>
+            <a:r>
+              <a:rPr dirty="0"/>
+              <a:t>• Upload: Upload a .</a:t>
+            </a:r>
+            <a:r>
+              <a:rPr dirty="0" err="1"/>
+              <a:t>ipynb</a:t>
+            </a:r>
+            <a:r>
+              <a:rPr dirty="0"/>
+              <a:t> file</a:t>
+            </a:r>
+          </a:p>
+          <a:p>
+            <a:pPr>
+              <a:spcBef>
+                <a:spcPts val="800"/>
+              </a:spcBef>
+              <a:defRPr sz="2400">
+                <a:solidFill>
+                  <a:srgbClr val="FFFFFF"/>
+                </a:solidFill>
+                <a:latin typeface="Arial"/>
+              </a:defRPr>
+            </a:pPr>
+            <a:endParaRPr lang="en-US" dirty="0"/>
+          </a:p>
+        </p:txBody>
+      </p:sp>
+      <p:sp>
+        <p:nvSpPr>
+          <p:cNvPr id="5" name="Rectangle 4"/>
+          <p:cNvSpPr/>
+          <p:nvPr/>
+        </p:nvSpPr>
+        <p:spPr>
+          <a:xfrm flipH="1">
+            <a:off x="702906" y="2090057"/>
+            <a:ext cx="74334" cy="2202026"/>
+          </a:xfrm>
+          <a:prstGeom prst="rect">
+            <a:avLst/>
+          </a:prstGeom>
+          <a:solidFill>
+            <a:srgbClr val="D2691E"/>
+          </a:solidFill>
+          <a:ln>
+            <a:noFill/>
+          </a:ln>
+        </p:spPr>
+        <p:style>
+          <a:lnRef idx="1">
+            <a:schemeClr val="accent1"/>
+          </a:lnRef>
+          <a:fillRef idx="3">
+            <a:schemeClr val="accent1"/>
+          </a:fillRef>
+          <a:effectRef idx="2">
+            <a:schemeClr val="accent1"/>
+          </a:effectRef>
+          <a:fontRef idx="minor">
+            <a:schemeClr val="lt1"/>
+          </a:fontRef>
+        </p:style>
+        <p:txBody>
+          <a:bodyPr rtlCol="0" anchor="ctr"/>
+          <a:lstStyle/>
+          <a:p>
+            <a:pPr algn="ctr"/>
+            <a:endParaRPr/>
+          </a:p>
+        </p:txBody>
+      </p:sp>
+      <p:sp>
+        <p:nvSpPr>
+          <p:cNvPr id="6" name="TextBox 5">
+            <a:extLst>
+              <a:ext uri="{FF2B5EF4-FFF2-40B4-BE49-F238E27FC236}">
+                <a16:creationId xmlns:a16="http://schemas.microsoft.com/office/drawing/2014/main" id="{3D131BFF-E8BC-B2BF-821D-30ED819C5D14}"/>
+              </a:ext>
+            </a:extLst>
+          </p:cNvPr>
+          <p:cNvSpPr txBox="1"/>
+          <p:nvPr/>
+        </p:nvSpPr>
+        <p:spPr>
+          <a:xfrm>
+            <a:off x="653142" y="5015845"/>
+            <a:ext cx="7184571" cy="738664"/>
+          </a:xfrm>
+          <a:prstGeom prst="rect">
+            <a:avLst/>
+          </a:prstGeom>
+          <a:noFill/>
+        </p:spPr>
+        <p:txBody>
+          <a:bodyPr wrap="square" rtlCol="0">
+            <a:spAutoFit/>
+          </a:bodyPr>
+          <a:lstStyle/>
+          <a:p>
+            <a:pPr marL="0" marR="0" lvl="0" indent="0" algn="l" defTabSz="457200" rtl="0" eaLnBrk="1" fontAlgn="auto" latinLnBrk="0" hangingPunct="1">
+              <a:lnSpc>
+                <a:spcPct val="100000"/>
+              </a:lnSpc>
+              <a:spcBef>
+                <a:spcPts val="800"/>
+              </a:spcBef>
+              <a:spcAft>
+                <a:spcPts val="0"/>
+              </a:spcAft>
+              <a:buClrTx/>
+              <a:buSzTx/>
+              <a:buFontTx/>
+              <a:buNone/>
+              <a:tabLst/>
+              <a:defRPr sz="2400">
+                <a:solidFill>
+                  <a:srgbClr val="FFFFFF"/>
+                </a:solidFill>
+                <a:latin typeface="Arial"/>
+              </a:defRPr>
+            </a:pPr>
+            <a:r>
+              <a:rPr kumimoji="0" lang="en-US" sz="2400" b="0" i="0" u="none" strike="noStrike" kern="1200" cap="none" spc="0" normalizeH="0" baseline="0" noProof="0" dirty="0">
+                <a:ln>
+                  <a:noFill/>
+                </a:ln>
+                <a:solidFill>
+                  <a:schemeClr val="accent6">
+                    <a:lumMod val="75000"/>
+                  </a:schemeClr>
+                </a:solidFill>
+                <a:effectLst/>
+                <a:uLnTx/>
+                <a:uFillTx/>
+                <a:latin typeface="Arial"/>
+                <a:ea typeface="+mn-ea"/>
+                <a:cs typeface="+mn-cs"/>
+              </a:rPr>
+              <a:t>Click + New notebook to start a fresh notebook</a:t>
+            </a:r>
+          </a:p>
+          <a:p>
+            <a:endParaRPr lang="en-US" dirty="0"/>
+          </a:p>
+        </p:txBody>
+      </p:sp>
     </p:spTree>
   </p:cSld>
   <p:clrMapOvr>
@@ -10844,202 +9630,35 @@
               </a:defRPr>
             </a:pPr>
             <a:r>
-              <a:t>Opening Notebooks</a:t>
-            </a:r>
-          </a:p>
-        </p:txBody>
-      </p:sp>
-      <p:sp>
-        <p:nvSpPr>
-          <p:cNvPr id="4" name="TextBox 3"/>
-          <p:cNvSpPr txBox="1"/>
-          <p:nvPr/>
-        </p:nvSpPr>
-        <p:spPr>
-          <a:xfrm>
-            <a:off x="914400" y="2011680"/>
-            <a:ext cx="12801600" cy="3293209"/>
-          </a:xfrm>
-          <a:prstGeom prst="rect">
-            <a:avLst/>
-          </a:prstGeom>
-          <a:noFill/>
-        </p:spPr>
-        <p:txBody>
-          <a:bodyPr wrap="square">
-            <a:spAutoFit/>
-          </a:bodyPr>
-          <a:lstStyle/>
-          <a:p>
-            <a:pPr>
-              <a:spcBef>
-                <a:spcPts val="800"/>
-              </a:spcBef>
-              <a:defRPr sz="2400">
-                <a:solidFill>
-                  <a:srgbClr val="FFFFFF"/>
-                </a:solidFill>
-                <a:latin typeface="Arial"/>
-              </a:defRPr>
-            </a:pPr>
-            <a:r>
-              <a:rPr dirty="0"/>
-              <a:t>• Examples: Google's tutorial notebooks</a:t>
-            </a:r>
-          </a:p>
-          <a:p>
-            <a:pPr>
-              <a:spcBef>
-                <a:spcPts val="800"/>
-              </a:spcBef>
-              <a:defRPr sz="2400">
-                <a:solidFill>
-                  <a:srgbClr val="FFFFFF"/>
-                </a:solidFill>
-                <a:latin typeface="Arial"/>
-              </a:defRPr>
-            </a:pPr>
-            <a:r>
-              <a:rPr dirty="0"/>
-              <a:t>• Recent: Your recently opened notebooks</a:t>
-            </a:r>
-          </a:p>
-          <a:p>
-            <a:pPr>
-              <a:spcBef>
-                <a:spcPts val="800"/>
-              </a:spcBef>
-              <a:defRPr sz="2400">
-                <a:solidFill>
-                  <a:srgbClr val="FFFFFF"/>
-                </a:solidFill>
-                <a:latin typeface="Arial"/>
-              </a:defRPr>
-            </a:pPr>
-            <a:r>
-              <a:rPr dirty="0"/>
-              <a:t>• Google Drive: Notebooks saved in your Drive</a:t>
-            </a:r>
-          </a:p>
-          <a:p>
-            <a:pPr>
-              <a:spcBef>
-                <a:spcPts val="800"/>
-              </a:spcBef>
-              <a:defRPr sz="2400">
-                <a:solidFill>
-                  <a:srgbClr val="FFFFFF"/>
-                </a:solidFill>
-                <a:latin typeface="Arial"/>
-              </a:defRPr>
-            </a:pPr>
-            <a:r>
-              <a:rPr dirty="0"/>
-              <a:t>• GitHub: Open notebooks from GitHub repos</a:t>
-            </a:r>
-          </a:p>
-          <a:p>
-            <a:pPr>
-              <a:spcBef>
-                <a:spcPts val="800"/>
-              </a:spcBef>
-              <a:defRPr sz="2400">
-                <a:solidFill>
-                  <a:srgbClr val="FFFFFF"/>
-                </a:solidFill>
-                <a:latin typeface="Arial"/>
-              </a:defRPr>
-            </a:pPr>
-            <a:r>
-              <a:rPr dirty="0"/>
-              <a:t>• Upload: Upload a .</a:t>
-            </a:r>
-            <a:r>
-              <a:rPr dirty="0" err="1"/>
-              <a:t>ipynb</a:t>
-            </a:r>
-            <a:r>
-              <a:rPr dirty="0"/>
-              <a:t> file</a:t>
-            </a:r>
-          </a:p>
-          <a:p>
-            <a:pPr>
-              <a:spcBef>
-                <a:spcPts val="800"/>
-              </a:spcBef>
-              <a:defRPr sz="2400">
-                <a:solidFill>
-                  <a:srgbClr val="FFFFFF"/>
-                </a:solidFill>
-                <a:latin typeface="Arial"/>
-              </a:defRPr>
-            </a:pPr>
-            <a:endParaRPr lang="en-US" dirty="0"/>
-          </a:p>
-          <a:p>
-            <a:pPr>
-              <a:spcBef>
-                <a:spcPts val="800"/>
-              </a:spcBef>
-              <a:defRPr sz="2400">
-                <a:solidFill>
-                  <a:srgbClr val="FFFFFF"/>
-                </a:solidFill>
-                <a:latin typeface="Arial"/>
-              </a:defRPr>
-            </a:pPr>
-            <a:r>
-              <a:rPr dirty="0"/>
-              <a:t>Click + New notebook to start fresh</a:t>
-            </a:r>
-          </a:p>
-        </p:txBody>
-      </p:sp>
-      <p:sp>
-        <p:nvSpPr>
-          <p:cNvPr id="5" name="Rectangle 4"/>
-          <p:cNvSpPr/>
-          <p:nvPr/>
-        </p:nvSpPr>
-        <p:spPr>
-          <a:xfrm flipH="1">
-            <a:off x="702906" y="2090056"/>
-            <a:ext cx="74334" cy="3122645"/>
-          </a:xfrm>
-          <a:prstGeom prst="rect">
-            <a:avLst/>
-          </a:prstGeom>
-          <a:solidFill>
-            <a:srgbClr val="D2691E"/>
-          </a:solidFill>
-          <a:ln>
-            <a:noFill/>
-          </a:ln>
-        </p:spPr>
-        <p:style>
-          <a:lnRef idx="1">
-            <a:schemeClr val="accent1"/>
-          </a:lnRef>
-          <a:fillRef idx="3">
-            <a:schemeClr val="accent1"/>
-          </a:fillRef>
-          <a:effectRef idx="2">
-            <a:schemeClr val="accent1"/>
-          </a:effectRef>
-          <a:fontRef idx="minor">
-            <a:schemeClr val="lt1"/>
-          </a:fontRef>
-        </p:style>
-        <p:txBody>
-          <a:bodyPr rtlCol="0" anchor="ctr"/>
-          <a:lstStyle/>
-          <a:p>
-            <a:pPr algn="ctr"/>
-            <a:endParaRPr/>
-          </a:p>
-        </p:txBody>
-      </p:sp>
+              <a:t>The Colab Interface</a:t>
+            </a:r>
+          </a:p>
+        </p:txBody>
+      </p:sp>
+      <p:pic>
+        <p:nvPicPr>
+          <p:cNvPr id="4" name="Picture 3" descr="colab2.png"/>
+          <p:cNvPicPr>
+            <a:picLocks noChangeAspect="1"/>
+          </p:cNvPicPr>
+          <p:nvPr/>
+        </p:nvPicPr>
+        <p:blipFill>
+          <a:blip r:embed="rId2"/>
+          <a:stretch>
+            <a:fillRect/>
+          </a:stretch>
+        </p:blipFill>
+        <p:spPr>
+          <a:xfrm>
+            <a:off x="1828800" y="1828800"/>
+            <a:ext cx="10972800" cy="6567407"/>
+          </a:xfrm>
+          <a:prstGeom prst="rect">
+            <a:avLst/>
+          </a:prstGeom>
+        </p:spPr>
+      </p:pic>
     </p:spTree>
   </p:cSld>
   <p:clrMapOvr>
@@ -11073,7 +9692,7 @@
         </p:nvSpPr>
         <p:spPr>
           <a:xfrm>
-            <a:off x="0" y="0"/>
+            <a:off x="-87086" y="0"/>
             <a:ext cx="14630400" cy="8229600"/>
           </a:xfrm>
           <a:prstGeom prst="rect">
@@ -11140,35 +9759,178 @@
               </a:defRPr>
             </a:pPr>
             <a:r>
-              <a:t>The Colab Interface</a:t>
-            </a:r>
-          </a:p>
-        </p:txBody>
-      </p:sp>
-      <p:pic>
-        <p:nvPicPr>
-          <p:cNvPr id="4" name="Picture 3" descr="colab2.png"/>
-          <p:cNvPicPr>
-            <a:picLocks noChangeAspect="1"/>
-          </p:cNvPicPr>
-          <p:nvPr/>
-        </p:nvPicPr>
-        <p:blipFill>
-          <a:blip r:embed="rId2"/>
-          <a:stretch>
-            <a:fillRect/>
-          </a:stretch>
-        </p:blipFill>
-        <p:spPr>
-          <a:xfrm>
-            <a:off x="1828800" y="1828800"/>
-            <a:ext cx="10972800" cy="6567407"/>
-          </a:xfrm>
-          <a:prstGeom prst="rect">
-            <a:avLst/>
-          </a:prstGeom>
-        </p:spPr>
-      </p:pic>
+              <a:t>Interface Overview</a:t>
+            </a:r>
+          </a:p>
+        </p:txBody>
+      </p:sp>
+      <p:sp>
+        <p:nvSpPr>
+          <p:cNvPr id="4" name="TextBox 3"/>
+          <p:cNvSpPr txBox="1"/>
+          <p:nvPr/>
+        </p:nvSpPr>
+        <p:spPr>
+          <a:xfrm>
+            <a:off x="1524000" y="2440888"/>
+            <a:ext cx="12801600" cy="1877437"/>
+          </a:xfrm>
+          <a:prstGeom prst="rect">
+            <a:avLst/>
+          </a:prstGeom>
+          <a:noFill/>
+        </p:spPr>
+        <p:txBody>
+          <a:bodyPr wrap="square">
+            <a:spAutoFit/>
+          </a:bodyPr>
+          <a:lstStyle/>
+          <a:p>
+            <a:pPr>
+              <a:spcBef>
+                <a:spcPts val="800"/>
+              </a:spcBef>
+              <a:defRPr sz="2400">
+                <a:solidFill>
+                  <a:srgbClr val="FFFFFF"/>
+                </a:solidFill>
+                <a:latin typeface="Arial"/>
+              </a:defRPr>
+            </a:pPr>
+            <a:r>
+              <a:rPr dirty="0"/>
+              <a:t>• </a:t>
+            </a:r>
+            <a:r>
+              <a:rPr lang="en-US" dirty="0"/>
+              <a:t> </a:t>
+            </a:r>
+            <a:r>
+              <a:rPr dirty="0"/>
+              <a:t>+ Code: Add a new code cell</a:t>
+            </a:r>
+          </a:p>
+          <a:p>
+            <a:pPr>
+              <a:spcBef>
+                <a:spcPts val="800"/>
+              </a:spcBef>
+              <a:defRPr sz="2400">
+                <a:solidFill>
+                  <a:srgbClr val="FFFFFF"/>
+                </a:solidFill>
+                <a:latin typeface="Arial"/>
+              </a:defRPr>
+            </a:pPr>
+            <a:r>
+              <a:rPr dirty="0"/>
+              <a:t>• </a:t>
+            </a:r>
+            <a:r>
+              <a:rPr lang="en-US" dirty="0"/>
+              <a:t> </a:t>
+            </a:r>
+            <a:r>
+              <a:rPr dirty="0"/>
+              <a:t>+ Text: Add a text/markdown cell</a:t>
+            </a:r>
+          </a:p>
+          <a:p>
+            <a:pPr>
+              <a:spcBef>
+                <a:spcPts val="800"/>
+              </a:spcBef>
+              <a:defRPr sz="2400">
+                <a:solidFill>
+                  <a:srgbClr val="FFFFFF"/>
+                </a:solidFill>
+                <a:latin typeface="Arial"/>
+              </a:defRPr>
+            </a:pPr>
+            <a:r>
+              <a:rPr dirty="0"/>
+              <a:t>• </a:t>
+            </a:r>
+            <a:r>
+              <a:rPr lang="en-US" dirty="0"/>
+              <a:t> </a:t>
+            </a:r>
+            <a:r>
+              <a:rPr dirty="0"/>
+              <a:t>Connect: Connect to Google's servers</a:t>
+            </a:r>
+          </a:p>
+          <a:p>
+            <a:pPr>
+              <a:spcBef>
+                <a:spcPts val="800"/>
+              </a:spcBef>
+              <a:defRPr sz="2400">
+                <a:solidFill>
+                  <a:srgbClr val="FFFFFF"/>
+                </a:solidFill>
+                <a:latin typeface="Arial"/>
+              </a:defRPr>
+            </a:pPr>
+            <a:r>
+              <a:rPr dirty="0"/>
+              <a:t>• </a:t>
+            </a:r>
+            <a:r>
+              <a:rPr lang="en-US" dirty="0"/>
+              <a:t> </a:t>
+            </a:r>
+            <a:r>
+              <a:rPr dirty="0"/>
+              <a:t>Files (folder icon): View and upload files</a:t>
+            </a:r>
+          </a:p>
+        </p:txBody>
+      </p:sp>
+      <p:sp>
+        <p:nvSpPr>
+          <p:cNvPr id="5" name="Rectangle 4"/>
+          <p:cNvSpPr/>
+          <p:nvPr/>
+        </p:nvSpPr>
+        <p:spPr>
+          <a:xfrm>
+            <a:off x="1057158" y="2560320"/>
+            <a:ext cx="68736" cy="1700660"/>
+          </a:xfrm>
+          <a:prstGeom prst="rect">
+            <a:avLst/>
+          </a:prstGeom>
+          <a:solidFill>
+            <a:srgbClr val="D2691E"/>
+          </a:solidFill>
+          <a:ln>
+            <a:noFill/>
+          </a:ln>
+        </p:spPr>
+        <p:style>
+          <a:lnRef idx="1">
+            <a:schemeClr val="accent1"/>
+          </a:lnRef>
+          <a:fillRef idx="3">
+            <a:schemeClr val="accent1"/>
+          </a:fillRef>
+          <a:effectRef idx="2">
+            <a:schemeClr val="accent1"/>
+          </a:effectRef>
+          <a:fontRef idx="minor">
+            <a:schemeClr val="lt1"/>
+          </a:fontRef>
+        </p:style>
+        <p:txBody>
+          <a:bodyPr rtlCol="0" anchor="ctr"/>
+          <a:lstStyle/>
+          <a:p>
+            <a:pPr algn="ctr"/>
+            <a:endParaRPr/>
+          </a:p>
+        </p:txBody>
+      </p:sp>
     </p:spTree>
   </p:cSld>
   <p:clrMapOvr>

--- a/colab.pptx
+++ b/colab.pptx
@@ -3103,6 +3103,14 @@
 <file path=ppt/slides/slide1.xml><?xml version="1.0" encoding="utf-8"?>
 <p:sld xmlns:a="http://schemas.openxmlformats.org/drawingml/2006/main" xmlns:r="http://schemas.openxmlformats.org/officeDocument/2006/relationships" xmlns:p="http://schemas.openxmlformats.org/presentationml/2006/main">
   <p:cSld>
+    <p:bg>
+      <p:bgPr>
+        <a:solidFill>
+          <a:srgbClr val="FFFFFF"/>
+        </a:solidFill>
+        <a:effectLst/>
+      </p:bgPr>
+    </p:bg>
     <p:spTree>
       <p:nvGrpSpPr>
         <p:cNvPr id="1" name=""/>
@@ -3236,7 +3244,11 @@
               </a:defRPr>
             </a:pPr>
             <a:r>
-              <a:rPr sz="3600" dirty="0"/>
+              <a:rPr sz="3600" dirty="0">
+                <a:solidFill>
+                  <a:srgbClr val="111827"/>
+                </a:solidFill>
+              </a:rPr>
               <a:t>MGMT 675</a:t>
             </a:r>
           </a:p>
@@ -3273,7 +3285,11 @@
               </a:defRPr>
             </a:pPr>
             <a:r>
-              <a:rPr lang="en-US" dirty="0"/>
+              <a:rPr lang="en-US" dirty="0">
+                <a:solidFill>
+                  <a:srgbClr val="374151"/>
+                </a:solidFill>
+              </a:rPr>
               <a:t>Generative AI for Finance</a:t>
             </a:r>
             <a:endParaRPr dirty="0"/>
@@ -3311,11 +3327,19 @@
               </a:defRPr>
             </a:pPr>
             <a:r>
-              <a:rPr lang="en-US" dirty="0"/>
+              <a:rPr lang="en-US" dirty="0">
+                <a:solidFill>
+                  <a:srgbClr val="374151"/>
+                </a:solidFill>
+              </a:rPr>
               <a:t>Google </a:t>
             </a:r>
             <a:r>
-              <a:rPr lang="en-US" dirty="0" err="1"/>
+              <a:rPr lang="en-US" dirty="0" err="1">
+                <a:solidFill>
+                  <a:srgbClr val="374151"/>
+                </a:solidFill>
+              </a:rPr>
               <a:t>Colab</a:t>
             </a:r>
             <a:endParaRPr dirty="0"/>
@@ -3401,6 +3425,14 @@
 <file path=ppt/slides/slide10.xml><?xml version="1.0" encoding="utf-8"?>
 <p:sld xmlns:a="http://schemas.openxmlformats.org/drawingml/2006/main" xmlns:r="http://schemas.openxmlformats.org/officeDocument/2006/relationships" xmlns:p="http://schemas.openxmlformats.org/presentationml/2006/main">
   <p:cSld>
+    <p:bg>
+      <p:bgPr>
+        <a:solidFill>
+          <a:srgbClr val="FFFFFF"/>
+        </a:solidFill>
+        <a:effectLst/>
+      </p:bgPr>
+    </p:bg>
     <p:spTree>
       <p:nvGrpSpPr>
         <p:cNvPr id="1" name=""/>
@@ -3423,7 +3455,7 @@
         </p:nvSpPr>
         <p:spPr>
           <a:xfrm>
-            <a:off x="0" y="0"/>
+            <a:off x="-87086" y="0"/>
             <a:ext cx="14630400" cy="8229600"/>
           </a:xfrm>
           <a:prstGeom prst="rect">
@@ -3490,7 +3522,12 @@
               </a:defRPr>
             </a:pPr>
             <a:r>
-              <a:t>What is a Cell?</a:t>
+              <a:rPr>
+                <a:solidFill>
+                  <a:srgbClr val="374151"/>
+                </a:solidFill>
+              </a:rPr>
+              <a:t>Interface Overview</a:t>
             </a:r>
           </a:p>
         </p:txBody>
@@ -3503,8 +3540,8 @@
         </p:nvSpPr>
         <p:spPr>
           <a:xfrm>
-            <a:off x="1339596" y="2235615"/>
-            <a:ext cx="12801600" cy="5486400"/>
+            <a:off x="1524000" y="2440888"/>
+            <a:ext cx="12801600" cy="1877437"/>
           </a:xfrm>
           <a:prstGeom prst="rect">
             <a:avLst/>
@@ -3529,8 +3566,28 @@
               </a:defRPr>
             </a:pPr>
             <a:r>
-              <a:rPr dirty="0"/>
-              <a:t>A cell is a box where you write code or text.</a:t>
+              <a:rPr dirty="0">
+                <a:solidFill>
+                  <a:srgbClr val="374151"/>
+                </a:solidFill>
+              </a:rPr>
+              <a:t>• </a:t>
+            </a:r>
+            <a:r>
+              <a:rPr lang="en-US" dirty="0">
+                <a:solidFill>
+                  <a:srgbClr val="374151"/>
+                </a:solidFill>
+              </a:rPr>
+              <a:t> </a:t>
+            </a:r>
+            <a:r>
+              <a:rPr dirty="0">
+                <a:solidFill>
+                  <a:srgbClr val="374151"/>
+                </a:solidFill>
+              </a:rPr>
+              <a:t>+ Code: Add a new code cell</a:t>
             </a:r>
           </a:p>
           <a:p>
@@ -3545,7 +3602,30 @@
                 <a:latin typeface="Arial"/>
               </a:defRPr>
             </a:pPr>
-            <a:endParaRPr dirty="0"/>
+            <a:r>
+              <a:rPr dirty="0">
+                <a:solidFill>
+                  <a:srgbClr val="374151"/>
+                </a:solidFill>
+              </a:rPr>
+              <a:t>• </a:t>
+            </a:r>
+            <a:r>
+              <a:rPr lang="en-US" dirty="0">
+                <a:solidFill>
+                  <a:srgbClr val="374151"/>
+                </a:solidFill>
+              </a:rPr>
+              <a:t> </a:t>
+            </a:r>
+            <a:r>
+              <a:rPr dirty="0">
+                <a:solidFill>
+                  <a:srgbClr val="374151"/>
+                </a:solidFill>
+              </a:rPr>
+              <a:t>+ Text: Add a text/markdown cell</a:t>
+            </a:r>
           </a:p>
           <a:p>
             <a:pPr>
@@ -3560,8 +3640,28 @@
               </a:defRPr>
             </a:pPr>
             <a:r>
-              <a:rPr dirty="0"/>
-              <a:t>Two types:</a:t>
+              <a:rPr dirty="0">
+                <a:solidFill>
+                  <a:srgbClr val="374151"/>
+                </a:solidFill>
+              </a:rPr>
+              <a:t>• </a:t>
+            </a:r>
+            <a:r>
+              <a:rPr lang="en-US" dirty="0">
+                <a:solidFill>
+                  <a:srgbClr val="374151"/>
+                </a:solidFill>
+              </a:rPr>
+              <a:t> </a:t>
+            </a:r>
+            <a:r>
+              <a:rPr dirty="0">
+                <a:solidFill>
+                  <a:srgbClr val="374151"/>
+                </a:solidFill>
+              </a:rPr>
+              <a:t>Connect: Connect to Google's servers</a:t>
             </a:r>
           </a:p>
           <a:p>
@@ -3577,56 +3677,28 @@
               </a:defRPr>
             </a:pPr>
             <a:r>
-              <a:rPr dirty="0"/>
-              <a:t>• Code cells: Run Python code</a:t>
-            </a:r>
-          </a:p>
-          <a:p>
-            <a:pPr>
-              <a:spcBef>
-                <a:spcPts val="800"/>
-              </a:spcBef>
-              <a:defRPr sz="2400">
-                <a:solidFill>
-                  <a:srgbClr val="FFFFFF"/>
-                </a:solidFill>
-                <a:latin typeface="Arial"/>
-              </a:defRPr>
-            </a:pPr>
-            <a:r>
-              <a:rPr dirty="0"/>
-              <a:t>• Text cells: Write notes and explanations</a:t>
-            </a:r>
-          </a:p>
-          <a:p>
-            <a:pPr>
-              <a:spcBef>
-                <a:spcPts val="800"/>
-              </a:spcBef>
-              <a:defRPr sz="2400">
-                <a:solidFill>
-                  <a:srgbClr val="FFFFFF"/>
-                </a:solidFill>
-                <a:latin typeface="Arial"/>
-              </a:defRPr>
-            </a:pPr>
-            <a:endParaRPr dirty="0"/>
-          </a:p>
-          <a:p>
-            <a:pPr>
-              <a:spcBef>
-                <a:spcPts val="800"/>
-              </a:spcBef>
-              <a:defRPr sz="2400">
-                <a:solidFill>
-                  <a:srgbClr val="FFFFFF"/>
-                </a:solidFill>
-                <a:latin typeface="Arial"/>
-              </a:defRPr>
-            </a:pPr>
-            <a:r>
-              <a:rPr dirty="0"/>
-              <a:t>You can have as many cells as you need.</a:t>
+              <a:rPr dirty="0">
+                <a:solidFill>
+                  <a:srgbClr val="374151"/>
+                </a:solidFill>
+              </a:rPr>
+              <a:t>• </a:t>
+            </a:r>
+            <a:r>
+              <a:rPr lang="en-US" dirty="0">
+                <a:solidFill>
+                  <a:srgbClr val="374151"/>
+                </a:solidFill>
+              </a:rPr>
+              <a:t> </a:t>
+            </a:r>
+            <a:r>
+              <a:rPr dirty="0">
+                <a:solidFill>
+                  <a:srgbClr val="374151"/>
+                </a:solidFill>
+              </a:rPr>
+              <a:t>Files (folder icon): View and upload files</a:t>
             </a:r>
           </a:p>
         </p:txBody>
@@ -3639,8 +3711,8 @@
         </p:nvSpPr>
         <p:spPr>
           <a:xfrm>
-            <a:off x="777240" y="2235615"/>
-            <a:ext cx="73152" cy="3219684"/>
+            <a:off x="1057158" y="2560320"/>
+            <a:ext cx="68736" cy="1700660"/>
           </a:xfrm>
           <a:prstGeom prst="rect">
             <a:avLst/>
@@ -3686,6 +3758,14 @@
 <file path=ppt/slides/slide11.xml><?xml version="1.0" encoding="utf-8"?>
 <p:sld xmlns:a="http://schemas.openxmlformats.org/drawingml/2006/main" xmlns:r="http://schemas.openxmlformats.org/officeDocument/2006/relationships" xmlns:p="http://schemas.openxmlformats.org/presentationml/2006/main">
   <p:cSld>
+    <p:bg>
+      <p:bgPr>
+        <a:solidFill>
+          <a:srgbClr val="FFFFFF"/>
+        </a:solidFill>
+        <a:effectLst/>
+      </p:bgPr>
+    </p:bg>
     <p:spTree>
       <p:nvGrpSpPr>
         <p:cNvPr id="1" name=""/>
@@ -3775,45 +3855,26 @@
               </a:defRPr>
             </a:pPr>
             <a:r>
-              <a:t>Your First Code: Simple Math</a:t>
-            </a:r>
-          </a:p>
-        </p:txBody>
-      </p:sp>
-      <p:pic>
-        <p:nvPicPr>
-          <p:cNvPr id="4" name="Picture 3" descr="code-execution.png"/>
-          <p:cNvPicPr>
-            <a:picLocks noChangeAspect="1"/>
-          </p:cNvPicPr>
-          <p:nvPr/>
-        </p:nvPicPr>
-        <p:blipFill>
-          <a:blip r:embed="rId2"/>
-          <a:stretch>
-            <a:fillRect/>
-          </a:stretch>
-        </p:blipFill>
-        <p:spPr>
-          <a:xfrm>
-            <a:off x="1828800" y="2522998"/>
-            <a:ext cx="10972800" cy="1966695"/>
-          </a:xfrm>
-          <a:prstGeom prst="rect">
-            <a:avLst/>
-          </a:prstGeom>
-        </p:spPr>
-      </p:pic>
-      <p:sp>
-        <p:nvSpPr>
-          <p:cNvPr id="5" name="TextBox 4"/>
+              <a:rPr>
+                <a:solidFill>
+                  <a:srgbClr val="374151"/>
+                </a:solidFill>
+              </a:rPr>
+              <a:t>What is a Cell?</a:t>
+            </a:r>
+          </a:p>
+        </p:txBody>
+      </p:sp>
+      <p:sp>
+        <p:nvSpPr>
+          <p:cNvPr id="4" name="TextBox 3"/>
           <p:cNvSpPr txBox="1"/>
           <p:nvPr/>
         </p:nvSpPr>
         <p:spPr>
           <a:xfrm>
-            <a:off x="914400" y="6858000"/>
-            <a:ext cx="12801600" cy="914400"/>
+            <a:off x="1339596" y="2235615"/>
+            <a:ext cx="12801600" cy="5486400"/>
           </a:xfrm>
           <a:prstGeom prst="rect">
             <a:avLst/>
@@ -3821,22 +3882,186 @@
           <a:noFill/>
         </p:spPr>
         <p:txBody>
-          <a:bodyPr wrap="none">
+          <a:bodyPr wrap="square">
             <a:spAutoFit/>
           </a:bodyPr>
           <a:lstStyle/>
           <a:p>
-            <a:pPr algn="ctr">
-              <a:defRPr sz="2000">
-                <a:solidFill>
-                  <a:srgbClr val="B4B4B4"/>
-                </a:solidFill>
-                <a:latin typeface="Arial"/>
-              </a:defRPr>
-            </a:pPr>
-            <a:r>
-              <a:t>Type 5*3 and press Shift + Enter → Result: 15</a:t>
-            </a:r>
+            <a:pPr>
+              <a:spcBef>
+                <a:spcPts val="800"/>
+              </a:spcBef>
+              <a:defRPr sz="2400">
+                <a:solidFill>
+                  <a:srgbClr val="FFFFFF"/>
+                </a:solidFill>
+                <a:latin typeface="Arial"/>
+              </a:defRPr>
+            </a:pPr>
+            <a:r>
+              <a:rPr dirty="0">
+                <a:solidFill>
+                  <a:srgbClr val="374151"/>
+                </a:solidFill>
+              </a:rPr>
+              <a:t>A cell is a box where you write code or text.</a:t>
+            </a:r>
+          </a:p>
+          <a:p>
+            <a:pPr>
+              <a:spcBef>
+                <a:spcPts val="800"/>
+              </a:spcBef>
+              <a:defRPr sz="2400">
+                <a:solidFill>
+                  <a:srgbClr val="FFFFFF"/>
+                </a:solidFill>
+                <a:latin typeface="Arial"/>
+              </a:defRPr>
+            </a:pPr>
+            <a:endParaRPr dirty="0"/>
+          </a:p>
+          <a:p>
+            <a:pPr>
+              <a:spcBef>
+                <a:spcPts val="800"/>
+              </a:spcBef>
+              <a:defRPr sz="2400">
+                <a:solidFill>
+                  <a:srgbClr val="FFFFFF"/>
+                </a:solidFill>
+                <a:latin typeface="Arial"/>
+              </a:defRPr>
+            </a:pPr>
+            <a:r>
+              <a:rPr dirty="0">
+                <a:solidFill>
+                  <a:srgbClr val="374151"/>
+                </a:solidFill>
+              </a:rPr>
+              <a:t>Two types:</a:t>
+            </a:r>
+          </a:p>
+          <a:p>
+            <a:pPr>
+              <a:spcBef>
+                <a:spcPts val="800"/>
+              </a:spcBef>
+              <a:defRPr sz="2400">
+                <a:solidFill>
+                  <a:srgbClr val="FFFFFF"/>
+                </a:solidFill>
+                <a:latin typeface="Arial"/>
+              </a:defRPr>
+            </a:pPr>
+            <a:r>
+              <a:rPr dirty="0">
+                <a:solidFill>
+                  <a:srgbClr val="374151"/>
+                </a:solidFill>
+              </a:rPr>
+              <a:t>• Code cells: Run Python code</a:t>
+            </a:r>
+          </a:p>
+          <a:p>
+            <a:pPr>
+              <a:spcBef>
+                <a:spcPts val="800"/>
+              </a:spcBef>
+              <a:defRPr sz="2400">
+                <a:solidFill>
+                  <a:srgbClr val="FFFFFF"/>
+                </a:solidFill>
+                <a:latin typeface="Arial"/>
+              </a:defRPr>
+            </a:pPr>
+            <a:r>
+              <a:rPr dirty="0">
+                <a:solidFill>
+                  <a:srgbClr val="374151"/>
+                </a:solidFill>
+              </a:rPr>
+              <a:t>• Text cells: Write notes and explanations</a:t>
+            </a:r>
+          </a:p>
+          <a:p>
+            <a:pPr>
+              <a:spcBef>
+                <a:spcPts val="800"/>
+              </a:spcBef>
+              <a:defRPr sz="2400">
+                <a:solidFill>
+                  <a:srgbClr val="FFFFFF"/>
+                </a:solidFill>
+                <a:latin typeface="Arial"/>
+              </a:defRPr>
+            </a:pPr>
+            <a:endParaRPr dirty="0"/>
+          </a:p>
+          <a:p>
+            <a:pPr>
+              <a:spcBef>
+                <a:spcPts val="800"/>
+              </a:spcBef>
+              <a:defRPr sz="2400">
+                <a:solidFill>
+                  <a:srgbClr val="FFFFFF"/>
+                </a:solidFill>
+                <a:latin typeface="Arial"/>
+              </a:defRPr>
+            </a:pPr>
+            <a:r>
+              <a:rPr dirty="0">
+                <a:solidFill>
+                  <a:srgbClr val="374151"/>
+                </a:solidFill>
+              </a:rPr>
+              <a:t>You can have as many cells as you need.</a:t>
+            </a:r>
+          </a:p>
+        </p:txBody>
+      </p:sp>
+      <p:sp>
+        <p:nvSpPr>
+          <p:cNvPr id="5" name="Rectangle 4"/>
+          <p:cNvSpPr/>
+          <p:nvPr/>
+        </p:nvSpPr>
+        <p:spPr>
+          <a:xfrm>
+            <a:off x="777240" y="2235615"/>
+            <a:ext cx="73152" cy="3219684"/>
+          </a:xfrm>
+          <a:prstGeom prst="rect">
+            <a:avLst/>
+          </a:prstGeom>
+          <a:solidFill>
+            <a:srgbClr val="D2691E"/>
+          </a:solidFill>
+          <a:ln>
+            <a:noFill/>
+          </a:ln>
+        </p:spPr>
+        <p:style>
+          <a:lnRef idx="1">
+            <a:schemeClr val="accent1"/>
+          </a:lnRef>
+          <a:fillRef idx="3">
+            <a:schemeClr val="accent1"/>
+          </a:fillRef>
+          <a:effectRef idx="2">
+            <a:schemeClr val="accent1"/>
+          </a:effectRef>
+          <a:fontRef idx="minor">
+            <a:schemeClr val="lt1"/>
+          </a:fontRef>
+        </p:style>
+        <p:txBody>
+          <a:bodyPr rtlCol="0" anchor="ctr"/>
+          <a:lstStyle/>
+          <a:p>
+            <a:pPr algn="ctr"/>
+            <a:endParaRPr/>
           </a:p>
         </p:txBody>
       </p:sp>
@@ -3851,6 +4076,14 @@
 <file path=ppt/slides/slide12.xml><?xml version="1.0" encoding="utf-8"?>
 <p:sld xmlns:a="http://schemas.openxmlformats.org/drawingml/2006/main" xmlns:r="http://schemas.openxmlformats.org/officeDocument/2006/relationships" xmlns:p="http://schemas.openxmlformats.org/presentationml/2006/main">
   <p:cSld>
+    <p:bg>
+      <p:bgPr>
+        <a:solidFill>
+          <a:srgbClr val="FFFFFF"/>
+        </a:solidFill>
+        <a:effectLst/>
+      </p:bgPr>
+    </p:bg>
     <p:spTree>
       <p:nvGrpSpPr>
         <p:cNvPr id="1" name=""/>
@@ -3940,14 +4173,19 @@
               </a:defRPr>
             </a:pPr>
             <a:r>
-              <a:t>Your First Code: Hello World</a:t>
+              <a:rPr>
+                <a:solidFill>
+                  <a:srgbClr val="374151"/>
+                </a:solidFill>
+              </a:rPr>
+              <a:t>Your First Code: Simple Math</a:t>
             </a:r>
           </a:p>
         </p:txBody>
       </p:sp>
       <p:pic>
         <p:nvPicPr>
-          <p:cNvPr id="4" name="Picture 3" descr="code-execution2.png"/>
+          <p:cNvPr id="4" name="Picture 3" descr="code-execution.png"/>
           <p:cNvPicPr>
             <a:picLocks noChangeAspect="1"/>
           </p:cNvPicPr>
@@ -3961,8 +4199,8 @@
         </p:blipFill>
         <p:spPr>
           <a:xfrm>
-            <a:off x="1828800" y="2799184"/>
-            <a:ext cx="10972800" cy="1404270"/>
+            <a:off x="1828800" y="2522998"/>
+            <a:ext cx="10972800" cy="1966695"/>
           </a:xfrm>
           <a:prstGeom prst="rect">
             <a:avLst/>
@@ -4000,7 +4238,12 @@
               </a:defRPr>
             </a:pPr>
             <a:r>
-              <a:t>Type print('hello world') and press Shift + Enter</a:t>
+              <a:rPr>
+                <a:solidFill>
+                  <a:srgbClr val="374151"/>
+                </a:solidFill>
+              </a:rPr>
+              <a:t>Type 5*3 and press Shift + Enter → Result: 15</a:t>
             </a:r>
           </a:p>
         </p:txBody>
@@ -4016,6 +4259,14 @@
 <file path=ppt/slides/slide13.xml><?xml version="1.0" encoding="utf-8"?>
 <p:sld xmlns:a="http://schemas.openxmlformats.org/drawingml/2006/main" xmlns:r="http://schemas.openxmlformats.org/officeDocument/2006/relationships" xmlns:p="http://schemas.openxmlformats.org/presentationml/2006/main">
   <p:cSld>
+    <p:bg>
+      <p:bgPr>
+        <a:solidFill>
+          <a:srgbClr val="FFFFFF"/>
+        </a:solidFill>
+        <a:effectLst/>
+      </p:bgPr>
+    </p:bg>
     <p:spTree>
       <p:nvGrpSpPr>
         <p:cNvPr id="1" name=""/>
@@ -4105,21 +4356,50 @@
               </a:defRPr>
             </a:pPr>
             <a:r>
-              <a:t>Running Code: Three Ways</a:t>
-            </a:r>
-          </a:p>
-        </p:txBody>
-      </p:sp>
-      <p:sp>
-        <p:nvSpPr>
-          <p:cNvPr id="4" name="TextBox 3"/>
+              <a:rPr>
+                <a:solidFill>
+                  <a:srgbClr val="374151"/>
+                </a:solidFill>
+              </a:rPr>
+              <a:t>Your First Code: Hello World</a:t>
+            </a:r>
+          </a:p>
+        </p:txBody>
+      </p:sp>
+      <p:pic>
+        <p:nvPicPr>
+          <p:cNvPr id="4" name="Picture 3" descr="code-execution2.png"/>
+          <p:cNvPicPr>
+            <a:picLocks noChangeAspect="1"/>
+          </p:cNvPicPr>
+          <p:nvPr/>
+        </p:nvPicPr>
+        <p:blipFill>
+          <a:blip r:embed="rId2"/>
+          <a:stretch>
+            <a:fillRect/>
+          </a:stretch>
+        </p:blipFill>
+        <p:spPr>
+          <a:xfrm>
+            <a:off x="1828800" y="2799184"/>
+            <a:ext cx="10972800" cy="1404270"/>
+          </a:xfrm>
+          <a:prstGeom prst="rect">
+            <a:avLst/>
+          </a:prstGeom>
+        </p:spPr>
+      </p:pic>
+      <p:sp>
+        <p:nvSpPr>
+          <p:cNvPr id="5" name="TextBox 4"/>
           <p:cNvSpPr txBox="1"/>
           <p:nvPr/>
         </p:nvSpPr>
         <p:spPr>
           <a:xfrm>
-            <a:off x="914400" y="2465770"/>
-            <a:ext cx="12801600" cy="5486400"/>
+            <a:off x="914400" y="6858000"/>
+            <a:ext cx="12801600" cy="914400"/>
           </a:xfrm>
           <a:prstGeom prst="rect">
             <a:avLst/>
@@ -4127,118 +4407,26 @@
           <a:noFill/>
         </p:spPr>
         <p:txBody>
-          <a:bodyPr wrap="square">
+          <a:bodyPr wrap="none">
             <a:spAutoFit/>
           </a:bodyPr>
           <a:lstStyle/>
           <a:p>
-            <a:pPr>
-              <a:spcBef>
-                <a:spcPts val="800"/>
-              </a:spcBef>
-              <a:defRPr sz="2400">
-                <a:solidFill>
-                  <a:srgbClr val="FFFFFF"/>
-                </a:solidFill>
-                <a:latin typeface="Arial"/>
-              </a:defRPr>
-            </a:pPr>
-            <a:r>
-              <a:rPr dirty="0"/>
-              <a:t>1. Click the play button (▶) on the left of the cell</a:t>
-            </a:r>
-          </a:p>
-          <a:p>
-            <a:pPr>
-              <a:spcBef>
-                <a:spcPts val="800"/>
-              </a:spcBef>
-              <a:defRPr sz="2400">
-                <a:solidFill>
-                  <a:srgbClr val="FFFFFF"/>
-                </a:solidFill>
-                <a:latin typeface="Arial"/>
-              </a:defRPr>
-            </a:pPr>
-            <a:endParaRPr dirty="0"/>
-          </a:p>
-          <a:p>
-            <a:pPr>
-              <a:spcBef>
-                <a:spcPts val="800"/>
-              </a:spcBef>
-              <a:defRPr sz="2400">
-                <a:solidFill>
-                  <a:srgbClr val="FFFFFF"/>
-                </a:solidFill>
-                <a:latin typeface="Arial"/>
-              </a:defRPr>
-            </a:pPr>
-            <a:r>
-              <a:rPr dirty="0"/>
-              <a:t>2. Press Shift + Enter (runs and moves to next cell)</a:t>
-            </a:r>
-          </a:p>
-          <a:p>
-            <a:pPr>
-              <a:spcBef>
-                <a:spcPts val="800"/>
-              </a:spcBef>
-              <a:defRPr sz="2400">
-                <a:solidFill>
-                  <a:srgbClr val="FFFFFF"/>
-                </a:solidFill>
-                <a:latin typeface="Arial"/>
-              </a:defRPr>
-            </a:pPr>
-            <a:endParaRPr dirty="0"/>
-          </a:p>
-          <a:p>
-            <a:pPr>
-              <a:spcBef>
-                <a:spcPts val="800"/>
-              </a:spcBef>
-              <a:defRPr sz="2400">
-                <a:solidFill>
-                  <a:srgbClr val="FFFFFF"/>
-                </a:solidFill>
-                <a:latin typeface="Arial"/>
-              </a:defRPr>
-            </a:pPr>
-            <a:r>
-              <a:rPr dirty="0"/>
-              <a:t>3. Press Ctrl + Enter (runs and stays in cell)</a:t>
-            </a:r>
-          </a:p>
-          <a:p>
-            <a:pPr>
-              <a:spcBef>
-                <a:spcPts val="800"/>
-              </a:spcBef>
-              <a:defRPr sz="2400">
-                <a:solidFill>
-                  <a:srgbClr val="FFFFFF"/>
-                </a:solidFill>
-                <a:latin typeface="Arial"/>
-              </a:defRPr>
-            </a:pPr>
-            <a:endParaRPr dirty="0"/>
-          </a:p>
-          <a:p>
-            <a:pPr>
-              <a:spcBef>
-                <a:spcPts val="800"/>
-              </a:spcBef>
-              <a:defRPr sz="2400">
-                <a:solidFill>
-                  <a:srgbClr val="FFFFFF"/>
-                </a:solidFill>
-                <a:latin typeface="Arial"/>
-              </a:defRPr>
-            </a:pPr>
-            <a:r>
-              <a:rPr dirty="0"/>
-              <a:t>Tip: Shift + Enter is the most common method</a:t>
+            <a:pPr algn="ctr">
+              <a:defRPr sz="2000">
+                <a:solidFill>
+                  <a:srgbClr val="B4B4B4"/>
+                </a:solidFill>
+                <a:latin typeface="Arial"/>
+              </a:defRPr>
+            </a:pPr>
+            <a:r>
+              <a:rPr>
+                <a:solidFill>
+                  <a:srgbClr val="374151"/>
+                </a:solidFill>
+              </a:rPr>
+              <a:t>Type print('hello world') and press Shift + Enter</a:t>
             </a:r>
           </a:p>
         </p:txBody>
@@ -4254,6 +4442,14 @@
 <file path=ppt/slides/slide14.xml><?xml version="1.0" encoding="utf-8"?>
 <p:sld xmlns:a="http://schemas.openxmlformats.org/drawingml/2006/main" xmlns:r="http://schemas.openxmlformats.org/officeDocument/2006/relationships" xmlns:p="http://schemas.openxmlformats.org/presentationml/2006/main">
   <p:cSld>
+    <p:bg>
+      <p:bgPr>
+        <a:solidFill>
+          <a:srgbClr val="FFFFFF"/>
+        </a:solidFill>
+        <a:effectLst/>
+      </p:bgPr>
+    </p:bg>
     <p:spTree>
       <p:nvGrpSpPr>
         <p:cNvPr id="1" name=""/>
@@ -4276,7 +4472,7 @@
         </p:nvSpPr>
         <p:spPr>
           <a:xfrm>
-            <a:off x="-155510" y="0"/>
+            <a:off x="0" y="0"/>
             <a:ext cx="14630400" cy="8229600"/>
           </a:xfrm>
           <a:prstGeom prst="rect">
@@ -4343,7 +4539,12 @@
               </a:defRPr>
             </a:pPr>
             <a:r>
-              <a:t>Understanding the Play Button</a:t>
+              <a:rPr>
+                <a:solidFill>
+                  <a:srgbClr val="374151"/>
+                </a:solidFill>
+              </a:rPr>
+              <a:t>Running Code: Three Ways</a:t>
             </a:r>
           </a:p>
         </p:txBody>
@@ -4356,7 +4557,7 @@
         </p:nvSpPr>
         <p:spPr>
           <a:xfrm>
-            <a:off x="1156996" y="2086325"/>
+            <a:off x="914400" y="2465770"/>
             <a:ext cx="12801600" cy="5486400"/>
           </a:xfrm>
           <a:prstGeom prst="rect">
@@ -4382,8 +4583,12 @@
               </a:defRPr>
             </a:pPr>
             <a:r>
-              <a:rPr dirty="0"/>
-              <a:t>Before running:</a:t>
+              <a:rPr dirty="0">
+                <a:solidFill>
+                  <a:srgbClr val="374151"/>
+                </a:solidFill>
+              </a:rPr>
+              <a:t>1. Click the play button (▶) on the left of the cell</a:t>
             </a:r>
           </a:p>
           <a:p>
@@ -4398,10 +4603,7 @@
                 <a:latin typeface="Arial"/>
               </a:defRPr>
             </a:pPr>
-            <a:r>
-              <a:rPr dirty="0"/>
-              <a:t>• Circle with play icon (▶) - Cell is ready</a:t>
-            </a:r>
+            <a:endParaRPr dirty="0"/>
           </a:p>
           <a:p>
             <a:pPr>
@@ -4415,7 +4617,14 @@
                 <a:latin typeface="Arial"/>
               </a:defRPr>
             </a:pPr>
-            <a:endParaRPr dirty="0"/>
+            <a:r>
+              <a:rPr dirty="0">
+                <a:solidFill>
+                  <a:srgbClr val="374151"/>
+                </a:solidFill>
+              </a:rPr>
+              <a:t>2. Press Shift + Enter (runs and moves to next cell)</a:t>
+            </a:r>
           </a:p>
           <a:p>
             <a:pPr>
@@ -4429,10 +4638,7 @@
                 <a:latin typeface="Arial"/>
               </a:defRPr>
             </a:pPr>
-            <a:r>
-              <a:rPr dirty="0"/>
-              <a:t>While running:</a:t>
-            </a:r>
+            <a:endParaRPr dirty="0"/>
           </a:p>
           <a:p>
             <a:pPr>
@@ -4447,8 +4653,12 @@
               </a:defRPr>
             </a:pPr>
             <a:r>
-              <a:rPr dirty="0"/>
-              <a:t>• Spinning circle - Code is executing</a:t>
+              <a:rPr dirty="0">
+                <a:solidFill>
+                  <a:srgbClr val="374151"/>
+                </a:solidFill>
+              </a:rPr>
+              <a:t>3. Press Ctrl + Enter (runs and stays in cell)</a:t>
             </a:r>
           </a:p>
           <a:p>
@@ -4478,70 +4688,13 @@
               </a:defRPr>
             </a:pPr>
             <a:r>
-              <a:rPr dirty="0"/>
-              <a:t>After running:</a:t>
-            </a:r>
-          </a:p>
-          <a:p>
-            <a:pPr>
-              <a:spcBef>
-                <a:spcPts val="800"/>
-              </a:spcBef>
-              <a:defRPr sz="2400">
-                <a:solidFill>
-                  <a:srgbClr val="FFFFFF"/>
-                </a:solidFill>
-                <a:latin typeface="Arial"/>
-              </a:defRPr>
-            </a:pPr>
-            <a:r>
-              <a:rPr dirty="0"/>
-              <a:t>• Checkmark (✓) - Output appears below</a:t>
-            </a:r>
-          </a:p>
-        </p:txBody>
-      </p:sp>
-      <p:sp>
-        <p:nvSpPr>
-          <p:cNvPr id="5" name="Rectangle 4"/>
-          <p:cNvSpPr/>
-          <p:nvPr/>
-        </p:nvSpPr>
-        <p:spPr>
-          <a:xfrm>
-            <a:off x="777240" y="2146040"/>
-            <a:ext cx="73152" cy="3601617"/>
-          </a:xfrm>
-          <a:prstGeom prst="rect">
-            <a:avLst/>
-          </a:prstGeom>
-          <a:solidFill>
-            <a:srgbClr val="D2691E"/>
-          </a:solidFill>
-          <a:ln>
-            <a:noFill/>
-          </a:ln>
-        </p:spPr>
-        <p:style>
-          <a:lnRef idx="1">
-            <a:schemeClr val="accent1"/>
-          </a:lnRef>
-          <a:fillRef idx="3">
-            <a:schemeClr val="accent1"/>
-          </a:fillRef>
-          <a:effectRef idx="2">
-            <a:schemeClr val="accent1"/>
-          </a:effectRef>
-          <a:fontRef idx="minor">
-            <a:schemeClr val="lt1"/>
-          </a:fontRef>
-        </p:style>
-        <p:txBody>
-          <a:bodyPr rtlCol="0" anchor="ctr"/>
-          <a:lstStyle/>
-          <a:p>
-            <a:pPr algn="ctr"/>
-            <a:endParaRPr/>
+              <a:rPr dirty="0">
+                <a:solidFill>
+                  <a:srgbClr val="374151"/>
+                </a:solidFill>
+              </a:rPr>
+              <a:t>Tip: Shift + Enter is the most common method</a:t>
+            </a:r>
           </a:p>
         </p:txBody>
       </p:sp>
@@ -4556,6 +4709,14 @@
 <file path=ppt/slides/slide15.xml><?xml version="1.0" encoding="utf-8"?>
 <p:sld xmlns:a="http://schemas.openxmlformats.org/drawingml/2006/main" xmlns:r="http://schemas.openxmlformats.org/officeDocument/2006/relationships" xmlns:p="http://schemas.openxmlformats.org/presentationml/2006/main">
   <p:cSld>
+    <p:bg>
+      <p:bgPr>
+        <a:solidFill>
+          <a:srgbClr val="FFFFFF"/>
+        </a:solidFill>
+        <a:effectLst/>
+      </p:bgPr>
+    </p:bg>
     <p:spTree>
       <p:nvGrpSpPr>
         <p:cNvPr id="1" name=""/>
@@ -4578,7 +4739,7 @@
         </p:nvSpPr>
         <p:spPr>
           <a:xfrm>
-            <a:off x="-367004" y="0"/>
+            <a:off x="-155510" y="0"/>
             <a:ext cx="14630400" cy="8229600"/>
           </a:xfrm>
           <a:prstGeom prst="rect">
@@ -4645,7 +4806,12 @@
               </a:defRPr>
             </a:pPr>
             <a:r>
-              <a:t>Cell Numbers</a:t>
+              <a:rPr>
+                <a:solidFill>
+                  <a:srgbClr val="374151"/>
+                </a:solidFill>
+              </a:rPr>
+              <a:t>Understanding the Play Button</a:t>
             </a:r>
           </a:p>
         </p:txBody>
@@ -4658,8 +4824,8 @@
         </p:nvSpPr>
         <p:spPr>
           <a:xfrm>
-            <a:off x="1156094" y="2032829"/>
-            <a:ext cx="12801600" cy="3293209"/>
+            <a:off x="1156996" y="2086325"/>
+            <a:ext cx="12801600" cy="5486400"/>
           </a:xfrm>
           <a:prstGeom prst="rect">
             <a:avLst/>
@@ -4684,8 +4850,12 @@
               </a:defRPr>
             </a:pPr>
             <a:r>
-              <a:rPr dirty="0"/>
-              <a:t>Notice the [1] or [2] next to cells?</a:t>
+              <a:rPr dirty="0">
+                <a:solidFill>
+                  <a:srgbClr val="374151"/>
+                </a:solidFill>
+              </a:rPr>
+              <a:t>Before running:</a:t>
             </a:r>
           </a:p>
           <a:p>
@@ -4700,7 +4870,14 @@
                 <a:latin typeface="Arial"/>
               </a:defRPr>
             </a:pPr>
-            <a:endParaRPr dirty="0"/>
+            <a:r>
+              <a:rPr dirty="0">
+                <a:solidFill>
+                  <a:srgbClr val="374151"/>
+                </a:solidFill>
+              </a:rPr>
+              <a:t>• Circle with play icon (▶) - Cell is ready</a:t>
+            </a:r>
           </a:p>
           <a:p>
             <a:pPr>
@@ -4714,10 +4891,7 @@
                 <a:latin typeface="Arial"/>
               </a:defRPr>
             </a:pPr>
-            <a:r>
-              <a:rPr dirty="0"/>
-              <a:t>• Shows the order cells were run</a:t>
-            </a:r>
+            <a:endParaRPr dirty="0"/>
           </a:p>
           <a:p>
             <a:pPr>
@@ -4732,8 +4906,12 @@
               </a:defRPr>
             </a:pPr>
             <a:r>
-              <a:rPr dirty="0"/>
-              <a:t>• Empty [ ] means not yet run</a:t>
+              <a:rPr dirty="0">
+                <a:solidFill>
+                  <a:srgbClr val="374151"/>
+                </a:solidFill>
+              </a:rPr>
+              <a:t>While running:</a:t>
             </a:r>
           </a:p>
           <a:p>
@@ -4749,8 +4927,12 @@
               </a:defRPr>
             </a:pPr>
             <a:r>
-              <a:rPr dirty="0"/>
-              <a:t>• [*] means currently running</a:t>
+              <a:rPr dirty="0">
+                <a:solidFill>
+                  <a:srgbClr val="374151"/>
+                </a:solidFill>
+              </a:rPr>
+              <a:t>• Spinning circle - Code is executing</a:t>
             </a:r>
           </a:p>
           <a:p>
@@ -4780,14 +4962,34 @@
               </a:defRPr>
             </a:pPr>
             <a:r>
-              <a:rPr dirty="0"/>
-              <a:t>Important: </a:t>
-            </a:r>
-            <a:r>
-              <a:rPr lang="en-US" dirty="0"/>
-              <a:t>Can run cells in any order but top to bottom avoids confusion.</a:t>
-            </a:r>
-            <a:endParaRPr dirty="0"/>
+              <a:rPr dirty="0">
+                <a:solidFill>
+                  <a:srgbClr val="374151"/>
+                </a:solidFill>
+              </a:rPr>
+              <a:t>After running:</a:t>
+            </a:r>
+          </a:p>
+          <a:p>
+            <a:pPr>
+              <a:spcBef>
+                <a:spcPts val="800"/>
+              </a:spcBef>
+              <a:defRPr sz="2400">
+                <a:solidFill>
+                  <a:srgbClr val="FFFFFF"/>
+                </a:solidFill>
+                <a:latin typeface="Arial"/>
+              </a:defRPr>
+            </a:pPr>
+            <a:r>
+              <a:rPr dirty="0">
+                <a:solidFill>
+                  <a:srgbClr val="374151"/>
+                </a:solidFill>
+              </a:rPr>
+              <a:t>• Checkmark (✓) - Output appears below</a:t>
+            </a:r>
           </a:p>
         </p:txBody>
       </p:sp>
@@ -4799,8 +5001,8 @@
         </p:nvSpPr>
         <p:spPr>
           <a:xfrm>
-            <a:off x="777240" y="2121158"/>
-            <a:ext cx="73152" cy="3110205"/>
+            <a:off x="777240" y="2146040"/>
+            <a:ext cx="73152" cy="3601617"/>
           </a:xfrm>
           <a:prstGeom prst="rect">
             <a:avLst/>
@@ -4846,6 +5048,14 @@
 <file path=ppt/slides/slide16.xml><?xml version="1.0" encoding="utf-8"?>
 <p:sld xmlns:a="http://schemas.openxmlformats.org/drawingml/2006/main" xmlns:r="http://schemas.openxmlformats.org/officeDocument/2006/relationships" xmlns:p="http://schemas.openxmlformats.org/presentationml/2006/main">
   <p:cSld>
+    <p:bg>
+      <p:bgPr>
+        <a:solidFill>
+          <a:srgbClr val="FFFFFF"/>
+        </a:solidFill>
+        <a:effectLst/>
+      </p:bgPr>
+    </p:bg>
     <p:spTree>
       <p:nvGrpSpPr>
         <p:cNvPr id="1" name=""/>
@@ -4868,7 +5078,7 @@
         </p:nvSpPr>
         <p:spPr>
           <a:xfrm>
-            <a:off x="-192833" y="0"/>
+            <a:off x="-367004" y="0"/>
             <a:ext cx="14630400" cy="8229600"/>
           </a:xfrm>
           <a:prstGeom prst="rect">
@@ -4935,7 +5145,12 @@
               </a:defRPr>
             </a:pPr>
             <a:r>
-              <a:t>Adding New Cells</a:t>
+              <a:rPr>
+                <a:solidFill>
+                  <a:srgbClr val="374151"/>
+                </a:solidFill>
+              </a:rPr>
+              <a:t>Cell Numbers</a:t>
             </a:r>
           </a:p>
         </p:txBody>
@@ -4948,8 +5163,8 @@
         </p:nvSpPr>
         <p:spPr>
           <a:xfrm>
-            <a:off x="1169437" y="2216953"/>
-            <a:ext cx="12801600" cy="5486400"/>
+            <a:off x="1156094" y="2032829"/>
+            <a:ext cx="12801600" cy="3293209"/>
           </a:xfrm>
           <a:prstGeom prst="rect">
             <a:avLst/>
@@ -4974,8 +5189,12 @@
               </a:defRPr>
             </a:pPr>
             <a:r>
-              <a:rPr dirty="0"/>
-              <a:t>From the toolbar:</a:t>
+              <a:rPr dirty="0">
+                <a:solidFill>
+                  <a:srgbClr val="374151"/>
+                </a:solidFill>
+              </a:rPr>
+              <a:t>Notice the [1] or [2] next to cells?</a:t>
             </a:r>
           </a:p>
           <a:p>
@@ -4990,10 +5209,7 @@
                 <a:latin typeface="Arial"/>
               </a:defRPr>
             </a:pPr>
-            <a:r>
-              <a:rPr dirty="0"/>
-              <a:t>• Click + Code for a code cell</a:t>
-            </a:r>
+            <a:endParaRPr dirty="0"/>
           </a:p>
           <a:p>
             <a:pPr>
@@ -5008,8 +5224,12 @@
               </a:defRPr>
             </a:pPr>
             <a:r>
-              <a:rPr dirty="0"/>
-              <a:t>• Click + Text for a text cell</a:t>
+              <a:rPr dirty="0">
+                <a:solidFill>
+                  <a:srgbClr val="374151"/>
+                </a:solidFill>
+              </a:rPr>
+              <a:t>• Shows the order cells were run</a:t>
             </a:r>
           </a:p>
           <a:p>
@@ -5024,7 +5244,14 @@
                 <a:latin typeface="Arial"/>
               </a:defRPr>
             </a:pPr>
-            <a:endParaRPr dirty="0"/>
+            <a:r>
+              <a:rPr dirty="0">
+                <a:solidFill>
+                  <a:srgbClr val="374151"/>
+                </a:solidFill>
+              </a:rPr>
+              <a:t>• Empty [ ] means not yet run</a:t>
+            </a:r>
           </a:p>
           <a:p>
             <a:pPr>
@@ -5039,8 +5266,12 @@
               </a:defRPr>
             </a:pPr>
             <a:r>
-              <a:rPr dirty="0"/>
-              <a:t>Using keyboard:</a:t>
+              <a:rPr dirty="0">
+                <a:solidFill>
+                  <a:srgbClr val="374151"/>
+                </a:solidFill>
+              </a:rPr>
+              <a:t>• [*] means currently running</a:t>
             </a:r>
           </a:p>
           <a:p>
@@ -5055,10 +5286,7 @@
                 <a:latin typeface="Arial"/>
               </a:defRPr>
             </a:pPr>
-            <a:r>
-              <a:rPr dirty="0"/>
-              <a:t>• Ctrl + M, B → Add cell below</a:t>
-            </a:r>
+            <a:endParaRPr dirty="0"/>
           </a:p>
           <a:p>
             <a:pPr>
@@ -5073,9 +5301,22 @@
               </a:defRPr>
             </a:pPr>
             <a:r>
-              <a:rPr dirty="0"/>
-              <a:t>• Ctrl + M, A → Add cell above</a:t>
-            </a:r>
+              <a:rPr dirty="0">
+                <a:solidFill>
+                  <a:srgbClr val="374151"/>
+                </a:solidFill>
+              </a:rPr>
+              <a:t>Important: </a:t>
+            </a:r>
+            <a:r>
+              <a:rPr lang="en-US" dirty="0">
+                <a:solidFill>
+                  <a:srgbClr val="374151"/>
+                </a:solidFill>
+              </a:rPr>
+              <a:t>Can run cells in any order but top to bottom avoids confusion.</a:t>
+            </a:r>
+            <a:endParaRPr dirty="0"/>
           </a:p>
         </p:txBody>
       </p:sp>
@@ -5087,58 +5328,8 @@
         </p:nvSpPr>
         <p:spPr>
           <a:xfrm>
-            <a:off x="777240" y="2345093"/>
-            <a:ext cx="73152" cy="1225421"/>
-          </a:xfrm>
-          <a:prstGeom prst="rect">
-            <a:avLst/>
-          </a:prstGeom>
-          <a:solidFill>
-            <a:srgbClr val="D2691E"/>
-          </a:solidFill>
-          <a:ln>
-            <a:noFill/>
-          </a:ln>
-        </p:spPr>
-        <p:style>
-          <a:lnRef idx="1">
-            <a:schemeClr val="accent1"/>
-          </a:lnRef>
-          <a:fillRef idx="3">
-            <a:schemeClr val="accent1"/>
-          </a:fillRef>
-          <a:effectRef idx="2">
-            <a:schemeClr val="accent1"/>
-          </a:effectRef>
-          <a:fontRef idx="minor">
-            <a:schemeClr val="lt1"/>
-          </a:fontRef>
-        </p:style>
-        <p:txBody>
-          <a:bodyPr rtlCol="0" anchor="ctr"/>
-          <a:lstStyle/>
-          <a:p>
-            <a:pPr algn="ctr"/>
-            <a:endParaRPr/>
-          </a:p>
-        </p:txBody>
-      </p:sp>
-      <p:sp>
-        <p:nvSpPr>
-          <p:cNvPr id="6" name="Rectangle 5">
-            <a:extLst>
-              <a:ext uri="{FF2B5EF4-FFF2-40B4-BE49-F238E27FC236}">
-                <a16:creationId xmlns:a16="http://schemas.microsoft.com/office/drawing/2014/main" id="{114706FB-4816-5A60-9BB6-7E2033C4F0EE}"/>
-              </a:ext>
-            </a:extLst>
-          </p:cNvPr>
-          <p:cNvSpPr/>
-          <p:nvPr/>
-        </p:nvSpPr>
-        <p:spPr>
-          <a:xfrm>
-            <a:off x="813816" y="4189444"/>
-            <a:ext cx="73152" cy="1225421"/>
+            <a:off x="777240" y="2121158"/>
+            <a:ext cx="73152" cy="3110205"/>
           </a:xfrm>
           <a:prstGeom prst="rect">
             <a:avLst/>
@@ -5184,6 +5375,14 @@
 <file path=ppt/slides/slide17.xml><?xml version="1.0" encoding="utf-8"?>
 <p:sld xmlns:a="http://schemas.openxmlformats.org/drawingml/2006/main" xmlns:r="http://schemas.openxmlformats.org/officeDocument/2006/relationships" xmlns:p="http://schemas.openxmlformats.org/presentationml/2006/main">
   <p:cSld>
+    <p:bg>
+      <p:bgPr>
+        <a:solidFill>
+          <a:srgbClr val="FFFFFF"/>
+        </a:solidFill>
+        <a:effectLst/>
+      </p:bgPr>
+    </p:bg>
     <p:spTree>
       <p:nvGrpSpPr>
         <p:cNvPr id="1" name=""/>
@@ -5206,7 +5405,7 @@
         </p:nvSpPr>
         <p:spPr>
           <a:xfrm>
-            <a:off x="-199053" y="0"/>
+            <a:off x="-192833" y="0"/>
             <a:ext cx="14630400" cy="8229600"/>
           </a:xfrm>
           <a:prstGeom prst="rect">
@@ -5273,7 +5472,12 @@
               </a:defRPr>
             </a:pPr>
             <a:r>
-              <a:t>Deleting and Moving Cells</a:t>
+              <a:rPr>
+                <a:solidFill>
+                  <a:srgbClr val="374151"/>
+                </a:solidFill>
+              </a:rPr>
+              <a:t>Adding New Cells</a:t>
             </a:r>
           </a:p>
         </p:txBody>
@@ -5286,7 +5490,7 @@
         </p:nvSpPr>
         <p:spPr>
           <a:xfrm>
-            <a:off x="1240069" y="2154750"/>
+            <a:off x="1169437" y="2216953"/>
             <a:ext cx="12801600" cy="5486400"/>
           </a:xfrm>
           <a:prstGeom prst="rect">
@@ -5312,8 +5516,12 @@
               </a:defRPr>
             </a:pPr>
             <a:r>
-              <a:rPr dirty="0"/>
-              <a:t>To delete a cell:</a:t>
+              <a:rPr dirty="0">
+                <a:solidFill>
+                  <a:srgbClr val="374151"/>
+                </a:solidFill>
+              </a:rPr>
+              <a:t>From the toolbar:</a:t>
             </a:r>
           </a:p>
           <a:p>
@@ -5329,8 +5537,12 @@
               </a:defRPr>
             </a:pPr>
             <a:r>
-              <a:rPr dirty="0"/>
-              <a:t>• Click the trash icon in the cell toolbar</a:t>
+              <a:rPr dirty="0">
+                <a:solidFill>
+                  <a:srgbClr val="374151"/>
+                </a:solidFill>
+              </a:rPr>
+              <a:t>• Click + Code for a code cell</a:t>
             </a:r>
           </a:p>
           <a:p>
@@ -5346,8 +5558,12 @@
               </a:defRPr>
             </a:pPr>
             <a:r>
-              <a:rPr dirty="0"/>
-              <a:t>• Or: Ctrl + M, D</a:t>
+              <a:rPr dirty="0">
+                <a:solidFill>
+                  <a:srgbClr val="374151"/>
+                </a:solidFill>
+              </a:rPr>
+              <a:t>• Click + Text for a text cell</a:t>
             </a:r>
           </a:p>
           <a:p>
@@ -5377,8 +5593,12 @@
               </a:defRPr>
             </a:pPr>
             <a:r>
-              <a:rPr dirty="0"/>
-              <a:t>To move a cell:</a:t>
+              <a:rPr dirty="0">
+                <a:solidFill>
+                  <a:srgbClr val="374151"/>
+                </a:solidFill>
+              </a:rPr>
+              <a:t>Using keyboard:</a:t>
             </a:r>
           </a:p>
           <a:p>
@@ -5394,8 +5614,12 @@
               </a:defRPr>
             </a:pPr>
             <a:r>
-              <a:rPr dirty="0"/>
-              <a:t>• Click the up/down arrows in the cell toolbar</a:t>
+              <a:rPr dirty="0">
+                <a:solidFill>
+                  <a:srgbClr val="374151"/>
+                </a:solidFill>
+              </a:rPr>
+              <a:t>• Ctrl + M, B → Add cell below</a:t>
             </a:r>
           </a:p>
           <a:p>
@@ -5411,8 +5635,12 @@
               </a:defRPr>
             </a:pPr>
             <a:r>
-              <a:rPr dirty="0"/>
-              <a:t>• Or drag and drop the cell</a:t>
+              <a:rPr dirty="0">
+                <a:solidFill>
+                  <a:srgbClr val="374151"/>
+                </a:solidFill>
+              </a:rPr>
+              <a:t>• Ctrl + M, A → Add cell above</a:t>
             </a:r>
           </a:p>
         </p:txBody>
@@ -5425,8 +5653,8 @@
         </p:nvSpPr>
         <p:spPr>
           <a:xfrm>
-            <a:off x="804672" y="2251789"/>
-            <a:ext cx="45719" cy="1219200"/>
+            <a:off x="777240" y="2345093"/>
+            <a:ext cx="73152" cy="1225421"/>
           </a:xfrm>
           <a:prstGeom prst="rect">
             <a:avLst/>
@@ -5466,7 +5694,7 @@
           <p:cNvPr id="6" name="Rectangle 5">
             <a:extLst>
               <a:ext uri="{FF2B5EF4-FFF2-40B4-BE49-F238E27FC236}">
-                <a16:creationId xmlns:a16="http://schemas.microsoft.com/office/drawing/2014/main" id="{B5400A27-0971-80AB-3832-0BA2AF792BF4}"/>
+                <a16:creationId xmlns:a16="http://schemas.microsoft.com/office/drawing/2014/main" id="{114706FB-4816-5A60-9BB6-7E2033C4F0EE}"/>
               </a:ext>
             </a:extLst>
           </p:cNvPr>
@@ -5475,8 +5703,8 @@
         </p:nvSpPr>
         <p:spPr>
           <a:xfrm>
-            <a:off x="804672" y="4149012"/>
-            <a:ext cx="45719" cy="1219200"/>
+            <a:off x="813816" y="4189444"/>
+            <a:ext cx="73152" cy="1225421"/>
           </a:xfrm>
           <a:prstGeom prst="rect">
             <a:avLst/>
@@ -5522,6 +5750,14 @@
 <file path=ppt/slides/slide18.xml><?xml version="1.0" encoding="utf-8"?>
 <p:sld xmlns:a="http://schemas.openxmlformats.org/drawingml/2006/main" xmlns:r="http://schemas.openxmlformats.org/officeDocument/2006/relationships" xmlns:p="http://schemas.openxmlformats.org/presentationml/2006/main">
   <p:cSld>
+    <p:bg>
+      <p:bgPr>
+        <a:solidFill>
+          <a:srgbClr val="FFFFFF"/>
+        </a:solidFill>
+        <a:effectLst/>
+      </p:bgPr>
+    </p:bg>
     <p:spTree>
       <p:nvGrpSpPr>
         <p:cNvPr id="1" name=""/>
@@ -5544,7 +5780,7 @@
         </p:nvSpPr>
         <p:spPr>
           <a:xfrm>
-            <a:off x="0" y="0"/>
+            <a:off x="-199053" y="0"/>
             <a:ext cx="14630400" cy="8229600"/>
           </a:xfrm>
           <a:prstGeom prst="rect">
@@ -5611,45 +5847,26 @@
               </a:defRPr>
             </a:pPr>
             <a:r>
-              <a:t>Meet Gemini: Your AI Assistant</a:t>
-            </a:r>
-          </a:p>
-        </p:txBody>
-      </p:sp>
-      <p:pic>
-        <p:nvPicPr>
-          <p:cNvPr id="4" name="Picture 3" descr="colab-gemini.png"/>
-          <p:cNvPicPr>
-            <a:picLocks noChangeAspect="1"/>
-          </p:cNvPicPr>
-          <p:nvPr/>
-        </p:nvPicPr>
-        <p:blipFill>
-          <a:blip r:embed="rId2"/>
-          <a:stretch>
-            <a:fillRect/>
-          </a:stretch>
-        </p:blipFill>
-        <p:spPr>
-          <a:xfrm>
-            <a:off x="1828800" y="1828800"/>
-            <a:ext cx="10972800" cy="5518459"/>
-          </a:xfrm>
-          <a:prstGeom prst="rect">
-            <a:avLst/>
-          </a:prstGeom>
-        </p:spPr>
-      </p:pic>
-      <p:sp>
-        <p:nvSpPr>
-          <p:cNvPr id="5" name="TextBox 4"/>
+              <a:rPr>
+                <a:solidFill>
+                  <a:srgbClr val="374151"/>
+                </a:solidFill>
+              </a:rPr>
+              <a:t>Deleting and Moving Cells</a:t>
+            </a:r>
+          </a:p>
+        </p:txBody>
+      </p:sp>
+      <p:sp>
+        <p:nvSpPr>
+          <p:cNvPr id="4" name="TextBox 3"/>
           <p:cNvSpPr txBox="1"/>
           <p:nvPr/>
         </p:nvSpPr>
         <p:spPr>
           <a:xfrm>
-            <a:off x="914400" y="6858000"/>
-            <a:ext cx="12801600" cy="914400"/>
+            <a:off x="1240069" y="2154750"/>
+            <a:ext cx="12801600" cy="5486400"/>
           </a:xfrm>
           <a:prstGeom prst="rect">
             <a:avLst/>
@@ -5657,22 +5874,243 @@
           <a:noFill/>
         </p:spPr>
         <p:txBody>
-          <a:bodyPr wrap="none">
+          <a:bodyPr wrap="square">
             <a:spAutoFit/>
           </a:bodyPr>
           <a:lstStyle/>
           <a:p>
-            <a:pPr algn="ctr">
-              <a:defRPr sz="2000">
-                <a:solidFill>
-                  <a:srgbClr val="B4B4B4"/>
-                </a:solidFill>
-                <a:latin typeface="Arial"/>
-              </a:defRPr>
-            </a:pPr>
-            <a:r>
-              <a:t>Gemini is built into Colab to help you write code</a:t>
-            </a:r>
+            <a:pPr>
+              <a:spcBef>
+                <a:spcPts val="800"/>
+              </a:spcBef>
+              <a:defRPr sz="2400">
+                <a:solidFill>
+                  <a:srgbClr val="FFFFFF"/>
+                </a:solidFill>
+                <a:latin typeface="Arial"/>
+              </a:defRPr>
+            </a:pPr>
+            <a:r>
+              <a:rPr dirty="0">
+                <a:solidFill>
+                  <a:srgbClr val="374151"/>
+                </a:solidFill>
+              </a:rPr>
+              <a:t>To delete a cell:</a:t>
+            </a:r>
+          </a:p>
+          <a:p>
+            <a:pPr>
+              <a:spcBef>
+                <a:spcPts val="800"/>
+              </a:spcBef>
+              <a:defRPr sz="2400">
+                <a:solidFill>
+                  <a:srgbClr val="FFFFFF"/>
+                </a:solidFill>
+                <a:latin typeface="Arial"/>
+              </a:defRPr>
+            </a:pPr>
+            <a:r>
+              <a:rPr dirty="0">
+                <a:solidFill>
+                  <a:srgbClr val="374151"/>
+                </a:solidFill>
+              </a:rPr>
+              <a:t>• Click the trash icon in the cell toolbar</a:t>
+            </a:r>
+          </a:p>
+          <a:p>
+            <a:pPr>
+              <a:spcBef>
+                <a:spcPts val="800"/>
+              </a:spcBef>
+              <a:defRPr sz="2400">
+                <a:solidFill>
+                  <a:srgbClr val="FFFFFF"/>
+                </a:solidFill>
+                <a:latin typeface="Arial"/>
+              </a:defRPr>
+            </a:pPr>
+            <a:r>
+              <a:rPr dirty="0">
+                <a:solidFill>
+                  <a:srgbClr val="374151"/>
+                </a:solidFill>
+              </a:rPr>
+              <a:t>• Or: Ctrl + M, D</a:t>
+            </a:r>
+          </a:p>
+          <a:p>
+            <a:pPr>
+              <a:spcBef>
+                <a:spcPts val="800"/>
+              </a:spcBef>
+              <a:defRPr sz="2400">
+                <a:solidFill>
+                  <a:srgbClr val="FFFFFF"/>
+                </a:solidFill>
+                <a:latin typeface="Arial"/>
+              </a:defRPr>
+            </a:pPr>
+            <a:endParaRPr dirty="0"/>
+          </a:p>
+          <a:p>
+            <a:pPr>
+              <a:spcBef>
+                <a:spcPts val="800"/>
+              </a:spcBef>
+              <a:defRPr sz="2400">
+                <a:solidFill>
+                  <a:srgbClr val="FFFFFF"/>
+                </a:solidFill>
+                <a:latin typeface="Arial"/>
+              </a:defRPr>
+            </a:pPr>
+            <a:r>
+              <a:rPr dirty="0">
+                <a:solidFill>
+                  <a:srgbClr val="374151"/>
+                </a:solidFill>
+              </a:rPr>
+              <a:t>To move a cell:</a:t>
+            </a:r>
+          </a:p>
+          <a:p>
+            <a:pPr>
+              <a:spcBef>
+                <a:spcPts val="800"/>
+              </a:spcBef>
+              <a:defRPr sz="2400">
+                <a:solidFill>
+                  <a:srgbClr val="FFFFFF"/>
+                </a:solidFill>
+                <a:latin typeface="Arial"/>
+              </a:defRPr>
+            </a:pPr>
+            <a:r>
+              <a:rPr dirty="0">
+                <a:solidFill>
+                  <a:srgbClr val="374151"/>
+                </a:solidFill>
+              </a:rPr>
+              <a:t>• Click the up/down arrows in the cell toolbar</a:t>
+            </a:r>
+          </a:p>
+          <a:p>
+            <a:pPr>
+              <a:spcBef>
+                <a:spcPts val="800"/>
+              </a:spcBef>
+              <a:defRPr sz="2400">
+                <a:solidFill>
+                  <a:srgbClr val="FFFFFF"/>
+                </a:solidFill>
+                <a:latin typeface="Arial"/>
+              </a:defRPr>
+            </a:pPr>
+            <a:r>
+              <a:rPr dirty="0">
+                <a:solidFill>
+                  <a:srgbClr val="374151"/>
+                </a:solidFill>
+              </a:rPr>
+              <a:t>• Or drag and drop the cell</a:t>
+            </a:r>
+          </a:p>
+        </p:txBody>
+      </p:sp>
+      <p:sp>
+        <p:nvSpPr>
+          <p:cNvPr id="5" name="Rectangle 4"/>
+          <p:cNvSpPr/>
+          <p:nvPr/>
+        </p:nvSpPr>
+        <p:spPr>
+          <a:xfrm>
+            <a:off x="804672" y="2251789"/>
+            <a:ext cx="45719" cy="1219200"/>
+          </a:xfrm>
+          <a:prstGeom prst="rect">
+            <a:avLst/>
+          </a:prstGeom>
+          <a:solidFill>
+            <a:srgbClr val="D2691E"/>
+          </a:solidFill>
+          <a:ln>
+            <a:noFill/>
+          </a:ln>
+        </p:spPr>
+        <p:style>
+          <a:lnRef idx="1">
+            <a:schemeClr val="accent1"/>
+          </a:lnRef>
+          <a:fillRef idx="3">
+            <a:schemeClr val="accent1"/>
+          </a:fillRef>
+          <a:effectRef idx="2">
+            <a:schemeClr val="accent1"/>
+          </a:effectRef>
+          <a:fontRef idx="minor">
+            <a:schemeClr val="lt1"/>
+          </a:fontRef>
+        </p:style>
+        <p:txBody>
+          <a:bodyPr rtlCol="0" anchor="ctr"/>
+          <a:lstStyle/>
+          <a:p>
+            <a:pPr algn="ctr"/>
+            <a:endParaRPr/>
+          </a:p>
+        </p:txBody>
+      </p:sp>
+      <p:sp>
+        <p:nvSpPr>
+          <p:cNvPr id="6" name="Rectangle 5">
+            <a:extLst>
+              <a:ext uri="{FF2B5EF4-FFF2-40B4-BE49-F238E27FC236}">
+                <a16:creationId xmlns:a16="http://schemas.microsoft.com/office/drawing/2014/main" id="{B5400A27-0971-80AB-3832-0BA2AF792BF4}"/>
+              </a:ext>
+            </a:extLst>
+          </p:cNvPr>
+          <p:cNvSpPr/>
+          <p:nvPr/>
+        </p:nvSpPr>
+        <p:spPr>
+          <a:xfrm>
+            <a:off x="804672" y="4149012"/>
+            <a:ext cx="45719" cy="1219200"/>
+          </a:xfrm>
+          <a:prstGeom prst="rect">
+            <a:avLst/>
+          </a:prstGeom>
+          <a:solidFill>
+            <a:srgbClr val="D2691E"/>
+          </a:solidFill>
+          <a:ln>
+            <a:noFill/>
+          </a:ln>
+        </p:spPr>
+        <p:style>
+          <a:lnRef idx="1">
+            <a:schemeClr val="accent1"/>
+          </a:lnRef>
+          <a:fillRef idx="3">
+            <a:schemeClr val="accent1"/>
+          </a:fillRef>
+          <a:effectRef idx="2">
+            <a:schemeClr val="accent1"/>
+          </a:effectRef>
+          <a:fontRef idx="minor">
+            <a:schemeClr val="lt1"/>
+          </a:fontRef>
+        </p:style>
+        <p:txBody>
+          <a:bodyPr rtlCol="0" anchor="ctr"/>
+          <a:lstStyle/>
+          <a:p>
+            <a:pPr algn="ctr"/>
+            <a:endParaRPr/>
           </a:p>
         </p:txBody>
       </p:sp>
@@ -5687,6 +6125,14 @@
 <file path=ppt/slides/slide19.xml><?xml version="1.0" encoding="utf-8"?>
 <p:sld xmlns:a="http://schemas.openxmlformats.org/drawingml/2006/main" xmlns:r="http://schemas.openxmlformats.org/officeDocument/2006/relationships" xmlns:p="http://schemas.openxmlformats.org/presentationml/2006/main">
   <p:cSld>
+    <p:bg>
+      <p:bgPr>
+        <a:solidFill>
+          <a:srgbClr val="FFFFFF"/>
+        </a:solidFill>
+        <a:effectLst/>
+      </p:bgPr>
+    </p:bg>
     <p:spTree>
       <p:nvGrpSpPr>
         <p:cNvPr id="1" name=""/>
@@ -5709,7 +6155,7 @@
         </p:nvSpPr>
         <p:spPr>
           <a:xfrm>
-            <a:off x="-74645" y="0"/>
+            <a:off x="0" y="0"/>
             <a:ext cx="14630400" cy="8229600"/>
           </a:xfrm>
           <a:prstGeom prst="rect">
@@ -5776,21 +6222,50 @@
               </a:defRPr>
             </a:pPr>
             <a:r>
-              <a:t>What Gemini Can Do</a:t>
-            </a:r>
-          </a:p>
-        </p:txBody>
-      </p:sp>
-      <p:sp>
-        <p:nvSpPr>
-          <p:cNvPr id="4" name="TextBox 3"/>
+              <a:rPr>
+                <a:solidFill>
+                  <a:srgbClr val="374151"/>
+                </a:solidFill>
+              </a:rPr>
+              <a:t>Meet Gemini: Your AI Assistant</a:t>
+            </a:r>
+          </a:p>
+        </p:txBody>
+      </p:sp>
+      <p:pic>
+        <p:nvPicPr>
+          <p:cNvPr id="4" name="Picture 3" descr="colab-gemini.png"/>
+          <p:cNvPicPr>
+            <a:picLocks noChangeAspect="1"/>
+          </p:cNvPicPr>
+          <p:nvPr/>
+        </p:nvPicPr>
+        <p:blipFill>
+          <a:blip r:embed="rId2"/>
+          <a:stretch>
+            <a:fillRect/>
+          </a:stretch>
+        </p:blipFill>
+        <p:spPr>
+          <a:xfrm>
+            <a:off x="1828800" y="1828800"/>
+            <a:ext cx="10972800" cy="5518459"/>
+          </a:xfrm>
+          <a:prstGeom prst="rect">
+            <a:avLst/>
+          </a:prstGeom>
+        </p:spPr>
+      </p:pic>
+      <p:sp>
+        <p:nvSpPr>
+          <p:cNvPr id="5" name="TextBox 4"/>
           <p:cNvSpPr txBox="1"/>
           <p:nvPr/>
         </p:nvSpPr>
         <p:spPr>
           <a:xfrm>
-            <a:off x="1188098" y="2391125"/>
-            <a:ext cx="12801600" cy="5486400"/>
+            <a:off x="914400" y="6858000"/>
+            <a:ext cx="12801600" cy="914400"/>
           </a:xfrm>
           <a:prstGeom prst="rect">
             <a:avLst/>
@@ -5798,138 +6273,27 @@
           <a:noFill/>
         </p:spPr>
         <p:txBody>
-          <a:bodyPr wrap="square">
+          <a:bodyPr wrap="none">
             <a:spAutoFit/>
           </a:bodyPr>
           <a:lstStyle/>
           <a:p>
-            <a:pPr>
-              <a:spcBef>
-                <a:spcPts val="800"/>
-              </a:spcBef>
-              <a:defRPr sz="2400">
-                <a:solidFill>
-                  <a:srgbClr val="FFFFFF"/>
-                </a:solidFill>
-                <a:latin typeface="Arial"/>
-              </a:defRPr>
-            </a:pPr>
-            <a:r>
-              <a:rPr dirty="0"/>
-              <a:t>• Generate code from plain English descriptions</a:t>
-            </a:r>
-          </a:p>
-          <a:p>
-            <a:pPr>
-              <a:spcBef>
-                <a:spcPts val="800"/>
-              </a:spcBef>
-              <a:defRPr sz="2400">
-                <a:solidFill>
-                  <a:srgbClr val="FFFFFF"/>
-                </a:solidFill>
-                <a:latin typeface="Arial"/>
-              </a:defRPr>
-            </a:pPr>
-            <a:r>
-              <a:rPr dirty="0"/>
-              <a:t>• Explain what existing code does</a:t>
-            </a:r>
-          </a:p>
-          <a:p>
-            <a:pPr>
-              <a:spcBef>
-                <a:spcPts val="800"/>
-              </a:spcBef>
-              <a:defRPr sz="2400">
-                <a:solidFill>
-                  <a:srgbClr val="FFFFFF"/>
-                </a:solidFill>
-                <a:latin typeface="Arial"/>
-              </a:defRPr>
-            </a:pPr>
-            <a:r>
-              <a:rPr dirty="0"/>
-              <a:t>• Fix errors in your code</a:t>
-            </a:r>
-          </a:p>
-          <a:p>
-            <a:pPr>
-              <a:spcBef>
-                <a:spcPts val="800"/>
-              </a:spcBef>
-              <a:defRPr sz="2400">
-                <a:solidFill>
-                  <a:srgbClr val="FFFFFF"/>
-                </a:solidFill>
-                <a:latin typeface="Arial"/>
-              </a:defRPr>
-            </a:pPr>
-            <a:r>
-              <a:rPr dirty="0"/>
-              <a:t>• Suggest improvements</a:t>
-            </a:r>
-          </a:p>
-          <a:p>
-            <a:pPr>
-              <a:spcBef>
-                <a:spcPts val="800"/>
-              </a:spcBef>
-              <a:defRPr sz="2400">
-                <a:solidFill>
-                  <a:srgbClr val="FFFFFF"/>
-                </a:solidFill>
-                <a:latin typeface="Arial"/>
-              </a:defRPr>
-            </a:pPr>
-            <a:r>
-              <a:rPr dirty="0"/>
-              <a:t>• Answer Python questions</a:t>
-            </a:r>
-          </a:p>
-        </p:txBody>
-      </p:sp>
-      <p:sp>
-        <p:nvSpPr>
-          <p:cNvPr id="5" name="Rectangle 4"/>
-          <p:cNvSpPr/>
-          <p:nvPr/>
-        </p:nvSpPr>
-        <p:spPr>
-          <a:xfrm>
-            <a:off x="777240" y="2537927"/>
-            <a:ext cx="73152" cy="2096278"/>
-          </a:xfrm>
-          <a:prstGeom prst="rect">
-            <a:avLst/>
-          </a:prstGeom>
-          <a:solidFill>
-            <a:srgbClr val="D2691E"/>
-          </a:solidFill>
-          <a:ln>
-            <a:noFill/>
-          </a:ln>
-        </p:spPr>
-        <p:style>
-          <a:lnRef idx="1">
-            <a:schemeClr val="accent1"/>
-          </a:lnRef>
-          <a:fillRef idx="3">
-            <a:schemeClr val="accent1"/>
-          </a:fillRef>
-          <a:effectRef idx="2">
-            <a:schemeClr val="accent1"/>
-          </a:effectRef>
-          <a:fontRef idx="minor">
-            <a:schemeClr val="lt1"/>
-          </a:fontRef>
-        </p:style>
-        <p:txBody>
-          <a:bodyPr rtlCol="0" anchor="ctr"/>
-          <a:lstStyle/>
-          <a:p>
-            <a:pPr algn="ctr"/>
-            <a:endParaRPr/>
+            <a:pPr algn="ctr">
+              <a:defRPr sz="2000">
+                <a:solidFill>
+                  <a:srgbClr val="B4B4B4"/>
+                </a:solidFill>
+                <a:latin typeface="Arial"/>
+              </a:defRPr>
+            </a:pPr>
+            <a:r>
+              <a:rPr>
+                <a:solidFill>
+                  <a:srgbClr val="374151"/>
+                </a:solidFill>
+              </a:rPr>
+              <a:t>Gemini is built into Colab to help you write code</a:t>
+            </a:r>
           </a:p>
         </p:txBody>
       </p:sp>
@@ -5944,6 +6308,14 @@
 <file path=ppt/slides/slide2.xml><?xml version="1.0" encoding="utf-8"?>
 <p:sld xmlns:a="http://schemas.openxmlformats.org/drawingml/2006/main" xmlns:r="http://schemas.openxmlformats.org/officeDocument/2006/relationships" xmlns:p="http://schemas.openxmlformats.org/presentationml/2006/main">
   <p:cSld>
+    <p:bg>
+      <p:bgPr>
+        <a:solidFill>
+          <a:srgbClr val="FFFFFF"/>
+        </a:solidFill>
+        <a:effectLst/>
+      </p:bgPr>
+    </p:bg>
     <p:spTree>
       <p:nvGrpSpPr>
         <p:cNvPr id="1" name=""/>
@@ -6033,6 +6405,11 @@
               </a:defRPr>
             </a:pPr>
             <a:r>
+              <a:rPr>
+                <a:solidFill>
+                  <a:srgbClr val="374151"/>
+                </a:solidFill>
+              </a:rPr>
               <a:t>What is Google Colab?</a:t>
             </a:r>
           </a:p>
@@ -6072,7 +6449,11 @@
               </a:defRPr>
             </a:pPr>
             <a:r>
-              <a:rPr dirty="0"/>
+              <a:rPr dirty="0">
+                <a:solidFill>
+                  <a:srgbClr val="374151"/>
+                </a:solidFill>
+              </a:rPr>
               <a:t>• A free tool from Google for running code in your browser</a:t>
             </a:r>
             <a:endParaRPr lang="en-US" dirty="0"/>
@@ -6104,7 +6485,11 @@
               </a:defRPr>
             </a:pPr>
             <a:r>
-              <a:rPr dirty="0"/>
+              <a:rPr dirty="0">
+                <a:solidFill>
+                  <a:srgbClr val="374151"/>
+                </a:solidFill>
+              </a:rPr>
               <a:t>• No software installation required</a:t>
             </a:r>
             <a:endParaRPr lang="en-US" dirty="0"/>
@@ -6136,7 +6521,11 @@
               </a:defRPr>
             </a:pPr>
             <a:r>
-              <a:rPr dirty="0"/>
+              <a:rPr dirty="0">
+                <a:solidFill>
+                  <a:srgbClr val="374151"/>
+                </a:solidFill>
+              </a:rPr>
               <a:t>• Works on any computer with internet access</a:t>
             </a:r>
             <a:endParaRPr lang="en-US" dirty="0"/>
@@ -6168,7 +6557,11 @@
               </a:defRPr>
             </a:pPr>
             <a:r>
-              <a:rPr dirty="0"/>
+              <a:rPr dirty="0">
+                <a:solidFill>
+                  <a:srgbClr val="374151"/>
+                </a:solidFill>
+              </a:rPr>
               <a:t>• All your work saves automatically to Google Drive</a:t>
             </a:r>
           </a:p>
@@ -6229,6 +6622,14 @@
 <file path=ppt/slides/slide20.xml><?xml version="1.0" encoding="utf-8"?>
 <p:sld xmlns:a="http://schemas.openxmlformats.org/drawingml/2006/main" xmlns:r="http://schemas.openxmlformats.org/officeDocument/2006/relationships" xmlns:p="http://schemas.openxmlformats.org/presentationml/2006/main">
   <p:cSld>
+    <p:bg>
+      <p:bgPr>
+        <a:solidFill>
+          <a:srgbClr val="FFFFFF"/>
+        </a:solidFill>
+        <a:effectLst/>
+      </p:bgPr>
+    </p:bg>
     <p:spTree>
       <p:nvGrpSpPr>
         <p:cNvPr id="1" name=""/>
@@ -6251,7 +6652,7 @@
         </p:nvSpPr>
         <p:spPr>
           <a:xfrm>
-            <a:off x="0" y="0"/>
+            <a:off x="-74645" y="0"/>
             <a:ext cx="14630400" cy="8229600"/>
           </a:xfrm>
           <a:prstGeom prst="rect">
@@ -6287,30 +6688,219 @@
           </a:p>
         </p:txBody>
       </p:sp>
-      <p:pic>
-        <p:nvPicPr>
-          <p:cNvPr id="3" name="Picture 2" descr="Screenshot (14).png"/>
-          <p:cNvPicPr>
-            <a:picLocks noChangeAspect="1"/>
-          </p:cNvPicPr>
-          <p:nvPr/>
-        </p:nvPicPr>
-        <p:blipFill>
-          <a:blip r:embed="rId2"/>
-          <a:stretch>
-            <a:fillRect/>
-          </a:stretch>
-        </p:blipFill>
-        <p:spPr>
-          <a:xfrm>
-            <a:off x="914400" y="457200"/>
-            <a:ext cx="12801600" cy="8534400"/>
-          </a:xfrm>
-          <a:prstGeom prst="rect">
-            <a:avLst/>
-          </a:prstGeom>
-        </p:spPr>
-      </p:pic>
+      <p:sp>
+        <p:nvSpPr>
+          <p:cNvPr id="3" name="TextBox 2"/>
+          <p:cNvSpPr txBox="1"/>
+          <p:nvPr/>
+        </p:nvSpPr>
+        <p:spPr>
+          <a:xfrm>
+            <a:off x="914400" y="731520"/>
+            <a:ext cx="12801600" cy="1097280"/>
+          </a:xfrm>
+          <a:prstGeom prst="rect">
+            <a:avLst/>
+          </a:prstGeom>
+          <a:noFill/>
+        </p:spPr>
+        <p:txBody>
+          <a:bodyPr wrap="none">
+            <a:spAutoFit/>
+          </a:bodyPr>
+          <a:lstStyle/>
+          <a:p>
+            <a:pPr>
+              <a:defRPr sz="4400" b="1">
+                <a:solidFill>
+                  <a:srgbClr val="FFFFFF"/>
+                </a:solidFill>
+                <a:latin typeface="Arial"/>
+              </a:defRPr>
+            </a:pPr>
+            <a:r>
+              <a:rPr>
+                <a:solidFill>
+                  <a:srgbClr val="374151"/>
+                </a:solidFill>
+              </a:rPr>
+              <a:t>What Gemini Can Do</a:t>
+            </a:r>
+          </a:p>
+        </p:txBody>
+      </p:sp>
+      <p:sp>
+        <p:nvSpPr>
+          <p:cNvPr id="4" name="TextBox 3"/>
+          <p:cNvSpPr txBox="1"/>
+          <p:nvPr/>
+        </p:nvSpPr>
+        <p:spPr>
+          <a:xfrm>
+            <a:off x="1188098" y="2391125"/>
+            <a:ext cx="12801600" cy="5486400"/>
+          </a:xfrm>
+          <a:prstGeom prst="rect">
+            <a:avLst/>
+          </a:prstGeom>
+          <a:noFill/>
+        </p:spPr>
+        <p:txBody>
+          <a:bodyPr wrap="square">
+            <a:spAutoFit/>
+          </a:bodyPr>
+          <a:lstStyle/>
+          <a:p>
+            <a:pPr>
+              <a:spcBef>
+                <a:spcPts val="800"/>
+              </a:spcBef>
+              <a:defRPr sz="2400">
+                <a:solidFill>
+                  <a:srgbClr val="FFFFFF"/>
+                </a:solidFill>
+                <a:latin typeface="Arial"/>
+              </a:defRPr>
+            </a:pPr>
+            <a:r>
+              <a:rPr dirty="0">
+                <a:solidFill>
+                  <a:srgbClr val="374151"/>
+                </a:solidFill>
+              </a:rPr>
+              <a:t>• Generate code from plain English descriptions</a:t>
+            </a:r>
+          </a:p>
+          <a:p>
+            <a:pPr>
+              <a:spcBef>
+                <a:spcPts val="800"/>
+              </a:spcBef>
+              <a:defRPr sz="2400">
+                <a:solidFill>
+                  <a:srgbClr val="FFFFFF"/>
+                </a:solidFill>
+                <a:latin typeface="Arial"/>
+              </a:defRPr>
+            </a:pPr>
+            <a:r>
+              <a:rPr dirty="0">
+                <a:solidFill>
+                  <a:srgbClr val="374151"/>
+                </a:solidFill>
+              </a:rPr>
+              <a:t>• Explain what existing code does</a:t>
+            </a:r>
+          </a:p>
+          <a:p>
+            <a:pPr>
+              <a:spcBef>
+                <a:spcPts val="800"/>
+              </a:spcBef>
+              <a:defRPr sz="2400">
+                <a:solidFill>
+                  <a:srgbClr val="FFFFFF"/>
+                </a:solidFill>
+                <a:latin typeface="Arial"/>
+              </a:defRPr>
+            </a:pPr>
+            <a:r>
+              <a:rPr dirty="0">
+                <a:solidFill>
+                  <a:srgbClr val="374151"/>
+                </a:solidFill>
+              </a:rPr>
+              <a:t>• Fix errors in your code</a:t>
+            </a:r>
+          </a:p>
+          <a:p>
+            <a:pPr>
+              <a:spcBef>
+                <a:spcPts val="800"/>
+              </a:spcBef>
+              <a:defRPr sz="2400">
+                <a:solidFill>
+                  <a:srgbClr val="FFFFFF"/>
+                </a:solidFill>
+                <a:latin typeface="Arial"/>
+              </a:defRPr>
+            </a:pPr>
+            <a:r>
+              <a:rPr dirty="0">
+                <a:solidFill>
+                  <a:srgbClr val="374151"/>
+                </a:solidFill>
+              </a:rPr>
+              <a:t>• Suggest improvements</a:t>
+            </a:r>
+          </a:p>
+          <a:p>
+            <a:pPr>
+              <a:spcBef>
+                <a:spcPts val="800"/>
+              </a:spcBef>
+              <a:defRPr sz="2400">
+                <a:solidFill>
+                  <a:srgbClr val="FFFFFF"/>
+                </a:solidFill>
+                <a:latin typeface="Arial"/>
+              </a:defRPr>
+            </a:pPr>
+            <a:r>
+              <a:rPr dirty="0">
+                <a:solidFill>
+                  <a:srgbClr val="374151"/>
+                </a:solidFill>
+              </a:rPr>
+              <a:t>• Answer Python questions</a:t>
+            </a:r>
+          </a:p>
+        </p:txBody>
+      </p:sp>
+      <p:sp>
+        <p:nvSpPr>
+          <p:cNvPr id="5" name="Rectangle 4"/>
+          <p:cNvSpPr/>
+          <p:nvPr/>
+        </p:nvSpPr>
+        <p:spPr>
+          <a:xfrm>
+            <a:off x="777240" y="2537927"/>
+            <a:ext cx="73152" cy="2096278"/>
+          </a:xfrm>
+          <a:prstGeom prst="rect">
+            <a:avLst/>
+          </a:prstGeom>
+          <a:solidFill>
+            <a:srgbClr val="D2691E"/>
+          </a:solidFill>
+          <a:ln>
+            <a:noFill/>
+          </a:ln>
+        </p:spPr>
+        <p:style>
+          <a:lnRef idx="1">
+            <a:schemeClr val="accent1"/>
+          </a:lnRef>
+          <a:fillRef idx="3">
+            <a:schemeClr val="accent1"/>
+          </a:fillRef>
+          <a:effectRef idx="2">
+            <a:schemeClr val="accent1"/>
+          </a:effectRef>
+          <a:fontRef idx="minor">
+            <a:schemeClr val="lt1"/>
+          </a:fontRef>
+        </p:style>
+        <p:txBody>
+          <a:bodyPr rtlCol="0" anchor="ctr"/>
+          <a:lstStyle/>
+          <a:p>
+            <a:pPr algn="ctr"/>
+            <a:endParaRPr/>
+          </a:p>
+        </p:txBody>
+      </p:sp>
     </p:spTree>
   </p:cSld>
   <p:clrMapOvr>
@@ -6322,6 +6912,14 @@
 <file path=ppt/slides/slide21.xml><?xml version="1.0" encoding="utf-8"?>
 <p:sld xmlns:a="http://schemas.openxmlformats.org/drawingml/2006/main" xmlns:r="http://schemas.openxmlformats.org/officeDocument/2006/relationships" xmlns:p="http://schemas.openxmlformats.org/presentationml/2006/main">
   <p:cSld>
+    <p:bg>
+      <p:bgPr>
+        <a:solidFill>
+          <a:srgbClr val="FFFFFF"/>
+        </a:solidFill>
+        <a:effectLst/>
+      </p:bgPr>
+    </p:bg>
     <p:spTree>
       <p:nvGrpSpPr>
         <p:cNvPr id="1" name=""/>
@@ -6382,7 +6980,7 @@
       </p:sp>
       <p:pic>
         <p:nvPicPr>
-          <p:cNvPr id="3" name="Picture 2" descr="Screenshot (15).png"/>
+          <p:cNvPr id="3" name="Picture 2" descr="Screenshot (14).png"/>
           <p:cNvPicPr>
             <a:picLocks noChangeAspect="1"/>
           </p:cNvPicPr>
@@ -6415,6 +7013,14 @@
 <file path=ppt/slides/slide22.xml><?xml version="1.0" encoding="utf-8"?>
 <p:sld xmlns:a="http://schemas.openxmlformats.org/drawingml/2006/main" xmlns:r="http://schemas.openxmlformats.org/officeDocument/2006/relationships" xmlns:p="http://schemas.openxmlformats.org/presentationml/2006/main">
   <p:cSld>
+    <p:bg>
+      <p:bgPr>
+        <a:solidFill>
+          <a:srgbClr val="FFFFFF"/>
+        </a:solidFill>
+        <a:effectLst/>
+      </p:bgPr>
+    </p:bg>
     <p:spTree>
       <p:nvGrpSpPr>
         <p:cNvPr id="1" name=""/>
@@ -6475,7 +7081,7 @@
       </p:sp>
       <p:pic>
         <p:nvPicPr>
-          <p:cNvPr id="3" name="Picture 2" descr="Screenshot (16).png"/>
+          <p:cNvPr id="3" name="Picture 2" descr="Screenshot (15).png"/>
           <p:cNvPicPr>
             <a:picLocks noChangeAspect="1"/>
           </p:cNvPicPr>
@@ -6508,6 +7114,14 @@
 <file path=ppt/slides/slide23.xml><?xml version="1.0" encoding="utf-8"?>
 <p:sld xmlns:a="http://schemas.openxmlformats.org/drawingml/2006/main" xmlns:r="http://schemas.openxmlformats.org/officeDocument/2006/relationships" xmlns:p="http://schemas.openxmlformats.org/presentationml/2006/main">
   <p:cSld>
+    <p:bg>
+      <p:bgPr>
+        <a:solidFill>
+          <a:srgbClr val="FFFFFF"/>
+        </a:solidFill>
+        <a:effectLst/>
+      </p:bgPr>
+    </p:bg>
     <p:spTree>
       <p:nvGrpSpPr>
         <p:cNvPr id="1" name=""/>
@@ -6566,230 +7180,30 @@
           </a:p>
         </p:txBody>
       </p:sp>
-      <p:sp>
-        <p:nvSpPr>
-          <p:cNvPr id="3" name="TextBox 2"/>
-          <p:cNvSpPr txBox="1"/>
-          <p:nvPr/>
-        </p:nvSpPr>
-        <p:spPr>
-          <a:xfrm>
-            <a:off x="914400" y="731520"/>
-            <a:ext cx="12801600" cy="1097280"/>
-          </a:xfrm>
-          <a:prstGeom prst="rect">
-            <a:avLst/>
-          </a:prstGeom>
-          <a:noFill/>
-        </p:spPr>
-        <p:txBody>
-          <a:bodyPr wrap="none">
-            <a:spAutoFit/>
-          </a:bodyPr>
-          <a:lstStyle/>
-          <a:p>
-            <a:pPr>
-              <a:defRPr sz="4400" b="1">
-                <a:solidFill>
-                  <a:srgbClr val="FFFFFF"/>
-                </a:solidFill>
-                <a:latin typeface="Arial"/>
-              </a:defRPr>
-            </a:pPr>
-            <a:r>
-              <a:t>Runtime: What Powers Your Code</a:t>
-            </a:r>
-          </a:p>
-        </p:txBody>
-      </p:sp>
-      <p:sp>
-        <p:nvSpPr>
-          <p:cNvPr id="4" name="TextBox 3"/>
-          <p:cNvSpPr txBox="1"/>
-          <p:nvPr/>
-        </p:nvSpPr>
-        <p:spPr>
-          <a:xfrm>
-            <a:off x="1163217" y="2286000"/>
-            <a:ext cx="12801600" cy="5486400"/>
-          </a:xfrm>
-          <a:prstGeom prst="rect">
-            <a:avLst/>
-          </a:prstGeom>
-          <a:noFill/>
-        </p:spPr>
-        <p:txBody>
-          <a:bodyPr wrap="square">
-            <a:spAutoFit/>
-          </a:bodyPr>
-          <a:lstStyle/>
-          <a:p>
-            <a:pPr>
-              <a:spcBef>
-                <a:spcPts val="800"/>
-              </a:spcBef>
-              <a:defRPr sz="2400">
-                <a:solidFill>
-                  <a:srgbClr val="FFFFFF"/>
-                </a:solidFill>
-                <a:latin typeface="Arial"/>
-              </a:defRPr>
-            </a:pPr>
-            <a:r>
-              <a:rPr dirty="0"/>
-              <a:t>When you click Connect, </a:t>
-            </a:r>
-            <a:r>
-              <a:rPr dirty="0" err="1"/>
-              <a:t>Colab</a:t>
-            </a:r>
-            <a:r>
-              <a:rPr dirty="0"/>
-              <a:t> gives you a virtual computer:</a:t>
-            </a:r>
-          </a:p>
-          <a:p>
-            <a:pPr>
-              <a:spcBef>
-                <a:spcPts val="800"/>
-              </a:spcBef>
-              <a:defRPr sz="2400">
-                <a:solidFill>
-                  <a:srgbClr val="FFFFFF"/>
-                </a:solidFill>
-                <a:latin typeface="Arial"/>
-              </a:defRPr>
-            </a:pPr>
-            <a:endParaRPr dirty="0"/>
-          </a:p>
-          <a:p>
-            <a:pPr>
-              <a:spcBef>
-                <a:spcPts val="800"/>
-              </a:spcBef>
-              <a:defRPr sz="2400">
-                <a:solidFill>
-                  <a:srgbClr val="FFFFFF"/>
-                </a:solidFill>
-                <a:latin typeface="Arial"/>
-              </a:defRPr>
-            </a:pPr>
-            <a:r>
-              <a:rPr dirty="0"/>
-              <a:t>• CPU (standard processing)</a:t>
-            </a:r>
-          </a:p>
-          <a:p>
-            <a:pPr>
-              <a:spcBef>
-                <a:spcPts val="800"/>
-              </a:spcBef>
-              <a:defRPr sz="2400">
-                <a:solidFill>
-                  <a:srgbClr val="FFFFFF"/>
-                </a:solidFill>
-                <a:latin typeface="Arial"/>
-              </a:defRPr>
-            </a:pPr>
-            <a:r>
-              <a:rPr dirty="0"/>
-              <a:t>• RAM (memory)</a:t>
-            </a:r>
-          </a:p>
-          <a:p>
-            <a:pPr>
-              <a:spcBef>
-                <a:spcPts val="800"/>
-              </a:spcBef>
-              <a:defRPr sz="2400">
-                <a:solidFill>
-                  <a:srgbClr val="FFFFFF"/>
-                </a:solidFill>
-                <a:latin typeface="Arial"/>
-              </a:defRPr>
-            </a:pPr>
-            <a:r>
-              <a:rPr dirty="0"/>
-              <a:t>• Disk space</a:t>
-            </a:r>
-          </a:p>
-          <a:p>
-            <a:pPr>
-              <a:spcBef>
-                <a:spcPts val="800"/>
-              </a:spcBef>
-              <a:defRPr sz="2400">
-                <a:solidFill>
-                  <a:srgbClr val="FFFFFF"/>
-                </a:solidFill>
-                <a:latin typeface="Arial"/>
-              </a:defRPr>
-            </a:pPr>
-            <a:endParaRPr dirty="0"/>
-          </a:p>
-          <a:p>
-            <a:pPr>
-              <a:spcBef>
-                <a:spcPts val="800"/>
-              </a:spcBef>
-              <a:defRPr sz="2400">
-                <a:solidFill>
-                  <a:srgbClr val="FFFFFF"/>
-                </a:solidFill>
-                <a:latin typeface="Arial"/>
-              </a:defRPr>
-            </a:pPr>
-            <a:r>
-              <a:rPr dirty="0"/>
-              <a:t>And optionally: GPU or TPU for machine learning</a:t>
-            </a:r>
-          </a:p>
-        </p:txBody>
-      </p:sp>
-      <p:sp>
-        <p:nvSpPr>
-          <p:cNvPr id="5" name="Rectangle 4"/>
-          <p:cNvSpPr/>
-          <p:nvPr/>
-        </p:nvSpPr>
-        <p:spPr>
-          <a:xfrm flipH="1">
-            <a:off x="850390" y="2286000"/>
-            <a:ext cx="64009" cy="3206620"/>
-          </a:xfrm>
-          <a:prstGeom prst="rect">
-            <a:avLst/>
-          </a:prstGeom>
-          <a:solidFill>
-            <a:srgbClr val="D2691E"/>
-          </a:solidFill>
-          <a:ln>
-            <a:noFill/>
-          </a:ln>
-        </p:spPr>
-        <p:style>
-          <a:lnRef idx="1">
-            <a:schemeClr val="accent1"/>
-          </a:lnRef>
-          <a:fillRef idx="3">
-            <a:schemeClr val="accent1"/>
-          </a:fillRef>
-          <a:effectRef idx="2">
-            <a:schemeClr val="accent1"/>
-          </a:effectRef>
-          <a:fontRef idx="minor">
-            <a:schemeClr val="lt1"/>
-          </a:fontRef>
-        </p:style>
-        <p:txBody>
-          <a:bodyPr rtlCol="0" anchor="ctr"/>
-          <a:lstStyle/>
-          <a:p>
-            <a:pPr algn="ctr"/>
-            <a:endParaRPr/>
-          </a:p>
-        </p:txBody>
-      </p:sp>
+      <p:pic>
+        <p:nvPicPr>
+          <p:cNvPr id="3" name="Picture 2" descr="Screenshot (16).png"/>
+          <p:cNvPicPr>
+            <a:picLocks noChangeAspect="1"/>
+          </p:cNvPicPr>
+          <p:nvPr/>
+        </p:nvPicPr>
+        <p:blipFill>
+          <a:blip r:embed="rId2"/>
+          <a:stretch>
+            <a:fillRect/>
+          </a:stretch>
+        </p:blipFill>
+        <p:spPr>
+          <a:xfrm>
+            <a:off x="914400" y="457200"/>
+            <a:ext cx="12801600" cy="8534400"/>
+          </a:xfrm>
+          <a:prstGeom prst="rect">
+            <a:avLst/>
+          </a:prstGeom>
+        </p:spPr>
+      </p:pic>
     </p:spTree>
   </p:cSld>
   <p:clrMapOvr>
@@ -6801,6 +7215,14 @@
 <file path=ppt/slides/slide24.xml><?xml version="1.0" encoding="utf-8"?>
 <p:sld xmlns:a="http://schemas.openxmlformats.org/drawingml/2006/main" xmlns:r="http://schemas.openxmlformats.org/officeDocument/2006/relationships" xmlns:p="http://schemas.openxmlformats.org/presentationml/2006/main">
   <p:cSld>
+    <p:bg>
+      <p:bgPr>
+        <a:solidFill>
+          <a:srgbClr val="FFFFFF"/>
+        </a:solidFill>
+        <a:effectLst/>
+      </p:bgPr>
+    </p:bg>
     <p:spTree>
       <p:nvGrpSpPr>
         <p:cNvPr id="1" name=""/>
@@ -6855,53 +7277,7 @@
           <a:lstStyle/>
           <a:p>
             <a:pPr algn="ctr"/>
-            <a:br>
-              <a:rPr lang="en-US" dirty="0"/>
-            </a:br>
-            <a:r>
-              <a:rPr lang="en-US" dirty="0"/>
-              <a:t>\</a:t>
-            </a:r>
-          </a:p>
-          <a:p>
-            <a:pPr algn="ctr"/>
-            <a:endParaRPr lang="en-US" dirty="0"/>
-          </a:p>
-          <a:p>
-            <a:pPr algn="ctr"/>
-            <a:endParaRPr lang="en-US" dirty="0"/>
-          </a:p>
-          <a:p>
-            <a:pPr algn="ctr"/>
-            <a:endParaRPr lang="en-US" dirty="0"/>
-          </a:p>
-          <a:p>
-            <a:pPr algn="ctr"/>
-            <a:endParaRPr lang="en-US" dirty="0"/>
-          </a:p>
-          <a:p>
-            <a:pPr algn="ctr"/>
-            <a:endParaRPr lang="en-US" dirty="0"/>
-          </a:p>
-          <a:p>
-            <a:pPr algn="ctr"/>
-            <a:endParaRPr lang="en-US" dirty="0"/>
-          </a:p>
-          <a:p>
-            <a:pPr algn="ctr"/>
-            <a:endParaRPr lang="en-US" dirty="0"/>
-          </a:p>
-          <a:p>
-            <a:pPr algn="ctr"/>
-            <a:endParaRPr lang="en-US" dirty="0"/>
-          </a:p>
-          <a:p>
-            <a:pPr algn="ctr"/>
-            <a:r>
-              <a:rPr lang="en-US" dirty="0"/>
-              <a:t>\</a:t>
-            </a:r>
-            <a:endParaRPr dirty="0"/>
+            <a:endParaRPr/>
           </a:p>
         </p:txBody>
       </p:sp>
@@ -6936,7 +7312,12 @@
               </a:defRPr>
             </a:pPr>
             <a:r>
-              <a:t>Restarting the Runtime</a:t>
+              <a:rPr>
+                <a:solidFill>
+                  <a:srgbClr val="374151"/>
+                </a:solidFill>
+              </a:rPr>
+              <a:t>Runtime: What Powers Your Code</a:t>
             </a:r>
           </a:p>
         </p:txBody>
@@ -6949,7 +7330,7 @@
         </p:nvSpPr>
         <p:spPr>
           <a:xfrm>
-            <a:off x="1486677" y="2223174"/>
+            <a:off x="1163217" y="2286000"/>
             <a:ext cx="12801600" cy="5486400"/>
           </a:xfrm>
           <a:prstGeom prst="rect">
@@ -6975,8 +7356,28 @@
               </a:defRPr>
             </a:pPr>
             <a:r>
-              <a:rPr dirty="0"/>
-              <a:t>If your code isn't working as expected:</a:t>
+              <a:rPr dirty="0">
+                <a:solidFill>
+                  <a:srgbClr val="374151"/>
+                </a:solidFill>
+              </a:rPr>
+              <a:t>When you click Connect, </a:t>
+            </a:r>
+            <a:r>
+              <a:rPr dirty="0" err="1">
+                <a:solidFill>
+                  <a:srgbClr val="374151"/>
+                </a:solidFill>
+              </a:rPr>
+              <a:t>Colab</a:t>
+            </a:r>
+            <a:r>
+              <a:rPr dirty="0">
+                <a:solidFill>
+                  <a:srgbClr val="374151"/>
+                </a:solidFill>
+              </a:rPr>
+              <a:t> gives you a virtual computer:</a:t>
             </a:r>
           </a:p>
           <a:p>
@@ -7006,8 +7407,12 @@
               </a:defRPr>
             </a:pPr>
             <a:r>
-              <a:rPr dirty="0"/>
-              <a:t>Runtime → Restart runtime</a:t>
+              <a:rPr dirty="0">
+                <a:solidFill>
+                  <a:srgbClr val="374151"/>
+                </a:solidFill>
+              </a:rPr>
+              <a:t>• CPU (standard processing)</a:t>
             </a:r>
           </a:p>
           <a:p>
@@ -7022,7 +7427,14 @@
                 <a:latin typeface="Arial"/>
               </a:defRPr>
             </a:pPr>
-            <a:endParaRPr dirty="0"/>
+            <a:r>
+              <a:rPr dirty="0">
+                <a:solidFill>
+                  <a:srgbClr val="374151"/>
+                </a:solidFill>
+              </a:rPr>
+              <a:t>• RAM (memory)</a:t>
+            </a:r>
           </a:p>
           <a:p>
             <a:pPr>
@@ -7037,8 +7449,12 @@
               </a:defRPr>
             </a:pPr>
             <a:r>
-              <a:rPr dirty="0"/>
-              <a:t>This clears all variables and starts fresh.</a:t>
+              <a:rPr dirty="0">
+                <a:solidFill>
+                  <a:srgbClr val="374151"/>
+                </a:solidFill>
+              </a:rPr>
+              <a:t>• Disk space</a:t>
             </a:r>
           </a:p>
           <a:p>
@@ -7068,28 +7484,26 @@
               </a:defRPr>
             </a:pPr>
             <a:r>
-              <a:rPr dirty="0"/>
-              <a:t>Note: You'll need to re-run your cells after restarting</a:t>
-            </a:r>
-          </a:p>
-        </p:txBody>
-      </p:sp>
-      <p:sp>
-        <p:nvSpPr>
-          <p:cNvPr id="5" name="Rectangle 4">
-            <a:extLst>
-              <a:ext uri="{FF2B5EF4-FFF2-40B4-BE49-F238E27FC236}">
-                <a16:creationId xmlns:a16="http://schemas.microsoft.com/office/drawing/2014/main" id="{F7F9F656-9705-04F7-60B3-8DD177DD0449}"/>
-              </a:ext>
-            </a:extLst>
-          </p:cNvPr>
+              <a:rPr dirty="0">
+                <a:solidFill>
+                  <a:srgbClr val="374151"/>
+                </a:solidFill>
+              </a:rPr>
+              <a:t>And optionally: GPU or TPU for machine learning</a:t>
+            </a:r>
+          </a:p>
+        </p:txBody>
+      </p:sp>
+      <p:sp>
+        <p:nvSpPr>
+          <p:cNvPr id="5" name="Rectangle 4"/>
           <p:cNvSpPr/>
           <p:nvPr/>
         </p:nvSpPr>
         <p:spPr>
-          <a:xfrm>
-            <a:off x="1071402" y="2185851"/>
-            <a:ext cx="73152" cy="3247053"/>
+          <a:xfrm flipH="1">
+            <a:off x="850390" y="2286000"/>
+            <a:ext cx="64009" cy="3206620"/>
           </a:xfrm>
           <a:prstGeom prst="rect">
             <a:avLst/>
@@ -7135,6 +7549,14 @@
 <file path=ppt/slides/slide25.xml><?xml version="1.0" encoding="utf-8"?>
 <p:sld xmlns:a="http://schemas.openxmlformats.org/drawingml/2006/main" xmlns:r="http://schemas.openxmlformats.org/officeDocument/2006/relationships" xmlns:p="http://schemas.openxmlformats.org/presentationml/2006/main">
   <p:cSld>
+    <p:bg>
+      <p:bgPr>
+        <a:solidFill>
+          <a:srgbClr val="FFFFFF"/>
+        </a:solidFill>
+        <a:effectLst/>
+      </p:bgPr>
+    </p:bg>
     <p:spTree>
       <p:nvGrpSpPr>
         <p:cNvPr id="1" name=""/>
@@ -7189,7 +7611,61 @@
           <a:lstStyle/>
           <a:p>
             <a:pPr algn="ctr"/>
-            <a:endParaRPr/>
+            <a:br>
+              <a:rPr lang="en-US" dirty="0"/>
+            </a:br>
+            <a:r>
+              <a:rPr lang="en-US" dirty="0">
+                <a:solidFill>
+                  <a:srgbClr val="374151"/>
+                </a:solidFill>
+              </a:rPr>
+              <a:t>\</a:t>
+            </a:r>
+          </a:p>
+          <a:p>
+            <a:pPr algn="ctr"/>
+            <a:endParaRPr lang="en-US" dirty="0"/>
+          </a:p>
+          <a:p>
+            <a:pPr algn="ctr"/>
+            <a:endParaRPr lang="en-US" dirty="0"/>
+          </a:p>
+          <a:p>
+            <a:pPr algn="ctr"/>
+            <a:endParaRPr lang="en-US" dirty="0"/>
+          </a:p>
+          <a:p>
+            <a:pPr algn="ctr"/>
+            <a:endParaRPr lang="en-US" dirty="0"/>
+          </a:p>
+          <a:p>
+            <a:pPr algn="ctr"/>
+            <a:endParaRPr lang="en-US" dirty="0"/>
+          </a:p>
+          <a:p>
+            <a:pPr algn="ctr"/>
+            <a:endParaRPr lang="en-US" dirty="0"/>
+          </a:p>
+          <a:p>
+            <a:pPr algn="ctr"/>
+            <a:endParaRPr lang="en-US" dirty="0"/>
+          </a:p>
+          <a:p>
+            <a:pPr algn="ctr"/>
+            <a:endParaRPr lang="en-US" dirty="0"/>
+          </a:p>
+          <a:p>
+            <a:pPr algn="ctr"/>
+            <a:r>
+              <a:rPr lang="en-US" dirty="0">
+                <a:solidFill>
+                  <a:srgbClr val="374151"/>
+                </a:solidFill>
+              </a:rPr>
+              <a:t>\</a:t>
+            </a:r>
+            <a:endParaRPr dirty="0"/>
           </a:p>
         </p:txBody>
       </p:sp>
@@ -7224,7 +7700,12 @@
               </a:defRPr>
             </a:pPr>
             <a:r>
-              <a:t>Session Limits</a:t>
+              <a:rPr>
+                <a:solidFill>
+                  <a:srgbClr val="374151"/>
+                </a:solidFill>
+              </a:rPr>
+              <a:t>Restarting the Runtime</a:t>
             </a:r>
           </a:p>
         </p:txBody>
@@ -7237,7 +7718,7 @@
         </p:nvSpPr>
         <p:spPr>
           <a:xfrm>
-            <a:off x="1542660" y="2220686"/>
+            <a:off x="1486677" y="2223174"/>
             <a:ext cx="12801600" cy="5486400"/>
           </a:xfrm>
           <a:prstGeom prst="rect">
@@ -7263,16 +7744,12 @@
               </a:defRPr>
             </a:pPr>
             <a:r>
-              <a:rPr dirty="0"/>
-              <a:t>Free </a:t>
-            </a:r>
-            <a:r>
-              <a:rPr dirty="0" err="1"/>
-              <a:t>Colab</a:t>
-            </a:r>
-            <a:r>
-              <a:rPr dirty="0"/>
-              <a:t> limitations:</a:t>
+              <a:rPr dirty="0">
+                <a:solidFill>
+                  <a:srgbClr val="374151"/>
+                </a:solidFill>
+              </a:rPr>
+              <a:t>If your code isn't working as expected:</a:t>
             </a:r>
           </a:p>
           <a:p>
@@ -7302,8 +7779,12 @@
               </a:defRPr>
             </a:pPr>
             <a:r>
-              <a:rPr dirty="0"/>
-              <a:t>• Sessions disconnect after ~90 minutes idle</a:t>
+              <a:rPr dirty="0">
+                <a:solidFill>
+                  <a:srgbClr val="374151"/>
+                </a:solidFill>
+              </a:rPr>
+              <a:t>Runtime → Restart runtime</a:t>
             </a:r>
           </a:p>
           <a:p>
@@ -7318,10 +7799,7 @@
                 <a:latin typeface="Arial"/>
               </a:defRPr>
             </a:pPr>
-            <a:r>
-              <a:rPr dirty="0"/>
-              <a:t>• Maximum ~12 hours continuous use</a:t>
-            </a:r>
+            <a:endParaRPr dirty="0"/>
           </a:p>
           <a:p>
             <a:pPr>
@@ -7336,8 +7814,12 @@
               </a:defRPr>
             </a:pPr>
             <a:r>
-              <a:rPr dirty="0"/>
-              <a:t>• Limited GPU/TPU hours per week</a:t>
+              <a:rPr dirty="0">
+                <a:solidFill>
+                  <a:srgbClr val="374151"/>
+                </a:solidFill>
+              </a:rPr>
+              <a:t>This clears all variables and starts fresh.</a:t>
             </a:r>
           </a:p>
           <a:p>
@@ -7367,21 +7849,31 @@
               </a:defRPr>
             </a:pPr>
             <a:r>
-              <a:rPr dirty="0"/>
-              <a:t>Tip: Save your work frequently!</a:t>
-            </a:r>
-          </a:p>
-        </p:txBody>
-      </p:sp>
-      <p:sp>
-        <p:nvSpPr>
-          <p:cNvPr id="5" name="Rectangle 4"/>
+              <a:rPr dirty="0">
+                <a:solidFill>
+                  <a:srgbClr val="374151"/>
+                </a:solidFill>
+              </a:rPr>
+              <a:t>Note: You'll need to re-run your cells after restarting</a:t>
+            </a:r>
+          </a:p>
+        </p:txBody>
+      </p:sp>
+      <p:sp>
+        <p:nvSpPr>
+          <p:cNvPr id="5" name="Rectangle 4">
+            <a:extLst>
+              <a:ext uri="{FF2B5EF4-FFF2-40B4-BE49-F238E27FC236}">
+                <a16:creationId xmlns:a16="http://schemas.microsoft.com/office/drawing/2014/main" id="{F7F9F656-9705-04F7-60B3-8DD177DD0449}"/>
+              </a:ext>
+            </a:extLst>
+          </p:cNvPr>
           <p:cNvSpPr/>
           <p:nvPr/>
         </p:nvSpPr>
         <p:spPr>
           <a:xfrm>
-            <a:off x="1070656" y="2220686"/>
+            <a:off x="1071402" y="2185851"/>
             <a:ext cx="73152" cy="3247053"/>
           </a:xfrm>
           <a:prstGeom prst="rect">
@@ -7428,6 +7920,14 @@
 <file path=ppt/slides/slide26.xml><?xml version="1.0" encoding="utf-8"?>
 <p:sld xmlns:a="http://schemas.openxmlformats.org/drawingml/2006/main" xmlns:r="http://schemas.openxmlformats.org/officeDocument/2006/relationships" xmlns:p="http://schemas.openxmlformats.org/presentationml/2006/main">
   <p:cSld>
+    <p:bg>
+      <p:bgPr>
+        <a:solidFill>
+          <a:srgbClr val="FFFFFF"/>
+        </a:solidFill>
+        <a:effectLst/>
+      </p:bgPr>
+    </p:bg>
     <p:spTree>
       <p:nvGrpSpPr>
         <p:cNvPr id="1" name=""/>
@@ -7517,7 +8017,12 @@
               </a:defRPr>
             </a:pPr>
             <a:r>
-              <a:t>Saving Your Work</a:t>
+              <a:rPr>
+                <a:solidFill>
+                  <a:srgbClr val="374151"/>
+                </a:solidFill>
+              </a:rPr>
+              <a:t>Session Limits</a:t>
             </a:r>
           </a:p>
         </p:txBody>
@@ -7530,7 +8035,7 @@
         </p:nvSpPr>
         <p:spPr>
           <a:xfrm>
-            <a:off x="1212979" y="2198292"/>
+            <a:off x="1542660" y="2220686"/>
             <a:ext cx="12801600" cy="5486400"/>
           </a:xfrm>
           <a:prstGeom prst="rect">
@@ -7556,16 +8061,28 @@
               </a:defRPr>
             </a:pPr>
             <a:r>
-              <a:rPr dirty="0"/>
-              <a:t>Automatic: </a:t>
-            </a:r>
-            <a:r>
-              <a:rPr dirty="0" err="1"/>
+              <a:rPr dirty="0">
+                <a:solidFill>
+                  <a:srgbClr val="374151"/>
+                </a:solidFill>
+              </a:rPr>
+              <a:t>Free </a:t>
+            </a:r>
+            <a:r>
+              <a:rPr dirty="0" err="1">
+                <a:solidFill>
+                  <a:srgbClr val="374151"/>
+                </a:solidFill>
+              </a:rPr>
               <a:t>Colab</a:t>
             </a:r>
             <a:r>
-              <a:rPr dirty="0"/>
-              <a:t> saves to Google Drive automatically</a:t>
+              <a:rPr dirty="0">
+                <a:solidFill>
+                  <a:srgbClr val="374151"/>
+                </a:solidFill>
+              </a:rPr>
+              <a:t> limitations:</a:t>
             </a:r>
           </a:p>
           <a:p>
@@ -7595,8 +8112,12 @@
               </a:defRPr>
             </a:pPr>
             <a:r>
-              <a:rPr dirty="0"/>
-              <a:t>Manual save: Ctrl + S or File → Save</a:t>
+              <a:rPr dirty="0">
+                <a:solidFill>
+                  <a:srgbClr val="374151"/>
+                </a:solidFill>
+              </a:rPr>
+              <a:t>• Sessions disconnect after ~90 minutes idle</a:t>
             </a:r>
           </a:p>
           <a:p>
@@ -7611,7 +8132,14 @@
                 <a:latin typeface="Arial"/>
               </a:defRPr>
             </a:pPr>
-            <a:endParaRPr dirty="0"/>
+            <a:r>
+              <a:rPr dirty="0">
+                <a:solidFill>
+                  <a:srgbClr val="374151"/>
+                </a:solidFill>
+              </a:rPr>
+              <a:t>• Maximum ~12 hours continuous use</a:t>
+            </a:r>
           </a:p>
           <a:p>
             <a:pPr>
@@ -7626,8 +8154,12 @@
               </a:defRPr>
             </a:pPr>
             <a:r>
-              <a:rPr dirty="0"/>
-              <a:t>Download options (File menu):</a:t>
+              <a:rPr dirty="0">
+                <a:solidFill>
+                  <a:srgbClr val="374151"/>
+                </a:solidFill>
+              </a:rPr>
+              <a:t>• Limited GPU/TPU hours per week</a:t>
             </a:r>
           </a:p>
           <a:p>
@@ -7642,26 +8174,7 @@
                 <a:latin typeface="Arial"/>
               </a:defRPr>
             </a:pPr>
-            <a:r>
-              <a:rPr dirty="0"/>
-              <a:t>• Download as .</a:t>
-            </a:r>
-            <a:r>
-              <a:rPr dirty="0" err="1"/>
-              <a:t>ipynb</a:t>
-            </a:r>
-            <a:r>
-              <a:rPr dirty="0"/>
-              <a:t> (</a:t>
-            </a:r>
-            <a:r>
-              <a:rPr dirty="0" err="1"/>
-              <a:t>Jupyter</a:t>
-            </a:r>
-            <a:r>
-              <a:rPr dirty="0"/>
-              <a:t> notebook)</a:t>
-            </a:r>
+            <a:endParaRPr dirty="0"/>
           </a:p>
           <a:p>
             <a:pPr>
@@ -7676,16 +8189,12 @@
               </a:defRPr>
             </a:pPr>
             <a:r>
-              <a:rPr dirty="0"/>
-              <a:t>• Download as .</a:t>
-            </a:r>
-            <a:r>
-              <a:rPr dirty="0" err="1"/>
-              <a:t>py</a:t>
-            </a:r>
-            <a:r>
-              <a:rPr dirty="0"/>
-              <a:t> (Python script)</a:t>
+              <a:rPr dirty="0">
+                <a:solidFill>
+                  <a:srgbClr val="374151"/>
+                </a:solidFill>
+              </a:rPr>
+              <a:t>Tip: Save your work frequently!</a:t>
             </a:r>
           </a:p>
         </p:txBody>
@@ -7698,8 +8207,8 @@
         </p:nvSpPr>
         <p:spPr>
           <a:xfrm>
-            <a:off x="777240" y="2289110"/>
-            <a:ext cx="73152" cy="3054221"/>
+            <a:off x="1070656" y="2220686"/>
+            <a:ext cx="73152" cy="3247053"/>
           </a:xfrm>
           <a:prstGeom prst="rect">
             <a:avLst/>
@@ -7745,6 +8254,14 @@
 <file path=ppt/slides/slide27.xml><?xml version="1.0" encoding="utf-8"?>
 <p:sld xmlns:a="http://schemas.openxmlformats.org/drawingml/2006/main" xmlns:r="http://schemas.openxmlformats.org/officeDocument/2006/relationships" xmlns:p="http://schemas.openxmlformats.org/presentationml/2006/main">
   <p:cSld>
+    <p:bg>
+      <p:bgPr>
+        <a:solidFill>
+          <a:srgbClr val="FFFFFF"/>
+        </a:solidFill>
+        <a:effectLst/>
+      </p:bgPr>
+    </p:bg>
     <p:spTree>
       <p:nvGrpSpPr>
         <p:cNvPr id="1" name=""/>
@@ -7834,7 +8351,12 @@
               </a:defRPr>
             </a:pPr>
             <a:r>
-              <a:t>Where Are My Notebooks?</a:t>
+              <a:rPr>
+                <a:solidFill>
+                  <a:srgbClr val="374151"/>
+                </a:solidFill>
+              </a:rPr>
+              <a:t>Saving Your Work</a:t>
             </a:r>
           </a:p>
         </p:txBody>
@@ -7847,7 +8369,7 @@
         </p:nvSpPr>
         <p:spPr>
           <a:xfrm>
-            <a:off x="1262743" y="2294709"/>
+            <a:off x="1212979" y="2198292"/>
             <a:ext cx="12801600" cy="5486400"/>
           </a:xfrm>
           <a:prstGeom prst="rect">
@@ -7873,8 +8395,28 @@
               </a:defRPr>
             </a:pPr>
             <a:r>
-              <a:rPr dirty="0"/>
-              <a:t>Your notebooks are saved in Google Drive:</a:t>
+              <a:rPr dirty="0">
+                <a:solidFill>
+                  <a:srgbClr val="374151"/>
+                </a:solidFill>
+              </a:rPr>
+              <a:t>Automatic: </a:t>
+            </a:r>
+            <a:r>
+              <a:rPr dirty="0" err="1">
+                <a:solidFill>
+                  <a:srgbClr val="374151"/>
+                </a:solidFill>
+              </a:rPr>
+              <a:t>Colab</a:t>
+            </a:r>
+            <a:r>
+              <a:rPr dirty="0">
+                <a:solidFill>
+                  <a:srgbClr val="374151"/>
+                </a:solidFill>
+              </a:rPr>
+              <a:t> saves to Google Drive automatically</a:t>
             </a:r>
           </a:p>
           <a:p>
@@ -7889,18 +8431,7 @@
                 <a:latin typeface="Arial"/>
               </a:defRPr>
             </a:pPr>
-            <a:r>
-              <a:rPr dirty="0"/>
-              <a:t>My Drive/</a:t>
-            </a:r>
-            <a:r>
-              <a:rPr dirty="0" err="1"/>
-              <a:t>Colab</a:t>
-            </a:r>
-            <a:r>
-              <a:rPr dirty="0"/>
-              <a:t> Notebooks/</a:t>
-            </a:r>
+            <a:endParaRPr dirty="0"/>
           </a:p>
           <a:p>
             <a:pPr>
@@ -7914,7 +8445,14 @@
                 <a:latin typeface="Arial"/>
               </a:defRPr>
             </a:pPr>
-            <a:endParaRPr dirty="0"/>
+            <a:r>
+              <a:rPr dirty="0">
+                <a:solidFill>
+                  <a:srgbClr val="374151"/>
+                </a:solidFill>
+              </a:rPr>
+              <a:t>Manual save: Ctrl + S or File → Save</a:t>
+            </a:r>
           </a:p>
           <a:p>
             <a:pPr>
@@ -7928,10 +8466,7 @@
                 <a:latin typeface="Arial"/>
               </a:defRPr>
             </a:pPr>
-            <a:r>
-              <a:rPr dirty="0"/>
-              <a:t>You can also:</a:t>
-            </a:r>
+            <a:endParaRPr dirty="0"/>
           </a:p>
           <a:p>
             <a:pPr>
@@ -7946,8 +8481,12 @@
               </a:defRPr>
             </a:pPr>
             <a:r>
-              <a:rPr dirty="0"/>
-              <a:t>• Save a copy to GitHub</a:t>
+              <a:rPr dirty="0">
+                <a:solidFill>
+                  <a:srgbClr val="374151"/>
+                </a:solidFill>
+              </a:rPr>
+              <a:t>Download options (File menu):</a:t>
             </a:r>
           </a:p>
           <a:p>
@@ -7963,8 +8502,44 @@
               </a:defRPr>
             </a:pPr>
             <a:r>
-              <a:rPr dirty="0"/>
-              <a:t>• Save a copy in Drive with a new name</a:t>
+              <a:rPr dirty="0">
+                <a:solidFill>
+                  <a:srgbClr val="374151"/>
+                </a:solidFill>
+              </a:rPr>
+              <a:t>• Download as .</a:t>
+            </a:r>
+            <a:r>
+              <a:rPr dirty="0" err="1">
+                <a:solidFill>
+                  <a:srgbClr val="374151"/>
+                </a:solidFill>
+              </a:rPr>
+              <a:t>ipynb</a:t>
+            </a:r>
+            <a:r>
+              <a:rPr dirty="0">
+                <a:solidFill>
+                  <a:srgbClr val="374151"/>
+                </a:solidFill>
+              </a:rPr>
+              <a:t> (</a:t>
+            </a:r>
+            <a:r>
+              <a:rPr dirty="0" err="1">
+                <a:solidFill>
+                  <a:srgbClr val="374151"/>
+                </a:solidFill>
+              </a:rPr>
+              <a:t>Jupyter</a:t>
+            </a:r>
+            <a:r>
+              <a:rPr dirty="0">
+                <a:solidFill>
+                  <a:srgbClr val="374151"/>
+                </a:solidFill>
+              </a:rPr>
+              <a:t> notebook)</a:t>
             </a:r>
           </a:p>
           <a:p>
@@ -7980,8 +8555,28 @@
               </a:defRPr>
             </a:pPr>
             <a:r>
-              <a:rPr dirty="0"/>
-              <a:t>• Download to your computer</a:t>
+              <a:rPr dirty="0">
+                <a:solidFill>
+                  <a:srgbClr val="374151"/>
+                </a:solidFill>
+              </a:rPr>
+              <a:t>• Download as .</a:t>
+            </a:r>
+            <a:r>
+              <a:rPr dirty="0" err="1">
+                <a:solidFill>
+                  <a:srgbClr val="374151"/>
+                </a:solidFill>
+              </a:rPr>
+              <a:t>py</a:t>
+            </a:r>
+            <a:r>
+              <a:rPr dirty="0">
+                <a:solidFill>
+                  <a:srgbClr val="374151"/>
+                </a:solidFill>
+              </a:rPr>
+              <a:t> (Python script)</a:t>
             </a:r>
           </a:p>
         </p:txBody>
@@ -7994,8 +8589,8 @@
         </p:nvSpPr>
         <p:spPr>
           <a:xfrm>
-            <a:off x="777240" y="2388637"/>
-            <a:ext cx="73152" cy="3103984"/>
+            <a:off x="777240" y="2289110"/>
+            <a:ext cx="73152" cy="3054221"/>
           </a:xfrm>
           <a:prstGeom prst="rect">
             <a:avLst/>
@@ -8039,462 +8634,16 @@
 </file>
 
 <file path=ppt/slides/slide28.xml><?xml version="1.0" encoding="utf-8"?>
-<p:sld xmlns:a="http://schemas.openxmlformats.org/drawingml/2006/main" xmlns:p="http://schemas.openxmlformats.org/presentationml/2006/main" xmlns:r="http://schemas.openxmlformats.org/officeDocument/2006/relationships">
-  <p:cSld>
-    <p:spTree>
-      <p:nvGrpSpPr>
-        <p:cNvPr id="1" name=""/>
-        <p:cNvGrpSpPr/>
-        <p:nvPr/>
-      </p:nvGrpSpPr>
-      <p:grpSpPr/>
-      <p:sp>
-        <p:nvSpPr>
-          <p:cNvPr id="2" name="TextBox 1"/>
-          <p:cNvSpPr txBox="1"/>
-          <p:nvPr/>
-        </p:nvSpPr>
-        <p:spPr>
-          <a:xfrm>
-            <a:off x="793790" y="894278"/>
-            <a:ext cx="13042821" cy="1417558"/>
-          </a:xfrm>
-          <a:prstGeom prst="rect">
-            <a:avLst/>
-          </a:prstGeom>
-          <a:noFill/>
-        </p:spPr>
-        <p:txBody>
-          <a:bodyPr wrap="square">
-            <a:spAutoFit/>
-          </a:bodyPr>
-          <a:lstStyle/>
-          <a:p>
-            <a:pPr algn="l"/>
-            <a:r>
-              <a:rPr sz="4450" b="1">
-                <a:solidFill>
-                  <a:srgbClr val="000000"/>
-                </a:solidFill>
-                <a:latin typeface="Inter Bold"/>
-              </a:rPr>
-              <a:t>How Notebooks Work: The Runtime Connection</a:t>
-            </a:r>
-          </a:p>
-        </p:txBody>
-      </p:sp>
-      <p:pic>
-        <p:nvPicPr>
-          <p:cNvPr id="3" name="Picture 2" descr="image.png"/>
-          <p:cNvPicPr>
-            <a:picLocks noChangeAspect="1"/>
-          </p:cNvPicPr>
-          <p:nvPr/>
-        </p:nvPicPr>
-        <p:blipFill>
-          <a:blip r:embed="rId2"/>
-          <a:stretch>
-            <a:fillRect/>
-          </a:stretch>
-        </p:blipFill>
-        <p:spPr>
-          <a:xfrm>
-            <a:off x="793790" y="2907149"/>
-            <a:ext cx="5564862" cy="2546866"/>
-          </a:xfrm>
-          <a:prstGeom prst="rect">
-            <a:avLst/>
-          </a:prstGeom>
-        </p:spPr>
-      </p:pic>
-      <p:pic>
-        <p:nvPicPr>
-          <p:cNvPr id="4" name="Picture 3" descr="image.png"/>
-          <p:cNvPicPr>
-            <a:picLocks noChangeAspect="1"/>
-          </p:cNvPicPr>
-          <p:nvPr/>
-        </p:nvPicPr>
-        <p:blipFill>
-          <a:blip r:embed="rId3"/>
-          <a:stretch>
-            <a:fillRect/>
-          </a:stretch>
-        </p:blipFill>
-        <p:spPr>
-          <a:xfrm>
-            <a:off x="5373611" y="3543033"/>
-            <a:ext cx="357797" cy="357797"/>
-          </a:xfrm>
-          <a:prstGeom prst="rect">
-            <a:avLst/>
-          </a:prstGeom>
-        </p:spPr>
-      </p:pic>
-      <p:sp>
-        <p:nvSpPr>
-          <p:cNvPr id="5" name="TextBox 4"/>
-          <p:cNvSpPr txBox="1"/>
-          <p:nvPr/>
-        </p:nvSpPr>
-        <p:spPr>
-          <a:xfrm>
-            <a:off x="5054837" y="4748584"/>
-            <a:ext cx="1044766" cy="402521"/>
-          </a:xfrm>
-          <a:prstGeom prst="rect">
-            <a:avLst/>
-          </a:prstGeom>
-          <a:noFill/>
-        </p:spPr>
-        <p:txBody>
-          <a:bodyPr wrap="square">
-            <a:spAutoFit/>
-          </a:bodyPr>
-          <a:lstStyle/>
-          <a:p>
-            <a:pPr algn="ctr"/>
-            <a:r>
-              <a:rPr sz="1350" b="1">
-                <a:solidFill>
-                  <a:srgbClr val="272525"/>
-                </a:solidFill>
-                <a:latin typeface="Inter Bold"/>
-              </a:rPr>
-              <a:t>Display Results</a:t>
-            </a:r>
-          </a:p>
-        </p:txBody>
-      </p:sp>
-      <p:pic>
-        <p:nvPicPr>
-          <p:cNvPr id="6" name="Picture 5" descr="image.png"/>
-          <p:cNvPicPr>
-            <a:picLocks noChangeAspect="1"/>
-          </p:cNvPicPr>
-          <p:nvPr/>
-        </p:nvPicPr>
-        <p:blipFill>
-          <a:blip r:embed="rId3"/>
-          <a:stretch>
-            <a:fillRect/>
-          </a:stretch>
-        </p:blipFill>
-        <p:spPr>
-          <a:xfrm>
-            <a:off x="4063740" y="3543704"/>
-            <a:ext cx="357797" cy="357796"/>
-          </a:xfrm>
-          <a:prstGeom prst="rect">
-            <a:avLst/>
-          </a:prstGeom>
-        </p:spPr>
-      </p:pic>
-      <p:sp>
-        <p:nvSpPr>
-          <p:cNvPr id="7" name="TextBox 6"/>
-          <p:cNvSpPr txBox="1"/>
-          <p:nvPr/>
-        </p:nvSpPr>
-        <p:spPr>
-          <a:xfrm>
-            <a:off x="3738145" y="4748584"/>
-            <a:ext cx="1044766" cy="402521"/>
-          </a:xfrm>
-          <a:prstGeom prst="rect">
-            <a:avLst/>
-          </a:prstGeom>
-          <a:noFill/>
-        </p:spPr>
-        <p:txBody>
-          <a:bodyPr wrap="square">
-            <a:spAutoFit/>
-          </a:bodyPr>
-          <a:lstStyle/>
-          <a:p>
-            <a:pPr algn="ctr"/>
-            <a:r>
-              <a:rPr sz="1350" b="1">
-                <a:solidFill>
-                  <a:srgbClr val="272525"/>
-                </a:solidFill>
-                <a:latin typeface="Inter Bold"/>
-              </a:rPr>
-              <a:t>Return Output</a:t>
-            </a:r>
-          </a:p>
-        </p:txBody>
-      </p:sp>
-      <p:pic>
-        <p:nvPicPr>
-          <p:cNvPr id="8" name="Picture 7" descr="image.png"/>
-          <p:cNvPicPr>
-            <a:picLocks noChangeAspect="1"/>
-          </p:cNvPicPr>
-          <p:nvPr/>
-        </p:nvPicPr>
-        <p:blipFill>
-          <a:blip r:embed="rId3"/>
-          <a:stretch>
-            <a:fillRect/>
-          </a:stretch>
-        </p:blipFill>
-        <p:spPr>
-          <a:xfrm>
-            <a:off x="2754205" y="3543704"/>
-            <a:ext cx="357797" cy="357796"/>
-          </a:xfrm>
-          <a:prstGeom prst="rect">
-            <a:avLst/>
-          </a:prstGeom>
-        </p:spPr>
-      </p:pic>
-      <p:sp>
-        <p:nvSpPr>
-          <p:cNvPr id="9" name="TextBox 8"/>
-          <p:cNvSpPr txBox="1"/>
-          <p:nvPr/>
-        </p:nvSpPr>
-        <p:spPr>
-          <a:xfrm>
-            <a:off x="2428610" y="4849214"/>
-            <a:ext cx="1044766" cy="201261"/>
-          </a:xfrm>
-          <a:prstGeom prst="rect">
-            <a:avLst/>
-          </a:prstGeom>
-          <a:noFill/>
-        </p:spPr>
-        <p:txBody>
-          <a:bodyPr wrap="none">
-            <a:spAutoFit/>
-          </a:bodyPr>
-          <a:lstStyle/>
-          <a:p>
-            <a:pPr algn="ctr"/>
-            <a:r>
-              <a:rPr sz="1350" b="1">
-                <a:solidFill>
-                  <a:srgbClr val="272525"/>
-                </a:solidFill>
-                <a:latin typeface="Inter Bold"/>
-              </a:rPr>
-              <a:t>Execute</a:t>
-            </a:r>
-          </a:p>
-        </p:txBody>
-      </p:sp>
-      <p:pic>
-        <p:nvPicPr>
-          <p:cNvPr id="10" name="Picture 9" descr="image.png"/>
-          <p:cNvPicPr>
-            <a:picLocks noChangeAspect="1"/>
-          </p:cNvPicPr>
-          <p:nvPr/>
-        </p:nvPicPr>
-        <p:blipFill>
-          <a:blip r:embed="rId3"/>
-          <a:stretch>
-            <a:fillRect/>
-          </a:stretch>
-        </p:blipFill>
-        <p:spPr>
-          <a:xfrm>
-            <a:off x="1437513" y="3543704"/>
-            <a:ext cx="357797" cy="357796"/>
-          </a:xfrm>
-          <a:prstGeom prst="rect">
-            <a:avLst/>
-          </a:prstGeom>
-        </p:spPr>
-      </p:pic>
-      <p:sp>
-        <p:nvSpPr>
-          <p:cNvPr id="11" name="TextBox 10"/>
-          <p:cNvSpPr txBox="1"/>
-          <p:nvPr/>
-        </p:nvSpPr>
-        <p:spPr>
-          <a:xfrm>
-            <a:off x="1090451" y="4849214"/>
-            <a:ext cx="1044766" cy="201261"/>
-          </a:xfrm>
-          <a:prstGeom prst="rect">
-            <a:avLst/>
-          </a:prstGeom>
-          <a:noFill/>
-        </p:spPr>
-        <p:txBody>
-          <a:bodyPr wrap="none">
-            <a:spAutoFit/>
-          </a:bodyPr>
-          <a:lstStyle/>
-          <a:p>
-            <a:pPr algn="ctr"/>
-            <a:r>
-              <a:rPr sz="1350" b="1">
-                <a:solidFill>
-                  <a:srgbClr val="272525"/>
-                </a:solidFill>
-                <a:latin typeface="Inter Bold"/>
-              </a:rPr>
-              <a:t>Send Code</a:t>
-            </a:r>
-          </a:p>
-        </p:txBody>
-      </p:sp>
-      <p:sp>
-        <p:nvSpPr>
-          <p:cNvPr id="12" name="TextBox 11"/>
-          <p:cNvSpPr txBox="1"/>
-          <p:nvPr/>
-        </p:nvSpPr>
-        <p:spPr>
-          <a:xfrm>
-            <a:off x="6919674" y="2856071"/>
-            <a:ext cx="6924437" cy="725805"/>
-          </a:xfrm>
-          <a:prstGeom prst="rect">
-            <a:avLst/>
-          </a:prstGeom>
-          <a:noFill/>
-        </p:spPr>
-        <p:txBody>
-          <a:bodyPr wrap="square">
-            <a:spAutoFit/>
-          </a:bodyPr>
-          <a:lstStyle/>
-          <a:p>
-            <a:pPr algn="l"/>
-            <a:r>
-              <a:rPr sz="1750">
-                <a:solidFill>
-                  <a:srgbClr val="272525"/>
-                </a:solidFill>
-                <a:latin typeface="Inter"/>
-              </a:rPr>
-              <a:t>Think of a Jupyter notebook as a conversation between you and a computer. Here's the workflow:</a:t>
-            </a:r>
-          </a:p>
-        </p:txBody>
-      </p:sp>
-      <p:sp>
-        <p:nvSpPr>
-          <p:cNvPr id="13" name="TextBox 12"/>
-          <p:cNvSpPr txBox="1"/>
-          <p:nvPr/>
-        </p:nvSpPr>
-        <p:spPr>
-          <a:xfrm>
-            <a:off x="6919674" y="3785949"/>
-            <a:ext cx="6924437" cy="2177548"/>
-          </a:xfrm>
-          <a:prstGeom prst="rect">
-            <a:avLst/>
-          </a:prstGeom>
-          <a:noFill/>
-        </p:spPr>
-        <p:txBody>
-          <a:bodyPr wrap="square">
-            <a:spAutoFit/>
-          </a:bodyPr>
-          <a:lstStyle/>
-          <a:p>
-            <a:pPr algn="l"/>
-            <a:r>
-              <a:rPr sz="1750">
-                <a:solidFill>
-                  <a:srgbClr val="272525"/>
-                </a:solidFill>
-                <a:latin typeface="Inter"/>
-              </a:rPr>
-              <a:t>Your notebook transmits code to a runtime environment (called a kernel)</a:t>
-            </a:r>
-          </a:p>
-          <a:p>
-            <a:pPr algn="l"/>
-            <a:r>
-              <a:rPr sz="1750">
-                <a:solidFill>
-                  <a:srgbClr val="272525"/>
-                </a:solidFill>
-                <a:latin typeface="Inter"/>
-              </a:rPr>
-              <a:t>The runtime processes and executes your code</a:t>
-            </a:r>
-          </a:p>
-          <a:p>
-            <a:pPr algn="l"/>
-            <a:r>
-              <a:rPr sz="1750">
-                <a:solidFill>
-                  <a:srgbClr val="272525"/>
-                </a:solidFill>
-                <a:latin typeface="Inter"/>
-              </a:rPr>
-              <a:t>Results flow back to the notebook interface</a:t>
-            </a:r>
-          </a:p>
-          <a:p>
-            <a:pPr algn="l"/>
-            <a:r>
-              <a:rPr sz="1750">
-                <a:solidFill>
-                  <a:srgbClr val="272525"/>
-                </a:solidFill>
-                <a:latin typeface="Inter"/>
-              </a:rPr>
-              <a:t>The notebook renders outputs, visualizations, and any error messages</a:t>
-            </a:r>
-          </a:p>
-        </p:txBody>
-      </p:sp>
-      <p:sp>
-        <p:nvSpPr>
-          <p:cNvPr id="14" name="TextBox 13"/>
-          <p:cNvSpPr txBox="1"/>
-          <p:nvPr/>
-        </p:nvSpPr>
-        <p:spPr>
-          <a:xfrm>
-            <a:off x="6919674" y="6167570"/>
-            <a:ext cx="6924437" cy="725805"/>
-          </a:xfrm>
-          <a:prstGeom prst="rect">
-            <a:avLst/>
-          </a:prstGeom>
-          <a:noFill/>
-        </p:spPr>
-        <p:txBody>
-          <a:bodyPr wrap="square">
-            <a:spAutoFit/>
-          </a:bodyPr>
-          <a:lstStyle/>
-          <a:p>
-            <a:pPr algn="l"/>
-            <a:r>
-              <a:rPr sz="1750">
-                <a:solidFill>
-                  <a:srgbClr val="272525"/>
-                </a:solidFill>
-                <a:latin typeface="Inter"/>
-              </a:rPr>
-              <a:t>This interactive loop enables rapid experimentation and immediate feedback—essential for learning and development.</a:t>
-            </a:r>
-          </a:p>
-        </p:txBody>
-      </p:sp>
-    </p:spTree>
-  </p:cSld>
-  <p:clrMapOvr>
-    <a:masterClrMapping/>
-  </p:clrMapOvr>
-</p:sld>
-</file>
-
-<file path=ppt/slides/slide3.xml><?xml version="1.0" encoding="utf-8"?>
 <p:sld xmlns:a="http://schemas.openxmlformats.org/drawingml/2006/main" xmlns:r="http://schemas.openxmlformats.org/officeDocument/2006/relationships" xmlns:p="http://schemas.openxmlformats.org/presentationml/2006/main">
   <p:cSld>
+    <p:bg>
+      <p:bgPr>
+        <a:solidFill>
+          <a:srgbClr val="FFFFFF"/>
+        </a:solidFill>
+        <a:effectLst/>
+      </p:bgPr>
+    </p:bg>
     <p:spTree>
       <p:nvGrpSpPr>
         <p:cNvPr id="1" name=""/>
@@ -8584,7 +8733,12 @@
               </a:defRPr>
             </a:pPr>
             <a:r>
-              <a:t>What You Need</a:t>
+              <a:rPr>
+                <a:solidFill>
+                  <a:srgbClr val="374151"/>
+                </a:solidFill>
+              </a:rPr>
+              <a:t>Where Are My Notebooks?</a:t>
             </a:r>
           </a:p>
         </p:txBody>
@@ -8597,7 +8751,7 @@
         </p:nvSpPr>
         <p:spPr>
           <a:xfrm>
-            <a:off x="914400" y="2011680"/>
+            <a:off x="1262743" y="2294709"/>
             <a:ext cx="12801600" cy="5486400"/>
           </a:xfrm>
           <a:prstGeom prst="rect">
@@ -8623,7 +8777,12 @@
               </a:defRPr>
             </a:pPr>
             <a:r>
-              <a:t>Just two things:</a:t>
+              <a:rPr dirty="0">
+                <a:solidFill>
+                  <a:srgbClr val="374151"/>
+                </a:solidFill>
+              </a:rPr>
+              <a:t>Your notebooks are saved in Google Drive:</a:t>
             </a:r>
           </a:p>
           <a:p>
@@ -8638,7 +8797,30 @@
                 <a:latin typeface="Arial"/>
               </a:defRPr>
             </a:pPr>
-            <a:endParaRPr/>
+            <a:r>
+              <a:rPr dirty="0">
+                <a:solidFill>
+                  <a:srgbClr val="374151"/>
+                </a:solidFill>
+              </a:rPr>
+              <a:t>My Drive/</a:t>
+            </a:r>
+            <a:r>
+              <a:rPr dirty="0" err="1">
+                <a:solidFill>
+                  <a:srgbClr val="374151"/>
+                </a:solidFill>
+              </a:rPr>
+              <a:t>Colab</a:t>
+            </a:r>
+            <a:r>
+              <a:rPr dirty="0">
+                <a:solidFill>
+                  <a:srgbClr val="374151"/>
+                </a:solidFill>
+              </a:rPr>
+              <a:t> Notebooks/</a:t>
+            </a:r>
           </a:p>
           <a:p>
             <a:pPr>
@@ -8652,9 +8834,7 @@
                 <a:latin typeface="Arial"/>
               </a:defRPr>
             </a:pPr>
-            <a:r>
-              <a:t>1. A Google account (Gmail works)</a:t>
-            </a:r>
+            <a:endParaRPr dirty="0"/>
           </a:p>
           <a:p>
             <a:pPr>
@@ -8669,7 +8849,12 @@
               </a:defRPr>
             </a:pPr>
             <a:r>
-              <a:t>2. A web browser (Chrome recommended)</a:t>
+              <a:rPr dirty="0">
+                <a:solidFill>
+                  <a:srgbClr val="374151"/>
+                </a:solidFill>
+              </a:rPr>
+              <a:t>You can also:</a:t>
             </a:r>
           </a:p>
           <a:p>
@@ -8684,7 +8869,14 @@
                 <a:latin typeface="Arial"/>
               </a:defRPr>
             </a:pPr>
-            <a:endParaRPr/>
+            <a:r>
+              <a:rPr dirty="0">
+                <a:solidFill>
+                  <a:srgbClr val="374151"/>
+                </a:solidFill>
+              </a:rPr>
+              <a:t>• Save a copy to GitHub</a:t>
+            </a:r>
           </a:p>
           <a:p>
             <a:pPr>
@@ -8699,7 +8891,539 @@
               </a:defRPr>
             </a:pPr>
             <a:r>
-              <a:t>That's it!</a:t>
+              <a:rPr dirty="0">
+                <a:solidFill>
+                  <a:srgbClr val="374151"/>
+                </a:solidFill>
+              </a:rPr>
+              <a:t>• Save a copy in Drive with a new name</a:t>
+            </a:r>
+          </a:p>
+          <a:p>
+            <a:pPr>
+              <a:spcBef>
+                <a:spcPts val="800"/>
+              </a:spcBef>
+              <a:defRPr sz="2400">
+                <a:solidFill>
+                  <a:srgbClr val="FFFFFF"/>
+                </a:solidFill>
+                <a:latin typeface="Arial"/>
+              </a:defRPr>
+            </a:pPr>
+            <a:r>
+              <a:rPr dirty="0">
+                <a:solidFill>
+                  <a:srgbClr val="374151"/>
+                </a:solidFill>
+              </a:rPr>
+              <a:t>• Download to your computer</a:t>
+            </a:r>
+          </a:p>
+        </p:txBody>
+      </p:sp>
+      <p:sp>
+        <p:nvSpPr>
+          <p:cNvPr id="5" name="Rectangle 4"/>
+          <p:cNvSpPr/>
+          <p:nvPr/>
+        </p:nvSpPr>
+        <p:spPr>
+          <a:xfrm>
+            <a:off x="777240" y="2388637"/>
+            <a:ext cx="73152" cy="3103984"/>
+          </a:xfrm>
+          <a:prstGeom prst="rect">
+            <a:avLst/>
+          </a:prstGeom>
+          <a:solidFill>
+            <a:srgbClr val="D2691E"/>
+          </a:solidFill>
+          <a:ln>
+            <a:noFill/>
+          </a:ln>
+        </p:spPr>
+        <p:style>
+          <a:lnRef idx="1">
+            <a:schemeClr val="accent1"/>
+          </a:lnRef>
+          <a:fillRef idx="3">
+            <a:schemeClr val="accent1"/>
+          </a:fillRef>
+          <a:effectRef idx="2">
+            <a:schemeClr val="accent1"/>
+          </a:effectRef>
+          <a:fontRef idx="minor">
+            <a:schemeClr val="lt1"/>
+          </a:fontRef>
+        </p:style>
+        <p:txBody>
+          <a:bodyPr rtlCol="0" anchor="ctr"/>
+          <a:lstStyle/>
+          <a:p>
+            <a:pPr algn="ctr"/>
+            <a:endParaRPr/>
+          </a:p>
+        </p:txBody>
+      </p:sp>
+    </p:spTree>
+  </p:cSld>
+  <p:clrMapOvr>
+    <a:masterClrMapping/>
+  </p:clrMapOvr>
+</p:sld>
+</file>
+
+<file path=ppt/slides/slide3.xml><?xml version="1.0" encoding="utf-8"?>
+<p:sld xmlns:a="http://schemas.openxmlformats.org/drawingml/2006/main" xmlns:p="http://schemas.openxmlformats.org/presentationml/2006/main" xmlns:r="http://schemas.openxmlformats.org/officeDocument/2006/relationships">
+  <p:cSld>
+    <p:bg>
+      <p:bgPr>
+        <a:solidFill>
+          <a:srgbClr val="FFFFFF"/>
+        </a:solidFill>
+        <a:effectLst/>
+      </p:bgPr>
+    </p:bg>
+    <p:spTree>
+      <p:nvGrpSpPr>
+        <p:cNvPr id="1" name=""/>
+        <p:cNvGrpSpPr/>
+        <p:nvPr/>
+      </p:nvGrpSpPr>
+      <p:grpSpPr/>
+      <p:sp>
+        <p:nvSpPr>
+          <p:cNvPr id="2" name="TextBox 1"/>
+          <p:cNvSpPr txBox="1"/>
+          <p:nvPr/>
+        </p:nvSpPr>
+        <p:spPr>
+          <a:xfrm>
+            <a:off x="793790" y="894278"/>
+            <a:ext cx="13042821" cy="1417558"/>
+          </a:xfrm>
+          <a:prstGeom prst="rect">
+            <a:avLst/>
+          </a:prstGeom>
+          <a:noFill/>
+        </p:spPr>
+        <p:txBody>
+          <a:bodyPr wrap="square">
+            <a:spAutoFit/>
+          </a:bodyPr>
+          <a:lstStyle/>
+          <a:p>
+            <a:pPr algn="l"/>
+            <a:r>
+              <a:rPr sz="4450" b="1">
+                <a:solidFill>
+                  <a:srgbClr val="111827"/>
+                </a:solidFill>
+                <a:latin typeface="Inter Bold"/>
+              </a:rPr>
+              <a:t>How Notebooks Work: The Runtime Connection</a:t>
+            </a:r>
+          </a:p>
+        </p:txBody>
+      </p:sp>
+      <p:pic>
+        <p:nvPicPr>
+          <p:cNvPr id="3" name="Picture 2" descr="image.png"/>
+          <p:cNvPicPr>
+            <a:picLocks noChangeAspect="1"/>
+          </p:cNvPicPr>
+          <p:nvPr/>
+        </p:nvPicPr>
+        <p:blipFill>
+          <a:blip r:embed="rId2"/>
+          <a:stretch>
+            <a:fillRect/>
+          </a:stretch>
+        </p:blipFill>
+        <p:spPr>
+          <a:xfrm>
+            <a:off x="793790" y="2907149"/>
+            <a:ext cx="5564862" cy="2546866"/>
+          </a:xfrm>
+          <a:prstGeom prst="rect">
+            <a:avLst/>
+          </a:prstGeom>
+        </p:spPr>
+      </p:pic>
+      <p:pic>
+        <p:nvPicPr>
+          <p:cNvPr id="4" name="Picture 3" descr="image.png"/>
+          <p:cNvPicPr>
+            <a:picLocks noChangeAspect="1"/>
+          </p:cNvPicPr>
+          <p:nvPr/>
+        </p:nvPicPr>
+        <p:blipFill>
+          <a:blip r:embed="rId3"/>
+          <a:stretch>
+            <a:fillRect/>
+          </a:stretch>
+        </p:blipFill>
+        <p:spPr>
+          <a:xfrm>
+            <a:off x="5373611" y="3543033"/>
+            <a:ext cx="357797" cy="357797"/>
+          </a:xfrm>
+          <a:prstGeom prst="rect">
+            <a:avLst/>
+          </a:prstGeom>
+        </p:spPr>
+      </p:pic>
+      <p:sp>
+        <p:nvSpPr>
+          <p:cNvPr id="5" name="TextBox 4"/>
+          <p:cNvSpPr txBox="1"/>
+          <p:nvPr/>
+        </p:nvSpPr>
+        <p:spPr>
+          <a:xfrm>
+            <a:off x="5054837" y="4748584"/>
+            <a:ext cx="1044766" cy="402521"/>
+          </a:xfrm>
+          <a:prstGeom prst="rect">
+            <a:avLst/>
+          </a:prstGeom>
+          <a:noFill/>
+        </p:spPr>
+        <p:txBody>
+          <a:bodyPr wrap="square">
+            <a:spAutoFit/>
+          </a:bodyPr>
+          <a:lstStyle/>
+          <a:p>
+            <a:pPr algn="ctr"/>
+            <a:r>
+              <a:rPr sz="1350" b="1">
+                <a:solidFill>
+                  <a:srgbClr val="374151"/>
+                </a:solidFill>
+                <a:latin typeface="Inter Bold"/>
+              </a:rPr>
+              <a:t>Display Results</a:t>
+            </a:r>
+          </a:p>
+        </p:txBody>
+      </p:sp>
+      <p:pic>
+        <p:nvPicPr>
+          <p:cNvPr id="6" name="Picture 5" descr="image.png"/>
+          <p:cNvPicPr>
+            <a:picLocks noChangeAspect="1"/>
+          </p:cNvPicPr>
+          <p:nvPr/>
+        </p:nvPicPr>
+        <p:blipFill>
+          <a:blip r:embed="rId3"/>
+          <a:stretch>
+            <a:fillRect/>
+          </a:stretch>
+        </p:blipFill>
+        <p:spPr>
+          <a:xfrm>
+            <a:off x="4063740" y="3543704"/>
+            <a:ext cx="357797" cy="357796"/>
+          </a:xfrm>
+          <a:prstGeom prst="rect">
+            <a:avLst/>
+          </a:prstGeom>
+        </p:spPr>
+      </p:pic>
+      <p:sp>
+        <p:nvSpPr>
+          <p:cNvPr id="7" name="TextBox 6"/>
+          <p:cNvSpPr txBox="1"/>
+          <p:nvPr/>
+        </p:nvSpPr>
+        <p:spPr>
+          <a:xfrm>
+            <a:off x="3738145" y="4748584"/>
+            <a:ext cx="1044766" cy="402521"/>
+          </a:xfrm>
+          <a:prstGeom prst="rect">
+            <a:avLst/>
+          </a:prstGeom>
+          <a:noFill/>
+        </p:spPr>
+        <p:txBody>
+          <a:bodyPr wrap="square">
+            <a:spAutoFit/>
+          </a:bodyPr>
+          <a:lstStyle/>
+          <a:p>
+            <a:pPr algn="ctr"/>
+            <a:r>
+              <a:rPr sz="1350" b="1">
+                <a:solidFill>
+                  <a:srgbClr val="374151"/>
+                </a:solidFill>
+                <a:latin typeface="Inter Bold"/>
+              </a:rPr>
+              <a:t>Return Output</a:t>
+            </a:r>
+          </a:p>
+        </p:txBody>
+      </p:sp>
+      <p:pic>
+        <p:nvPicPr>
+          <p:cNvPr id="8" name="Picture 7" descr="image.png"/>
+          <p:cNvPicPr>
+            <a:picLocks noChangeAspect="1"/>
+          </p:cNvPicPr>
+          <p:nvPr/>
+        </p:nvPicPr>
+        <p:blipFill>
+          <a:blip r:embed="rId3"/>
+          <a:stretch>
+            <a:fillRect/>
+          </a:stretch>
+        </p:blipFill>
+        <p:spPr>
+          <a:xfrm>
+            <a:off x="2754205" y="3543704"/>
+            <a:ext cx="357797" cy="357796"/>
+          </a:xfrm>
+          <a:prstGeom prst="rect">
+            <a:avLst/>
+          </a:prstGeom>
+        </p:spPr>
+      </p:pic>
+      <p:sp>
+        <p:nvSpPr>
+          <p:cNvPr id="9" name="TextBox 8"/>
+          <p:cNvSpPr txBox="1"/>
+          <p:nvPr/>
+        </p:nvSpPr>
+        <p:spPr>
+          <a:xfrm>
+            <a:off x="2428610" y="4849214"/>
+            <a:ext cx="1044766" cy="201261"/>
+          </a:xfrm>
+          <a:prstGeom prst="rect">
+            <a:avLst/>
+          </a:prstGeom>
+          <a:noFill/>
+        </p:spPr>
+        <p:txBody>
+          <a:bodyPr wrap="none">
+            <a:spAutoFit/>
+          </a:bodyPr>
+          <a:lstStyle/>
+          <a:p>
+            <a:pPr algn="ctr"/>
+            <a:r>
+              <a:rPr sz="1350" b="1">
+                <a:solidFill>
+                  <a:srgbClr val="374151"/>
+                </a:solidFill>
+                <a:latin typeface="Inter Bold"/>
+              </a:rPr>
+              <a:t>Execute</a:t>
+            </a:r>
+          </a:p>
+        </p:txBody>
+      </p:sp>
+      <p:pic>
+        <p:nvPicPr>
+          <p:cNvPr id="10" name="Picture 9" descr="image.png"/>
+          <p:cNvPicPr>
+            <a:picLocks noChangeAspect="1"/>
+          </p:cNvPicPr>
+          <p:nvPr/>
+        </p:nvPicPr>
+        <p:blipFill>
+          <a:blip r:embed="rId3"/>
+          <a:stretch>
+            <a:fillRect/>
+          </a:stretch>
+        </p:blipFill>
+        <p:spPr>
+          <a:xfrm>
+            <a:off x="1437513" y="3543704"/>
+            <a:ext cx="357797" cy="357796"/>
+          </a:xfrm>
+          <a:prstGeom prst="rect">
+            <a:avLst/>
+          </a:prstGeom>
+        </p:spPr>
+      </p:pic>
+      <p:sp>
+        <p:nvSpPr>
+          <p:cNvPr id="11" name="TextBox 10"/>
+          <p:cNvSpPr txBox="1"/>
+          <p:nvPr/>
+        </p:nvSpPr>
+        <p:spPr>
+          <a:xfrm>
+            <a:off x="1090451" y="4849214"/>
+            <a:ext cx="1044766" cy="201261"/>
+          </a:xfrm>
+          <a:prstGeom prst="rect">
+            <a:avLst/>
+          </a:prstGeom>
+          <a:noFill/>
+        </p:spPr>
+        <p:txBody>
+          <a:bodyPr wrap="none">
+            <a:spAutoFit/>
+          </a:bodyPr>
+          <a:lstStyle/>
+          <a:p>
+            <a:pPr algn="ctr"/>
+            <a:r>
+              <a:rPr sz="1350" b="1">
+                <a:solidFill>
+                  <a:srgbClr val="374151"/>
+                </a:solidFill>
+                <a:latin typeface="Inter Bold"/>
+              </a:rPr>
+              <a:t>Send Code</a:t>
+            </a:r>
+          </a:p>
+        </p:txBody>
+      </p:sp>
+      <p:sp>
+        <p:nvSpPr>
+          <p:cNvPr id="12" name="TextBox 11"/>
+          <p:cNvSpPr txBox="1"/>
+          <p:nvPr/>
+        </p:nvSpPr>
+        <p:spPr>
+          <a:xfrm>
+            <a:off x="6919674" y="2856071"/>
+            <a:ext cx="6924437" cy="725805"/>
+          </a:xfrm>
+          <a:prstGeom prst="rect">
+            <a:avLst/>
+          </a:prstGeom>
+          <a:noFill/>
+        </p:spPr>
+        <p:txBody>
+          <a:bodyPr wrap="square">
+            <a:spAutoFit/>
+          </a:bodyPr>
+          <a:lstStyle/>
+          <a:p>
+            <a:pPr algn="l"/>
+            <a:r>
+              <a:rPr sz="1750">
+                <a:solidFill>
+                  <a:srgbClr val="374151"/>
+                </a:solidFill>
+                <a:latin typeface="Inter"/>
+              </a:rPr>
+              <a:t>Think of a Jupyter notebook as a conversation between you and a computer. Here's the workflow:</a:t>
+            </a:r>
+          </a:p>
+        </p:txBody>
+      </p:sp>
+      <p:sp>
+        <p:nvSpPr>
+          <p:cNvPr id="13" name="TextBox 12"/>
+          <p:cNvSpPr txBox="1"/>
+          <p:nvPr/>
+        </p:nvSpPr>
+        <p:spPr>
+          <a:xfrm>
+            <a:off x="6919674" y="3785949"/>
+            <a:ext cx="6924437" cy="2177548"/>
+          </a:xfrm>
+          <a:prstGeom prst="rect">
+            <a:avLst/>
+          </a:prstGeom>
+          <a:noFill/>
+        </p:spPr>
+        <p:txBody>
+          <a:bodyPr wrap="square">
+            <a:spAutoFit/>
+          </a:bodyPr>
+          <a:lstStyle/>
+          <a:p>
+            <a:pPr algn="l"/>
+            <a:r>
+              <a:rPr sz="1750">
+                <a:solidFill>
+                  <a:srgbClr val="374151"/>
+                </a:solidFill>
+                <a:latin typeface="Inter"/>
+              </a:rPr>
+              <a:t>Your notebook transmits code to a runtime environment (called a kernel)</a:t>
+            </a:r>
+          </a:p>
+          <a:p>
+            <a:pPr algn="l"/>
+            <a:r>
+              <a:rPr sz="1750">
+                <a:solidFill>
+                  <a:srgbClr val="374151"/>
+                </a:solidFill>
+                <a:latin typeface="Inter"/>
+              </a:rPr>
+              <a:t>The runtime processes and executes your code</a:t>
+            </a:r>
+          </a:p>
+          <a:p>
+            <a:pPr algn="l"/>
+            <a:r>
+              <a:rPr sz="1750">
+                <a:solidFill>
+                  <a:srgbClr val="374151"/>
+                </a:solidFill>
+                <a:latin typeface="Inter"/>
+              </a:rPr>
+              <a:t>Results flow back to the notebook interface</a:t>
+            </a:r>
+          </a:p>
+          <a:p>
+            <a:pPr algn="l"/>
+            <a:r>
+              <a:rPr sz="1750">
+                <a:solidFill>
+                  <a:srgbClr val="374151"/>
+                </a:solidFill>
+                <a:latin typeface="Inter"/>
+              </a:rPr>
+              <a:t>The notebook renders outputs, visualizations, and any error messages</a:t>
+            </a:r>
+          </a:p>
+        </p:txBody>
+      </p:sp>
+      <p:sp>
+        <p:nvSpPr>
+          <p:cNvPr id="14" name="TextBox 13"/>
+          <p:cNvSpPr txBox="1"/>
+          <p:nvPr/>
+        </p:nvSpPr>
+        <p:spPr>
+          <a:xfrm>
+            <a:off x="6919674" y="6167570"/>
+            <a:ext cx="6924437" cy="725805"/>
+          </a:xfrm>
+          <a:prstGeom prst="rect">
+            <a:avLst/>
+          </a:prstGeom>
+          <a:noFill/>
+        </p:spPr>
+        <p:txBody>
+          <a:bodyPr wrap="square">
+            <a:spAutoFit/>
+          </a:bodyPr>
+          <a:lstStyle/>
+          <a:p>
+            <a:pPr algn="l"/>
+            <a:r>
+              <a:rPr sz="1750">
+                <a:solidFill>
+                  <a:srgbClr val="374151"/>
+                </a:solidFill>
+                <a:latin typeface="Inter"/>
+              </a:rPr>
+              <a:t>This interactive loop enables rapid experimentation and immediate feedback—essential for learning and development.</a:t>
             </a:r>
           </a:p>
         </p:txBody>
@@ -8715,6 +9439,14 @@
 <file path=ppt/slides/slide4.xml><?xml version="1.0" encoding="utf-8"?>
 <p:sld xmlns:a="http://schemas.openxmlformats.org/drawingml/2006/main" xmlns:r="http://schemas.openxmlformats.org/officeDocument/2006/relationships" xmlns:p="http://schemas.openxmlformats.org/presentationml/2006/main">
   <p:cSld>
+    <p:bg>
+      <p:bgPr>
+        <a:solidFill>
+          <a:srgbClr val="FFFFFF"/>
+        </a:solidFill>
+        <a:effectLst/>
+      </p:bgPr>
+    </p:bg>
     <p:spTree>
       <p:nvGrpSpPr>
         <p:cNvPr id="1" name=""/>
@@ -8804,45 +9536,26 @@
               </a:defRPr>
             </a:pPr>
             <a:r>
-              <a:t>Accessing Colab: From Google Drive</a:t>
-            </a:r>
-          </a:p>
-        </p:txBody>
-      </p:sp>
-      <p:pic>
-        <p:nvPicPr>
-          <p:cNvPr id="4" name="Picture 3" descr="colab-access.png"/>
-          <p:cNvPicPr>
-            <a:picLocks noChangeAspect="1"/>
-          </p:cNvPicPr>
-          <p:nvPr/>
-        </p:nvPicPr>
-        <p:blipFill>
-          <a:blip r:embed="rId2"/>
-          <a:stretch>
-            <a:fillRect/>
-          </a:stretch>
-        </p:blipFill>
-        <p:spPr>
-          <a:xfrm>
-            <a:off x="1828800" y="1828800"/>
-            <a:ext cx="10972800" cy="4472430"/>
-          </a:xfrm>
-          <a:prstGeom prst="rect">
-            <a:avLst/>
-          </a:prstGeom>
-        </p:spPr>
-      </p:pic>
-      <p:sp>
-        <p:nvSpPr>
-          <p:cNvPr id="5" name="TextBox 4"/>
+              <a:rPr>
+                <a:solidFill>
+                  <a:srgbClr val="374151"/>
+                </a:solidFill>
+              </a:rPr>
+              <a:t>What You Need</a:t>
+            </a:r>
+          </a:p>
+        </p:txBody>
+      </p:sp>
+      <p:sp>
+        <p:nvSpPr>
+          <p:cNvPr id="4" name="TextBox 3"/>
           <p:cNvSpPr txBox="1"/>
           <p:nvPr/>
         </p:nvSpPr>
         <p:spPr>
           <a:xfrm>
-            <a:off x="914400" y="6858000"/>
-            <a:ext cx="12801600" cy="914400"/>
+            <a:off x="914400" y="2011680"/>
+            <a:ext cx="12801600" cy="5486400"/>
           </a:xfrm>
           <a:prstGeom prst="rect">
             <a:avLst/>
@@ -8850,21 +9563,120 @@
           <a:noFill/>
         </p:spPr>
         <p:txBody>
-          <a:bodyPr wrap="none">
+          <a:bodyPr wrap="square">
             <a:spAutoFit/>
           </a:bodyPr>
           <a:lstStyle/>
           <a:p>
-            <a:pPr algn="ctr">
-              <a:defRPr sz="2000">
-                <a:solidFill>
-                  <a:srgbClr val="B4B4B4"/>
-                </a:solidFill>
-                <a:latin typeface="Arial"/>
-              </a:defRPr>
-            </a:pPr>
-            <a:r>
-              <a:t>Click New → More → Google Colaboratory</a:t>
+            <a:pPr>
+              <a:spcBef>
+                <a:spcPts val="800"/>
+              </a:spcBef>
+              <a:defRPr sz="2400">
+                <a:solidFill>
+                  <a:srgbClr val="FFFFFF"/>
+                </a:solidFill>
+                <a:latin typeface="Arial"/>
+              </a:defRPr>
+            </a:pPr>
+            <a:r>
+              <a:rPr>
+                <a:solidFill>
+                  <a:srgbClr val="374151"/>
+                </a:solidFill>
+              </a:rPr>
+              <a:t>Just two things:</a:t>
+            </a:r>
+          </a:p>
+          <a:p>
+            <a:pPr>
+              <a:spcBef>
+                <a:spcPts val="800"/>
+              </a:spcBef>
+              <a:defRPr sz="2400">
+                <a:solidFill>
+                  <a:srgbClr val="FFFFFF"/>
+                </a:solidFill>
+                <a:latin typeface="Arial"/>
+              </a:defRPr>
+            </a:pPr>
+            <a:endParaRPr/>
+          </a:p>
+          <a:p>
+            <a:pPr>
+              <a:spcBef>
+                <a:spcPts val="800"/>
+              </a:spcBef>
+              <a:defRPr sz="2400">
+                <a:solidFill>
+                  <a:srgbClr val="FFFFFF"/>
+                </a:solidFill>
+                <a:latin typeface="Arial"/>
+              </a:defRPr>
+            </a:pPr>
+            <a:r>
+              <a:rPr>
+                <a:solidFill>
+                  <a:srgbClr val="374151"/>
+                </a:solidFill>
+              </a:rPr>
+              <a:t>1. A Google account (Gmail works)</a:t>
+            </a:r>
+          </a:p>
+          <a:p>
+            <a:pPr>
+              <a:spcBef>
+                <a:spcPts val="800"/>
+              </a:spcBef>
+              <a:defRPr sz="2400">
+                <a:solidFill>
+                  <a:srgbClr val="FFFFFF"/>
+                </a:solidFill>
+                <a:latin typeface="Arial"/>
+              </a:defRPr>
+            </a:pPr>
+            <a:r>
+              <a:rPr>
+                <a:solidFill>
+                  <a:srgbClr val="374151"/>
+                </a:solidFill>
+              </a:rPr>
+              <a:t>2. A web browser (Chrome recommended)</a:t>
+            </a:r>
+          </a:p>
+          <a:p>
+            <a:pPr>
+              <a:spcBef>
+                <a:spcPts val="800"/>
+              </a:spcBef>
+              <a:defRPr sz="2400">
+                <a:solidFill>
+                  <a:srgbClr val="FFFFFF"/>
+                </a:solidFill>
+                <a:latin typeface="Arial"/>
+              </a:defRPr>
+            </a:pPr>
+            <a:endParaRPr/>
+          </a:p>
+          <a:p>
+            <a:pPr>
+              <a:spcBef>
+                <a:spcPts val="800"/>
+              </a:spcBef>
+              <a:defRPr sz="2400">
+                <a:solidFill>
+                  <a:srgbClr val="FFFFFF"/>
+                </a:solidFill>
+                <a:latin typeface="Arial"/>
+              </a:defRPr>
+            </a:pPr>
+            <a:r>
+              <a:rPr>
+                <a:solidFill>
+                  <a:srgbClr val="374151"/>
+                </a:solidFill>
+              </a:rPr>
+              <a:t>That's it!</a:t>
             </a:r>
           </a:p>
         </p:txBody>
@@ -8880,6 +9692,14 @@
 <file path=ppt/slides/slide5.xml><?xml version="1.0" encoding="utf-8"?>
 <p:sld xmlns:a="http://schemas.openxmlformats.org/drawingml/2006/main" xmlns:r="http://schemas.openxmlformats.org/officeDocument/2006/relationships" xmlns:p="http://schemas.openxmlformats.org/presentationml/2006/main">
   <p:cSld>
+    <p:bg>
+      <p:bgPr>
+        <a:solidFill>
+          <a:srgbClr val="FFFFFF"/>
+        </a:solidFill>
+        <a:effectLst/>
+      </p:bgPr>
+    </p:bg>
     <p:spTree>
       <p:nvGrpSpPr>
         <p:cNvPr id="1" name=""/>
@@ -8969,21 +9789,50 @@
               </a:defRPr>
             </a:pPr>
             <a:r>
-              <a:t>Accessing Colab: Direct</a:t>
-            </a:r>
-          </a:p>
-        </p:txBody>
-      </p:sp>
-      <p:sp>
-        <p:nvSpPr>
-          <p:cNvPr id="4" name="TextBox 3"/>
+              <a:rPr>
+                <a:solidFill>
+                  <a:srgbClr val="374151"/>
+                </a:solidFill>
+              </a:rPr>
+              <a:t>Accessing Colab: From Google Drive</a:t>
+            </a:r>
+          </a:p>
+        </p:txBody>
+      </p:sp>
+      <p:pic>
+        <p:nvPicPr>
+          <p:cNvPr id="4" name="Picture 3" descr="colab-access.png"/>
+          <p:cNvPicPr>
+            <a:picLocks noChangeAspect="1"/>
+          </p:cNvPicPr>
+          <p:nvPr/>
+        </p:nvPicPr>
+        <p:blipFill>
+          <a:blip r:embed="rId2"/>
+          <a:stretch>
+            <a:fillRect/>
+          </a:stretch>
+        </p:blipFill>
+        <p:spPr>
+          <a:xfrm>
+            <a:off x="1828800" y="1828800"/>
+            <a:ext cx="10972800" cy="4472430"/>
+          </a:xfrm>
+          <a:prstGeom prst="rect">
+            <a:avLst/>
+          </a:prstGeom>
+        </p:spPr>
+      </p:pic>
+      <p:sp>
+        <p:nvSpPr>
+          <p:cNvPr id="5" name="TextBox 4"/>
           <p:cNvSpPr txBox="1"/>
           <p:nvPr/>
         </p:nvSpPr>
         <p:spPr>
           <a:xfrm>
-            <a:off x="914400" y="2011680"/>
-            <a:ext cx="12801600" cy="5486400"/>
+            <a:off x="914400" y="6858000"/>
+            <a:ext cx="12801600" cy="914400"/>
           </a:xfrm>
           <a:prstGeom prst="rect">
             <a:avLst/>
@@ -8991,58 +9840,26 @@
           <a:noFill/>
         </p:spPr>
         <p:txBody>
-          <a:bodyPr wrap="square">
+          <a:bodyPr wrap="none">
             <a:spAutoFit/>
           </a:bodyPr>
           <a:lstStyle/>
           <a:p>
-            <a:pPr>
-              <a:spcBef>
-                <a:spcPts val="800"/>
-              </a:spcBef>
-              <a:defRPr sz="2400">
-                <a:solidFill>
-                  <a:srgbClr val="FFFFFF"/>
-                </a:solidFill>
-                <a:latin typeface="Arial"/>
-              </a:defRPr>
-            </a:pPr>
-            <a:r>
-              <a:rPr dirty="0"/>
-              <a:t>Go directly to:</a:t>
-            </a:r>
-          </a:p>
-          <a:p>
-            <a:pPr>
-              <a:spcBef>
-                <a:spcPts val="800"/>
-              </a:spcBef>
-              <a:defRPr sz="2400">
-                <a:solidFill>
-                  <a:srgbClr val="FFFFFF"/>
-                </a:solidFill>
-                <a:latin typeface="Arial"/>
-              </a:defRPr>
-            </a:pPr>
-            <a:endParaRPr dirty="0"/>
-          </a:p>
-          <a:p>
-            <a:pPr>
-              <a:spcBef>
-                <a:spcPts val="800"/>
-              </a:spcBef>
-              <a:defRPr sz="2400">
-                <a:solidFill>
-                  <a:srgbClr val="FFFFFF"/>
-                </a:solidFill>
-                <a:latin typeface="Arial"/>
-              </a:defRPr>
-            </a:pPr>
-            <a:r>
-              <a:rPr dirty="0">
-                <a:hlinkClick r:id="rId2"/>
-              </a:rPr>
-              <a:t>colab.research.google.com</a:t>
+            <a:pPr algn="ctr">
+              <a:defRPr sz="2000">
+                <a:solidFill>
+                  <a:srgbClr val="B4B4B4"/>
+                </a:solidFill>
+                <a:latin typeface="Arial"/>
+              </a:defRPr>
+            </a:pPr>
+            <a:r>
+              <a:rPr>
+                <a:solidFill>
+                  <a:srgbClr val="374151"/>
+                </a:solidFill>
+              </a:rPr>
+              <a:t>Click New → More → Google Colaboratory</a:t>
             </a:r>
           </a:p>
         </p:txBody>
@@ -9058,6 +9875,14 @@
 <file path=ppt/slides/slide6.xml><?xml version="1.0" encoding="utf-8"?>
 <p:sld xmlns:a="http://schemas.openxmlformats.org/drawingml/2006/main" xmlns:r="http://schemas.openxmlformats.org/officeDocument/2006/relationships" xmlns:p="http://schemas.openxmlformats.org/presentationml/2006/main">
   <p:cSld>
+    <p:bg>
+      <p:bgPr>
+        <a:solidFill>
+          <a:srgbClr val="FFFFFF"/>
+        </a:solidFill>
+        <a:effectLst/>
+      </p:bgPr>
+    </p:bg>
     <p:spTree>
       <p:nvGrpSpPr>
         <p:cNvPr id="1" name=""/>
@@ -9147,35 +9972,96 @@
               </a:defRPr>
             </a:pPr>
             <a:r>
-              <a:t>The Open Notebook Dialog</a:t>
-            </a:r>
-          </a:p>
-        </p:txBody>
-      </p:sp>
-      <p:pic>
-        <p:nvPicPr>
-          <p:cNvPr id="4" name="Picture 3" descr="colab1.png"/>
-          <p:cNvPicPr>
-            <a:picLocks noChangeAspect="1"/>
-          </p:cNvPicPr>
-          <p:nvPr/>
-        </p:nvPicPr>
-        <p:blipFill>
-          <a:blip r:embed="rId2"/>
-          <a:stretch>
-            <a:fillRect/>
-          </a:stretch>
-        </p:blipFill>
-        <p:spPr>
-          <a:xfrm>
-            <a:off x="1828800" y="1828800"/>
-            <a:ext cx="10972800" cy="6685287"/>
-          </a:xfrm>
-          <a:prstGeom prst="rect">
-            <a:avLst/>
-          </a:prstGeom>
-        </p:spPr>
-      </p:pic>
+              <a:rPr>
+                <a:solidFill>
+                  <a:srgbClr val="374151"/>
+                </a:solidFill>
+              </a:rPr>
+              <a:t>Accessing Colab: Direct</a:t>
+            </a:r>
+          </a:p>
+        </p:txBody>
+      </p:sp>
+      <p:sp>
+        <p:nvSpPr>
+          <p:cNvPr id="4" name="TextBox 3"/>
+          <p:cNvSpPr txBox="1"/>
+          <p:nvPr/>
+        </p:nvSpPr>
+        <p:spPr>
+          <a:xfrm>
+            <a:off x="914400" y="2011680"/>
+            <a:ext cx="12801600" cy="5486400"/>
+          </a:xfrm>
+          <a:prstGeom prst="rect">
+            <a:avLst/>
+          </a:prstGeom>
+          <a:noFill/>
+        </p:spPr>
+        <p:txBody>
+          <a:bodyPr wrap="square">
+            <a:spAutoFit/>
+          </a:bodyPr>
+          <a:lstStyle/>
+          <a:p>
+            <a:pPr>
+              <a:spcBef>
+                <a:spcPts val="800"/>
+              </a:spcBef>
+              <a:defRPr sz="2400">
+                <a:solidFill>
+                  <a:srgbClr val="FFFFFF"/>
+                </a:solidFill>
+                <a:latin typeface="Arial"/>
+              </a:defRPr>
+            </a:pPr>
+            <a:r>
+              <a:rPr dirty="0">
+                <a:solidFill>
+                  <a:srgbClr val="374151"/>
+                </a:solidFill>
+              </a:rPr>
+              <a:t>Go directly to:</a:t>
+            </a:r>
+          </a:p>
+          <a:p>
+            <a:pPr>
+              <a:spcBef>
+                <a:spcPts val="800"/>
+              </a:spcBef>
+              <a:defRPr sz="2400">
+                <a:solidFill>
+                  <a:srgbClr val="FFFFFF"/>
+                </a:solidFill>
+                <a:latin typeface="Arial"/>
+              </a:defRPr>
+            </a:pPr>
+            <a:endParaRPr dirty="0"/>
+          </a:p>
+          <a:p>
+            <a:pPr>
+              <a:spcBef>
+                <a:spcPts val="800"/>
+              </a:spcBef>
+              <a:defRPr sz="2400">
+                <a:solidFill>
+                  <a:srgbClr val="FFFFFF"/>
+                </a:solidFill>
+                <a:latin typeface="Arial"/>
+              </a:defRPr>
+            </a:pPr>
+            <a:r>
+              <a:rPr dirty="0">
+                <a:solidFill>
+                  <a:srgbClr val="374151"/>
+                </a:solidFill>
+                <a:hlinkClick r:id="rId2"/>
+              </a:rPr>
+              <a:t>colab.research.google.com</a:t>
+            </a:r>
+          </a:p>
+        </p:txBody>
+      </p:sp>
     </p:spTree>
   </p:cSld>
   <p:clrMapOvr>
@@ -9187,6 +10073,14 @@
 <file path=ppt/slides/slide7.xml><?xml version="1.0" encoding="utf-8"?>
 <p:sld xmlns:a="http://schemas.openxmlformats.org/drawingml/2006/main" xmlns:r="http://schemas.openxmlformats.org/officeDocument/2006/relationships" xmlns:p="http://schemas.openxmlformats.org/presentationml/2006/main">
   <p:cSld>
+    <p:bg>
+      <p:bgPr>
+        <a:solidFill>
+          <a:srgbClr val="FFFFFF"/>
+        </a:solidFill>
+        <a:effectLst/>
+      </p:bgPr>
+    </p:bg>
     <p:spTree>
       <p:nvGrpSpPr>
         <p:cNvPr id="1" name=""/>
@@ -9276,6 +10170,153 @@
               </a:defRPr>
             </a:pPr>
             <a:r>
+              <a:rPr>
+                <a:solidFill>
+                  <a:srgbClr val="374151"/>
+                </a:solidFill>
+              </a:rPr>
+              <a:t>The Open Notebook Dialog</a:t>
+            </a:r>
+          </a:p>
+        </p:txBody>
+      </p:sp>
+      <p:pic>
+        <p:nvPicPr>
+          <p:cNvPr id="4" name="Picture 3" descr="colab1.png"/>
+          <p:cNvPicPr>
+            <a:picLocks noChangeAspect="1"/>
+          </p:cNvPicPr>
+          <p:nvPr/>
+        </p:nvPicPr>
+        <p:blipFill>
+          <a:blip r:embed="rId2"/>
+          <a:stretch>
+            <a:fillRect/>
+          </a:stretch>
+        </p:blipFill>
+        <p:spPr>
+          <a:xfrm>
+            <a:off x="1828800" y="1828800"/>
+            <a:ext cx="10972800" cy="6685287"/>
+          </a:xfrm>
+          <a:prstGeom prst="rect">
+            <a:avLst/>
+          </a:prstGeom>
+        </p:spPr>
+      </p:pic>
+    </p:spTree>
+  </p:cSld>
+  <p:clrMapOvr>
+    <a:masterClrMapping/>
+  </p:clrMapOvr>
+</p:sld>
+</file>
+
+<file path=ppt/slides/slide8.xml><?xml version="1.0" encoding="utf-8"?>
+<p:sld xmlns:a="http://schemas.openxmlformats.org/drawingml/2006/main" xmlns:r="http://schemas.openxmlformats.org/officeDocument/2006/relationships" xmlns:p="http://schemas.openxmlformats.org/presentationml/2006/main">
+  <p:cSld>
+    <p:bg>
+      <p:bgPr>
+        <a:solidFill>
+          <a:srgbClr val="FFFFFF"/>
+        </a:solidFill>
+        <a:effectLst/>
+      </p:bgPr>
+    </p:bg>
+    <p:spTree>
+      <p:nvGrpSpPr>
+        <p:cNvPr id="1" name=""/>
+        <p:cNvGrpSpPr/>
+        <p:nvPr/>
+      </p:nvGrpSpPr>
+      <p:grpSpPr>
+        <a:xfrm>
+          <a:off x="0" y="0"/>
+          <a:ext cx="0" cy="0"/>
+          <a:chOff x="0" y="0"/>
+          <a:chExt cx="0" cy="0"/>
+        </a:xfrm>
+      </p:grpSpPr>
+      <p:sp>
+        <p:nvSpPr>
+          <p:cNvPr id="2" name="Rectangle 1"/>
+          <p:cNvSpPr/>
+          <p:nvPr/>
+        </p:nvSpPr>
+        <p:spPr>
+          <a:xfrm>
+            <a:off x="0" y="0"/>
+            <a:ext cx="14630400" cy="8229600"/>
+          </a:xfrm>
+          <a:prstGeom prst="rect">
+            <a:avLst/>
+          </a:prstGeom>
+          <a:solidFill>
+            <a:srgbClr val="121212"/>
+          </a:solidFill>
+          <a:ln>
+            <a:noFill/>
+          </a:ln>
+        </p:spPr>
+        <p:style>
+          <a:lnRef idx="1">
+            <a:schemeClr val="accent1"/>
+          </a:lnRef>
+          <a:fillRef idx="3">
+            <a:schemeClr val="accent1"/>
+          </a:fillRef>
+          <a:effectRef idx="2">
+            <a:schemeClr val="accent1"/>
+          </a:effectRef>
+          <a:fontRef idx="minor">
+            <a:schemeClr val="lt1"/>
+          </a:fontRef>
+        </p:style>
+        <p:txBody>
+          <a:bodyPr rtlCol="0" anchor="ctr"/>
+          <a:lstStyle/>
+          <a:p>
+            <a:pPr algn="ctr"/>
+            <a:endParaRPr/>
+          </a:p>
+        </p:txBody>
+      </p:sp>
+      <p:sp>
+        <p:nvSpPr>
+          <p:cNvPr id="3" name="TextBox 2"/>
+          <p:cNvSpPr txBox="1"/>
+          <p:nvPr/>
+        </p:nvSpPr>
+        <p:spPr>
+          <a:xfrm>
+            <a:off x="914400" y="731520"/>
+            <a:ext cx="12801600" cy="1097280"/>
+          </a:xfrm>
+          <a:prstGeom prst="rect">
+            <a:avLst/>
+          </a:prstGeom>
+          <a:noFill/>
+        </p:spPr>
+        <p:txBody>
+          <a:bodyPr wrap="none">
+            <a:spAutoFit/>
+          </a:bodyPr>
+          <a:lstStyle/>
+          <a:p>
+            <a:pPr>
+              <a:defRPr sz="4400" b="1">
+                <a:solidFill>
+                  <a:srgbClr val="FFFFFF"/>
+                </a:solidFill>
+                <a:latin typeface="Arial"/>
+              </a:defRPr>
+            </a:pPr>
+            <a:r>
+              <a:rPr>
+                <a:solidFill>
+                  <a:srgbClr val="374151"/>
+                </a:solidFill>
+              </a:rPr>
               <a:t>Opening Notebooks</a:t>
             </a:r>
           </a:p>
@@ -9315,7 +10356,11 @@
               </a:defRPr>
             </a:pPr>
             <a:r>
-              <a:rPr dirty="0"/>
+              <a:rPr dirty="0">
+                <a:solidFill>
+                  <a:srgbClr val="374151"/>
+                </a:solidFill>
+              </a:rPr>
               <a:t>• Examples: Google's tutorial notebooks</a:t>
             </a:r>
           </a:p>
@@ -9332,7 +10377,11 @@
               </a:defRPr>
             </a:pPr>
             <a:r>
-              <a:rPr dirty="0"/>
+              <a:rPr dirty="0">
+                <a:solidFill>
+                  <a:srgbClr val="374151"/>
+                </a:solidFill>
+              </a:rPr>
               <a:t>• Recent: Your recently opened notebooks</a:t>
             </a:r>
           </a:p>
@@ -9349,7 +10398,11 @@
               </a:defRPr>
             </a:pPr>
             <a:r>
-              <a:rPr dirty="0"/>
+              <a:rPr dirty="0">
+                <a:solidFill>
+                  <a:srgbClr val="374151"/>
+                </a:solidFill>
+              </a:rPr>
               <a:t>• Google Drive: Notebooks saved in your Drive</a:t>
             </a:r>
           </a:p>
@@ -9366,7 +10419,11 @@
               </a:defRPr>
             </a:pPr>
             <a:r>
-              <a:rPr dirty="0"/>
+              <a:rPr dirty="0">
+                <a:solidFill>
+                  <a:srgbClr val="374151"/>
+                </a:solidFill>
+              </a:rPr>
               <a:t>• GitHub: Open notebooks from GitHub repos</a:t>
             </a:r>
           </a:p>
@@ -9383,15 +10440,27 @@
               </a:defRPr>
             </a:pPr>
             <a:r>
-              <a:rPr dirty="0"/>
+              <a:rPr dirty="0">
+                <a:solidFill>
+                  <a:srgbClr val="374151"/>
+                </a:solidFill>
+              </a:rPr>
               <a:t>• Upload: Upload a .</a:t>
             </a:r>
             <a:r>
-              <a:rPr dirty="0" err="1"/>
+              <a:rPr dirty="0" err="1">
+                <a:solidFill>
+                  <a:srgbClr val="374151"/>
+                </a:solidFill>
+              </a:rPr>
               <a:t>ipynb</a:t>
             </a:r>
             <a:r>
-              <a:rPr dirty="0"/>
+              <a:rPr dirty="0">
+                <a:solidFill>
+                  <a:srgbClr val="374151"/>
+                </a:solidFill>
+              </a:rPr>
               <a:t> file</a:t>
             </a:r>
           </a:p>
@@ -9511,9 +10580,7 @@
                   <a:noFill/>
                 </a:ln>
                 <a:solidFill>
-                  <a:schemeClr val="accent6">
-                    <a:lumMod val="75000"/>
-                  </a:schemeClr>
+                  <a:srgbClr val="111827"/>
                 </a:solidFill>
                 <a:effectLst/>
                 <a:uLnTx/>
@@ -9538,9 +10605,17 @@
 </p:sld>
 </file>
 
-<file path=ppt/slides/slide8.xml><?xml version="1.0" encoding="utf-8"?>
+<file path=ppt/slides/slide9.xml><?xml version="1.0" encoding="utf-8"?>
 <p:sld xmlns:a="http://schemas.openxmlformats.org/drawingml/2006/main" xmlns:r="http://schemas.openxmlformats.org/officeDocument/2006/relationships" xmlns:p="http://schemas.openxmlformats.org/presentationml/2006/main">
   <p:cSld>
+    <p:bg>
+      <p:bgPr>
+        <a:solidFill>
+          <a:srgbClr val="FFFFFF"/>
+        </a:solidFill>
+        <a:effectLst/>
+      </p:bgPr>
+    </p:bg>
     <p:spTree>
       <p:nvGrpSpPr>
         <p:cNvPr id="1" name=""/>
@@ -9630,6 +10705,11 @@
               </a:defRPr>
             </a:pPr>
             <a:r>
+              <a:rPr>
+                <a:solidFill>
+                  <a:srgbClr val="374151"/>
+                </a:solidFill>
+              </a:rPr>
               <a:t>The Colab Interface</a:t>
             </a:r>
           </a:p>
@@ -9659,278 +10739,6 @@
           </a:prstGeom>
         </p:spPr>
       </p:pic>
-    </p:spTree>
-  </p:cSld>
-  <p:clrMapOvr>
-    <a:masterClrMapping/>
-  </p:clrMapOvr>
-</p:sld>
-</file>
-
-<file path=ppt/slides/slide9.xml><?xml version="1.0" encoding="utf-8"?>
-<p:sld xmlns:a="http://schemas.openxmlformats.org/drawingml/2006/main" xmlns:r="http://schemas.openxmlformats.org/officeDocument/2006/relationships" xmlns:p="http://schemas.openxmlformats.org/presentationml/2006/main">
-  <p:cSld>
-    <p:spTree>
-      <p:nvGrpSpPr>
-        <p:cNvPr id="1" name=""/>
-        <p:cNvGrpSpPr/>
-        <p:nvPr/>
-      </p:nvGrpSpPr>
-      <p:grpSpPr>
-        <a:xfrm>
-          <a:off x="0" y="0"/>
-          <a:ext cx="0" cy="0"/>
-          <a:chOff x="0" y="0"/>
-          <a:chExt cx="0" cy="0"/>
-        </a:xfrm>
-      </p:grpSpPr>
-      <p:sp>
-        <p:nvSpPr>
-          <p:cNvPr id="2" name="Rectangle 1"/>
-          <p:cNvSpPr/>
-          <p:nvPr/>
-        </p:nvSpPr>
-        <p:spPr>
-          <a:xfrm>
-            <a:off x="-87086" y="0"/>
-            <a:ext cx="14630400" cy="8229600"/>
-          </a:xfrm>
-          <a:prstGeom prst="rect">
-            <a:avLst/>
-          </a:prstGeom>
-          <a:solidFill>
-            <a:srgbClr val="121212"/>
-          </a:solidFill>
-          <a:ln>
-            <a:noFill/>
-          </a:ln>
-        </p:spPr>
-        <p:style>
-          <a:lnRef idx="1">
-            <a:schemeClr val="accent1"/>
-          </a:lnRef>
-          <a:fillRef idx="3">
-            <a:schemeClr val="accent1"/>
-          </a:fillRef>
-          <a:effectRef idx="2">
-            <a:schemeClr val="accent1"/>
-          </a:effectRef>
-          <a:fontRef idx="minor">
-            <a:schemeClr val="lt1"/>
-          </a:fontRef>
-        </p:style>
-        <p:txBody>
-          <a:bodyPr rtlCol="0" anchor="ctr"/>
-          <a:lstStyle/>
-          <a:p>
-            <a:pPr algn="ctr"/>
-            <a:endParaRPr/>
-          </a:p>
-        </p:txBody>
-      </p:sp>
-      <p:sp>
-        <p:nvSpPr>
-          <p:cNvPr id="3" name="TextBox 2"/>
-          <p:cNvSpPr txBox="1"/>
-          <p:nvPr/>
-        </p:nvSpPr>
-        <p:spPr>
-          <a:xfrm>
-            <a:off x="914400" y="731520"/>
-            <a:ext cx="12801600" cy="1097280"/>
-          </a:xfrm>
-          <a:prstGeom prst="rect">
-            <a:avLst/>
-          </a:prstGeom>
-          <a:noFill/>
-        </p:spPr>
-        <p:txBody>
-          <a:bodyPr wrap="none">
-            <a:spAutoFit/>
-          </a:bodyPr>
-          <a:lstStyle/>
-          <a:p>
-            <a:pPr>
-              <a:defRPr sz="4400" b="1">
-                <a:solidFill>
-                  <a:srgbClr val="FFFFFF"/>
-                </a:solidFill>
-                <a:latin typeface="Arial"/>
-              </a:defRPr>
-            </a:pPr>
-            <a:r>
-              <a:t>Interface Overview</a:t>
-            </a:r>
-          </a:p>
-        </p:txBody>
-      </p:sp>
-      <p:sp>
-        <p:nvSpPr>
-          <p:cNvPr id="4" name="TextBox 3"/>
-          <p:cNvSpPr txBox="1"/>
-          <p:nvPr/>
-        </p:nvSpPr>
-        <p:spPr>
-          <a:xfrm>
-            <a:off x="1524000" y="2440888"/>
-            <a:ext cx="12801600" cy="1877437"/>
-          </a:xfrm>
-          <a:prstGeom prst="rect">
-            <a:avLst/>
-          </a:prstGeom>
-          <a:noFill/>
-        </p:spPr>
-        <p:txBody>
-          <a:bodyPr wrap="square">
-            <a:spAutoFit/>
-          </a:bodyPr>
-          <a:lstStyle/>
-          <a:p>
-            <a:pPr>
-              <a:spcBef>
-                <a:spcPts val="800"/>
-              </a:spcBef>
-              <a:defRPr sz="2400">
-                <a:solidFill>
-                  <a:srgbClr val="FFFFFF"/>
-                </a:solidFill>
-                <a:latin typeface="Arial"/>
-              </a:defRPr>
-            </a:pPr>
-            <a:r>
-              <a:rPr dirty="0"/>
-              <a:t>• </a:t>
-            </a:r>
-            <a:r>
-              <a:rPr lang="en-US" dirty="0"/>
-              <a:t> </a:t>
-            </a:r>
-            <a:r>
-              <a:rPr dirty="0"/>
-              <a:t>+ Code: Add a new code cell</a:t>
-            </a:r>
-          </a:p>
-          <a:p>
-            <a:pPr>
-              <a:spcBef>
-                <a:spcPts val="800"/>
-              </a:spcBef>
-              <a:defRPr sz="2400">
-                <a:solidFill>
-                  <a:srgbClr val="FFFFFF"/>
-                </a:solidFill>
-                <a:latin typeface="Arial"/>
-              </a:defRPr>
-            </a:pPr>
-            <a:r>
-              <a:rPr dirty="0"/>
-              <a:t>• </a:t>
-            </a:r>
-            <a:r>
-              <a:rPr lang="en-US" dirty="0"/>
-              <a:t> </a:t>
-            </a:r>
-            <a:r>
-              <a:rPr dirty="0"/>
-              <a:t>+ Text: Add a text/markdown cell</a:t>
-            </a:r>
-          </a:p>
-          <a:p>
-            <a:pPr>
-              <a:spcBef>
-                <a:spcPts val="800"/>
-              </a:spcBef>
-              <a:defRPr sz="2400">
-                <a:solidFill>
-                  <a:srgbClr val="FFFFFF"/>
-                </a:solidFill>
-                <a:latin typeface="Arial"/>
-              </a:defRPr>
-            </a:pPr>
-            <a:r>
-              <a:rPr dirty="0"/>
-              <a:t>• </a:t>
-            </a:r>
-            <a:r>
-              <a:rPr lang="en-US" dirty="0"/>
-              <a:t> </a:t>
-            </a:r>
-            <a:r>
-              <a:rPr dirty="0"/>
-              <a:t>Connect: Connect to Google's servers</a:t>
-            </a:r>
-          </a:p>
-          <a:p>
-            <a:pPr>
-              <a:spcBef>
-                <a:spcPts val="800"/>
-              </a:spcBef>
-              <a:defRPr sz="2400">
-                <a:solidFill>
-                  <a:srgbClr val="FFFFFF"/>
-                </a:solidFill>
-                <a:latin typeface="Arial"/>
-              </a:defRPr>
-            </a:pPr>
-            <a:r>
-              <a:rPr dirty="0"/>
-              <a:t>• </a:t>
-            </a:r>
-            <a:r>
-              <a:rPr lang="en-US" dirty="0"/>
-              <a:t> </a:t>
-            </a:r>
-            <a:r>
-              <a:rPr dirty="0"/>
-              <a:t>Files (folder icon): View and upload files</a:t>
-            </a:r>
-          </a:p>
-        </p:txBody>
-      </p:sp>
-      <p:sp>
-        <p:nvSpPr>
-          <p:cNvPr id="5" name="Rectangle 4"/>
-          <p:cNvSpPr/>
-          <p:nvPr/>
-        </p:nvSpPr>
-        <p:spPr>
-          <a:xfrm>
-            <a:off x="1057158" y="2560320"/>
-            <a:ext cx="68736" cy="1700660"/>
-          </a:xfrm>
-          <a:prstGeom prst="rect">
-            <a:avLst/>
-          </a:prstGeom>
-          <a:solidFill>
-            <a:srgbClr val="D2691E"/>
-          </a:solidFill>
-          <a:ln>
-            <a:noFill/>
-          </a:ln>
-        </p:spPr>
-        <p:style>
-          <a:lnRef idx="1">
-            <a:schemeClr val="accent1"/>
-          </a:lnRef>
-          <a:fillRef idx="3">
-            <a:schemeClr val="accent1"/>
-          </a:fillRef>
-          <a:effectRef idx="2">
-            <a:schemeClr val="accent1"/>
-          </a:effectRef>
-          <a:fontRef idx="minor">
-            <a:schemeClr val="lt1"/>
-          </a:fontRef>
-        </p:style>
-        <p:txBody>
-          <a:bodyPr rtlCol="0" anchor="ctr"/>
-          <a:lstStyle/>
-          <a:p>
-            <a:pPr algn="ctr"/>
-            <a:endParaRPr/>
-          </a:p>
-        </p:txBody>
-      </p:sp>
     </p:spTree>
   </p:cSld>
   <p:clrMapOvr>

--- a/colab.pptx
+++ b/colab.pptx
@@ -7,32 +7,32 @@
   <p:sldIdLst>
     <p:sldId id="256" r:id="rId2"/>
     <p:sldId id="257" r:id="rId3"/>
-    <p:sldId id="299" r:id="rId33"/>
     <p:sldId id="259" r:id="rId4"/>
     <p:sldId id="260" r:id="rId5"/>
     <p:sldId id="261" r:id="rId6"/>
     <p:sldId id="262" r:id="rId7"/>
     <p:sldId id="263" r:id="rId8"/>
     <p:sldId id="264" r:id="rId9"/>
-    <p:sldId id="265" r:id="rId10"/>
-    <p:sldId id="266" r:id="rId11"/>
-    <p:sldId id="267" r:id="rId12"/>
-    <p:sldId id="268" r:id="rId13"/>
-    <p:sldId id="269" r:id="rId14"/>
-    <p:sldId id="270" r:id="rId15"/>
-    <p:sldId id="271" r:id="rId16"/>
-    <p:sldId id="272" r:id="rId17"/>
-    <p:sldId id="273" r:id="rId18"/>
-    <p:sldId id="283" r:id="rId19"/>
-    <p:sldId id="285" r:id="rId20"/>
-    <p:sldId id="296" r:id="rId21"/>
-    <p:sldId id="297" r:id="rId22"/>
-    <p:sldId id="298" r:id="rId23"/>
-    <p:sldId id="288" r:id="rId24"/>
-    <p:sldId id="295" r:id="rId25"/>
-    <p:sldId id="290" r:id="rId26"/>
-    <p:sldId id="291" r:id="rId27"/>
-    <p:sldId id="292" r:id="rId28"/>
+    <p:sldId id="299" r:id="rId10"/>
+    <p:sldId id="265" r:id="rId11"/>
+    <p:sldId id="266" r:id="rId12"/>
+    <p:sldId id="267" r:id="rId13"/>
+    <p:sldId id="268" r:id="rId14"/>
+    <p:sldId id="269" r:id="rId15"/>
+    <p:sldId id="270" r:id="rId16"/>
+    <p:sldId id="271" r:id="rId17"/>
+    <p:sldId id="272" r:id="rId18"/>
+    <p:sldId id="273" r:id="rId19"/>
+    <p:sldId id="283" r:id="rId20"/>
+    <p:sldId id="285" r:id="rId21"/>
+    <p:sldId id="296" r:id="rId22"/>
+    <p:sldId id="297" r:id="rId23"/>
+    <p:sldId id="298" r:id="rId24"/>
+    <p:sldId id="288" r:id="rId25"/>
+    <p:sldId id="295" r:id="rId26"/>
+    <p:sldId id="290" r:id="rId27"/>
+    <p:sldId id="291" r:id="rId28"/>
+    <p:sldId id="292" r:id="rId29"/>
   </p:sldIdLst>
   <p:sldSz cx="14630400" cy="8229600"/>
   <p:notesSz cx="6858000" cy="9144000"/>
@@ -3133,14 +3133,14 @@
         </p:nvSpPr>
         <p:spPr>
           <a:xfrm>
-            <a:off x="6220" y="0"/>
+            <a:off x="12440" y="0"/>
             <a:ext cx="14630400" cy="8229600"/>
           </a:xfrm>
           <a:prstGeom prst="rect">
             <a:avLst/>
           </a:prstGeom>
           <a:solidFill>
-            <a:srgbClr val="121212"/>
+            <a:srgbClr val="FFFFFF"/>
           </a:solidFill>
           <a:ln>
             <a:noFill/>
@@ -3184,7 +3184,7 @@
             <a:avLst/>
           </a:prstGeom>
           <a:solidFill>
-            <a:srgbClr val="D2691E"/>
+            <a:srgbClr val="2563EB"/>
           </a:solidFill>
           <a:ln>
             <a:noFill/>
@@ -3361,7 +3361,7 @@
             <a:avLst/>
           </a:prstGeom>
           <a:solidFill>
-            <a:srgbClr val="D2691E"/>
+            <a:srgbClr val="2563EB"/>
           </a:solidFill>
           <a:ln>
             <a:noFill/>
@@ -3462,7 +3462,7 @@
             <a:avLst/>
           </a:prstGeom>
           <a:solidFill>
-            <a:srgbClr val="121212"/>
+            <a:srgbClr val="FFFFFF"/>
           </a:solidFill>
           <a:ln>
             <a:noFill/>
@@ -3500,7 +3500,7 @@
         <p:spPr>
           <a:xfrm>
             <a:off x="914400" y="731520"/>
-            <a:ext cx="12801600" cy="1097280"/>
+            <a:ext cx="6300123" cy="769441"/>
           </a:xfrm>
           <a:prstGeom prst="rect">
             <a:avLst/>
@@ -3522,13 +3522,18 @@
               </a:defRPr>
             </a:pPr>
             <a:r>
-              <a:rPr>
-                <a:solidFill>
-                  <a:srgbClr val="374151"/>
-                </a:solidFill>
-              </a:rPr>
-              <a:t>Interface Overview</a:t>
-            </a:r>
+              <a:rPr lang="en-US" dirty="0">
+                <a:solidFill>
+                  <a:srgbClr val="374151"/>
+                </a:solidFill>
+              </a:rPr>
+              <a:t>Navigating a Notebook</a:t>
+            </a:r>
+            <a:endParaRPr dirty="0">
+              <a:solidFill>
+                <a:srgbClr val="374151"/>
+              </a:solidFill>
+            </a:endParaRPr>
           </a:p>
         </p:txBody>
       </p:sp>
@@ -3718,7 +3723,7 @@
             <a:avLst/>
           </a:prstGeom>
           <a:solidFill>
-            <a:srgbClr val="D2691E"/>
+            <a:srgbClr val="2563EB"/>
           </a:solidFill>
           <a:ln>
             <a:noFill/>
@@ -3795,7 +3800,7 @@
             <a:avLst/>
           </a:prstGeom>
           <a:solidFill>
-            <a:srgbClr val="121212"/>
+            <a:srgbClr val="FFFFFF"/>
           </a:solidFill>
           <a:ln>
             <a:noFill/>
@@ -4036,7 +4041,7 @@
             <a:avLst/>
           </a:prstGeom>
           <a:solidFill>
-            <a:srgbClr val="D2691E"/>
+            <a:srgbClr val="2563EB"/>
           </a:solidFill>
           <a:ln>
             <a:noFill/>
@@ -4113,7 +4118,7 @@
             <a:avLst/>
           </a:prstGeom>
           <a:solidFill>
-            <a:srgbClr val="121212"/>
+            <a:srgbClr val="FFFFFF"/>
           </a:solidFill>
           <a:ln>
             <a:noFill/>
@@ -4215,8 +4220,8 @@
         </p:nvSpPr>
         <p:spPr>
           <a:xfrm>
-            <a:off x="914400" y="6858000"/>
-            <a:ext cx="12801600" cy="914400"/>
+            <a:off x="4600226" y="6858000"/>
+            <a:ext cx="5429948" cy="400110"/>
           </a:xfrm>
           <a:prstGeom prst="rect">
             <a:avLst/>
@@ -4238,7 +4243,7 @@
               </a:defRPr>
             </a:pPr>
             <a:r>
-              <a:rPr>
+              <a:rPr sz="2000" dirty="0">
                 <a:solidFill>
                   <a:srgbClr val="374151"/>
                 </a:solidFill>
@@ -4296,7 +4301,7 @@
             <a:avLst/>
           </a:prstGeom>
           <a:solidFill>
-            <a:srgbClr val="121212"/>
+            <a:srgbClr val="FFFFFF"/>
           </a:solidFill>
           <a:ln>
             <a:noFill/>
@@ -4479,7 +4484,7 @@
             <a:avLst/>
           </a:prstGeom>
           <a:solidFill>
-            <a:srgbClr val="121212"/>
+            <a:srgbClr val="FFFFFF"/>
           </a:solidFill>
           <a:ln>
             <a:noFill/>
@@ -4746,7 +4751,7 @@
             <a:avLst/>
           </a:prstGeom>
           <a:solidFill>
-            <a:srgbClr val="121212"/>
+            <a:srgbClr val="FFFFFF"/>
           </a:solidFill>
           <a:ln>
             <a:noFill/>
@@ -5008,7 +5013,7 @@
             <a:avLst/>
           </a:prstGeom>
           <a:solidFill>
-            <a:srgbClr val="D2691E"/>
+            <a:srgbClr val="2563EB"/>
           </a:solidFill>
           <a:ln>
             <a:noFill/>
@@ -5085,7 +5090,7 @@
             <a:avLst/>
           </a:prstGeom>
           <a:solidFill>
-            <a:srgbClr val="121212"/>
+            <a:srgbClr val="FFFFFF"/>
           </a:solidFill>
           <a:ln>
             <a:noFill/>
@@ -5335,7 +5340,7 @@
             <a:avLst/>
           </a:prstGeom>
           <a:solidFill>
-            <a:srgbClr val="D2691E"/>
+            <a:srgbClr val="2563EB"/>
           </a:solidFill>
           <a:ln>
             <a:noFill/>
@@ -5412,7 +5417,7 @@
             <a:avLst/>
           </a:prstGeom>
           <a:solidFill>
-            <a:srgbClr val="121212"/>
+            <a:srgbClr val="FFFFFF"/>
           </a:solidFill>
           <a:ln>
             <a:noFill/>
@@ -5660,7 +5665,7 @@
             <a:avLst/>
           </a:prstGeom>
           <a:solidFill>
-            <a:srgbClr val="D2691E"/>
+            <a:srgbClr val="2563EB"/>
           </a:solidFill>
           <a:ln>
             <a:noFill/>
@@ -5710,7 +5715,7 @@
             <a:avLst/>
           </a:prstGeom>
           <a:solidFill>
-            <a:srgbClr val="D2691E"/>
+            <a:srgbClr val="2563EB"/>
           </a:solidFill>
           <a:ln>
             <a:noFill/>
@@ -5787,7 +5792,7 @@
             <a:avLst/>
           </a:prstGeom>
           <a:solidFill>
-            <a:srgbClr val="121212"/>
+            <a:srgbClr val="FFFFFF"/>
           </a:solidFill>
           <a:ln>
             <a:noFill/>
@@ -6035,7 +6040,7 @@
             <a:avLst/>
           </a:prstGeom>
           <a:solidFill>
-            <a:srgbClr val="D2691E"/>
+            <a:srgbClr val="2563EB"/>
           </a:solidFill>
           <a:ln>
             <a:noFill/>
@@ -6085,7 +6090,7 @@
             <a:avLst/>
           </a:prstGeom>
           <a:solidFill>
-            <a:srgbClr val="D2691E"/>
+            <a:srgbClr val="2563EB"/>
           </a:solidFill>
           <a:ln>
             <a:noFill/>
@@ -6162,7 +6167,7 @@
             <a:avLst/>
           </a:prstGeom>
           <a:solidFill>
-            <a:srgbClr val="121212"/>
+            <a:srgbClr val="FFFFFF"/>
           </a:solidFill>
           <a:ln>
             <a:noFill/>
@@ -6345,7 +6350,7 @@
             <a:avLst/>
           </a:prstGeom>
           <a:solidFill>
-            <a:srgbClr val="121212"/>
+            <a:srgbClr val="FFFFFF"/>
           </a:solidFill>
           <a:ln>
             <a:noFill/>
@@ -6582,7 +6587,7 @@
             <a:avLst/>
           </a:prstGeom>
           <a:solidFill>
-            <a:srgbClr val="D2691E"/>
+            <a:srgbClr val="2563EB"/>
           </a:solidFill>
           <a:ln>
             <a:noFill/>
@@ -6659,7 +6664,7 @@
             <a:avLst/>
           </a:prstGeom>
           <a:solidFill>
-            <a:srgbClr val="121212"/>
+            <a:srgbClr val="FFFFFF"/>
           </a:solidFill>
           <a:ln>
             <a:noFill/>
@@ -6872,7 +6877,7 @@
             <a:avLst/>
           </a:prstGeom>
           <a:solidFill>
-            <a:srgbClr val="D2691E"/>
+            <a:srgbClr val="2563EB"/>
           </a:solidFill>
           <a:ln>
             <a:noFill/>
@@ -6949,7 +6954,7 @@
             <a:avLst/>
           </a:prstGeom>
           <a:solidFill>
-            <a:srgbClr val="121212"/>
+            <a:srgbClr val="FFFFFF"/>
           </a:solidFill>
           <a:ln>
             <a:noFill/>
@@ -7050,7 +7055,7 @@
             <a:avLst/>
           </a:prstGeom>
           <a:solidFill>
-            <a:srgbClr val="121212"/>
+            <a:srgbClr val="FFFFFF"/>
           </a:solidFill>
           <a:ln>
             <a:noFill/>
@@ -7151,7 +7156,7 @@
             <a:avLst/>
           </a:prstGeom>
           <a:solidFill>
-            <a:srgbClr val="121212"/>
+            <a:srgbClr val="FFFFFF"/>
           </a:solidFill>
           <a:ln>
             <a:noFill/>
@@ -7252,7 +7257,7 @@
             <a:avLst/>
           </a:prstGeom>
           <a:solidFill>
-            <a:srgbClr val="121212"/>
+            <a:srgbClr val="FFFFFF"/>
           </a:solidFill>
           <a:ln>
             <a:noFill/>
@@ -7509,7 +7514,7 @@
             <a:avLst/>
           </a:prstGeom>
           <a:solidFill>
-            <a:srgbClr val="D2691E"/>
+            <a:srgbClr val="2563EB"/>
           </a:solidFill>
           <a:ln>
             <a:noFill/>
@@ -7586,7 +7591,7 @@
             <a:avLst/>
           </a:prstGeom>
           <a:solidFill>
-            <a:srgbClr val="121212"/>
+            <a:srgbClr val="FFFFFF"/>
           </a:solidFill>
           <a:ln>
             <a:noFill/>
@@ -7880,7 +7885,7 @@
             <a:avLst/>
           </a:prstGeom>
           <a:solidFill>
-            <a:srgbClr val="D2691E"/>
+            <a:srgbClr val="2563EB"/>
           </a:solidFill>
           <a:ln>
             <a:noFill/>
@@ -7957,7 +7962,7 @@
             <a:avLst/>
           </a:prstGeom>
           <a:solidFill>
-            <a:srgbClr val="121212"/>
+            <a:srgbClr val="FFFFFF"/>
           </a:solidFill>
           <a:ln>
             <a:noFill/>
@@ -8214,7 +8219,7 @@
             <a:avLst/>
           </a:prstGeom>
           <a:solidFill>
-            <a:srgbClr val="D2691E"/>
+            <a:srgbClr val="2563EB"/>
           </a:solidFill>
           <a:ln>
             <a:noFill/>
@@ -8291,7 +8296,7 @@
             <a:avLst/>
           </a:prstGeom>
           <a:solidFill>
-            <a:srgbClr val="121212"/>
+            <a:srgbClr val="FFFFFF"/>
           </a:solidFill>
           <a:ln>
             <a:noFill/>
@@ -8596,7 +8601,7 @@
             <a:avLst/>
           </a:prstGeom>
           <a:solidFill>
-            <a:srgbClr val="D2691E"/>
+            <a:srgbClr val="2563EB"/>
           </a:solidFill>
           <a:ln>
             <a:noFill/>
@@ -8673,7 +8678,7 @@
             <a:avLst/>
           </a:prstGeom>
           <a:solidFill>
-            <a:srgbClr val="121212"/>
+            <a:srgbClr val="FFFFFF"/>
           </a:solidFill>
           <a:ln>
             <a:noFill/>
@@ -8937,7 +8942,7 @@
             <a:avLst/>
           </a:prstGeom>
           <a:solidFill>
-            <a:srgbClr val="D2691E"/>
+            <a:srgbClr val="2563EB"/>
           </a:solidFill>
           <a:ln>
             <a:noFill/>
@@ -8975,7 +8980,7 @@
 </file>
 
 <file path=ppt/slides/slide3.xml><?xml version="1.0" encoding="utf-8"?>
-<p:sld xmlns:a="http://schemas.openxmlformats.org/drawingml/2006/main" xmlns:p="http://schemas.openxmlformats.org/presentationml/2006/main" xmlns:r="http://schemas.openxmlformats.org/officeDocument/2006/relationships">
+<p:sld xmlns:a="http://schemas.openxmlformats.org/drawingml/2006/main" xmlns:r="http://schemas.openxmlformats.org/officeDocument/2006/relationships" xmlns:p="http://schemas.openxmlformats.org/presentationml/2006/main">
   <p:cSld>
     <p:bg>
       <p:bgPr>
@@ -8991,17 +8996,109 @@
         <p:cNvGrpSpPr/>
         <p:nvPr/>
       </p:nvGrpSpPr>
-      <p:grpSpPr/>
-      <p:sp>
-        <p:nvSpPr>
-          <p:cNvPr id="2" name="TextBox 1"/>
+      <p:grpSpPr>
+        <a:xfrm>
+          <a:off x="0" y="0"/>
+          <a:ext cx="0" cy="0"/>
+          <a:chOff x="0" y="0"/>
+          <a:chExt cx="0" cy="0"/>
+        </a:xfrm>
+      </p:grpSpPr>
+      <p:sp>
+        <p:nvSpPr>
+          <p:cNvPr id="2" name="Rectangle 1"/>
+          <p:cNvSpPr/>
+          <p:nvPr/>
+        </p:nvSpPr>
+        <p:spPr>
+          <a:xfrm>
+            <a:off x="0" y="0"/>
+            <a:ext cx="14630400" cy="8229600"/>
+          </a:xfrm>
+          <a:prstGeom prst="rect">
+            <a:avLst/>
+          </a:prstGeom>
+          <a:solidFill>
+            <a:srgbClr val="FFFFFF"/>
+          </a:solidFill>
+          <a:ln>
+            <a:noFill/>
+          </a:ln>
+        </p:spPr>
+        <p:style>
+          <a:lnRef idx="1">
+            <a:schemeClr val="accent1"/>
+          </a:lnRef>
+          <a:fillRef idx="3">
+            <a:schemeClr val="accent1"/>
+          </a:fillRef>
+          <a:effectRef idx="2">
+            <a:schemeClr val="accent1"/>
+          </a:effectRef>
+          <a:fontRef idx="minor">
+            <a:schemeClr val="lt1"/>
+          </a:fontRef>
+        </p:style>
+        <p:txBody>
+          <a:bodyPr rtlCol="0" anchor="ctr"/>
+          <a:lstStyle/>
+          <a:p>
+            <a:pPr algn="ctr"/>
+            <a:endParaRPr/>
+          </a:p>
+        </p:txBody>
+      </p:sp>
+      <p:sp>
+        <p:nvSpPr>
+          <p:cNvPr id="3" name="TextBox 2"/>
           <p:cNvSpPr txBox="1"/>
           <p:nvPr/>
         </p:nvSpPr>
         <p:spPr>
           <a:xfrm>
-            <a:off x="793790" y="894278"/>
-            <a:ext cx="13042821" cy="1417558"/>
+            <a:off x="914400" y="731520"/>
+            <a:ext cx="12801600" cy="1097280"/>
+          </a:xfrm>
+          <a:prstGeom prst="rect">
+            <a:avLst/>
+          </a:prstGeom>
+          <a:noFill/>
+        </p:spPr>
+        <p:txBody>
+          <a:bodyPr wrap="none">
+            <a:spAutoFit/>
+          </a:bodyPr>
+          <a:lstStyle/>
+          <a:p>
+            <a:pPr>
+              <a:defRPr sz="4400" b="1">
+                <a:solidFill>
+                  <a:srgbClr val="FFFFFF"/>
+                </a:solidFill>
+                <a:latin typeface="Arial"/>
+              </a:defRPr>
+            </a:pPr>
+            <a:r>
+              <a:rPr>
+                <a:solidFill>
+                  <a:srgbClr val="374151"/>
+                </a:solidFill>
+              </a:rPr>
+              <a:t>What You Need</a:t>
+            </a:r>
+          </a:p>
+        </p:txBody>
+      </p:sp>
+      <p:sp>
+        <p:nvSpPr>
+          <p:cNvPr id="4" name="TextBox 3"/>
+          <p:cNvSpPr txBox="1"/>
+          <p:nvPr/>
+        </p:nvSpPr>
+        <p:spPr>
+          <a:xfrm>
+            <a:off x="914400" y="2011680"/>
+            <a:ext cx="12801600" cy="5486400"/>
           </a:xfrm>
           <a:prstGeom prst="rect">
             <a:avLst/>
@@ -9014,416 +9111,115 @@
           </a:bodyPr>
           <a:lstStyle/>
           <a:p>
-            <a:pPr algn="l"/>
-            <a:r>
-              <a:rPr sz="4450" b="1">
-                <a:solidFill>
-                  <a:srgbClr val="111827"/>
-                </a:solidFill>
-                <a:latin typeface="Inter Bold"/>
-              </a:rPr>
-              <a:t>How Notebooks Work: The Runtime Connection</a:t>
-            </a:r>
-          </a:p>
-        </p:txBody>
-      </p:sp>
-      <p:pic>
-        <p:nvPicPr>
-          <p:cNvPr id="3" name="Picture 2" descr="image.png"/>
-          <p:cNvPicPr>
-            <a:picLocks noChangeAspect="1"/>
-          </p:cNvPicPr>
-          <p:nvPr/>
-        </p:nvPicPr>
-        <p:blipFill>
-          <a:blip r:embed="rId2"/>
-          <a:stretch>
-            <a:fillRect/>
-          </a:stretch>
-        </p:blipFill>
-        <p:spPr>
-          <a:xfrm>
-            <a:off x="793790" y="2907149"/>
-            <a:ext cx="5564862" cy="2546866"/>
-          </a:xfrm>
-          <a:prstGeom prst="rect">
-            <a:avLst/>
-          </a:prstGeom>
-        </p:spPr>
-      </p:pic>
-      <p:pic>
-        <p:nvPicPr>
-          <p:cNvPr id="4" name="Picture 3" descr="image.png"/>
-          <p:cNvPicPr>
-            <a:picLocks noChangeAspect="1"/>
-          </p:cNvPicPr>
-          <p:nvPr/>
-        </p:nvPicPr>
-        <p:blipFill>
-          <a:blip r:embed="rId3"/>
-          <a:stretch>
-            <a:fillRect/>
-          </a:stretch>
-        </p:blipFill>
-        <p:spPr>
-          <a:xfrm>
-            <a:off x="5373611" y="3543033"/>
-            <a:ext cx="357797" cy="357797"/>
-          </a:xfrm>
-          <a:prstGeom prst="rect">
-            <a:avLst/>
-          </a:prstGeom>
-        </p:spPr>
-      </p:pic>
-      <p:sp>
-        <p:nvSpPr>
-          <p:cNvPr id="5" name="TextBox 4"/>
-          <p:cNvSpPr txBox="1"/>
-          <p:nvPr/>
-        </p:nvSpPr>
-        <p:spPr>
-          <a:xfrm>
-            <a:off x="5054837" y="4748584"/>
-            <a:ext cx="1044766" cy="402521"/>
-          </a:xfrm>
-          <a:prstGeom prst="rect">
-            <a:avLst/>
-          </a:prstGeom>
-          <a:noFill/>
-        </p:spPr>
-        <p:txBody>
-          <a:bodyPr wrap="square">
-            <a:spAutoFit/>
-          </a:bodyPr>
-          <a:lstStyle/>
-          <a:p>
-            <a:pPr algn="ctr"/>
-            <a:r>
-              <a:rPr sz="1350" b="1">
-                <a:solidFill>
-                  <a:srgbClr val="374151"/>
-                </a:solidFill>
-                <a:latin typeface="Inter Bold"/>
-              </a:rPr>
-              <a:t>Display Results</a:t>
-            </a:r>
-          </a:p>
-        </p:txBody>
-      </p:sp>
-      <p:pic>
-        <p:nvPicPr>
-          <p:cNvPr id="6" name="Picture 5" descr="image.png"/>
-          <p:cNvPicPr>
-            <a:picLocks noChangeAspect="1"/>
-          </p:cNvPicPr>
-          <p:nvPr/>
-        </p:nvPicPr>
-        <p:blipFill>
-          <a:blip r:embed="rId3"/>
-          <a:stretch>
-            <a:fillRect/>
-          </a:stretch>
-        </p:blipFill>
-        <p:spPr>
-          <a:xfrm>
-            <a:off x="4063740" y="3543704"/>
-            <a:ext cx="357797" cy="357796"/>
-          </a:xfrm>
-          <a:prstGeom prst="rect">
-            <a:avLst/>
-          </a:prstGeom>
-        </p:spPr>
-      </p:pic>
-      <p:sp>
-        <p:nvSpPr>
-          <p:cNvPr id="7" name="TextBox 6"/>
-          <p:cNvSpPr txBox="1"/>
-          <p:nvPr/>
-        </p:nvSpPr>
-        <p:spPr>
-          <a:xfrm>
-            <a:off x="3738145" y="4748584"/>
-            <a:ext cx="1044766" cy="402521"/>
-          </a:xfrm>
-          <a:prstGeom prst="rect">
-            <a:avLst/>
-          </a:prstGeom>
-          <a:noFill/>
-        </p:spPr>
-        <p:txBody>
-          <a:bodyPr wrap="square">
-            <a:spAutoFit/>
-          </a:bodyPr>
-          <a:lstStyle/>
-          <a:p>
-            <a:pPr algn="ctr"/>
-            <a:r>
-              <a:rPr sz="1350" b="1">
-                <a:solidFill>
-                  <a:srgbClr val="374151"/>
-                </a:solidFill>
-                <a:latin typeface="Inter Bold"/>
-              </a:rPr>
-              <a:t>Return Output</a:t>
-            </a:r>
-          </a:p>
-        </p:txBody>
-      </p:sp>
-      <p:pic>
-        <p:nvPicPr>
-          <p:cNvPr id="8" name="Picture 7" descr="image.png"/>
-          <p:cNvPicPr>
-            <a:picLocks noChangeAspect="1"/>
-          </p:cNvPicPr>
-          <p:nvPr/>
-        </p:nvPicPr>
-        <p:blipFill>
-          <a:blip r:embed="rId3"/>
-          <a:stretch>
-            <a:fillRect/>
-          </a:stretch>
-        </p:blipFill>
-        <p:spPr>
-          <a:xfrm>
-            <a:off x="2754205" y="3543704"/>
-            <a:ext cx="357797" cy="357796"/>
-          </a:xfrm>
-          <a:prstGeom prst="rect">
-            <a:avLst/>
-          </a:prstGeom>
-        </p:spPr>
-      </p:pic>
-      <p:sp>
-        <p:nvSpPr>
-          <p:cNvPr id="9" name="TextBox 8"/>
-          <p:cNvSpPr txBox="1"/>
-          <p:nvPr/>
-        </p:nvSpPr>
-        <p:spPr>
-          <a:xfrm>
-            <a:off x="2428610" y="4849214"/>
-            <a:ext cx="1044766" cy="201261"/>
-          </a:xfrm>
-          <a:prstGeom prst="rect">
-            <a:avLst/>
-          </a:prstGeom>
-          <a:noFill/>
-        </p:spPr>
-        <p:txBody>
-          <a:bodyPr wrap="none">
-            <a:spAutoFit/>
-          </a:bodyPr>
-          <a:lstStyle/>
-          <a:p>
-            <a:pPr algn="ctr"/>
-            <a:r>
-              <a:rPr sz="1350" b="1">
-                <a:solidFill>
-                  <a:srgbClr val="374151"/>
-                </a:solidFill>
-                <a:latin typeface="Inter Bold"/>
-              </a:rPr>
-              <a:t>Execute</a:t>
-            </a:r>
-          </a:p>
-        </p:txBody>
-      </p:sp>
-      <p:pic>
-        <p:nvPicPr>
-          <p:cNvPr id="10" name="Picture 9" descr="image.png"/>
-          <p:cNvPicPr>
-            <a:picLocks noChangeAspect="1"/>
-          </p:cNvPicPr>
-          <p:nvPr/>
-        </p:nvPicPr>
-        <p:blipFill>
-          <a:blip r:embed="rId3"/>
-          <a:stretch>
-            <a:fillRect/>
-          </a:stretch>
-        </p:blipFill>
-        <p:spPr>
-          <a:xfrm>
-            <a:off x="1437513" y="3543704"/>
-            <a:ext cx="357797" cy="357796"/>
-          </a:xfrm>
-          <a:prstGeom prst="rect">
-            <a:avLst/>
-          </a:prstGeom>
-        </p:spPr>
-      </p:pic>
-      <p:sp>
-        <p:nvSpPr>
-          <p:cNvPr id="11" name="TextBox 10"/>
-          <p:cNvSpPr txBox="1"/>
-          <p:nvPr/>
-        </p:nvSpPr>
-        <p:spPr>
-          <a:xfrm>
-            <a:off x="1090451" y="4849214"/>
-            <a:ext cx="1044766" cy="201261"/>
-          </a:xfrm>
-          <a:prstGeom prst="rect">
-            <a:avLst/>
-          </a:prstGeom>
-          <a:noFill/>
-        </p:spPr>
-        <p:txBody>
-          <a:bodyPr wrap="none">
-            <a:spAutoFit/>
-          </a:bodyPr>
-          <a:lstStyle/>
-          <a:p>
-            <a:pPr algn="ctr"/>
-            <a:r>
-              <a:rPr sz="1350" b="1">
-                <a:solidFill>
-                  <a:srgbClr val="374151"/>
-                </a:solidFill>
-                <a:latin typeface="Inter Bold"/>
-              </a:rPr>
-              <a:t>Send Code</a:t>
-            </a:r>
-          </a:p>
-        </p:txBody>
-      </p:sp>
-      <p:sp>
-        <p:nvSpPr>
-          <p:cNvPr id="12" name="TextBox 11"/>
-          <p:cNvSpPr txBox="1"/>
-          <p:nvPr/>
-        </p:nvSpPr>
-        <p:spPr>
-          <a:xfrm>
-            <a:off x="6919674" y="2856071"/>
-            <a:ext cx="6924437" cy="725805"/>
-          </a:xfrm>
-          <a:prstGeom prst="rect">
-            <a:avLst/>
-          </a:prstGeom>
-          <a:noFill/>
-        </p:spPr>
-        <p:txBody>
-          <a:bodyPr wrap="square">
-            <a:spAutoFit/>
-          </a:bodyPr>
-          <a:lstStyle/>
-          <a:p>
-            <a:pPr algn="l"/>
-            <a:r>
-              <a:rPr sz="1750">
-                <a:solidFill>
-                  <a:srgbClr val="374151"/>
-                </a:solidFill>
-                <a:latin typeface="Inter"/>
-              </a:rPr>
-              <a:t>Think of a Jupyter notebook as a conversation between you and a computer. Here's the workflow:</a:t>
-            </a:r>
-          </a:p>
-        </p:txBody>
-      </p:sp>
-      <p:sp>
-        <p:nvSpPr>
-          <p:cNvPr id="13" name="TextBox 12"/>
-          <p:cNvSpPr txBox="1"/>
-          <p:nvPr/>
-        </p:nvSpPr>
-        <p:spPr>
-          <a:xfrm>
-            <a:off x="6919674" y="3785949"/>
-            <a:ext cx="6924437" cy="2177548"/>
-          </a:xfrm>
-          <a:prstGeom prst="rect">
-            <a:avLst/>
-          </a:prstGeom>
-          <a:noFill/>
-        </p:spPr>
-        <p:txBody>
-          <a:bodyPr wrap="square">
-            <a:spAutoFit/>
-          </a:bodyPr>
-          <a:lstStyle/>
-          <a:p>
-            <a:pPr algn="l"/>
-            <a:r>
-              <a:rPr sz="1750">
-                <a:solidFill>
-                  <a:srgbClr val="374151"/>
-                </a:solidFill>
-                <a:latin typeface="Inter"/>
-              </a:rPr>
-              <a:t>Your notebook transmits code to a runtime environment (called a kernel)</a:t>
-            </a:r>
-          </a:p>
-          <a:p>
-            <a:pPr algn="l"/>
-            <a:r>
-              <a:rPr sz="1750">
-                <a:solidFill>
-                  <a:srgbClr val="374151"/>
-                </a:solidFill>
-                <a:latin typeface="Inter"/>
-              </a:rPr>
-              <a:t>The runtime processes and executes your code</a:t>
-            </a:r>
-          </a:p>
-          <a:p>
-            <a:pPr algn="l"/>
-            <a:r>
-              <a:rPr sz="1750">
-                <a:solidFill>
-                  <a:srgbClr val="374151"/>
-                </a:solidFill>
-                <a:latin typeface="Inter"/>
-              </a:rPr>
-              <a:t>Results flow back to the notebook interface</a:t>
-            </a:r>
-          </a:p>
-          <a:p>
-            <a:pPr algn="l"/>
-            <a:r>
-              <a:rPr sz="1750">
-                <a:solidFill>
-                  <a:srgbClr val="374151"/>
-                </a:solidFill>
-                <a:latin typeface="Inter"/>
-              </a:rPr>
-              <a:t>The notebook renders outputs, visualizations, and any error messages</a:t>
-            </a:r>
-          </a:p>
-        </p:txBody>
-      </p:sp>
-      <p:sp>
-        <p:nvSpPr>
-          <p:cNvPr id="14" name="TextBox 13"/>
-          <p:cNvSpPr txBox="1"/>
-          <p:nvPr/>
-        </p:nvSpPr>
-        <p:spPr>
-          <a:xfrm>
-            <a:off x="6919674" y="6167570"/>
-            <a:ext cx="6924437" cy="725805"/>
-          </a:xfrm>
-          <a:prstGeom prst="rect">
-            <a:avLst/>
-          </a:prstGeom>
-          <a:noFill/>
-        </p:spPr>
-        <p:txBody>
-          <a:bodyPr wrap="square">
-            <a:spAutoFit/>
-          </a:bodyPr>
-          <a:lstStyle/>
-          <a:p>
-            <a:pPr algn="l"/>
-            <a:r>
-              <a:rPr sz="1750">
-                <a:solidFill>
-                  <a:srgbClr val="374151"/>
-                </a:solidFill>
-                <a:latin typeface="Inter"/>
-              </a:rPr>
-              <a:t>This interactive loop enables rapid experimentation and immediate feedback—essential for learning and development.</a:t>
+            <a:pPr>
+              <a:spcBef>
+                <a:spcPts val="800"/>
+              </a:spcBef>
+              <a:defRPr sz="2400">
+                <a:solidFill>
+                  <a:srgbClr val="FFFFFF"/>
+                </a:solidFill>
+                <a:latin typeface="Arial"/>
+              </a:defRPr>
+            </a:pPr>
+            <a:r>
+              <a:rPr>
+                <a:solidFill>
+                  <a:srgbClr val="374151"/>
+                </a:solidFill>
+              </a:rPr>
+              <a:t>Just two things:</a:t>
+            </a:r>
+          </a:p>
+          <a:p>
+            <a:pPr>
+              <a:spcBef>
+                <a:spcPts val="800"/>
+              </a:spcBef>
+              <a:defRPr sz="2400">
+                <a:solidFill>
+                  <a:srgbClr val="FFFFFF"/>
+                </a:solidFill>
+                <a:latin typeface="Arial"/>
+              </a:defRPr>
+            </a:pPr>
+            <a:endParaRPr/>
+          </a:p>
+          <a:p>
+            <a:pPr>
+              <a:spcBef>
+                <a:spcPts val="800"/>
+              </a:spcBef>
+              <a:defRPr sz="2400">
+                <a:solidFill>
+                  <a:srgbClr val="FFFFFF"/>
+                </a:solidFill>
+                <a:latin typeface="Arial"/>
+              </a:defRPr>
+            </a:pPr>
+            <a:r>
+              <a:rPr>
+                <a:solidFill>
+                  <a:srgbClr val="374151"/>
+                </a:solidFill>
+              </a:rPr>
+              <a:t>1. A Google account (Gmail works)</a:t>
+            </a:r>
+          </a:p>
+          <a:p>
+            <a:pPr>
+              <a:spcBef>
+                <a:spcPts val="800"/>
+              </a:spcBef>
+              <a:defRPr sz="2400">
+                <a:solidFill>
+                  <a:srgbClr val="FFFFFF"/>
+                </a:solidFill>
+                <a:latin typeface="Arial"/>
+              </a:defRPr>
+            </a:pPr>
+            <a:r>
+              <a:rPr>
+                <a:solidFill>
+                  <a:srgbClr val="374151"/>
+                </a:solidFill>
+              </a:rPr>
+              <a:t>2. A web browser (Chrome recommended)</a:t>
+            </a:r>
+          </a:p>
+          <a:p>
+            <a:pPr>
+              <a:spcBef>
+                <a:spcPts val="800"/>
+              </a:spcBef>
+              <a:defRPr sz="2400">
+                <a:solidFill>
+                  <a:srgbClr val="FFFFFF"/>
+                </a:solidFill>
+                <a:latin typeface="Arial"/>
+              </a:defRPr>
+            </a:pPr>
+            <a:endParaRPr/>
+          </a:p>
+          <a:p>
+            <a:pPr>
+              <a:spcBef>
+                <a:spcPts val="800"/>
+              </a:spcBef>
+              <a:defRPr sz="2400">
+                <a:solidFill>
+                  <a:srgbClr val="FFFFFF"/>
+                </a:solidFill>
+                <a:latin typeface="Arial"/>
+              </a:defRPr>
+            </a:pPr>
+            <a:r>
+              <a:rPr>
+                <a:solidFill>
+                  <a:srgbClr val="374151"/>
+                </a:solidFill>
+              </a:rPr>
+              <a:t>That's it!</a:t>
             </a:r>
           </a:p>
         </p:txBody>
@@ -9476,7 +9272,7 @@
             <a:avLst/>
           </a:prstGeom>
           <a:solidFill>
-            <a:srgbClr val="121212"/>
+            <a:srgbClr val="FFFFFF"/>
           </a:solidFill>
           <a:ln>
             <a:noFill/>
@@ -9541,21 +9337,45 @@
                   <a:srgbClr val="374151"/>
                 </a:solidFill>
               </a:rPr>
-              <a:t>What You Need</a:t>
-            </a:r>
-          </a:p>
-        </p:txBody>
-      </p:sp>
-      <p:sp>
-        <p:nvSpPr>
-          <p:cNvPr id="4" name="TextBox 3"/>
+              <a:t>Accessing Colab: From Google Drive</a:t>
+            </a:r>
+          </a:p>
+        </p:txBody>
+      </p:sp>
+      <p:pic>
+        <p:nvPicPr>
+          <p:cNvPr id="4" name="Picture 3" descr="colab-access.png"/>
+          <p:cNvPicPr>
+            <a:picLocks noChangeAspect="1"/>
+          </p:cNvPicPr>
+          <p:nvPr/>
+        </p:nvPicPr>
+        <p:blipFill>
+          <a:blip r:embed="rId2"/>
+          <a:stretch>
+            <a:fillRect/>
+          </a:stretch>
+        </p:blipFill>
+        <p:spPr>
+          <a:xfrm>
+            <a:off x="1828800" y="1828800"/>
+            <a:ext cx="10972800" cy="4472430"/>
+          </a:xfrm>
+          <a:prstGeom prst="rect">
+            <a:avLst/>
+          </a:prstGeom>
+        </p:spPr>
+      </p:pic>
+      <p:sp>
+        <p:nvSpPr>
+          <p:cNvPr id="5" name="TextBox 4"/>
           <p:cNvSpPr txBox="1"/>
           <p:nvPr/>
         </p:nvSpPr>
         <p:spPr>
           <a:xfrm>
-            <a:off x="914400" y="2011680"/>
-            <a:ext cx="12801600" cy="5486400"/>
+            <a:off x="914400" y="6858000"/>
+            <a:ext cx="12801600" cy="914400"/>
           </a:xfrm>
           <a:prstGeom prst="rect">
             <a:avLst/>
@@ -9563,18 +9383,15 @@
           <a:noFill/>
         </p:spPr>
         <p:txBody>
-          <a:bodyPr wrap="square">
+          <a:bodyPr wrap="none">
             <a:spAutoFit/>
           </a:bodyPr>
           <a:lstStyle/>
           <a:p>
-            <a:pPr>
-              <a:spcBef>
-                <a:spcPts val="800"/>
-              </a:spcBef>
-              <a:defRPr sz="2400">
-                <a:solidFill>
-                  <a:srgbClr val="FFFFFF"/>
+            <a:pPr algn="ctr">
+              <a:defRPr sz="2000">
+                <a:solidFill>
+                  <a:srgbClr val="B4B4B4"/>
                 </a:solidFill>
                 <a:latin typeface="Arial"/>
               </a:defRPr>
@@ -9585,98 +9402,7 @@
                   <a:srgbClr val="374151"/>
                 </a:solidFill>
               </a:rPr>
-              <a:t>Just two things:</a:t>
-            </a:r>
-          </a:p>
-          <a:p>
-            <a:pPr>
-              <a:spcBef>
-                <a:spcPts val="800"/>
-              </a:spcBef>
-              <a:defRPr sz="2400">
-                <a:solidFill>
-                  <a:srgbClr val="FFFFFF"/>
-                </a:solidFill>
-                <a:latin typeface="Arial"/>
-              </a:defRPr>
-            </a:pPr>
-            <a:endParaRPr/>
-          </a:p>
-          <a:p>
-            <a:pPr>
-              <a:spcBef>
-                <a:spcPts val="800"/>
-              </a:spcBef>
-              <a:defRPr sz="2400">
-                <a:solidFill>
-                  <a:srgbClr val="FFFFFF"/>
-                </a:solidFill>
-                <a:latin typeface="Arial"/>
-              </a:defRPr>
-            </a:pPr>
-            <a:r>
-              <a:rPr>
-                <a:solidFill>
-                  <a:srgbClr val="374151"/>
-                </a:solidFill>
-              </a:rPr>
-              <a:t>1. A Google account (Gmail works)</a:t>
-            </a:r>
-          </a:p>
-          <a:p>
-            <a:pPr>
-              <a:spcBef>
-                <a:spcPts val="800"/>
-              </a:spcBef>
-              <a:defRPr sz="2400">
-                <a:solidFill>
-                  <a:srgbClr val="FFFFFF"/>
-                </a:solidFill>
-                <a:latin typeface="Arial"/>
-              </a:defRPr>
-            </a:pPr>
-            <a:r>
-              <a:rPr>
-                <a:solidFill>
-                  <a:srgbClr val="374151"/>
-                </a:solidFill>
-              </a:rPr>
-              <a:t>2. A web browser (Chrome recommended)</a:t>
-            </a:r>
-          </a:p>
-          <a:p>
-            <a:pPr>
-              <a:spcBef>
-                <a:spcPts val="800"/>
-              </a:spcBef>
-              <a:defRPr sz="2400">
-                <a:solidFill>
-                  <a:srgbClr val="FFFFFF"/>
-                </a:solidFill>
-                <a:latin typeface="Arial"/>
-              </a:defRPr>
-            </a:pPr>
-            <a:endParaRPr/>
-          </a:p>
-          <a:p>
-            <a:pPr>
-              <a:spcBef>
-                <a:spcPts val="800"/>
-              </a:spcBef>
-              <a:defRPr sz="2400">
-                <a:solidFill>
-                  <a:srgbClr val="FFFFFF"/>
-                </a:solidFill>
-                <a:latin typeface="Arial"/>
-              </a:defRPr>
-            </a:pPr>
-            <a:r>
-              <a:rPr>
-                <a:solidFill>
-                  <a:srgbClr val="374151"/>
-                </a:solidFill>
-              </a:rPr>
-              <a:t>That's it!</a:t>
+              <a:t>Click New → More → Google Colaboratory</a:t>
             </a:r>
           </a:p>
         </p:txBody>
@@ -9729,7 +9455,7 @@
             <a:avLst/>
           </a:prstGeom>
           <a:solidFill>
-            <a:srgbClr val="121212"/>
+            <a:srgbClr val="FFFFFF"/>
           </a:solidFill>
           <a:ln>
             <a:noFill/>
@@ -9794,45 +9520,21 @@
                   <a:srgbClr val="374151"/>
                 </a:solidFill>
               </a:rPr>
-              <a:t>Accessing Colab: From Google Drive</a:t>
-            </a:r>
-          </a:p>
-        </p:txBody>
-      </p:sp>
-      <p:pic>
-        <p:nvPicPr>
-          <p:cNvPr id="4" name="Picture 3" descr="colab-access.png"/>
-          <p:cNvPicPr>
-            <a:picLocks noChangeAspect="1"/>
-          </p:cNvPicPr>
-          <p:nvPr/>
-        </p:nvPicPr>
-        <p:blipFill>
-          <a:blip r:embed="rId2"/>
-          <a:stretch>
-            <a:fillRect/>
-          </a:stretch>
-        </p:blipFill>
-        <p:spPr>
-          <a:xfrm>
-            <a:off x="1828800" y="1828800"/>
-            <a:ext cx="10972800" cy="4472430"/>
-          </a:xfrm>
-          <a:prstGeom prst="rect">
-            <a:avLst/>
-          </a:prstGeom>
-        </p:spPr>
-      </p:pic>
-      <p:sp>
-        <p:nvSpPr>
-          <p:cNvPr id="5" name="TextBox 4"/>
+              <a:t>Accessing Colab: Direct</a:t>
+            </a:r>
+          </a:p>
+        </p:txBody>
+      </p:sp>
+      <p:sp>
+        <p:nvSpPr>
+          <p:cNvPr id="4" name="TextBox 3"/>
           <p:cNvSpPr txBox="1"/>
           <p:nvPr/>
         </p:nvSpPr>
         <p:spPr>
           <a:xfrm>
-            <a:off x="914400" y="6858000"/>
-            <a:ext cx="12801600" cy="914400"/>
+            <a:off x="914400" y="2011680"/>
+            <a:ext cx="12801600" cy="5486400"/>
           </a:xfrm>
           <a:prstGeom prst="rect">
             <a:avLst/>
@@ -9840,26 +9542,65 @@
           <a:noFill/>
         </p:spPr>
         <p:txBody>
-          <a:bodyPr wrap="none">
+          <a:bodyPr wrap="square">
             <a:spAutoFit/>
           </a:bodyPr>
           <a:lstStyle/>
           <a:p>
-            <a:pPr algn="ctr">
-              <a:defRPr sz="2000">
-                <a:solidFill>
-                  <a:srgbClr val="B4B4B4"/>
-                </a:solidFill>
-                <a:latin typeface="Arial"/>
-              </a:defRPr>
-            </a:pPr>
-            <a:r>
-              <a:rPr>
-                <a:solidFill>
-                  <a:srgbClr val="374151"/>
-                </a:solidFill>
-              </a:rPr>
-              <a:t>Click New → More → Google Colaboratory</a:t>
+            <a:pPr>
+              <a:spcBef>
+                <a:spcPts val="800"/>
+              </a:spcBef>
+              <a:defRPr sz="2400">
+                <a:solidFill>
+                  <a:srgbClr val="FFFFFF"/>
+                </a:solidFill>
+                <a:latin typeface="Arial"/>
+              </a:defRPr>
+            </a:pPr>
+            <a:r>
+              <a:rPr dirty="0">
+                <a:solidFill>
+                  <a:srgbClr val="374151"/>
+                </a:solidFill>
+              </a:rPr>
+              <a:t>Go directly to:</a:t>
+            </a:r>
+          </a:p>
+          <a:p>
+            <a:pPr>
+              <a:spcBef>
+                <a:spcPts val="800"/>
+              </a:spcBef>
+              <a:defRPr sz="2400">
+                <a:solidFill>
+                  <a:srgbClr val="FFFFFF"/>
+                </a:solidFill>
+                <a:latin typeface="Arial"/>
+              </a:defRPr>
+            </a:pPr>
+            <a:endParaRPr dirty="0"/>
+          </a:p>
+          <a:p>
+            <a:pPr>
+              <a:spcBef>
+                <a:spcPts val="800"/>
+              </a:spcBef>
+              <a:defRPr sz="2400">
+                <a:solidFill>
+                  <a:srgbClr val="FFFFFF"/>
+                </a:solidFill>
+                <a:latin typeface="Arial"/>
+              </a:defRPr>
+            </a:pPr>
+            <a:r>
+              <a:rPr dirty="0">
+                <a:solidFill>
+                  <a:srgbClr val="374151"/>
+                </a:solidFill>
+                <a:hlinkClick r:id="rId2"/>
+              </a:rPr>
+              <a:t>colab.research.google.com</a:t>
             </a:r>
           </a:p>
         </p:txBody>
@@ -9912,7 +9653,7 @@
             <a:avLst/>
           </a:prstGeom>
           <a:solidFill>
-            <a:srgbClr val="121212"/>
+            <a:srgbClr val="FFFFFF"/>
           </a:solidFill>
           <a:ln>
             <a:noFill/>
@@ -9977,91 +9718,35 @@
                   <a:srgbClr val="374151"/>
                 </a:solidFill>
               </a:rPr>
-              <a:t>Accessing Colab: Direct</a:t>
-            </a:r>
-          </a:p>
-        </p:txBody>
-      </p:sp>
-      <p:sp>
-        <p:nvSpPr>
-          <p:cNvPr id="4" name="TextBox 3"/>
-          <p:cNvSpPr txBox="1"/>
-          <p:nvPr/>
-        </p:nvSpPr>
-        <p:spPr>
-          <a:xfrm>
-            <a:off x="914400" y="2011680"/>
-            <a:ext cx="12801600" cy="5486400"/>
-          </a:xfrm>
-          <a:prstGeom prst="rect">
-            <a:avLst/>
-          </a:prstGeom>
-          <a:noFill/>
-        </p:spPr>
-        <p:txBody>
-          <a:bodyPr wrap="square">
-            <a:spAutoFit/>
-          </a:bodyPr>
-          <a:lstStyle/>
-          <a:p>
-            <a:pPr>
-              <a:spcBef>
-                <a:spcPts val="800"/>
-              </a:spcBef>
-              <a:defRPr sz="2400">
-                <a:solidFill>
-                  <a:srgbClr val="FFFFFF"/>
-                </a:solidFill>
-                <a:latin typeface="Arial"/>
-              </a:defRPr>
-            </a:pPr>
-            <a:r>
-              <a:rPr dirty="0">
-                <a:solidFill>
-                  <a:srgbClr val="374151"/>
-                </a:solidFill>
-              </a:rPr>
-              <a:t>Go directly to:</a:t>
-            </a:r>
-          </a:p>
-          <a:p>
-            <a:pPr>
-              <a:spcBef>
-                <a:spcPts val="800"/>
-              </a:spcBef>
-              <a:defRPr sz="2400">
-                <a:solidFill>
-                  <a:srgbClr val="FFFFFF"/>
-                </a:solidFill>
-                <a:latin typeface="Arial"/>
-              </a:defRPr>
-            </a:pPr>
-            <a:endParaRPr dirty="0"/>
-          </a:p>
-          <a:p>
-            <a:pPr>
-              <a:spcBef>
-                <a:spcPts val="800"/>
-              </a:spcBef>
-              <a:defRPr sz="2400">
-                <a:solidFill>
-                  <a:srgbClr val="FFFFFF"/>
-                </a:solidFill>
-                <a:latin typeface="Arial"/>
-              </a:defRPr>
-            </a:pPr>
-            <a:r>
-              <a:rPr dirty="0">
-                <a:solidFill>
-                  <a:srgbClr val="374151"/>
-                </a:solidFill>
-                <a:hlinkClick r:id="rId2"/>
-              </a:rPr>
-              <a:t>colab.research.google.com</a:t>
-            </a:r>
-          </a:p>
-        </p:txBody>
-      </p:sp>
+              <a:t>The Open Notebook Dialog</a:t>
+            </a:r>
+          </a:p>
+        </p:txBody>
+      </p:sp>
+      <p:pic>
+        <p:nvPicPr>
+          <p:cNvPr id="4" name="Picture 3" descr="colab1.png"/>
+          <p:cNvPicPr>
+            <a:picLocks noChangeAspect="1"/>
+          </p:cNvPicPr>
+          <p:nvPr/>
+        </p:nvPicPr>
+        <p:blipFill>
+          <a:blip r:embed="rId2"/>
+          <a:stretch>
+            <a:fillRect/>
+          </a:stretch>
+        </p:blipFill>
+        <p:spPr>
+          <a:xfrm>
+            <a:off x="1828800" y="1828800"/>
+            <a:ext cx="10972800" cy="6685287"/>
+          </a:xfrm>
+          <a:prstGeom prst="rect">
+            <a:avLst/>
+          </a:prstGeom>
+        </p:spPr>
+      </p:pic>
     </p:spTree>
   </p:cSld>
   <p:clrMapOvr>
@@ -10110,7 +9795,7 @@
             <a:avLst/>
           </a:prstGeom>
           <a:solidFill>
-            <a:srgbClr val="121212"/>
+            <a:srgbClr val="FFFFFF"/>
           </a:solidFill>
           <a:ln>
             <a:noFill/>
@@ -10175,35 +9860,286 @@
                   <a:srgbClr val="374151"/>
                 </a:solidFill>
               </a:rPr>
-              <a:t>The Open Notebook Dialog</a:t>
-            </a:r>
-          </a:p>
-        </p:txBody>
-      </p:sp>
-      <p:pic>
-        <p:nvPicPr>
-          <p:cNvPr id="4" name="Picture 3" descr="colab1.png"/>
-          <p:cNvPicPr>
-            <a:picLocks noChangeAspect="1"/>
-          </p:cNvPicPr>
-          <p:nvPr/>
-        </p:nvPicPr>
-        <p:blipFill>
-          <a:blip r:embed="rId2"/>
-          <a:stretch>
-            <a:fillRect/>
-          </a:stretch>
-        </p:blipFill>
-        <p:spPr>
-          <a:xfrm>
-            <a:off x="1828800" y="1828800"/>
-            <a:ext cx="10972800" cy="6685287"/>
-          </a:xfrm>
-          <a:prstGeom prst="rect">
-            <a:avLst/>
-          </a:prstGeom>
-        </p:spPr>
-      </p:pic>
+              <a:t>Opening Notebooks</a:t>
+            </a:r>
+          </a:p>
+        </p:txBody>
+      </p:sp>
+      <p:sp>
+        <p:nvSpPr>
+          <p:cNvPr id="4" name="TextBox 3"/>
+          <p:cNvSpPr txBox="1"/>
+          <p:nvPr/>
+        </p:nvSpPr>
+        <p:spPr>
+          <a:xfrm>
+            <a:off x="914400" y="2011680"/>
+            <a:ext cx="12801600" cy="2821285"/>
+          </a:xfrm>
+          <a:prstGeom prst="rect">
+            <a:avLst/>
+          </a:prstGeom>
+          <a:noFill/>
+        </p:spPr>
+        <p:txBody>
+          <a:bodyPr wrap="square">
+            <a:spAutoFit/>
+          </a:bodyPr>
+          <a:lstStyle/>
+          <a:p>
+            <a:pPr>
+              <a:spcBef>
+                <a:spcPts val="800"/>
+              </a:spcBef>
+              <a:defRPr sz="2400">
+                <a:solidFill>
+                  <a:srgbClr val="FFFFFF"/>
+                </a:solidFill>
+                <a:latin typeface="Arial"/>
+              </a:defRPr>
+            </a:pPr>
+            <a:r>
+              <a:rPr dirty="0">
+                <a:solidFill>
+                  <a:srgbClr val="374151"/>
+                </a:solidFill>
+              </a:rPr>
+              <a:t>• Examples: Google's tutorial notebooks</a:t>
+            </a:r>
+          </a:p>
+          <a:p>
+            <a:pPr>
+              <a:spcBef>
+                <a:spcPts val="800"/>
+              </a:spcBef>
+              <a:defRPr sz="2400">
+                <a:solidFill>
+                  <a:srgbClr val="FFFFFF"/>
+                </a:solidFill>
+                <a:latin typeface="Arial"/>
+              </a:defRPr>
+            </a:pPr>
+            <a:r>
+              <a:rPr dirty="0">
+                <a:solidFill>
+                  <a:srgbClr val="374151"/>
+                </a:solidFill>
+              </a:rPr>
+              <a:t>• Recent: Your recently opened notebooks</a:t>
+            </a:r>
+          </a:p>
+          <a:p>
+            <a:pPr>
+              <a:spcBef>
+                <a:spcPts val="800"/>
+              </a:spcBef>
+              <a:defRPr sz="2400">
+                <a:solidFill>
+                  <a:srgbClr val="FFFFFF"/>
+                </a:solidFill>
+                <a:latin typeface="Arial"/>
+              </a:defRPr>
+            </a:pPr>
+            <a:r>
+              <a:rPr dirty="0">
+                <a:solidFill>
+                  <a:srgbClr val="374151"/>
+                </a:solidFill>
+              </a:rPr>
+              <a:t>• Google Drive: Notebooks saved in your Drive</a:t>
+            </a:r>
+          </a:p>
+          <a:p>
+            <a:pPr>
+              <a:spcBef>
+                <a:spcPts val="800"/>
+              </a:spcBef>
+              <a:defRPr sz="2400">
+                <a:solidFill>
+                  <a:srgbClr val="FFFFFF"/>
+                </a:solidFill>
+                <a:latin typeface="Arial"/>
+              </a:defRPr>
+            </a:pPr>
+            <a:r>
+              <a:rPr dirty="0">
+                <a:solidFill>
+                  <a:srgbClr val="374151"/>
+                </a:solidFill>
+              </a:rPr>
+              <a:t>• GitHub: Open notebooks from GitHub repos</a:t>
+            </a:r>
+          </a:p>
+          <a:p>
+            <a:pPr>
+              <a:spcBef>
+                <a:spcPts val="800"/>
+              </a:spcBef>
+              <a:defRPr sz="2400">
+                <a:solidFill>
+                  <a:srgbClr val="FFFFFF"/>
+                </a:solidFill>
+                <a:latin typeface="Arial"/>
+              </a:defRPr>
+            </a:pPr>
+            <a:r>
+              <a:rPr dirty="0">
+                <a:solidFill>
+                  <a:srgbClr val="374151"/>
+                </a:solidFill>
+              </a:rPr>
+              <a:t>• Upload: Upload a .</a:t>
+            </a:r>
+            <a:r>
+              <a:rPr dirty="0" err="1">
+                <a:solidFill>
+                  <a:srgbClr val="374151"/>
+                </a:solidFill>
+              </a:rPr>
+              <a:t>ipynb</a:t>
+            </a:r>
+            <a:r>
+              <a:rPr dirty="0">
+                <a:solidFill>
+                  <a:srgbClr val="374151"/>
+                </a:solidFill>
+              </a:rPr>
+              <a:t> file</a:t>
+            </a:r>
+          </a:p>
+          <a:p>
+            <a:pPr>
+              <a:spcBef>
+                <a:spcPts val="800"/>
+              </a:spcBef>
+              <a:defRPr sz="2400">
+                <a:solidFill>
+                  <a:srgbClr val="FFFFFF"/>
+                </a:solidFill>
+                <a:latin typeface="Arial"/>
+              </a:defRPr>
+            </a:pPr>
+            <a:endParaRPr lang="en-US" dirty="0"/>
+          </a:p>
+        </p:txBody>
+      </p:sp>
+      <p:sp>
+        <p:nvSpPr>
+          <p:cNvPr id="5" name="Rectangle 4"/>
+          <p:cNvSpPr/>
+          <p:nvPr/>
+        </p:nvSpPr>
+        <p:spPr>
+          <a:xfrm flipH="1">
+            <a:off x="702906" y="2090057"/>
+            <a:ext cx="74334" cy="2202026"/>
+          </a:xfrm>
+          <a:prstGeom prst="rect">
+            <a:avLst/>
+          </a:prstGeom>
+          <a:solidFill>
+            <a:srgbClr val="2563EB"/>
+          </a:solidFill>
+          <a:ln>
+            <a:noFill/>
+          </a:ln>
+        </p:spPr>
+        <p:style>
+          <a:lnRef idx="1">
+            <a:schemeClr val="accent1"/>
+          </a:lnRef>
+          <a:fillRef idx="3">
+            <a:schemeClr val="accent1"/>
+          </a:fillRef>
+          <a:effectRef idx="2">
+            <a:schemeClr val="accent1"/>
+          </a:effectRef>
+          <a:fontRef idx="minor">
+            <a:schemeClr val="lt1"/>
+          </a:fontRef>
+        </p:style>
+        <p:txBody>
+          <a:bodyPr rtlCol="0" anchor="ctr"/>
+          <a:lstStyle/>
+          <a:p>
+            <a:pPr algn="ctr"/>
+            <a:endParaRPr/>
+          </a:p>
+        </p:txBody>
+      </p:sp>
+      <p:sp>
+        <p:nvSpPr>
+          <p:cNvPr id="6" name="TextBox 5">
+            <a:extLst>
+              <a:ext uri="{FF2B5EF4-FFF2-40B4-BE49-F238E27FC236}">
+                <a16:creationId xmlns:a16="http://schemas.microsoft.com/office/drawing/2014/main" id="{3D131BFF-E8BC-B2BF-821D-30ED819C5D14}"/>
+              </a:ext>
+            </a:extLst>
+          </p:cNvPr>
+          <p:cNvSpPr txBox="1"/>
+          <p:nvPr/>
+        </p:nvSpPr>
+        <p:spPr>
+          <a:xfrm>
+            <a:off x="653142" y="5015845"/>
+            <a:ext cx="7184571" cy="738664"/>
+          </a:xfrm>
+          <a:prstGeom prst="rect">
+            <a:avLst/>
+          </a:prstGeom>
+          <a:noFill/>
+        </p:spPr>
+        <p:txBody>
+          <a:bodyPr wrap="square" rtlCol="0">
+            <a:spAutoFit/>
+          </a:bodyPr>
+          <a:lstStyle/>
+          <a:p>
+            <a:pPr marL="0" marR="0" lvl="0" indent="0" algn="l" defTabSz="457200" rtl="0" eaLnBrk="1" fontAlgn="auto" latinLnBrk="0" hangingPunct="1">
+              <a:lnSpc>
+                <a:spcPct val="100000"/>
+              </a:lnSpc>
+              <a:spcBef>
+                <a:spcPts val="800"/>
+              </a:spcBef>
+              <a:spcAft>
+                <a:spcPts val="0"/>
+              </a:spcAft>
+              <a:buClrTx/>
+              <a:buSzTx/>
+              <a:buFontTx/>
+              <a:buNone/>
+              <a:tabLst/>
+              <a:defRPr sz="2400">
+                <a:solidFill>
+                  <a:srgbClr val="FFFFFF"/>
+                </a:solidFill>
+                <a:latin typeface="Arial"/>
+              </a:defRPr>
+            </a:pPr>
+            <a:r>
+              <a:rPr kumimoji="0" lang="en-US" sz="2400" b="0" i="0" u="none" strike="noStrike" kern="1200" cap="none" spc="0" normalizeH="0" baseline="0" noProof="0" dirty="0">
+                <a:ln>
+                  <a:noFill/>
+                </a:ln>
+                <a:solidFill>
+                  <a:srgbClr val="111827"/>
+                </a:solidFill>
+                <a:effectLst/>
+                <a:uLnTx/>
+                <a:uFillTx/>
+                <a:latin typeface="Arial"/>
+                <a:ea typeface="+mn-ea"/>
+                <a:cs typeface="+mn-cs"/>
+              </a:rPr>
+              <a:t>Click + New notebook to start a fresh notebook</a:t>
+            </a:r>
+          </a:p>
+          <a:p>
+            <a:endParaRPr lang="en-US" dirty="0"/>
+          </a:p>
+        </p:txBody>
+      </p:sp>
     </p:spTree>
   </p:cSld>
   <p:clrMapOvr>
@@ -10252,7 +10188,7 @@
             <a:avLst/>
           </a:prstGeom>
           <a:solidFill>
-            <a:srgbClr val="121212"/>
+            <a:srgbClr val="FFFFFF"/>
           </a:solidFill>
           <a:ln>
             <a:noFill/>
@@ -10290,7 +10226,7 @@
         <p:spPr>
           <a:xfrm>
             <a:off x="914400" y="731520"/>
-            <a:ext cx="12801600" cy="1097280"/>
+            <a:ext cx="10927992" cy="769441"/>
           </a:xfrm>
           <a:prstGeom prst="rect">
             <a:avLst/>
@@ -10312,291 +10248,69 @@
               </a:defRPr>
             </a:pPr>
             <a:r>
-              <a:rPr>
-                <a:solidFill>
-                  <a:srgbClr val="374151"/>
-                </a:solidFill>
-              </a:rPr>
-              <a:t>Opening Notebooks</a:t>
-            </a:r>
-          </a:p>
-        </p:txBody>
-      </p:sp>
-      <p:sp>
-        <p:nvSpPr>
-          <p:cNvPr id="4" name="TextBox 3"/>
-          <p:cNvSpPr txBox="1"/>
-          <p:nvPr/>
-        </p:nvSpPr>
-        <p:spPr>
-          <a:xfrm>
-            <a:off x="914400" y="2011680"/>
-            <a:ext cx="12801600" cy="2821285"/>
-          </a:xfrm>
-          <a:prstGeom prst="rect">
-            <a:avLst/>
-          </a:prstGeom>
-          <a:noFill/>
-        </p:spPr>
-        <p:txBody>
-          <a:bodyPr wrap="square">
-            <a:spAutoFit/>
-          </a:bodyPr>
-          <a:lstStyle/>
-          <a:p>
-            <a:pPr>
-              <a:spcBef>
-                <a:spcPts val="800"/>
-              </a:spcBef>
-              <a:defRPr sz="2400">
-                <a:solidFill>
-                  <a:srgbClr val="FFFFFF"/>
-                </a:solidFill>
-                <a:latin typeface="Arial"/>
-              </a:defRPr>
-            </a:pPr>
-            <a:r>
               <a:rPr dirty="0">
                 <a:solidFill>
                   <a:srgbClr val="374151"/>
                 </a:solidFill>
               </a:rPr>
-              <a:t>• Examples: Google's tutorial notebooks</a:t>
-            </a:r>
-          </a:p>
-          <a:p>
-            <a:pPr>
-              <a:spcBef>
-                <a:spcPts val="800"/>
-              </a:spcBef>
-              <a:defRPr sz="2400">
-                <a:solidFill>
-                  <a:srgbClr val="FFFFFF"/>
-                </a:solidFill>
-                <a:latin typeface="Arial"/>
-              </a:defRPr>
-            </a:pPr>
+              <a:t>The </a:t>
+            </a:r>
+            <a:r>
+              <a:rPr dirty="0" err="1">
+                <a:solidFill>
+                  <a:srgbClr val="374151"/>
+                </a:solidFill>
+              </a:rPr>
+              <a:t>Colab</a:t>
+            </a:r>
             <a:r>
               <a:rPr dirty="0">
                 <a:solidFill>
                   <a:srgbClr val="374151"/>
                 </a:solidFill>
               </a:rPr>
-              <a:t>• Recent: Your recently opened notebooks</a:t>
-            </a:r>
-          </a:p>
-          <a:p>
-            <a:pPr>
-              <a:spcBef>
-                <a:spcPts val="800"/>
-              </a:spcBef>
-              <a:defRPr sz="2400">
-                <a:solidFill>
-                  <a:srgbClr val="FFFFFF"/>
-                </a:solidFill>
-                <a:latin typeface="Arial"/>
-              </a:defRPr>
-            </a:pPr>
-            <a:r>
-              <a:rPr dirty="0">
-                <a:solidFill>
-                  <a:srgbClr val="374151"/>
-                </a:solidFill>
-              </a:rPr>
-              <a:t>• Google Drive: Notebooks saved in your Drive</a:t>
-            </a:r>
-          </a:p>
-          <a:p>
-            <a:pPr>
-              <a:spcBef>
-                <a:spcPts val="800"/>
-              </a:spcBef>
-              <a:defRPr sz="2400">
-                <a:solidFill>
-                  <a:srgbClr val="FFFFFF"/>
-                </a:solidFill>
-                <a:latin typeface="Arial"/>
-              </a:defRPr>
-            </a:pPr>
-            <a:r>
-              <a:rPr dirty="0">
-                <a:solidFill>
-                  <a:srgbClr val="374151"/>
-                </a:solidFill>
-              </a:rPr>
-              <a:t>• GitHub: Open notebooks from GitHub repos</a:t>
-            </a:r>
-          </a:p>
-          <a:p>
-            <a:pPr>
-              <a:spcBef>
-                <a:spcPts val="800"/>
-              </a:spcBef>
-              <a:defRPr sz="2400">
-                <a:solidFill>
-                  <a:srgbClr val="FFFFFF"/>
-                </a:solidFill>
-                <a:latin typeface="Arial"/>
-              </a:defRPr>
-            </a:pPr>
-            <a:r>
-              <a:rPr dirty="0">
-                <a:solidFill>
-                  <a:srgbClr val="374151"/>
-                </a:solidFill>
-              </a:rPr>
-              <a:t>• Upload: Upload a .</a:t>
-            </a:r>
-            <a:r>
-              <a:rPr dirty="0" err="1">
-                <a:solidFill>
-                  <a:srgbClr val="374151"/>
-                </a:solidFill>
-              </a:rPr>
-              <a:t>ipynb</a:t>
-            </a:r>
-            <a:r>
-              <a:rPr dirty="0">
-                <a:solidFill>
-                  <a:srgbClr val="374151"/>
-                </a:solidFill>
-              </a:rPr>
-              <a:t> file</a:t>
-            </a:r>
-          </a:p>
-          <a:p>
-            <a:pPr>
-              <a:spcBef>
-                <a:spcPts val="800"/>
-              </a:spcBef>
-              <a:defRPr sz="2400">
-                <a:solidFill>
-                  <a:srgbClr val="FFFFFF"/>
-                </a:solidFill>
-                <a:latin typeface="Arial"/>
-              </a:defRPr>
-            </a:pPr>
-            <a:endParaRPr lang="en-US" dirty="0"/>
-          </a:p>
-        </p:txBody>
-      </p:sp>
-      <p:sp>
-        <p:nvSpPr>
-          <p:cNvPr id="5" name="Rectangle 4"/>
-          <p:cNvSpPr/>
-          <p:nvPr/>
-        </p:nvSpPr>
-        <p:spPr>
-          <a:xfrm flipH="1">
-            <a:off x="702906" y="2090057"/>
-            <a:ext cx="74334" cy="2202026"/>
-          </a:xfrm>
-          <a:prstGeom prst="rect">
-            <a:avLst/>
-          </a:prstGeom>
-          <a:solidFill>
-            <a:srgbClr val="D2691E"/>
-          </a:solidFill>
-          <a:ln>
-            <a:noFill/>
-          </a:ln>
-        </p:spPr>
-        <p:style>
-          <a:lnRef idx="1">
-            <a:schemeClr val="accent1"/>
-          </a:lnRef>
-          <a:fillRef idx="3">
-            <a:schemeClr val="accent1"/>
-          </a:fillRef>
-          <a:effectRef idx="2">
-            <a:schemeClr val="accent1"/>
-          </a:effectRef>
-          <a:fontRef idx="minor">
-            <a:schemeClr val="lt1"/>
-          </a:fontRef>
-        </p:style>
-        <p:txBody>
-          <a:bodyPr rtlCol="0" anchor="ctr"/>
-          <a:lstStyle/>
-          <a:p>
-            <a:pPr algn="ctr"/>
-            <a:endParaRPr/>
-          </a:p>
-        </p:txBody>
-      </p:sp>
-      <p:sp>
-        <p:nvSpPr>
-          <p:cNvPr id="6" name="TextBox 5">
-            <a:extLst>
-              <a:ext uri="{FF2B5EF4-FFF2-40B4-BE49-F238E27FC236}">
-                <a16:creationId xmlns:a16="http://schemas.microsoft.com/office/drawing/2014/main" id="{3D131BFF-E8BC-B2BF-821D-30ED819C5D14}"/>
-              </a:ext>
-            </a:extLst>
-          </p:cNvPr>
-          <p:cNvSpPr txBox="1"/>
-          <p:nvPr/>
-        </p:nvSpPr>
-        <p:spPr>
-          <a:xfrm>
-            <a:off x="653142" y="5015845"/>
-            <a:ext cx="7184571" cy="738664"/>
-          </a:xfrm>
-          <a:prstGeom prst="rect">
-            <a:avLst/>
-          </a:prstGeom>
-          <a:noFill/>
-        </p:spPr>
-        <p:txBody>
-          <a:bodyPr wrap="square" rtlCol="0">
-            <a:spAutoFit/>
-          </a:bodyPr>
-          <a:lstStyle/>
-          <a:p>
-            <a:pPr marL="0" marR="0" lvl="0" indent="0" algn="l" defTabSz="457200" rtl="0" eaLnBrk="1" fontAlgn="auto" latinLnBrk="0" hangingPunct="1">
-              <a:lnSpc>
-                <a:spcPct val="100000"/>
-              </a:lnSpc>
-              <a:spcBef>
-                <a:spcPts val="800"/>
-              </a:spcBef>
-              <a:spcAft>
-                <a:spcPts val="0"/>
-              </a:spcAft>
-              <a:buClrTx/>
-              <a:buSzTx/>
-              <a:buFontTx/>
-              <a:buNone/>
-              <a:tabLst/>
-              <a:defRPr sz="2400">
-                <a:solidFill>
-                  <a:srgbClr val="FFFFFF"/>
-                </a:solidFill>
-                <a:latin typeface="Arial"/>
-              </a:defRPr>
-            </a:pPr>
-            <a:r>
-              <a:rPr kumimoji="0" lang="en-US" sz="2400" b="0" i="0" u="none" strike="noStrike" kern="1200" cap="none" spc="0" normalizeH="0" baseline="0" noProof="0" dirty="0">
-                <a:ln>
-                  <a:noFill/>
-                </a:ln>
-                <a:solidFill>
-                  <a:srgbClr val="111827"/>
-                </a:solidFill>
-                <a:effectLst/>
-                <a:uLnTx/>
-                <a:uFillTx/>
-                <a:latin typeface="Arial"/>
-                <a:ea typeface="+mn-ea"/>
-                <a:cs typeface="+mn-cs"/>
-              </a:rPr>
-              <a:t>Click + New notebook to start a fresh notebook</a:t>
-            </a:r>
-          </a:p>
-          <a:p>
-            <a:endParaRPr lang="en-US" dirty="0"/>
-          </a:p>
-        </p:txBody>
-      </p:sp>
+              <a:t> Interface</a:t>
+            </a:r>
+            <a:r>
+              <a:rPr lang="en-US" dirty="0">
+                <a:solidFill>
+                  <a:srgbClr val="374151"/>
+                </a:solidFill>
+              </a:rPr>
+              <a:t>: Notebook + Gemini</a:t>
+            </a:r>
+            <a:endParaRPr dirty="0">
+              <a:solidFill>
+                <a:srgbClr val="374151"/>
+              </a:solidFill>
+            </a:endParaRPr>
+          </a:p>
+        </p:txBody>
+      </p:sp>
+      <p:pic>
+        <p:nvPicPr>
+          <p:cNvPr id="4" name="Picture 3" descr="colab2.png"/>
+          <p:cNvPicPr>
+            <a:picLocks noChangeAspect="1"/>
+          </p:cNvPicPr>
+          <p:nvPr/>
+        </p:nvPicPr>
+        <p:blipFill>
+          <a:blip r:embed="rId2"/>
+          <a:stretch>
+            <a:fillRect/>
+          </a:stretch>
+        </p:blipFill>
+        <p:spPr>
+          <a:xfrm>
+            <a:off x="1828800" y="1828800"/>
+            <a:ext cx="10400522" cy="6224889"/>
+          </a:xfrm>
+          <a:prstGeom prst="rect">
+            <a:avLst/>
+          </a:prstGeom>
+        </p:spPr>
+      </p:pic>
     </p:spTree>
   </p:cSld>
   <p:clrMapOvr>
@@ -10632,58 +10346,14 @@
       </p:grpSpPr>
       <p:sp>
         <p:nvSpPr>
-          <p:cNvPr id="2" name="Rectangle 1"/>
-          <p:cNvSpPr/>
-          <p:nvPr/>
-        </p:nvSpPr>
-        <p:spPr>
-          <a:xfrm>
-            <a:off x="0" y="0"/>
-            <a:ext cx="14630400" cy="8229600"/>
-          </a:xfrm>
-          <a:prstGeom prst="rect">
-            <a:avLst/>
-          </a:prstGeom>
-          <a:solidFill>
-            <a:srgbClr val="121212"/>
-          </a:solidFill>
-          <a:ln>
-            <a:noFill/>
-          </a:ln>
-        </p:spPr>
-        <p:style>
-          <a:lnRef idx="1">
-            <a:schemeClr val="accent1"/>
-          </a:lnRef>
-          <a:fillRef idx="3">
-            <a:schemeClr val="accent1"/>
-          </a:fillRef>
-          <a:effectRef idx="2">
-            <a:schemeClr val="accent1"/>
-          </a:effectRef>
-          <a:fontRef idx="minor">
-            <a:schemeClr val="lt1"/>
-          </a:fontRef>
-        </p:style>
-        <p:txBody>
-          <a:bodyPr rtlCol="0" anchor="ctr"/>
-          <a:lstStyle/>
-          <a:p>
-            <a:pPr algn="ctr"/>
-            <a:endParaRPr/>
-          </a:p>
-        </p:txBody>
-      </p:sp>
-      <p:sp>
-        <p:nvSpPr>
-          <p:cNvPr id="3" name="TextBox 2"/>
+          <p:cNvPr id="2" name="TextBox 1"/>
           <p:cNvSpPr txBox="1"/>
           <p:nvPr/>
         </p:nvSpPr>
         <p:spPr>
           <a:xfrm>
-            <a:off x="914400" y="731520"/>
-            <a:ext cx="12801600" cy="1097280"/>
+            <a:off x="793790" y="894278"/>
+            <a:ext cx="13042821" cy="1417558"/>
           </a:xfrm>
           <a:prstGeom prst="rect">
             <a:avLst/>
@@ -10691,33 +10361,27 @@
           <a:noFill/>
         </p:spPr>
         <p:txBody>
-          <a:bodyPr wrap="none">
+          <a:bodyPr wrap="square">
             <a:spAutoFit/>
           </a:bodyPr>
           <a:lstStyle/>
           <a:p>
-            <a:pPr>
-              <a:defRPr sz="4400" b="1">
-                <a:solidFill>
-                  <a:srgbClr val="FFFFFF"/>
-                </a:solidFill>
-                <a:latin typeface="Arial"/>
-              </a:defRPr>
-            </a:pPr>
-            <a:r>
-              <a:rPr>
-                <a:solidFill>
-                  <a:srgbClr val="374151"/>
-                </a:solidFill>
-              </a:rPr>
-              <a:t>The Colab Interface</a:t>
+            <a:pPr algn="l"/>
+            <a:r>
+              <a:rPr sz="4450" b="1">
+                <a:solidFill>
+                  <a:srgbClr val="111827"/>
+                </a:solidFill>
+                <a:latin typeface="Inter Bold"/>
+              </a:rPr>
+              <a:t>How Notebooks Work: The Runtime Connection</a:t>
             </a:r>
           </a:p>
         </p:txBody>
       </p:sp>
       <p:pic>
         <p:nvPicPr>
-          <p:cNvPr id="4" name="Picture 3" descr="colab2.png"/>
+          <p:cNvPr id="3" name="Picture 2" descr="image.png"/>
           <p:cNvPicPr>
             <a:picLocks noChangeAspect="1"/>
           </p:cNvPicPr>
@@ -10731,14 +10395,440 @@
         </p:blipFill>
         <p:spPr>
           <a:xfrm>
-            <a:off x="1828800" y="1828800"/>
-            <a:ext cx="10972800" cy="6567407"/>
+            <a:off x="793790" y="2907149"/>
+            <a:ext cx="5564862" cy="2546866"/>
           </a:xfrm>
           <a:prstGeom prst="rect">
             <a:avLst/>
           </a:prstGeom>
         </p:spPr>
       </p:pic>
+      <p:pic>
+        <p:nvPicPr>
+          <p:cNvPr id="4" name="Picture 3" descr="image.png"/>
+          <p:cNvPicPr>
+            <a:picLocks noChangeAspect="1"/>
+          </p:cNvPicPr>
+          <p:nvPr/>
+        </p:nvPicPr>
+        <p:blipFill>
+          <a:blip r:embed="rId3"/>
+          <a:stretch>
+            <a:fillRect/>
+          </a:stretch>
+        </p:blipFill>
+        <p:spPr>
+          <a:xfrm>
+            <a:off x="5373611" y="3543033"/>
+            <a:ext cx="357797" cy="357797"/>
+          </a:xfrm>
+          <a:prstGeom prst="rect">
+            <a:avLst/>
+          </a:prstGeom>
+        </p:spPr>
+      </p:pic>
+      <p:sp>
+        <p:nvSpPr>
+          <p:cNvPr id="5" name="TextBox 4"/>
+          <p:cNvSpPr txBox="1"/>
+          <p:nvPr/>
+        </p:nvSpPr>
+        <p:spPr>
+          <a:xfrm>
+            <a:off x="5054837" y="4748584"/>
+            <a:ext cx="1044766" cy="646331"/>
+          </a:xfrm>
+          <a:prstGeom prst="rect">
+            <a:avLst/>
+          </a:prstGeom>
+          <a:noFill/>
+        </p:spPr>
+        <p:txBody>
+          <a:bodyPr wrap="square">
+            <a:spAutoFit/>
+          </a:bodyPr>
+          <a:lstStyle/>
+          <a:p>
+            <a:pPr algn="ctr"/>
+            <a:r>
+              <a:rPr b="1" dirty="0">
+                <a:solidFill>
+                  <a:srgbClr val="374151"/>
+                </a:solidFill>
+                <a:latin typeface="Inter Bold"/>
+              </a:rPr>
+              <a:t>Display Results</a:t>
+            </a:r>
+          </a:p>
+        </p:txBody>
+      </p:sp>
+      <p:pic>
+        <p:nvPicPr>
+          <p:cNvPr id="6" name="Picture 5" descr="image.png"/>
+          <p:cNvPicPr>
+            <a:picLocks noChangeAspect="1"/>
+          </p:cNvPicPr>
+          <p:nvPr/>
+        </p:nvPicPr>
+        <p:blipFill>
+          <a:blip r:embed="rId3"/>
+          <a:stretch>
+            <a:fillRect/>
+          </a:stretch>
+        </p:blipFill>
+        <p:spPr>
+          <a:xfrm>
+            <a:off x="4063740" y="3543704"/>
+            <a:ext cx="357797" cy="357796"/>
+          </a:xfrm>
+          <a:prstGeom prst="rect">
+            <a:avLst/>
+          </a:prstGeom>
+        </p:spPr>
+      </p:pic>
+      <p:sp>
+        <p:nvSpPr>
+          <p:cNvPr id="7" name="TextBox 6"/>
+          <p:cNvSpPr txBox="1"/>
+          <p:nvPr/>
+        </p:nvSpPr>
+        <p:spPr>
+          <a:xfrm>
+            <a:off x="3738145" y="4748584"/>
+            <a:ext cx="1044766" cy="584775"/>
+          </a:xfrm>
+          <a:prstGeom prst="rect">
+            <a:avLst/>
+          </a:prstGeom>
+          <a:noFill/>
+        </p:spPr>
+        <p:txBody>
+          <a:bodyPr wrap="square">
+            <a:spAutoFit/>
+          </a:bodyPr>
+          <a:lstStyle/>
+          <a:p>
+            <a:pPr algn="ctr"/>
+            <a:r>
+              <a:rPr sz="1600" b="1" dirty="0">
+                <a:solidFill>
+                  <a:srgbClr val="374151"/>
+                </a:solidFill>
+                <a:latin typeface="Inter Bold"/>
+              </a:rPr>
+              <a:t>Return Output</a:t>
+            </a:r>
+          </a:p>
+        </p:txBody>
+      </p:sp>
+      <p:pic>
+        <p:nvPicPr>
+          <p:cNvPr id="8" name="Picture 7" descr="image.png"/>
+          <p:cNvPicPr>
+            <a:picLocks noChangeAspect="1"/>
+          </p:cNvPicPr>
+          <p:nvPr/>
+        </p:nvPicPr>
+        <p:blipFill>
+          <a:blip r:embed="rId3"/>
+          <a:stretch>
+            <a:fillRect/>
+          </a:stretch>
+        </p:blipFill>
+        <p:spPr>
+          <a:xfrm>
+            <a:off x="2754205" y="3543704"/>
+            <a:ext cx="357797" cy="357796"/>
+          </a:xfrm>
+          <a:prstGeom prst="rect">
+            <a:avLst/>
+          </a:prstGeom>
+        </p:spPr>
+      </p:pic>
+      <p:sp>
+        <p:nvSpPr>
+          <p:cNvPr id="9" name="TextBox 8"/>
+          <p:cNvSpPr txBox="1"/>
+          <p:nvPr/>
+        </p:nvSpPr>
+        <p:spPr>
+          <a:xfrm>
+            <a:off x="2416230" y="4849214"/>
+            <a:ext cx="1069525" cy="369332"/>
+          </a:xfrm>
+          <a:prstGeom prst="rect">
+            <a:avLst/>
+          </a:prstGeom>
+          <a:noFill/>
+        </p:spPr>
+        <p:txBody>
+          <a:bodyPr wrap="none">
+            <a:spAutoFit/>
+          </a:bodyPr>
+          <a:lstStyle/>
+          <a:p>
+            <a:pPr algn="ctr"/>
+            <a:r>
+              <a:rPr b="1" dirty="0">
+                <a:solidFill>
+                  <a:srgbClr val="374151"/>
+                </a:solidFill>
+                <a:latin typeface="Inter Bold"/>
+              </a:rPr>
+              <a:t>Execute</a:t>
+            </a:r>
+          </a:p>
+        </p:txBody>
+      </p:sp>
+      <p:pic>
+        <p:nvPicPr>
+          <p:cNvPr id="10" name="Picture 9" descr="image.png"/>
+          <p:cNvPicPr>
+            <a:picLocks noChangeAspect="1"/>
+          </p:cNvPicPr>
+          <p:nvPr/>
+        </p:nvPicPr>
+        <p:blipFill>
+          <a:blip r:embed="rId3"/>
+          <a:stretch>
+            <a:fillRect/>
+          </a:stretch>
+        </p:blipFill>
+        <p:spPr>
+          <a:xfrm>
+            <a:off x="1437513" y="3543704"/>
+            <a:ext cx="357797" cy="357796"/>
+          </a:xfrm>
+          <a:prstGeom prst="rect">
+            <a:avLst/>
+          </a:prstGeom>
+        </p:spPr>
+      </p:pic>
+      <p:sp>
+        <p:nvSpPr>
+          <p:cNvPr id="11" name="TextBox 10"/>
+          <p:cNvSpPr txBox="1"/>
+          <p:nvPr/>
+        </p:nvSpPr>
+        <p:spPr>
+          <a:xfrm>
+            <a:off x="957847" y="4849214"/>
+            <a:ext cx="1309974" cy="369332"/>
+          </a:xfrm>
+          <a:prstGeom prst="rect">
+            <a:avLst/>
+          </a:prstGeom>
+          <a:noFill/>
+        </p:spPr>
+        <p:txBody>
+          <a:bodyPr wrap="none">
+            <a:spAutoFit/>
+          </a:bodyPr>
+          <a:lstStyle/>
+          <a:p>
+            <a:pPr algn="ctr"/>
+            <a:r>
+              <a:rPr sz="1600" b="1" dirty="0">
+                <a:solidFill>
+                  <a:srgbClr val="374151"/>
+                </a:solidFill>
+                <a:latin typeface="Inter Bold"/>
+              </a:rPr>
+              <a:t>Send</a:t>
+            </a:r>
+            <a:r>
+              <a:rPr sz="1350" b="1" dirty="0">
+                <a:solidFill>
+                  <a:srgbClr val="374151"/>
+                </a:solidFill>
+                <a:latin typeface="Inter Bold"/>
+              </a:rPr>
+              <a:t> </a:t>
+            </a:r>
+            <a:r>
+              <a:rPr b="1" dirty="0">
+                <a:solidFill>
+                  <a:srgbClr val="374151"/>
+                </a:solidFill>
+                <a:latin typeface="Inter Bold"/>
+              </a:rPr>
+              <a:t>Code</a:t>
+            </a:r>
+          </a:p>
+        </p:txBody>
+      </p:sp>
+      <p:sp>
+        <p:nvSpPr>
+          <p:cNvPr id="12" name="TextBox 11"/>
+          <p:cNvSpPr txBox="1"/>
+          <p:nvPr/>
+        </p:nvSpPr>
+        <p:spPr>
+          <a:xfrm>
+            <a:off x="6919674" y="2856071"/>
+            <a:ext cx="6924437" cy="1015663"/>
+          </a:xfrm>
+          <a:prstGeom prst="rect">
+            <a:avLst/>
+          </a:prstGeom>
+          <a:noFill/>
+        </p:spPr>
+        <p:txBody>
+          <a:bodyPr wrap="square">
+            <a:spAutoFit/>
+          </a:bodyPr>
+          <a:lstStyle/>
+          <a:p>
+            <a:pPr algn="l"/>
+            <a:r>
+              <a:rPr sz="2000" dirty="0">
+                <a:solidFill>
+                  <a:srgbClr val="374151"/>
+                </a:solidFill>
+                <a:latin typeface="Inter"/>
+              </a:rPr>
+              <a:t>Think of a notebook </a:t>
+            </a:r>
+            <a:r>
+              <a:rPr lang="en-US" sz="2000" dirty="0">
+                <a:solidFill>
+                  <a:srgbClr val="374151"/>
+                </a:solidFill>
+                <a:latin typeface="Inter"/>
+              </a:rPr>
+              <a:t>(called a </a:t>
+            </a:r>
+            <a:r>
+              <a:rPr lang="en-US" sz="2000" dirty="0" err="1">
+                <a:solidFill>
+                  <a:srgbClr val="374151"/>
+                </a:solidFill>
+                <a:latin typeface="Inter"/>
+              </a:rPr>
+              <a:t>Jupyter</a:t>
+            </a:r>
+            <a:r>
+              <a:rPr lang="en-US" sz="2000" dirty="0">
+                <a:solidFill>
+                  <a:srgbClr val="374151"/>
+                </a:solidFill>
+                <a:latin typeface="Inter"/>
+              </a:rPr>
+              <a:t> notebook or </a:t>
+            </a:r>
+            <a:r>
+              <a:rPr lang="en-US" sz="2000" dirty="0" err="1">
+                <a:solidFill>
+                  <a:srgbClr val="374151"/>
+                </a:solidFill>
+                <a:latin typeface="Inter"/>
+              </a:rPr>
+              <a:t>Colab</a:t>
+            </a:r>
+            <a:r>
+              <a:rPr lang="en-US" sz="2000" dirty="0">
+                <a:solidFill>
+                  <a:srgbClr val="374151"/>
+                </a:solidFill>
+                <a:latin typeface="Inter"/>
+              </a:rPr>
+              <a:t> notebook) </a:t>
+            </a:r>
+            <a:r>
+              <a:rPr sz="2000" dirty="0">
+                <a:solidFill>
+                  <a:srgbClr val="374151"/>
+                </a:solidFill>
+                <a:latin typeface="Inter"/>
+              </a:rPr>
+              <a:t>as a conversation between you and a computer. Here's the workflow:</a:t>
+            </a:r>
+          </a:p>
+        </p:txBody>
+      </p:sp>
+      <p:sp>
+        <p:nvSpPr>
+          <p:cNvPr id="13" name="TextBox 12"/>
+          <p:cNvSpPr txBox="1"/>
+          <p:nvPr/>
+        </p:nvSpPr>
+        <p:spPr>
+          <a:xfrm>
+            <a:off x="6912173" y="4181609"/>
+            <a:ext cx="6924437" cy="1938992"/>
+          </a:xfrm>
+          <a:prstGeom prst="rect">
+            <a:avLst/>
+          </a:prstGeom>
+          <a:noFill/>
+        </p:spPr>
+        <p:txBody>
+          <a:bodyPr wrap="square">
+            <a:spAutoFit/>
+          </a:bodyPr>
+          <a:lstStyle/>
+          <a:p>
+            <a:pPr marL="457200" indent="-457200" algn="l">
+              <a:buFont typeface="+mj-lt"/>
+              <a:buAutoNum type="arabicPeriod"/>
+            </a:pPr>
+            <a:r>
+              <a:rPr sz="2000" dirty="0">
+                <a:solidFill>
+                  <a:srgbClr val="374151"/>
+                </a:solidFill>
+                <a:latin typeface="Inter"/>
+              </a:rPr>
+              <a:t>Your notebook transmits code to a runtime environment (called a kernel)</a:t>
+            </a:r>
+          </a:p>
+          <a:p>
+            <a:pPr marL="457200" indent="-457200" algn="l">
+              <a:buFont typeface="+mj-lt"/>
+              <a:buAutoNum type="arabicPeriod"/>
+            </a:pPr>
+            <a:r>
+              <a:rPr sz="2000" dirty="0">
+                <a:solidFill>
+                  <a:srgbClr val="374151"/>
+                </a:solidFill>
+                <a:latin typeface="Inter"/>
+              </a:rPr>
+              <a:t>The runtime processes and executes your code</a:t>
+            </a:r>
+          </a:p>
+          <a:p>
+            <a:pPr marL="457200" indent="-457200" algn="l">
+              <a:buFont typeface="+mj-lt"/>
+              <a:buAutoNum type="arabicPeriod"/>
+            </a:pPr>
+            <a:r>
+              <a:rPr sz="2000" dirty="0">
+                <a:solidFill>
+                  <a:srgbClr val="374151"/>
+                </a:solidFill>
+                <a:latin typeface="Inter"/>
+              </a:rPr>
+              <a:t>Results flow back to the notebook interface</a:t>
+            </a:r>
+          </a:p>
+          <a:p>
+            <a:pPr marL="457200" indent="-457200" algn="l">
+              <a:buFont typeface="+mj-lt"/>
+              <a:buAutoNum type="arabicPeriod"/>
+            </a:pPr>
+            <a:r>
+              <a:rPr sz="2000" dirty="0">
+                <a:solidFill>
+                  <a:srgbClr val="374151"/>
+                </a:solidFill>
+                <a:latin typeface="Inter"/>
+              </a:rPr>
+              <a:t>The notebook renders outputs, visualizations, and any error messages</a:t>
+            </a:r>
+          </a:p>
+        </p:txBody>
+      </p:sp>
     </p:spTree>
   </p:cSld>
   <p:clrMapOvr>
